--- a/ASNR_2019_workshop/lohse_ASNR_2019.pptx
+++ b/ASNR_2019_workshop/lohse_ASNR_2019.pptx
@@ -5277,8 +5277,8 @@
           </a:p>
         </p:txBody>
       </p:sp>
-      <mc:AlternateContent xmlns:mc="http://schemas.openxmlformats.org/markup-compatibility/2006">
-        <mc:Choice xmlns:a14="http://schemas.microsoft.com/office/drawing/2010/main" Requires="a14">
+      <mc:AlternateContent xmlns:mc="http://schemas.openxmlformats.org/markup-compatibility/2006" xmlns:a14="http://schemas.microsoft.com/office/drawing/2010/main">
+        <mc:Choice Requires="a14">
           <p:sp>
             <p:nvSpPr>
               <p:cNvPr id="3" name="Content Placeholder 2">
@@ -5390,7 +5390,7 @@
             </p:txBody>
           </p:sp>
         </mc:Choice>
-        <mc:Fallback>
+        <mc:Fallback xmlns="">
           <p:sp>
             <p:nvSpPr>
               <p:cNvPr id="3" name="Content Placeholder 2">
@@ -8970,10 +8970,10 @@
       </p:sp>
       <p:pic>
         <p:nvPicPr>
-          <p:cNvPr id="14" name="Picture 13" descr="A picture containing map, desk, white&#10;&#10;Description automatically generated">
-            <a:extLst>
-              <a:ext uri="{FF2B5EF4-FFF2-40B4-BE49-F238E27FC236}">
-                <a16:creationId xmlns:a16="http://schemas.microsoft.com/office/drawing/2014/main" id="{24E961C2-082D-406C-B45D-4150401E2EDD}"/>
+          <p:cNvPr id="8" name="Picture 7" descr="A picture containing desk, table, white, computer&#10;&#10;Description automatically generated">
+            <a:extLst>
+              <a:ext uri="{FF2B5EF4-FFF2-40B4-BE49-F238E27FC236}">
+                <a16:creationId xmlns:a16="http://schemas.microsoft.com/office/drawing/2014/main" id="{920AB5EA-2DC1-4CA0-8DE5-491F6FF8F9FC}"/>
               </a:ext>
             </a:extLst>
           </p:cNvPr>

--- a/ASNR_2019_workshop/lohse_ASNR_2019.pptx
+++ b/ASNR_2019_workshop/lohse_ASNR_2019.pptx
@@ -226,7 +226,7 @@
           <a:p>
             <a:fld id="{4B676DDE-75BB-4B04-A0BD-5C17E33DC40E}" type="datetimeFigureOut">
               <a:rPr lang="en-US" smtClean="0"/>
-              <a:t>10/6/2019</a:t>
+              <a:t>10/7/2019</a:t>
             </a:fld>
             <a:endParaRPr lang="en-US"/>
           </a:p>
@@ -706,7 +706,7 @@
           <a:p>
             <a:fld id="{D895B63A-1390-4120-94EB-00092381E02F}" type="datetime1">
               <a:rPr lang="en-US" smtClean="0"/>
-              <a:t>10/6/2019</a:t>
+              <a:t>10/7/2019</a:t>
             </a:fld>
             <a:endParaRPr lang="en-US"/>
           </a:p>
@@ -874,7 +874,7 @@
           <a:p>
             <a:fld id="{5F9A8DF6-2286-4D85-88A8-00AC199A2C34}" type="datetime1">
               <a:rPr lang="en-US" smtClean="0"/>
-              <a:t>10/6/2019</a:t>
+              <a:t>10/7/2019</a:t>
             </a:fld>
             <a:endParaRPr lang="en-US"/>
           </a:p>
@@ -1052,7 +1052,7 @@
           <a:p>
             <a:fld id="{56AE0AFB-8BB9-4422-BB79-0EF175454CED}" type="datetime1">
               <a:rPr lang="en-US" smtClean="0"/>
-              <a:t>10/6/2019</a:t>
+              <a:t>10/7/2019</a:t>
             </a:fld>
             <a:endParaRPr lang="en-US"/>
           </a:p>
@@ -1220,7 +1220,7 @@
           <a:p>
             <a:fld id="{5547C99B-7F2C-4E84-8128-EB3E64FAD082}" type="datetime1">
               <a:rPr lang="en-US" smtClean="0"/>
-              <a:t>10/6/2019</a:t>
+              <a:t>10/7/2019</a:t>
             </a:fld>
             <a:endParaRPr lang="en-US"/>
           </a:p>
@@ -1465,7 +1465,7 @@
           <a:p>
             <a:fld id="{A8B6FB65-6EAB-49E5-A1DB-3E80C39C53B8}" type="datetime1">
               <a:rPr lang="en-US" smtClean="0"/>
-              <a:t>10/6/2019</a:t>
+              <a:t>10/7/2019</a:t>
             </a:fld>
             <a:endParaRPr lang="en-US"/>
           </a:p>
@@ -1694,7 +1694,7 @@
           <a:p>
             <a:fld id="{BB999224-D20E-45FC-AB47-7036B7429E06}" type="datetime1">
               <a:rPr lang="en-US" smtClean="0"/>
-              <a:t>10/6/2019</a:t>
+              <a:t>10/7/2019</a:t>
             </a:fld>
             <a:endParaRPr lang="en-US"/>
           </a:p>
@@ -2058,7 +2058,7 @@
           <a:p>
             <a:fld id="{AAE4B67A-60ED-4797-943A-55D5CD883011}" type="datetime1">
               <a:rPr lang="en-US" smtClean="0"/>
-              <a:t>10/6/2019</a:t>
+              <a:t>10/7/2019</a:t>
             </a:fld>
             <a:endParaRPr lang="en-US"/>
           </a:p>
@@ -2175,7 +2175,7 @@
           <a:p>
             <a:fld id="{D3920365-48B9-4CE9-9604-727AE8FB1773}" type="datetime1">
               <a:rPr lang="en-US" smtClean="0"/>
-              <a:t>10/6/2019</a:t>
+              <a:t>10/7/2019</a:t>
             </a:fld>
             <a:endParaRPr lang="en-US"/>
           </a:p>
@@ -2270,7 +2270,7 @@
           <a:p>
             <a:fld id="{28CDC5B5-E9BF-4312-938F-57F5458B9411}" type="datetime1">
               <a:rPr lang="en-US" smtClean="0"/>
-              <a:t>10/6/2019</a:t>
+              <a:t>10/7/2019</a:t>
             </a:fld>
             <a:endParaRPr lang="en-US"/>
           </a:p>
@@ -2545,7 +2545,7 @@
           <a:p>
             <a:fld id="{68D61C03-418D-427D-912F-3A80D46B024B}" type="datetime1">
               <a:rPr lang="en-US" smtClean="0"/>
-              <a:t>10/6/2019</a:t>
+              <a:t>10/7/2019</a:t>
             </a:fld>
             <a:endParaRPr lang="en-US"/>
           </a:p>
@@ -2797,7 +2797,7 @@
           <a:p>
             <a:fld id="{361C2541-89D1-43A5-9247-9C9B7AE89E66}" type="datetime1">
               <a:rPr lang="en-US" smtClean="0"/>
-              <a:t>10/6/2019</a:t>
+              <a:t>10/7/2019</a:t>
             </a:fld>
             <a:endParaRPr lang="en-US"/>
           </a:p>
@@ -3008,7 +3008,7 @@
           <a:p>
             <a:fld id="{55117F07-1C55-41A1-B81A-75CAA13E3CFD}" type="datetime1">
               <a:rPr lang="en-US" smtClean="0"/>
-              <a:t>10/6/2019</a:t>
+              <a:t>10/7/2019</a:t>
             </a:fld>
             <a:endParaRPr lang="en-US" dirty="0"/>
           </a:p>
@@ -3210,7 +3210,7 @@
           <p:nvPr userDrawn="1"/>
         </p:nvPicPr>
         <p:blipFill>
-          <a:blip r:embed="rId13">
+          <a:blip r:embed="rId13" cstate="hqprint">
             <a:extLst>
               <a:ext uri="{28A0092B-C50C-407E-A947-70E740481C1C}">
                 <a14:useLocalDpi xmlns:a14="http://schemas.microsoft.com/office/drawing/2010/main" val="0"/>
@@ -3997,7 +3997,7 @@
           <p:nvPr/>
         </p:nvPicPr>
         <p:blipFill>
-          <a:blip r:embed="rId6">
+          <a:blip r:embed="rId6" cstate="hqprint">
             <a:extLst>
               <a:ext uri="{28A0092B-C50C-407E-A947-70E740481C1C}">
                 <a14:useLocalDpi xmlns:a14="http://schemas.microsoft.com/office/drawing/2010/main" val="0"/>
@@ -4054,26 +4054,8 @@
                     <a:lumOff val="35000"/>
                   </a:schemeClr>
                 </a:solidFill>
-                <a:hlinkClick r:id="rId7">
-                  <a:extLst>
-                    <a:ext uri="{A12FA001-AC4F-418D-AE19-62706E023703}">
-                      <ahyp:hlinkClr xmlns:ahyp="http://schemas.microsoft.com/office/drawing/2018/hyperlinkcolor" val="tx"/>
-                    </a:ext>
-                  </a:extLst>
-                </a:hlinkClick>
               </a:rPr>
-              <a:t>https://github.com/keithlohse/ASNR</a:t>
-            </a:r>
-            <a:r>
-              <a:rPr lang="en-US" dirty="0">
-                <a:solidFill>
-                  <a:schemeClr val="tx1">
-                    <a:lumMod val="65000"/>
-                    <a:lumOff val="35000"/>
-                  </a:schemeClr>
-                </a:solidFill>
-              </a:rPr>
-              <a:t> </a:t>
+              <a:t>https://github.com/keithlohse/ASNR </a:t>
             </a:r>
           </a:p>
         </p:txBody>
@@ -4088,6 +4070,13 @@
   <p:clrMapOvr>
     <a:masterClrMapping/>
   </p:clrMapOvr>
+  <p:timing>
+    <p:tnLst>
+      <p:par>
+        <p:cTn id="1" dur="indefinite" restart="never" nodeType="tmRoot"/>
+      </p:par>
+    </p:tnLst>
+  </p:timing>
 </p:sld>
 </file>
 
@@ -4265,7 +4254,7 @@
           <a:p>
             <a:fld id="{5547C99B-7F2C-4E84-8128-EB3E64FAD082}" type="datetime1">
               <a:rPr lang="en-US" smtClean="0"/>
-              <a:t>10/6/2019</a:t>
+              <a:t>10/7/2019</a:t>
             </a:fld>
             <a:endParaRPr lang="en-US"/>
           </a:p>
@@ -4354,6 +4343,13 @@
   <p:clrMapOvr>
     <a:masterClrMapping/>
   </p:clrMapOvr>
+  <p:timing>
+    <p:tnLst>
+      <p:par>
+        <p:cTn id="1" dur="indefinite" restart="never" nodeType="tmRoot"/>
+      </p:par>
+    </p:tnLst>
+  </p:timing>
 </p:sld>
 </file>
 
@@ -4432,7 +4428,15 @@
           <a:p>
             <a:r>
               <a:rPr lang="en-US" dirty="0"/>
-              <a:t>Ultimately, anyway you create your visuals is fine as long as your visuals are accurate and informative.</a:t>
+              <a:t>Ultimately, </a:t>
+            </a:r>
+            <a:r>
+              <a:rPr lang="en-US" dirty="0" smtClean="0"/>
+              <a:t>any way </a:t>
+            </a:r>
+            <a:r>
+              <a:rPr lang="en-US" dirty="0"/>
+              <a:t>you create your visuals is fine as long as your visuals are accurate and informative.</a:t>
             </a:r>
           </a:p>
           <a:p>
@@ -4481,7 +4485,7 @@
           <a:p>
             <a:fld id="{5547C99B-7F2C-4E84-8128-EB3E64FAD082}" type="datetime1">
               <a:rPr lang="en-US" smtClean="0"/>
-              <a:t>10/6/2019</a:t>
+              <a:t>10/7/2019</a:t>
             </a:fld>
             <a:endParaRPr lang="en-US"/>
           </a:p>
@@ -4591,6 +4595,13 @@
   <p:clrMapOvr>
     <a:masterClrMapping/>
   </p:clrMapOvr>
+  <p:timing>
+    <p:tnLst>
+      <p:par>
+        <p:cTn id="1" dur="indefinite" restart="never" nodeType="tmRoot"/>
+      </p:par>
+    </p:tnLst>
+  </p:timing>
 </p:sld>
 </file>
 
@@ -4634,7 +4645,7 @@
           <a:p>
             <a:fld id="{28CDC5B5-E9BF-4312-938F-57F5458B9411}" type="datetime1">
               <a:rPr lang="en-US" smtClean="0"/>
-              <a:t>10/6/2019</a:t>
+              <a:t>10/7/2019</a:t>
             </a:fld>
             <a:endParaRPr lang="en-US"/>
           </a:p>
@@ -4808,10 +4819,10 @@
       </p:cxnSp>
       <p:pic>
         <p:nvPicPr>
-          <p:cNvPr id="9" name="Picture 8" descr="A picture containing bird&#10;&#10;Description automatically generated">
-            <a:extLst>
-              <a:ext uri="{FF2B5EF4-FFF2-40B4-BE49-F238E27FC236}">
-                <a16:creationId xmlns:a16="http://schemas.microsoft.com/office/drawing/2014/main" id="{91F0D3E2-C044-437C-9441-E021C5B66D4F}"/>
+          <p:cNvPr id="8" name="Picture 7" descr="A picture containing bird&#10;&#10;Description automatically generated">
+            <a:extLst>
+              <a:ext uri="{FF2B5EF4-FFF2-40B4-BE49-F238E27FC236}">
+                <a16:creationId xmlns:a16="http://schemas.microsoft.com/office/drawing/2014/main" id="{1053FA8F-05C0-4D27-8D10-AAE65FC365BB}"/>
               </a:ext>
             </a:extLst>
           </p:cNvPr>
@@ -4834,8 +4845,8 @@
         </p:blipFill>
         <p:spPr>
           <a:xfrm>
-            <a:off x="3952874" y="2565400"/>
-            <a:ext cx="4286250" cy="1428750"/>
+            <a:off x="4724400" y="2565400"/>
+            <a:ext cx="2743200" cy="914400"/>
           </a:xfrm>
           <a:prstGeom prst="rect">
             <a:avLst/>
@@ -4852,6 +4863,13 @@
   <p:clrMapOvr>
     <a:masterClrMapping/>
   </p:clrMapOvr>
+  <p:timing>
+    <p:tnLst>
+      <p:par>
+        <p:cTn id="1" dur="indefinite" restart="never" nodeType="tmRoot"/>
+      </p:par>
+    </p:tnLst>
+  </p:timing>
 </p:sld>
 </file>
 
@@ -4965,7 +4983,7 @@
           <a:p>
             <a:fld id="{5547C99B-7F2C-4E84-8128-EB3E64FAD082}" type="datetime1">
               <a:rPr lang="en-US" smtClean="0"/>
-              <a:t>10/6/2019</a:t>
+              <a:t>10/7/2019</a:t>
             </a:fld>
             <a:endParaRPr lang="en-US"/>
           </a:p>
@@ -5229,6 +5247,13 @@
   <p:clrMapOvr>
     <a:masterClrMapping/>
   </p:clrMapOvr>
+  <p:timing>
+    <p:tnLst>
+      <p:par>
+        <p:cTn id="1" dur="indefinite" restart="never" nodeType="tmRoot"/>
+      </p:par>
+    </p:tnLst>
+  </p:timing>
 </p:sld>
 </file>
 
@@ -5318,7 +5343,7 @@
                 <a:pPr lvl="1"/>
                 <a:r>
                   <a:rPr lang="en-US" dirty="0"/>
-                  <a:t>These are between subject’s standard errors, and our manipulation occurred within subjects. </a:t>
+                  <a:t>These are between subjects standard errors, and our manipulation occurred within subjects. </a:t>
                 </a:r>
                 <a:r>
                   <a:rPr lang="en-US" sz="1400" dirty="0"/>
@@ -5333,7 +5358,7 @@
                 <a:pPr lvl="1"/>
                 <a:r>
                   <a:rPr lang="en-US" dirty="0"/>
-                  <a:t>The standard error confounds standard deviation with simple size, </a:t>
+                  <a:t>The standard error confounds standard deviation with sample size, </a:t>
                 </a:r>
                 <a14:m>
                   <m:oMath xmlns:m="http://schemas.openxmlformats.org/officeDocument/2006/math">
@@ -5457,7 +5482,7 @@
           <a:p>
             <a:fld id="{5547C99B-7F2C-4E84-8128-EB3E64FAD082}" type="datetime1">
               <a:rPr lang="en-US" smtClean="0"/>
-              <a:t>10/6/2019</a:t>
+              <a:t>10/7/2019</a:t>
             </a:fld>
             <a:endParaRPr lang="en-US"/>
           </a:p>
@@ -5721,6 +5746,13 @@
   <p:clrMapOvr>
     <a:masterClrMapping/>
   </p:clrMapOvr>
+  <p:timing>
+    <p:tnLst>
+      <p:par>
+        <p:cTn id="1" dur="indefinite" restart="never" nodeType="tmRoot"/>
+      </p:par>
+    </p:tnLst>
+  </p:timing>
 </p:sld>
 </file>
 
@@ -5885,7 +5917,7 @@
           <a:p>
             <a:fld id="{5547C99B-7F2C-4E84-8128-EB3E64FAD082}" type="datetime1">
               <a:rPr lang="en-US" smtClean="0"/>
-              <a:t>10/6/2019</a:t>
+              <a:t>10/7/2019</a:t>
             </a:fld>
             <a:endParaRPr lang="en-US"/>
           </a:p>
@@ -6149,6 +6181,13 @@
   <p:clrMapOvr>
     <a:masterClrMapping/>
   </p:clrMapOvr>
+  <p:timing>
+    <p:tnLst>
+      <p:par>
+        <p:cTn id="1" dur="indefinite" restart="never" nodeType="tmRoot"/>
+      </p:par>
+    </p:tnLst>
+  </p:timing>
 </p:sld>
 </file>
 
@@ -6322,9 +6361,6 @@
               <a:t>In a within-subject design, we might want to know which points belong to whom. </a:t>
             </a:r>
           </a:p>
-          <a:p>
-            <a:endParaRPr lang="en-US" dirty="0"/>
-          </a:p>
         </p:txBody>
       </p:sp>
       <p:sp>
@@ -6350,7 +6386,7 @@
           <a:p>
             <a:fld id="{5547C99B-7F2C-4E84-8128-EB3E64FAD082}" type="datetime1">
               <a:rPr lang="en-US" smtClean="0"/>
-              <a:t>10/6/2019</a:t>
+              <a:t>10/7/2019</a:t>
             </a:fld>
             <a:endParaRPr lang="en-US"/>
           </a:p>
@@ -6578,6 +6614,13 @@
   <p:clrMapOvr>
     <a:masterClrMapping/>
   </p:clrMapOvr>
+  <p:timing>
+    <p:tnLst>
+      <p:par>
+        <p:cTn id="1" dur="indefinite" restart="never" nodeType="tmRoot"/>
+      </p:par>
+    </p:tnLst>
+  </p:timing>
 </p:sld>
 </file>
 
@@ -6686,60 +6729,32 @@
         </p:spPr>
         <p:txBody>
           <a:bodyPr>
-            <a:normAutofit fontScale="77500" lnSpcReduction="20000"/>
+            <a:normAutofit/>
           </a:bodyPr>
           <a:lstStyle/>
           <a:p>
             <a:r>
-              <a:rPr lang="en-US" dirty="0"/>
-              <a:t>Now this is good! By playing with overlay and transparency, </a:t>
-            </a:r>
-            <a:r>
-              <a:rPr lang="en-US" b="1" u="sng" dirty="0"/>
-              <a:t>group-level</a:t>
-            </a:r>
-            <a:r>
-              <a:rPr lang="en-US" dirty="0"/>
-              <a:t> statistics are emphasized (for inference). </a:t>
-            </a:r>
-          </a:p>
-          <a:p>
+              <a:rPr lang="en-US" dirty="0" smtClean="0"/>
+              <a:t>We can overlay the means for each condition on top of the data for each condition</a:t>
+            </a:r>
+            <a:r>
+              <a:rPr lang="en-US" dirty="0" smtClean="0"/>
+              <a:t>.</a:t>
+            </a:r>
+          </a:p>
+          <a:p>
+            <a:endParaRPr lang="en-US" dirty="0" smtClean="0"/>
+          </a:p>
+          <a:p>
+            <a:r>
+              <a:rPr lang="en-US" dirty="0" smtClean="0"/>
+              <a:t>By connecting the dots, we can also provide information about the correlation between conditions</a:t>
+            </a:r>
+            <a:r>
+              <a:rPr lang="en-US" smtClean="0"/>
+              <a:t>. </a:t>
+            </a:r>
             <a:endParaRPr lang="en-US" dirty="0"/>
-          </a:p>
-          <a:p>
-            <a:r>
-              <a:rPr lang="en-US" dirty="0"/>
-              <a:t>But all of the </a:t>
-            </a:r>
-            <a:r>
-              <a:rPr lang="en-US" b="1" u="sng" dirty="0"/>
-              <a:t>participant-level</a:t>
-            </a:r>
-            <a:r>
-              <a:rPr lang="en-US" dirty="0"/>
-              <a:t> data are also visible (for description/assumptions). </a:t>
-            </a:r>
-          </a:p>
-          <a:p>
-            <a:endParaRPr lang="en-US" dirty="0"/>
-          </a:p>
-          <a:p>
-            <a:pPr lvl="1"/>
-            <a:r>
-              <a:rPr lang="en-US" dirty="0"/>
-              <a:t>One issue is that boxplots show medians, but most of our inferential statistics are based on means. </a:t>
-            </a:r>
-          </a:p>
-          <a:p>
-            <a:pPr lvl="1"/>
-            <a:endParaRPr lang="en-US" dirty="0"/>
-          </a:p>
-          <a:p>
-            <a:pPr lvl="1"/>
-            <a:r>
-              <a:rPr lang="en-US" dirty="0"/>
-              <a:t>This isn’t bad, but potentially lacks correspondence between visualization and analysis.</a:t>
-            </a:r>
           </a:p>
           <a:p>
             <a:endParaRPr lang="en-US" dirty="0"/>
@@ -6769,7 +6784,7 @@
           <a:p>
             <a:fld id="{5547C99B-7F2C-4E84-8128-EB3E64FAD082}" type="datetime1">
               <a:rPr lang="en-US" smtClean="0"/>
-              <a:t>10/6/2019</a:t>
+              <a:t>10/7/2019</a:t>
             </a:fld>
             <a:endParaRPr lang="en-US"/>
           </a:p>
@@ -6997,6 +7012,13 @@
   <p:clrMapOvr>
     <a:masterClrMapping/>
   </p:clrMapOvr>
+  <p:timing>
+    <p:tnLst>
+      <p:par>
+        <p:cTn id="1" dur="indefinite" restart="never" nodeType="tmRoot"/>
+      </p:par>
+    </p:tnLst>
+  </p:timing>
 </p:sld>
 </file>
 
@@ -7040,7 +7062,7 @@
           <a:p>
             <a:fld id="{28CDC5B5-E9BF-4312-938F-57F5458B9411}" type="datetime1">
               <a:rPr lang="en-US" smtClean="0"/>
-              <a:t>10/6/2019</a:t>
+              <a:t>10/7/2019</a:t>
             </a:fld>
             <a:endParaRPr lang="en-US"/>
           </a:p>
@@ -7240,8 +7262,8 @@
         </p:blipFill>
         <p:spPr>
           <a:xfrm>
-            <a:off x="3952874" y="2565400"/>
-            <a:ext cx="4286250" cy="1428750"/>
+            <a:off x="4724400" y="2565400"/>
+            <a:ext cx="2743200" cy="914400"/>
           </a:xfrm>
           <a:prstGeom prst="rect">
             <a:avLst/>
@@ -7258,6 +7280,13 @@
   <p:clrMapOvr>
     <a:masterClrMapping/>
   </p:clrMapOvr>
+  <p:timing>
+    <p:tnLst>
+      <p:par>
+        <p:cTn id="1" dur="indefinite" restart="never" nodeType="tmRoot"/>
+      </p:par>
+    </p:tnLst>
+  </p:timing>
 </p:sld>
 </file>
 
@@ -7434,7 +7463,7 @@
           <a:p>
             <a:fld id="{5547C99B-7F2C-4E84-8128-EB3E64FAD082}" type="datetime1">
               <a:rPr lang="en-US" smtClean="0"/>
-              <a:t>10/6/2019</a:t>
+              <a:t>10/7/2019</a:t>
             </a:fld>
             <a:endParaRPr lang="en-US"/>
           </a:p>
@@ -7594,6 +7623,13 @@
   <p:clrMapOvr>
     <a:masterClrMapping/>
   </p:clrMapOvr>
+  <p:timing>
+    <p:tnLst>
+      <p:par>
+        <p:cTn id="1" dur="indefinite" restart="never" nodeType="tmRoot"/>
+      </p:par>
+    </p:tnLst>
+  </p:timing>
 </p:sld>
 </file>
 
@@ -7672,7 +7708,15 @@
             <a:pPr lvl="1"/>
             <a:r>
               <a:rPr lang="en-US" dirty="0"/>
-              <a:t>Save yourself a lot of time with reproducible code based graphics. </a:t>
+              <a:t>Save yourself a lot of time with </a:t>
+            </a:r>
+            <a:r>
+              <a:rPr lang="en-US" dirty="0" smtClean="0"/>
+              <a:t>reproducible, </a:t>
+            </a:r>
+            <a:r>
+              <a:rPr lang="en-US" dirty="0"/>
+              <a:t>code based graphics. </a:t>
             </a:r>
           </a:p>
           <a:p>
@@ -7733,7 +7777,7 @@
           <a:p>
             <a:fld id="{5547C99B-7F2C-4E84-8128-EB3E64FAD082}" type="datetime1">
               <a:rPr lang="en-US" smtClean="0"/>
-              <a:t>10/6/2019</a:t>
+              <a:t>10/7/2019</a:t>
             </a:fld>
             <a:endParaRPr lang="en-US"/>
           </a:p>
@@ -7778,6 +7822,13 @@
   <p:clrMapOvr>
     <a:masterClrMapping/>
   </p:clrMapOvr>
+  <p:timing>
+    <p:tnLst>
+      <p:par>
+        <p:cTn id="1" dur="indefinite" restart="never" nodeType="tmRoot"/>
+      </p:par>
+    </p:tnLst>
+  </p:timing>
 </p:sld>
 </file>
 
@@ -7849,7 +7900,7 @@
           <a:p>
             <a:fld id="{5547C99B-7F2C-4E84-8128-EB3E64FAD082}" type="datetime1">
               <a:rPr lang="en-US" smtClean="0"/>
-              <a:t>10/6/2019</a:t>
+              <a:t>10/7/2019</a:t>
             </a:fld>
             <a:endParaRPr lang="en-US"/>
           </a:p>
@@ -8084,7 +8135,7 @@
           <p:nvPr/>
         </p:nvPicPr>
         <p:blipFill rotWithShape="1">
-          <a:blip r:embed="rId4">
+          <a:blip r:embed="rId4" cstate="hqprint">
             <a:extLst>
               <a:ext uri="{28A0092B-C50C-407E-A947-70E740481C1C}">
                 <a14:useLocalDpi xmlns:a14="http://schemas.microsoft.com/office/drawing/2010/main" val="0"/>
@@ -8237,6 +8288,13 @@
   <p:clrMapOvr>
     <a:masterClrMapping/>
   </p:clrMapOvr>
+  <p:timing>
+    <p:tnLst>
+      <p:par>
+        <p:cTn id="1" dur="indefinite" restart="never" nodeType="tmRoot"/>
+      </p:par>
+    </p:tnLst>
+  </p:timing>
 </p:sld>
 </file>
 
@@ -8313,7 +8371,15 @@
           <a:p>
             <a:r>
               <a:rPr lang="en-US" dirty="0"/>
-              <a:t>But learning is continuous process that happens over time.</a:t>
+              <a:t>But learning </a:t>
+            </a:r>
+            <a:r>
+              <a:rPr lang="en-US"/>
+              <a:t>is a continuous </a:t>
+            </a:r>
+            <a:r>
+              <a:rPr lang="en-US" dirty="0"/>
+              <a:t>process that happens over time.</a:t>
             </a:r>
           </a:p>
           <a:p>
@@ -8350,7 +8416,7 @@
           <a:p>
             <a:fld id="{5547C99B-7F2C-4E84-8128-EB3E64FAD082}" type="datetime1">
               <a:rPr lang="en-US" smtClean="0"/>
-              <a:t>10/6/2019</a:t>
+              <a:t>10/7/2019</a:t>
             </a:fld>
             <a:endParaRPr lang="en-US"/>
           </a:p>
@@ -8431,6 +8497,13 @@
   <p:clrMapOvr>
     <a:masterClrMapping/>
   </p:clrMapOvr>
+  <p:timing>
+    <p:tnLst>
+      <p:par>
+        <p:cTn id="1" dur="indefinite" restart="never" nodeType="tmRoot"/>
+      </p:par>
+    </p:tnLst>
+  </p:timing>
 </p:sld>
 </file>
 
@@ -8561,7 +8634,7 @@
           <a:p>
             <a:fld id="{5547C99B-7F2C-4E84-8128-EB3E64FAD082}" type="datetime1">
               <a:rPr lang="en-US" smtClean="0"/>
-              <a:t>10/6/2019</a:t>
+              <a:t>10/7/2019</a:t>
             </a:fld>
             <a:endParaRPr lang="en-US"/>
           </a:p>
@@ -8642,6 +8715,13 @@
   <p:clrMapOvr>
     <a:masterClrMapping/>
   </p:clrMapOvr>
+  <p:timing>
+    <p:tnLst>
+      <p:par>
+        <p:cTn id="1" dur="indefinite" restart="never" nodeType="tmRoot"/>
+      </p:par>
+    </p:tnLst>
+  </p:timing>
 </p:sld>
 </file>
 
@@ -8748,7 +8828,7 @@
           <a:p>
             <a:fld id="{5547C99B-7F2C-4E84-8128-EB3E64FAD082}" type="datetime1">
               <a:rPr lang="en-US" smtClean="0"/>
-              <a:t>10/6/2019</a:t>
+              <a:t>10/7/2019</a:t>
             </a:fld>
             <a:endParaRPr lang="en-US"/>
           </a:p>
@@ -8829,6 +8909,13 @@
   <p:clrMapOvr>
     <a:masterClrMapping/>
   </p:clrMapOvr>
+  <p:timing>
+    <p:tnLst>
+      <p:par>
+        <p:cTn id="1" dur="indefinite" restart="never" nodeType="tmRoot"/>
+      </p:par>
+    </p:tnLst>
+  </p:timing>
 </p:sld>
 </file>
 
@@ -8933,7 +9020,7 @@
           <a:p>
             <a:fld id="{5547C99B-7F2C-4E84-8128-EB3E64FAD082}" type="datetime1">
               <a:rPr lang="en-US" smtClean="0"/>
-              <a:t>10/6/2019</a:t>
+              <a:t>10/7/2019</a:t>
             </a:fld>
             <a:endParaRPr lang="en-US"/>
           </a:p>
@@ -9014,6 +9101,13 @@
   <p:clrMapOvr>
     <a:masterClrMapping/>
   </p:clrMapOvr>
+  <p:timing>
+    <p:tnLst>
+      <p:par>
+        <p:cTn id="1" dur="indefinite" restart="never" nodeType="tmRoot"/>
+      </p:par>
+    </p:tnLst>
+  </p:timing>
 </p:sld>
 </file>
 
@@ -9057,7 +9151,7 @@
           <a:p>
             <a:fld id="{28CDC5B5-E9BF-4312-938F-57F5458B9411}" type="datetime1">
               <a:rPr lang="en-US" smtClean="0"/>
-              <a:t>10/6/2019</a:t>
+              <a:t>10/7/2019</a:t>
             </a:fld>
             <a:endParaRPr lang="en-US"/>
           </a:p>
@@ -9231,10 +9325,10 @@
       </p:cxnSp>
       <p:pic>
         <p:nvPicPr>
-          <p:cNvPr id="8" name="Picture 7" descr="A picture containing bird&#10;&#10;Description automatically generated">
-            <a:extLst>
-              <a:ext uri="{FF2B5EF4-FFF2-40B4-BE49-F238E27FC236}">
-                <a16:creationId xmlns:a16="http://schemas.microsoft.com/office/drawing/2014/main" id="{059F66E2-730D-41B0-A46D-65F5961C454D}"/>
+          <p:cNvPr id="9" name="Picture 8" descr="A picture containing bird&#10;&#10;Description automatically generated">
+            <a:extLst>
+              <a:ext uri="{FF2B5EF4-FFF2-40B4-BE49-F238E27FC236}">
+                <a16:creationId xmlns:a16="http://schemas.microsoft.com/office/drawing/2014/main" id="{778AB890-92BB-4F53-98D0-FFF038D0DAF0}"/>
               </a:ext>
             </a:extLst>
           </p:cNvPr>
@@ -9257,8 +9351,8 @@
         </p:blipFill>
         <p:spPr>
           <a:xfrm>
-            <a:off x="3952874" y="2565400"/>
-            <a:ext cx="4286250" cy="1428750"/>
+            <a:off x="4724400" y="2565400"/>
+            <a:ext cx="2743200" cy="914400"/>
           </a:xfrm>
           <a:prstGeom prst="rect">
             <a:avLst/>
@@ -9275,6 +9369,13 @@
   <p:clrMapOvr>
     <a:masterClrMapping/>
   </p:clrMapOvr>
+  <p:timing>
+    <p:tnLst>
+      <p:par>
+        <p:cTn id="1" dur="indefinite" restart="never" nodeType="tmRoot"/>
+      </p:par>
+    </p:tnLst>
+  </p:timing>
 </p:sld>
 </file>
 
@@ -9389,7 +9490,7 @@
           <a:p>
             <a:fld id="{5547C99B-7F2C-4E84-8128-EB3E64FAD082}" type="datetime1">
               <a:rPr lang="en-US" smtClean="0"/>
-              <a:t>10/6/2019</a:t>
+              <a:t>10/7/2019</a:t>
             </a:fld>
             <a:endParaRPr lang="en-US"/>
           </a:p>
@@ -9477,7 +9578,7 @@
           <a:p>
             <a:fld id="{28CDC5B5-E9BF-4312-938F-57F5458B9411}" type="datetime1">
               <a:rPr lang="en-US" smtClean="0"/>
-              <a:t>10/6/2019</a:t>
+              <a:t>10/7/2019</a:t>
             </a:fld>
             <a:endParaRPr lang="en-US"/>
           </a:p>
@@ -9649,42 +9750,6 @@
           </a:fontRef>
         </p:style>
       </p:cxnSp>
-      <p:pic>
-        <p:nvPicPr>
-          <p:cNvPr id="8" name="Picture 7" descr="A picture containing bird&#10;&#10;Description automatically generated">
-            <a:extLst>
-              <a:ext uri="{FF2B5EF4-FFF2-40B4-BE49-F238E27FC236}">
-                <a16:creationId xmlns:a16="http://schemas.microsoft.com/office/drawing/2014/main" id="{059F66E2-730D-41B0-A46D-65F5961C454D}"/>
-              </a:ext>
-            </a:extLst>
-          </p:cNvPr>
-          <p:cNvPicPr>
-            <a:picLocks noChangeAspect="1"/>
-          </p:cNvPicPr>
-          <p:nvPr/>
-        </p:nvPicPr>
-        <p:blipFill>
-          <a:blip r:embed="rId2">
-            <a:extLst>
-              <a:ext uri="{28A0092B-C50C-407E-A947-70E740481C1C}">
-                <a14:useLocalDpi xmlns:a14="http://schemas.microsoft.com/office/drawing/2010/main" val="0"/>
-              </a:ext>
-            </a:extLst>
-          </a:blip>
-          <a:stretch>
-            <a:fillRect/>
-          </a:stretch>
-        </p:blipFill>
-        <p:spPr>
-          <a:xfrm>
-            <a:off x="3952874" y="2565400"/>
-            <a:ext cx="4286250" cy="1428750"/>
-          </a:xfrm>
-          <a:prstGeom prst="rect">
-            <a:avLst/>
-          </a:prstGeom>
-        </p:spPr>
-      </p:pic>
       <p:grpSp>
         <p:nvGrpSpPr>
           <p:cNvPr id="19" name="Group 18">
@@ -9926,7 +9991,7 @@
             <p:nvPr/>
           </p:nvPicPr>
           <p:blipFill>
-            <a:blip r:embed="rId3" cstate="hqprint">
+            <a:blip r:embed="rId2" cstate="hqprint">
               <a:extLst>
                 <a:ext uri="{28A0092B-C50C-407E-A947-70E740481C1C}">
                   <a14:useLocalDpi xmlns:a14="http://schemas.microsoft.com/office/drawing/2010/main" val="0"/>
@@ -10012,7 +10077,7 @@
             <p:nvPr/>
           </p:nvPicPr>
           <p:blipFill>
-            <a:blip r:embed="rId4" cstate="hqprint">
+            <a:blip r:embed="rId3" cstate="hqprint">
               <a:extLst>
                 <a:ext uri="{28A0092B-C50C-407E-A947-70E740481C1C}">
                   <a14:useLocalDpi xmlns:a14="http://schemas.microsoft.com/office/drawing/2010/main" val="0"/>
@@ -10129,23 +10194,8 @@
                   <a:solidFill>
                     <a:schemeClr val="bg1"/>
                   </a:solidFill>
-                  <a:hlinkClick r:id="rId5">
-                    <a:extLst>
-                      <a:ext uri="{A12FA001-AC4F-418D-AE19-62706E023703}">
-                        <ahyp:hlinkClr xmlns:ahyp="http://schemas.microsoft.com/office/drawing/2018/hyperlinkcolor" val="tx"/>
-                      </a:ext>
-                    </a:extLst>
-                  </a:hlinkClick>
                 </a:rPr>
-                <a:t>https://github.com/keithlohse/ASNR</a:t>
-              </a:r>
-              <a:r>
-                <a:rPr lang="en-US" dirty="0">
-                  <a:solidFill>
-                    <a:schemeClr val="bg1"/>
-                  </a:solidFill>
-                </a:rPr>
-                <a:t> </a:t>
+                <a:t>https://github.com/keithlohse/ASNR </a:t>
               </a:r>
             </a:p>
           </p:txBody>
@@ -10165,13 +10215,13 @@
             <p:nvPr/>
           </p:nvPicPr>
           <p:blipFill>
-            <a:blip r:embed="rId6">
+            <a:blip r:embed="rId4" cstate="hqprint">
               <a:extLst>
                 <a:ext uri="{28A0092B-C50C-407E-A947-70E740481C1C}">
                   <a14:useLocalDpi xmlns:a14="http://schemas.microsoft.com/office/drawing/2010/main" val="0"/>
                 </a:ext>
                 <a:ext uri="{96DAC541-7B7A-43D3-8B79-37D633B846F1}">
-                  <asvg:svgBlip xmlns:asvg="http://schemas.microsoft.com/office/drawing/2016/SVG/main" r:embed="rId7"/>
+                  <asvg:svgBlip xmlns:asvg="http://schemas.microsoft.com/office/drawing/2016/SVG/main" xmlns="" r:embed="rId6"/>
                 </a:ext>
               </a:extLst>
             </a:blip>
@@ -10429,6 +10479,42 @@
           </a:p>
         </p:txBody>
       </p:sp>
+      <p:pic>
+        <p:nvPicPr>
+          <p:cNvPr id="17" name="Picture 16" descr="A picture containing bird&#10;&#10;Description automatically generated">
+            <a:extLst>
+              <a:ext uri="{FF2B5EF4-FFF2-40B4-BE49-F238E27FC236}">
+                <a16:creationId xmlns:a16="http://schemas.microsoft.com/office/drawing/2014/main" id="{225E3E7F-573C-480B-BA85-DFCFBCBB1B49}"/>
+              </a:ext>
+            </a:extLst>
+          </p:cNvPr>
+          <p:cNvPicPr>
+            <a:picLocks noChangeAspect="1"/>
+          </p:cNvPicPr>
+          <p:nvPr/>
+        </p:nvPicPr>
+        <p:blipFill>
+          <a:blip r:embed="rId7">
+            <a:extLst>
+              <a:ext uri="{28A0092B-C50C-407E-A947-70E740481C1C}">
+                <a14:useLocalDpi xmlns:a14="http://schemas.microsoft.com/office/drawing/2010/main" val="0"/>
+              </a:ext>
+            </a:extLst>
+          </a:blip>
+          <a:stretch>
+            <a:fillRect/>
+          </a:stretch>
+        </p:blipFill>
+        <p:spPr>
+          <a:xfrm>
+            <a:off x="4724400" y="2565400"/>
+            <a:ext cx="2743200" cy="914400"/>
+          </a:xfrm>
+          <a:prstGeom prst="rect">
+            <a:avLst/>
+          </a:prstGeom>
+        </p:spPr>
+      </p:pic>
     </p:spTree>
     <p:extLst>
       <p:ext uri="{BB962C8B-B14F-4D97-AF65-F5344CB8AC3E}">
@@ -10439,6 +10525,13 @@
   <p:clrMapOvr>
     <a:masterClrMapping/>
   </p:clrMapOvr>
+  <p:timing>
+    <p:tnLst>
+      <p:par>
+        <p:cTn id="1" dur="indefinite" restart="never" nodeType="tmRoot"/>
+      </p:par>
+    </p:tnLst>
+  </p:timing>
 </p:sld>
 </file>
 
@@ -10482,7 +10575,7 @@
           <a:p>
             <a:fld id="{28CDC5B5-E9BF-4312-938F-57F5458B9411}" type="datetime1">
               <a:rPr lang="en-US" smtClean="0"/>
-              <a:t>10/6/2019</a:t>
+              <a:t>10/7/2019</a:t>
             </a:fld>
             <a:endParaRPr lang="en-US"/>
           </a:p>
@@ -10656,10 +10749,10 @@
       </p:cxnSp>
       <p:pic>
         <p:nvPicPr>
-          <p:cNvPr id="12" name="Picture 11" descr="A picture containing bird&#10;&#10;Description automatically generated">
-            <a:extLst>
-              <a:ext uri="{FF2B5EF4-FFF2-40B4-BE49-F238E27FC236}">
-                <a16:creationId xmlns:a16="http://schemas.microsoft.com/office/drawing/2014/main" id="{AD96E9BE-5B08-408E-958C-15145DB1524F}"/>
+          <p:cNvPr id="8" name="Picture 7" descr="A picture containing bird&#10;&#10;Description automatically generated">
+            <a:extLst>
+              <a:ext uri="{FF2B5EF4-FFF2-40B4-BE49-F238E27FC236}">
+                <a16:creationId xmlns:a16="http://schemas.microsoft.com/office/drawing/2014/main" id="{D2766A3F-B642-43B2-9C9F-5B2A14BC6D74}"/>
               </a:ext>
             </a:extLst>
           </p:cNvPr>
@@ -10682,8 +10775,8 @@
         </p:blipFill>
         <p:spPr>
           <a:xfrm>
-            <a:off x="3952874" y="2565400"/>
-            <a:ext cx="4286250" cy="1428750"/>
+            <a:off x="4724400" y="2565400"/>
+            <a:ext cx="2743200" cy="914400"/>
           </a:xfrm>
           <a:prstGeom prst="rect">
             <a:avLst/>
@@ -10700,6 +10793,13 @@
   <p:clrMapOvr>
     <a:masterClrMapping/>
   </p:clrMapOvr>
+  <p:timing>
+    <p:tnLst>
+      <p:par>
+        <p:cTn id="1" dur="indefinite" restart="never" nodeType="tmRoot"/>
+      </p:par>
+    </p:tnLst>
+  </p:timing>
 </p:sld>
 </file>
 
@@ -10843,7 +10943,7 @@
           <a:p>
             <a:fld id="{5547C99B-7F2C-4E84-8128-EB3E64FAD082}" type="datetime1">
               <a:rPr lang="en-US" smtClean="0"/>
-              <a:t>10/6/2019</a:t>
+              <a:t>10/7/2019</a:t>
             </a:fld>
             <a:endParaRPr lang="en-US"/>
           </a:p>
@@ -10888,6 +10988,13 @@
   <p:clrMapOvr>
     <a:masterClrMapping/>
   </p:clrMapOvr>
+  <p:timing>
+    <p:tnLst>
+      <p:par>
+        <p:cTn id="1" dur="indefinite" restart="never" nodeType="tmRoot"/>
+      </p:par>
+    </p:tnLst>
+  </p:timing>
 </p:sld>
 </file>
 
@@ -10959,7 +11066,7 @@
           <a:p>
             <a:fld id="{5547C99B-7F2C-4E84-8128-EB3E64FAD082}" type="datetime1">
               <a:rPr lang="en-US" smtClean="0"/>
-              <a:t>10/6/2019</a:t>
+              <a:t>10/7/2019</a:t>
             </a:fld>
             <a:endParaRPr lang="en-US"/>
           </a:p>
@@ -11149,6 +11256,13 @@
   <p:clrMapOvr>
     <a:masterClrMapping/>
   </p:clrMapOvr>
+  <p:timing>
+    <p:tnLst>
+      <p:par>
+        <p:cTn id="1" dur="indefinite" restart="never" nodeType="tmRoot"/>
+      </p:par>
+    </p:tnLst>
+  </p:timing>
 </p:sld>
 </file>
 
@@ -11220,7 +11334,7 @@
           <a:p>
             <a:fld id="{D3920365-48B9-4CE9-9604-727AE8FB1773}" type="datetime1">
               <a:rPr lang="en-US" smtClean="0"/>
-              <a:t>10/6/2019</a:t>
+              <a:t>10/7/2019</a:t>
             </a:fld>
             <a:endParaRPr lang="en-US"/>
           </a:p>
@@ -11306,7 +11420,7 @@
           <p:nvPr/>
         </p:nvPicPr>
         <p:blipFill>
-          <a:blip r:embed="rId3">
+          <a:blip r:embed="rId3" cstate="hqprint">
             <a:extLst>
               <a:ext uri="{28A0092B-C50C-407E-A947-70E740481C1C}">
                 <a14:useLocalDpi xmlns:a14="http://schemas.microsoft.com/office/drawing/2010/main" val="0"/>
@@ -11541,6 +11655,13 @@
   <p:clrMapOvr>
     <a:masterClrMapping/>
   </p:clrMapOvr>
+  <p:timing>
+    <p:tnLst>
+      <p:par>
+        <p:cTn id="1" dur="indefinite" restart="never" nodeType="tmRoot"/>
+      </p:par>
+    </p:tnLst>
+  </p:timing>
 </p:sld>
 </file>
 
@@ -11780,7 +11901,7 @@
           <a:p>
             <a:fld id="{5547C99B-7F2C-4E84-8128-EB3E64FAD082}" type="datetime1">
               <a:rPr lang="en-US" smtClean="0"/>
-              <a:t>10/6/2019</a:t>
+              <a:t>10/7/2019</a:t>
             </a:fld>
             <a:endParaRPr lang="en-US"/>
           </a:p>
@@ -11861,6 +11982,13 @@
   <p:clrMapOvr>
     <a:masterClrMapping/>
   </p:clrMapOvr>
+  <p:timing>
+    <p:tnLst>
+      <p:par>
+        <p:cTn id="1" dur="indefinite" restart="never" nodeType="tmRoot"/>
+      </p:par>
+    </p:tnLst>
+  </p:timing>
 </p:sld>
 </file>
 
@@ -12100,7 +12228,7 @@
           <a:p>
             <a:fld id="{5547C99B-7F2C-4E84-8128-EB3E64FAD082}" type="datetime1">
               <a:rPr lang="en-US" smtClean="0"/>
-              <a:t>10/6/2019</a:t>
+              <a:t>10/7/2019</a:t>
             </a:fld>
             <a:endParaRPr lang="en-US"/>
           </a:p>
@@ -12377,6 +12505,13 @@
   <p:clrMapOvr>
     <a:masterClrMapping/>
   </p:clrMapOvr>
+  <p:timing>
+    <p:tnLst>
+      <p:par>
+        <p:cTn id="1" dur="indefinite" restart="never" nodeType="tmRoot"/>
+      </p:par>
+    </p:tnLst>
+  </p:timing>
 </p:sld>
 </file>
 
@@ -12609,7 +12744,7 @@
           <a:p>
             <a:fld id="{5547C99B-7F2C-4E84-8128-EB3E64FAD082}" type="datetime1">
               <a:rPr lang="en-US" smtClean="0"/>
-              <a:t>10/6/2019</a:t>
+              <a:t>10/7/2019</a:t>
             </a:fld>
             <a:endParaRPr lang="en-US"/>
           </a:p>
@@ -13076,6 +13211,13 @@
   <p:clrMapOvr>
     <a:masterClrMapping/>
   </p:clrMapOvr>
+  <p:timing>
+    <p:tnLst>
+      <p:par>
+        <p:cTn id="1" dur="indefinite" restart="never" nodeType="tmRoot"/>
+      </p:par>
+    </p:tnLst>
+  </p:timing>
 </p:sld>
 </file>
 

--- a/ASNR_2019_workshop/lohse_ASNR_2019.pptx
+++ b/ASNR_2019_workshop/lohse_ASNR_2019.pptx
@@ -5,7 +5,7 @@
     <p:sldMasterId id="2147483648" r:id="rId1"/>
   </p:sldMasterIdLst>
   <p:notesMasterIdLst>
-    <p:notesMasterId r:id="rId29"/>
+    <p:notesMasterId r:id="rId23"/>
   </p:notesMasterIdLst>
   <p:sldIdLst>
     <p:sldId id="382" r:id="rId2"/>
@@ -13,28 +13,22 @@
     <p:sldId id="387" r:id="rId4"/>
     <p:sldId id="384" r:id="rId5"/>
     <p:sldId id="385" r:id="rId6"/>
-    <p:sldId id="386" r:id="rId7"/>
-    <p:sldId id="398" r:id="rId8"/>
-    <p:sldId id="396" r:id="rId9"/>
-    <p:sldId id="397" r:id="rId10"/>
-    <p:sldId id="388" r:id="rId11"/>
-    <p:sldId id="394" r:id="rId12"/>
-    <p:sldId id="389" r:id="rId13"/>
-    <p:sldId id="390" r:id="rId14"/>
-    <p:sldId id="391" r:id="rId15"/>
-    <p:sldId id="392" r:id="rId16"/>
-    <p:sldId id="393" r:id="rId17"/>
-    <p:sldId id="395" r:id="rId18"/>
-    <p:sldId id="399" r:id="rId19"/>
-    <p:sldId id="400" r:id="rId20"/>
-    <p:sldId id="401" r:id="rId21"/>
-    <p:sldId id="402" r:id="rId22"/>
-    <p:sldId id="403" r:id="rId23"/>
-    <p:sldId id="405" r:id="rId24"/>
-    <p:sldId id="404" r:id="rId25"/>
-    <p:sldId id="406" r:id="rId26"/>
-    <p:sldId id="408" r:id="rId27"/>
-    <p:sldId id="407" r:id="rId28"/>
+    <p:sldId id="388" r:id="rId7"/>
+    <p:sldId id="394" r:id="rId8"/>
+    <p:sldId id="389" r:id="rId9"/>
+    <p:sldId id="390" r:id="rId10"/>
+    <p:sldId id="391" r:id="rId11"/>
+    <p:sldId id="392" r:id="rId12"/>
+    <p:sldId id="393" r:id="rId13"/>
+    <p:sldId id="395" r:id="rId14"/>
+    <p:sldId id="399" r:id="rId15"/>
+    <p:sldId id="400" r:id="rId16"/>
+    <p:sldId id="401" r:id="rId17"/>
+    <p:sldId id="402" r:id="rId18"/>
+    <p:sldId id="403" r:id="rId19"/>
+    <p:sldId id="405" r:id="rId20"/>
+    <p:sldId id="404" r:id="rId21"/>
+    <p:sldId id="407" r:id="rId22"/>
   </p:sldIdLst>
   <p:sldSz cx="12192000" cy="6858000"/>
   <p:notesSz cx="6858000" cy="9144000"/>
@@ -226,7 +220,7 @@
           <a:p>
             <a:fld id="{4B676DDE-75BB-4B04-A0BD-5C17E33DC40E}" type="datetimeFigureOut">
               <a:rPr lang="en-US" smtClean="0"/>
-              <a:t>10/7/2019</a:t>
+              <a:t>10/13/2019</a:t>
             </a:fld>
             <a:endParaRPr lang="en-US"/>
           </a:p>
@@ -706,7 +700,7 @@
           <a:p>
             <a:fld id="{D895B63A-1390-4120-94EB-00092381E02F}" type="datetime1">
               <a:rPr lang="en-US" smtClean="0"/>
-              <a:t>10/7/2019</a:t>
+              <a:t>10/13/2019</a:t>
             </a:fld>
             <a:endParaRPr lang="en-US"/>
           </a:p>
@@ -874,7 +868,7 @@
           <a:p>
             <a:fld id="{5F9A8DF6-2286-4D85-88A8-00AC199A2C34}" type="datetime1">
               <a:rPr lang="en-US" smtClean="0"/>
-              <a:t>10/7/2019</a:t>
+              <a:t>10/13/2019</a:t>
             </a:fld>
             <a:endParaRPr lang="en-US"/>
           </a:p>
@@ -1052,7 +1046,7 @@
           <a:p>
             <a:fld id="{56AE0AFB-8BB9-4422-BB79-0EF175454CED}" type="datetime1">
               <a:rPr lang="en-US" smtClean="0"/>
-              <a:t>10/7/2019</a:t>
+              <a:t>10/13/2019</a:t>
             </a:fld>
             <a:endParaRPr lang="en-US"/>
           </a:p>
@@ -1220,7 +1214,7 @@
           <a:p>
             <a:fld id="{5547C99B-7F2C-4E84-8128-EB3E64FAD082}" type="datetime1">
               <a:rPr lang="en-US" smtClean="0"/>
-              <a:t>10/7/2019</a:t>
+              <a:t>10/13/2019</a:t>
             </a:fld>
             <a:endParaRPr lang="en-US"/>
           </a:p>
@@ -1465,7 +1459,7 @@
           <a:p>
             <a:fld id="{A8B6FB65-6EAB-49E5-A1DB-3E80C39C53B8}" type="datetime1">
               <a:rPr lang="en-US" smtClean="0"/>
-              <a:t>10/7/2019</a:t>
+              <a:t>10/13/2019</a:t>
             </a:fld>
             <a:endParaRPr lang="en-US"/>
           </a:p>
@@ -1694,7 +1688,7 @@
           <a:p>
             <a:fld id="{BB999224-D20E-45FC-AB47-7036B7429E06}" type="datetime1">
               <a:rPr lang="en-US" smtClean="0"/>
-              <a:t>10/7/2019</a:t>
+              <a:t>10/13/2019</a:t>
             </a:fld>
             <a:endParaRPr lang="en-US"/>
           </a:p>
@@ -2058,7 +2052,7 @@
           <a:p>
             <a:fld id="{AAE4B67A-60ED-4797-943A-55D5CD883011}" type="datetime1">
               <a:rPr lang="en-US" smtClean="0"/>
-              <a:t>10/7/2019</a:t>
+              <a:t>10/13/2019</a:t>
             </a:fld>
             <a:endParaRPr lang="en-US"/>
           </a:p>
@@ -2175,7 +2169,7 @@
           <a:p>
             <a:fld id="{D3920365-48B9-4CE9-9604-727AE8FB1773}" type="datetime1">
               <a:rPr lang="en-US" smtClean="0"/>
-              <a:t>10/7/2019</a:t>
+              <a:t>10/13/2019</a:t>
             </a:fld>
             <a:endParaRPr lang="en-US"/>
           </a:p>
@@ -2270,7 +2264,7 @@
           <a:p>
             <a:fld id="{28CDC5B5-E9BF-4312-938F-57F5458B9411}" type="datetime1">
               <a:rPr lang="en-US" smtClean="0"/>
-              <a:t>10/7/2019</a:t>
+              <a:t>10/13/2019</a:t>
             </a:fld>
             <a:endParaRPr lang="en-US"/>
           </a:p>
@@ -2545,7 +2539,7 @@
           <a:p>
             <a:fld id="{68D61C03-418D-427D-912F-3A80D46B024B}" type="datetime1">
               <a:rPr lang="en-US" smtClean="0"/>
-              <a:t>10/7/2019</a:t>
+              <a:t>10/13/2019</a:t>
             </a:fld>
             <a:endParaRPr lang="en-US"/>
           </a:p>
@@ -2797,7 +2791,7 @@
           <a:p>
             <a:fld id="{361C2541-89D1-43A5-9247-9C9B7AE89E66}" type="datetime1">
               <a:rPr lang="en-US" smtClean="0"/>
-              <a:t>10/7/2019</a:t>
+              <a:t>10/13/2019</a:t>
             </a:fld>
             <a:endParaRPr lang="en-US"/>
           </a:p>
@@ -3008,7 +3002,7 @@
           <a:p>
             <a:fld id="{55117F07-1C55-41A1-B81A-75CAA13E3CFD}" type="datetime1">
               <a:rPr lang="en-US" smtClean="0"/>
-              <a:t>10/7/2019</a:t>
+              <a:t>10/13/2019</a:t>
             </a:fld>
             <a:endParaRPr lang="en-US" dirty="0"/>
           </a:p>
@@ -4070,13 +4064,6 @@
   <p:clrMapOvr>
     <a:masterClrMapping/>
   </p:clrMapOvr>
-  <p:timing>
-    <p:tnLst>
-      <p:par>
-        <p:cTn id="1" dur="indefinite" restart="never" nodeType="tmRoot"/>
-      </p:par>
-    </p:tnLst>
-  </p:timing>
 </p:sld>
 </file>
 
@@ -4097,732 +4084,12 @@
           <a:chExt cx="0" cy="0"/>
         </a:xfrm>
       </p:grpSpPr>
-      <p:sp>
-        <p:nvSpPr>
-          <p:cNvPr id="2" name="Title 1">
-            <a:extLst>
-              <a:ext uri="{FF2B5EF4-FFF2-40B4-BE49-F238E27FC236}">
-                <a16:creationId xmlns:a16="http://schemas.microsoft.com/office/drawing/2014/main" id="{6F494744-60F2-4E7B-8B85-71001F5CAF66}"/>
-              </a:ext>
-            </a:extLst>
-          </p:cNvPr>
-          <p:cNvSpPr>
-            <a:spLocks noGrp="1"/>
-          </p:cNvSpPr>
-          <p:nvPr>
-            <p:ph type="title"/>
-          </p:nvPr>
-        </p:nvSpPr>
-        <p:spPr/>
-        <p:txBody>
-          <a:bodyPr/>
-          <a:lstStyle/>
-          <a:p>
-            <a:r>
-              <a:rPr lang="en-US" dirty="0"/>
-              <a:t>IMO, Good Visualizations Should…</a:t>
-            </a:r>
-          </a:p>
-        </p:txBody>
-      </p:sp>
-      <p:sp>
-        <p:nvSpPr>
-          <p:cNvPr id="3" name="Content Placeholder 2">
-            <a:extLst>
-              <a:ext uri="{FF2B5EF4-FFF2-40B4-BE49-F238E27FC236}">
-                <a16:creationId xmlns:a16="http://schemas.microsoft.com/office/drawing/2014/main" id="{E5417E30-A833-47AD-A367-9E8AADAFF458}"/>
-              </a:ext>
-            </a:extLst>
-          </p:cNvPr>
-          <p:cNvSpPr>
-            <a:spLocks noGrp="1"/>
-          </p:cNvSpPr>
-          <p:nvPr>
-            <p:ph idx="1"/>
-          </p:nvPr>
-        </p:nvSpPr>
-        <p:spPr>
-          <a:xfrm>
-            <a:off x="838200" y="1825625"/>
-            <a:ext cx="10515600" cy="4077399"/>
-          </a:xfrm>
-        </p:spPr>
-        <p:txBody>
-          <a:bodyPr>
-            <a:normAutofit fontScale="85000" lnSpcReduction="20000"/>
-          </a:bodyPr>
-          <a:lstStyle/>
-          <a:p>
-            <a:pPr marL="514350" indent="-514350">
-              <a:buFont typeface="+mj-lt"/>
-              <a:buAutoNum type="arabicPeriod"/>
-            </a:pPr>
-            <a:r>
-              <a:rPr lang="en-US" b="1" dirty="0"/>
-              <a:t>Put your data on the table.</a:t>
-            </a:r>
-            <a:r>
-              <a:rPr lang="en-US" dirty="0"/>
-              <a:t> Show “person-level” data and “group-level” statistics to paint the complete picture. </a:t>
-            </a:r>
-          </a:p>
-          <a:p>
-            <a:pPr marL="514350" indent="-514350">
-              <a:buFont typeface="+mj-lt"/>
-              <a:buAutoNum type="arabicPeriod"/>
-            </a:pPr>
-            <a:endParaRPr lang="en-US" dirty="0"/>
-          </a:p>
-          <a:p>
-            <a:pPr marL="514350" indent="-514350">
-              <a:buFont typeface="+mj-lt"/>
-              <a:buAutoNum type="arabicPeriod"/>
-            </a:pPr>
-            <a:r>
-              <a:rPr lang="en-US" b="1" dirty="0"/>
-              <a:t>Reduce unnecessary complexity</a:t>
-            </a:r>
-            <a:r>
-              <a:rPr lang="en-US" dirty="0"/>
-              <a:t>. The question motivating a visualization should be clear, as should the answer. </a:t>
-            </a:r>
-          </a:p>
-          <a:p>
-            <a:pPr marL="514350" indent="-514350">
-              <a:buFont typeface="+mj-lt"/>
-              <a:buAutoNum type="arabicPeriod"/>
-            </a:pPr>
-            <a:endParaRPr lang="en-US" dirty="0"/>
-          </a:p>
-          <a:p>
-            <a:pPr marL="514350" indent="-514350">
-              <a:buFont typeface="+mj-lt"/>
-              <a:buAutoNum type="arabicPeriod"/>
-            </a:pPr>
-            <a:r>
-              <a:rPr lang="en-US" b="1" dirty="0"/>
-              <a:t>Have correspondence to your analysis</a:t>
-            </a:r>
-            <a:r>
-              <a:rPr lang="en-US" dirty="0"/>
-              <a:t>. I can “see” your result without understanding the finer points of your analysis. The inferential statistics are just there to “back it up”.  </a:t>
-            </a:r>
-          </a:p>
-          <a:p>
-            <a:pPr marL="514350" indent="-514350">
-              <a:buFont typeface="+mj-lt"/>
-              <a:buAutoNum type="arabicPeriod"/>
-            </a:pPr>
-            <a:endParaRPr lang="en-US" dirty="0"/>
-          </a:p>
-          <a:p>
-            <a:pPr marL="514350" indent="-514350">
-              <a:buFont typeface="+mj-lt"/>
-              <a:buAutoNum type="arabicPeriod"/>
-            </a:pPr>
-            <a:r>
-              <a:rPr lang="en-US" b="1" dirty="0"/>
-              <a:t>Accept uncertainty.</a:t>
-            </a:r>
-            <a:r>
-              <a:rPr lang="en-US" dirty="0"/>
-              <a:t> The data should speak for itself and visualizations should accurately reflect the data above all else.</a:t>
-            </a:r>
-          </a:p>
-        </p:txBody>
-      </p:sp>
-      <p:sp>
-        <p:nvSpPr>
-          <p:cNvPr id="4" name="Date Placeholder 3">
-            <a:extLst>
-              <a:ext uri="{FF2B5EF4-FFF2-40B4-BE49-F238E27FC236}">
-                <a16:creationId xmlns:a16="http://schemas.microsoft.com/office/drawing/2014/main" id="{B1966366-988B-47B1-A2D8-3A0204126FC6}"/>
-              </a:ext>
-            </a:extLst>
-          </p:cNvPr>
-          <p:cNvSpPr>
-            <a:spLocks noGrp="1"/>
-          </p:cNvSpPr>
-          <p:nvPr>
-            <p:ph type="dt" sz="half" idx="10"/>
-          </p:nvPr>
-        </p:nvSpPr>
-        <p:spPr/>
-        <p:txBody>
-          <a:bodyPr/>
-          <a:lstStyle/>
-          <a:p>
-            <a:fld id="{5547C99B-7F2C-4E84-8128-EB3E64FAD082}" type="datetime1">
-              <a:rPr lang="en-US" smtClean="0"/>
-              <a:t>10/7/2019</a:t>
-            </a:fld>
-            <a:endParaRPr lang="en-US"/>
-          </a:p>
-        </p:txBody>
-      </p:sp>
-      <p:sp>
-        <p:nvSpPr>
-          <p:cNvPr id="5" name="Slide Number Placeholder 4">
-            <a:extLst>
-              <a:ext uri="{FF2B5EF4-FFF2-40B4-BE49-F238E27FC236}">
-                <a16:creationId xmlns:a16="http://schemas.microsoft.com/office/drawing/2014/main" id="{4CE3FF2B-0B98-4BDF-BD99-7F646130EE2A}"/>
-              </a:ext>
-            </a:extLst>
-          </p:cNvPr>
-          <p:cNvSpPr>
-            <a:spLocks noGrp="1"/>
-          </p:cNvSpPr>
-          <p:nvPr>
-            <p:ph type="sldNum" sz="quarter" idx="12"/>
-          </p:nvPr>
-        </p:nvSpPr>
-        <p:spPr/>
-        <p:txBody>
-          <a:bodyPr/>
-          <a:lstStyle/>
-          <a:p>
-            <a:fld id="{211FFFE4-4E4B-40A7-A942-4F1B7E93AB5C}" type="slidenum">
-              <a:rPr lang="en-US" smtClean="0"/>
-              <a:t>10</a:t>
-            </a:fld>
-            <a:endParaRPr lang="en-US"/>
-          </a:p>
-        </p:txBody>
-      </p:sp>
-      <p:sp>
-        <p:nvSpPr>
-          <p:cNvPr id="6" name="TextBox 5">
-            <a:extLst>
-              <a:ext uri="{FF2B5EF4-FFF2-40B4-BE49-F238E27FC236}">
-                <a16:creationId xmlns:a16="http://schemas.microsoft.com/office/drawing/2014/main" id="{EC813999-7E51-46FD-A359-8C63411C2D7C}"/>
-              </a:ext>
-            </a:extLst>
-          </p:cNvPr>
-          <p:cNvSpPr txBox="1"/>
-          <p:nvPr/>
-        </p:nvSpPr>
-        <p:spPr>
-          <a:xfrm>
-            <a:off x="3905671" y="5992297"/>
-            <a:ext cx="7448129" cy="369332"/>
-          </a:xfrm>
-          <a:prstGeom prst="rect">
-            <a:avLst/>
-          </a:prstGeom>
-          <a:noFill/>
-        </p:spPr>
-        <p:txBody>
-          <a:bodyPr wrap="none" rtlCol="0">
-            <a:spAutoFit/>
-          </a:bodyPr>
-          <a:lstStyle/>
-          <a:p>
-            <a:pPr algn="r"/>
-            <a:r>
-              <a:rPr lang="en-US" dirty="0"/>
-              <a:t>[But see Healy, 2018; Tufte, 2001; Tukey, 1980; Wickham &amp; </a:t>
-            </a:r>
-            <a:r>
-              <a:rPr lang="en-US" dirty="0" err="1"/>
-              <a:t>Grolemund</a:t>
-            </a:r>
-            <a:r>
-              <a:rPr lang="en-US" dirty="0"/>
-              <a:t>, 2017]</a:t>
-            </a:r>
-          </a:p>
-        </p:txBody>
-      </p:sp>
-    </p:spTree>
-    <p:extLst>
-      <p:ext uri="{BB962C8B-B14F-4D97-AF65-F5344CB8AC3E}">
-        <p14:creationId xmlns:p14="http://schemas.microsoft.com/office/powerpoint/2010/main" val="105788018"/>
-      </p:ext>
-    </p:extLst>
-  </p:cSld>
-  <p:clrMapOvr>
-    <a:masterClrMapping/>
-  </p:clrMapOvr>
-  <p:timing>
-    <p:tnLst>
-      <p:par>
-        <p:cTn id="1" dur="indefinite" restart="never" nodeType="tmRoot"/>
-      </p:par>
-    </p:tnLst>
-  </p:timing>
-</p:sld>
-</file>
-
-<file path=ppt/slides/slide11.xml><?xml version="1.0" encoding="utf-8"?>
-<p:sld xmlns:a="http://schemas.openxmlformats.org/drawingml/2006/main" xmlns:r="http://schemas.openxmlformats.org/officeDocument/2006/relationships" xmlns:p="http://schemas.openxmlformats.org/presentationml/2006/main">
-  <p:cSld>
-    <p:spTree>
-      <p:nvGrpSpPr>
-        <p:cNvPr id="1" name=""/>
-        <p:cNvGrpSpPr/>
-        <p:nvPr/>
-      </p:nvGrpSpPr>
-      <p:grpSpPr>
-        <a:xfrm>
-          <a:off x="0" y="0"/>
-          <a:ext cx="0" cy="0"/>
-          <a:chOff x="0" y="0"/>
-          <a:chExt cx="0" cy="0"/>
-        </a:xfrm>
-      </p:grpSpPr>
-      <p:sp>
-        <p:nvSpPr>
-          <p:cNvPr id="2" name="Title 1">
-            <a:extLst>
-              <a:ext uri="{FF2B5EF4-FFF2-40B4-BE49-F238E27FC236}">
-                <a16:creationId xmlns:a16="http://schemas.microsoft.com/office/drawing/2014/main" id="{D6539CB7-F154-40FD-963D-0C3DB63AD2CF}"/>
-              </a:ext>
-            </a:extLst>
-          </p:cNvPr>
-          <p:cNvSpPr>
-            <a:spLocks noGrp="1"/>
-          </p:cNvSpPr>
-          <p:nvPr>
-            <p:ph type="title"/>
-          </p:nvPr>
-        </p:nvSpPr>
-        <p:spPr/>
-        <p:txBody>
-          <a:bodyPr/>
-          <a:lstStyle/>
-          <a:p>
-            <a:r>
-              <a:rPr lang="en-US" dirty="0"/>
-              <a:t>Reproducible, code based graphics.</a:t>
-            </a:r>
-          </a:p>
-        </p:txBody>
-      </p:sp>
-      <p:sp>
-        <p:nvSpPr>
-          <p:cNvPr id="3" name="Content Placeholder 2">
-            <a:extLst>
-              <a:ext uri="{FF2B5EF4-FFF2-40B4-BE49-F238E27FC236}">
-                <a16:creationId xmlns:a16="http://schemas.microsoft.com/office/drawing/2014/main" id="{F6BA0B30-B6C3-4A7A-B3D2-DC4AEC78CA1F}"/>
-              </a:ext>
-            </a:extLst>
-          </p:cNvPr>
-          <p:cNvSpPr>
-            <a:spLocks noGrp="1"/>
-          </p:cNvSpPr>
-          <p:nvPr>
-            <p:ph idx="1"/>
-          </p:nvPr>
-        </p:nvSpPr>
-        <p:spPr>
-          <a:xfrm>
-            <a:off x="7772400" y="1576389"/>
-            <a:ext cx="4025900" cy="4036892"/>
-          </a:xfrm>
-        </p:spPr>
-        <p:txBody>
-          <a:bodyPr>
-            <a:normAutofit fontScale="92500"/>
-          </a:bodyPr>
-          <a:lstStyle/>
-          <a:p>
-            <a:r>
-              <a:rPr lang="en-US" dirty="0"/>
-              <a:t>Ultimately, </a:t>
-            </a:r>
-            <a:r>
-              <a:rPr lang="en-US" dirty="0" smtClean="0"/>
-              <a:t>any way </a:t>
-            </a:r>
-            <a:r>
-              <a:rPr lang="en-US" dirty="0"/>
-              <a:t>you create your visuals is fine as long as your visuals are accurate and informative.</a:t>
-            </a:r>
-          </a:p>
-          <a:p>
-            <a:endParaRPr lang="en-US" dirty="0"/>
-          </a:p>
-          <a:p>
-            <a:r>
-              <a:rPr lang="en-US" b="1" u="sng" dirty="0"/>
-              <a:t>But</a:t>
-            </a:r>
-            <a:r>
-              <a:rPr lang="en-US" dirty="0"/>
-              <a:t>, code-based approaches have a lot of advantages in terms of efficiency </a:t>
-            </a:r>
-            <a:r>
-              <a:rPr lang="en-US" b="1" u="sng" dirty="0"/>
-              <a:t>and</a:t>
-            </a:r>
-            <a:r>
-              <a:rPr lang="en-US" dirty="0"/>
-              <a:t> reproducibility.   </a:t>
-            </a:r>
-          </a:p>
-        </p:txBody>
-      </p:sp>
-      <p:sp>
-        <p:nvSpPr>
-          <p:cNvPr id="4" name="Date Placeholder 3">
-            <a:extLst>
-              <a:ext uri="{FF2B5EF4-FFF2-40B4-BE49-F238E27FC236}">
-                <a16:creationId xmlns:a16="http://schemas.microsoft.com/office/drawing/2014/main" id="{56030F0E-7D70-4305-A501-E2387D45BEE2}"/>
-              </a:ext>
-            </a:extLst>
-          </p:cNvPr>
-          <p:cNvSpPr>
-            <a:spLocks noGrp="1"/>
-          </p:cNvSpPr>
-          <p:nvPr>
-            <p:ph type="dt" sz="half" idx="10"/>
-          </p:nvPr>
-        </p:nvSpPr>
-        <p:spPr/>
-        <p:txBody>
-          <a:bodyPr/>
-          <a:lstStyle/>
-          <a:p>
-            <a:fld id="{5547C99B-7F2C-4E84-8128-EB3E64FAD082}" type="datetime1">
-              <a:rPr lang="en-US" smtClean="0"/>
-              <a:t>10/7/2019</a:t>
-            </a:fld>
-            <a:endParaRPr lang="en-US"/>
-          </a:p>
-        </p:txBody>
-      </p:sp>
-      <p:sp>
-        <p:nvSpPr>
-          <p:cNvPr id="5" name="Slide Number Placeholder 4">
-            <a:extLst>
-              <a:ext uri="{FF2B5EF4-FFF2-40B4-BE49-F238E27FC236}">
-                <a16:creationId xmlns:a16="http://schemas.microsoft.com/office/drawing/2014/main" id="{DB9751B1-D58C-4126-B51F-C40DBCA4D4CC}"/>
-              </a:ext>
-            </a:extLst>
-          </p:cNvPr>
-          <p:cNvSpPr>
-            <a:spLocks noGrp="1"/>
-          </p:cNvSpPr>
-          <p:nvPr>
-            <p:ph type="sldNum" sz="quarter" idx="12"/>
-          </p:nvPr>
-        </p:nvSpPr>
-        <p:spPr/>
-        <p:txBody>
-          <a:bodyPr/>
-          <a:lstStyle/>
-          <a:p>
-            <a:fld id="{211FFFE4-4E4B-40A7-A942-4F1B7E93AB5C}" type="slidenum">
-              <a:rPr lang="en-US" smtClean="0"/>
-              <a:t>11</a:t>
-            </a:fld>
-            <a:endParaRPr lang="en-US"/>
-          </a:p>
-        </p:txBody>
-      </p:sp>
       <p:pic>
         <p:nvPicPr>
-          <p:cNvPr id="6" name="Picture 5">
-            <a:extLst>
-              <a:ext uri="{FF2B5EF4-FFF2-40B4-BE49-F238E27FC236}">
-                <a16:creationId xmlns:a16="http://schemas.microsoft.com/office/drawing/2014/main" id="{349A2C4E-FA85-41AC-8EE4-12A4BCB9E9F1}"/>
-              </a:ext>
-            </a:extLst>
-          </p:cNvPr>
-          <p:cNvPicPr>
-            <a:picLocks noChangeAspect="1"/>
-          </p:cNvPicPr>
-          <p:nvPr/>
-        </p:nvPicPr>
-        <p:blipFill>
-          <a:blip r:embed="rId2"/>
-          <a:stretch>
-            <a:fillRect/>
-          </a:stretch>
-        </p:blipFill>
-        <p:spPr>
-          <a:xfrm>
-            <a:off x="292100" y="1576388"/>
-            <a:ext cx="7315200" cy="4036892"/>
-          </a:xfrm>
-          <a:prstGeom prst="rect">
-            <a:avLst/>
-          </a:prstGeom>
-        </p:spPr>
-      </p:pic>
-      <p:sp>
-        <p:nvSpPr>
-          <p:cNvPr id="7" name="TextBox 6">
-            <a:extLst>
-              <a:ext uri="{FF2B5EF4-FFF2-40B4-BE49-F238E27FC236}">
-                <a16:creationId xmlns:a16="http://schemas.microsoft.com/office/drawing/2014/main" id="{C11DEECF-ECF4-4FEC-92B1-DE5207B83CCB}"/>
-              </a:ext>
-            </a:extLst>
-          </p:cNvPr>
-          <p:cNvSpPr txBox="1"/>
-          <p:nvPr/>
-        </p:nvSpPr>
-        <p:spPr>
-          <a:xfrm>
-            <a:off x="292101" y="5613280"/>
-            <a:ext cx="7315200" cy="646331"/>
-          </a:xfrm>
-          <a:prstGeom prst="rect">
-            <a:avLst/>
-          </a:prstGeom>
-          <a:noFill/>
-        </p:spPr>
-        <p:txBody>
-          <a:bodyPr wrap="square" rtlCol="0">
-            <a:spAutoFit/>
-          </a:bodyPr>
-          <a:lstStyle/>
-          <a:p>
-            <a:r>
-              <a:rPr lang="en-US" dirty="0"/>
-              <a:t>[I create most of my graphics in ‘ggplot2’ using R. Any post-processing I do in the Gnu Image Manipulation Program.]</a:t>
-            </a:r>
-          </a:p>
-        </p:txBody>
-      </p:sp>
-    </p:spTree>
-    <p:extLst>
-      <p:ext uri="{BB962C8B-B14F-4D97-AF65-F5344CB8AC3E}">
-        <p14:creationId xmlns:p14="http://schemas.microsoft.com/office/powerpoint/2010/main" val="916044171"/>
-      </p:ext>
-    </p:extLst>
-  </p:cSld>
-  <p:clrMapOvr>
-    <a:masterClrMapping/>
-  </p:clrMapOvr>
-  <p:timing>
-    <p:tnLst>
-      <p:par>
-        <p:cTn id="1" dur="indefinite" restart="never" nodeType="tmRoot"/>
-      </p:par>
-    </p:tnLst>
-  </p:timing>
-</p:sld>
-</file>
-
-<file path=ppt/slides/slide12.xml><?xml version="1.0" encoding="utf-8"?>
-<p:sld xmlns:a="http://schemas.openxmlformats.org/drawingml/2006/main" xmlns:r="http://schemas.openxmlformats.org/officeDocument/2006/relationships" xmlns:p="http://schemas.openxmlformats.org/presentationml/2006/main">
-  <p:cSld>
-    <p:spTree>
-      <p:nvGrpSpPr>
-        <p:cNvPr id="1" name=""/>
-        <p:cNvGrpSpPr/>
-        <p:nvPr/>
-      </p:nvGrpSpPr>
-      <p:grpSpPr>
-        <a:xfrm>
-          <a:off x="0" y="0"/>
-          <a:ext cx="0" cy="0"/>
-          <a:chOff x="0" y="0"/>
-          <a:chExt cx="0" cy="0"/>
-        </a:xfrm>
-      </p:grpSpPr>
-      <p:sp>
-        <p:nvSpPr>
-          <p:cNvPr id="2" name="Date Placeholder 1">
-            <a:extLst>
-              <a:ext uri="{FF2B5EF4-FFF2-40B4-BE49-F238E27FC236}">
-                <a16:creationId xmlns:a16="http://schemas.microsoft.com/office/drawing/2014/main" id="{1CDECBA7-9CB8-4838-990C-4ACD0C6ACFC8}"/>
-              </a:ext>
-            </a:extLst>
-          </p:cNvPr>
-          <p:cNvSpPr>
-            <a:spLocks noGrp="1"/>
-          </p:cNvSpPr>
-          <p:nvPr>
-            <p:ph type="dt" sz="half" idx="10"/>
-          </p:nvPr>
-        </p:nvSpPr>
-        <p:spPr/>
-        <p:txBody>
-          <a:bodyPr/>
-          <a:lstStyle/>
-          <a:p>
-            <a:fld id="{28CDC5B5-E9BF-4312-938F-57F5458B9411}" type="datetime1">
-              <a:rPr lang="en-US" smtClean="0"/>
-              <a:t>10/7/2019</a:t>
-            </a:fld>
-            <a:endParaRPr lang="en-US"/>
-          </a:p>
-        </p:txBody>
-      </p:sp>
-      <p:sp>
-        <p:nvSpPr>
-          <p:cNvPr id="3" name="Slide Number Placeholder 2">
-            <a:extLst>
-              <a:ext uri="{FF2B5EF4-FFF2-40B4-BE49-F238E27FC236}">
-                <a16:creationId xmlns:a16="http://schemas.microsoft.com/office/drawing/2014/main" id="{E847287D-9B0A-4964-BD06-8B705ED3ADCD}"/>
-              </a:ext>
-            </a:extLst>
-          </p:cNvPr>
-          <p:cNvSpPr>
-            <a:spLocks noGrp="1"/>
-          </p:cNvSpPr>
-          <p:nvPr>
-            <p:ph type="sldNum" sz="quarter" idx="12"/>
-          </p:nvPr>
-        </p:nvSpPr>
-        <p:spPr/>
-        <p:txBody>
-          <a:bodyPr/>
-          <a:lstStyle/>
-          <a:p>
-            <a:fld id="{211FFFE4-4E4B-40A7-A942-4F1B7E93AB5C}" type="slidenum">
-              <a:rPr lang="en-US" smtClean="0"/>
-              <a:t>12</a:t>
-            </a:fld>
-            <a:endParaRPr lang="en-US"/>
-          </a:p>
-        </p:txBody>
-      </p:sp>
-      <p:sp>
-        <p:nvSpPr>
-          <p:cNvPr id="4" name="Rectangle 3">
-            <a:extLst>
-              <a:ext uri="{FF2B5EF4-FFF2-40B4-BE49-F238E27FC236}">
-                <a16:creationId xmlns:a16="http://schemas.microsoft.com/office/drawing/2014/main" id="{37069D5E-55B2-4E49-87D4-DA49FCD28F2D}"/>
-              </a:ext>
-            </a:extLst>
-          </p:cNvPr>
-          <p:cNvSpPr/>
-          <p:nvPr/>
-        </p:nvSpPr>
-        <p:spPr>
-          <a:xfrm>
-            <a:off x="0" y="0"/>
-            <a:ext cx="12192000" cy="6858000"/>
-          </a:xfrm>
-          <a:prstGeom prst="rect">
-            <a:avLst/>
-          </a:prstGeom>
-          <a:solidFill>
-            <a:srgbClr val="B4484B"/>
-          </a:solidFill>
-          <a:ln>
-            <a:solidFill>
-              <a:srgbClr val="BF5356"/>
-            </a:solidFill>
-          </a:ln>
-        </p:spPr>
-        <p:style>
-          <a:lnRef idx="2">
-            <a:schemeClr val="accent1">
-              <a:shade val="50000"/>
-            </a:schemeClr>
-          </a:lnRef>
-          <a:fillRef idx="1">
-            <a:schemeClr val="accent1"/>
-          </a:fillRef>
-          <a:effectRef idx="0">
-            <a:schemeClr val="accent1"/>
-          </a:effectRef>
-          <a:fontRef idx="minor">
-            <a:schemeClr val="lt1"/>
-          </a:fontRef>
-        </p:style>
-        <p:txBody>
-          <a:bodyPr rtlCol="0" anchor="ctr"/>
-          <a:lstStyle/>
-          <a:p>
-            <a:pPr algn="ctr"/>
-            <a:endParaRPr lang="en-US" dirty="0"/>
-          </a:p>
-        </p:txBody>
-      </p:sp>
-      <p:sp>
-        <p:nvSpPr>
-          <p:cNvPr id="5" name="TextBox 4">
-            <a:extLst>
-              <a:ext uri="{FF2B5EF4-FFF2-40B4-BE49-F238E27FC236}">
-                <a16:creationId xmlns:a16="http://schemas.microsoft.com/office/drawing/2014/main" id="{B230FB65-7683-482A-9BA6-BA748F6A230A}"/>
-              </a:ext>
-            </a:extLst>
-          </p:cNvPr>
-          <p:cNvSpPr txBox="1"/>
-          <p:nvPr/>
-        </p:nvSpPr>
-        <p:spPr>
-          <a:xfrm>
-            <a:off x="690000" y="1803400"/>
-            <a:ext cx="10828900" cy="769441"/>
-          </a:xfrm>
-          <a:prstGeom prst="rect">
-            <a:avLst/>
-          </a:prstGeom>
-          <a:noFill/>
-        </p:spPr>
-        <p:txBody>
-          <a:bodyPr wrap="square" rtlCol="0">
-            <a:spAutoFit/>
-          </a:bodyPr>
-          <a:lstStyle/>
-          <a:p>
-            <a:pPr algn="ctr"/>
-            <a:r>
-              <a:rPr lang="en-US" sz="4400" b="1" dirty="0">
-                <a:solidFill>
-                  <a:schemeClr val="bg1"/>
-                </a:solidFill>
-                <a:latin typeface="Arial" panose="020B0604020202020204" pitchFamily="34" charset="0"/>
-                <a:cs typeface="Arial" panose="020B0604020202020204" pitchFamily="34" charset="0"/>
-              </a:rPr>
-              <a:t>Visualizing Discrete Data</a:t>
-            </a:r>
-          </a:p>
-        </p:txBody>
-      </p:sp>
-      <p:cxnSp>
-        <p:nvCxnSpPr>
-          <p:cNvPr id="7" name="Straight Connector 6">
-            <a:extLst>
-              <a:ext uri="{FF2B5EF4-FFF2-40B4-BE49-F238E27FC236}">
-                <a16:creationId xmlns:a16="http://schemas.microsoft.com/office/drawing/2014/main" id="{0FE0E20F-7D5D-49DB-B60F-2018E15E48FE}"/>
-              </a:ext>
-            </a:extLst>
-          </p:cNvPr>
-          <p:cNvCxnSpPr/>
-          <p:nvPr/>
-        </p:nvCxnSpPr>
-        <p:spPr>
-          <a:xfrm>
-            <a:off x="647700" y="2565400"/>
-            <a:ext cx="10871200" cy="0"/>
-          </a:xfrm>
-          <a:prstGeom prst="line">
-            <a:avLst/>
-          </a:prstGeom>
-          <a:ln w="12700">
-            <a:solidFill>
-              <a:schemeClr val="bg1"/>
-            </a:solidFill>
-          </a:ln>
-        </p:spPr>
-        <p:style>
-          <a:lnRef idx="1">
-            <a:schemeClr val="accent1"/>
-          </a:lnRef>
-          <a:fillRef idx="0">
-            <a:schemeClr val="accent1"/>
-          </a:fillRef>
-          <a:effectRef idx="0">
-            <a:schemeClr val="accent1"/>
-          </a:effectRef>
-          <a:fontRef idx="minor">
-            <a:schemeClr val="tx1"/>
-          </a:fontRef>
-        </p:style>
-      </p:cxnSp>
-      <p:pic>
-        <p:nvPicPr>
-          <p:cNvPr id="8" name="Picture 7" descr="A picture containing bird&#10;&#10;Description automatically generated">
-            <a:extLst>
-              <a:ext uri="{FF2B5EF4-FFF2-40B4-BE49-F238E27FC236}">
-                <a16:creationId xmlns:a16="http://schemas.microsoft.com/office/drawing/2014/main" id="{1053FA8F-05C0-4D27-8D10-AAE65FC365BB}"/>
+          <p:cNvPr id="8" name="Picture 7" descr="A screenshot of a cell phone&#10;&#10;Description automatically generated">
+            <a:extLst>
+              <a:ext uri="{FF2B5EF4-FFF2-40B4-BE49-F238E27FC236}">
+                <a16:creationId xmlns:a16="http://schemas.microsoft.com/office/drawing/2014/main" id="{8CD1B3EE-571F-4806-A7A7-7086CD880823}"/>
               </a:ext>
             </a:extLst>
           </p:cNvPr>
@@ -4845,435 +4112,14 @@
         </p:blipFill>
         <p:spPr>
           <a:xfrm>
-            <a:off x="4724400" y="2565400"/>
-            <a:ext cx="2743200" cy="914400"/>
+            <a:off x="380202" y="1690688"/>
+            <a:ext cx="5715798" cy="2857899"/>
           </a:xfrm>
           <a:prstGeom prst="rect">
             <a:avLst/>
           </a:prstGeom>
         </p:spPr>
       </p:pic>
-    </p:spTree>
-    <p:extLst>
-      <p:ext uri="{BB962C8B-B14F-4D97-AF65-F5344CB8AC3E}">
-        <p14:creationId xmlns:p14="http://schemas.microsoft.com/office/powerpoint/2010/main" val="3361127043"/>
-      </p:ext>
-    </p:extLst>
-  </p:cSld>
-  <p:clrMapOvr>
-    <a:masterClrMapping/>
-  </p:clrMapOvr>
-  <p:timing>
-    <p:tnLst>
-      <p:par>
-        <p:cTn id="1" dur="indefinite" restart="never" nodeType="tmRoot"/>
-      </p:par>
-    </p:tnLst>
-  </p:timing>
-</p:sld>
-</file>
-
-<file path=ppt/slides/slide13.xml><?xml version="1.0" encoding="utf-8"?>
-<p:sld xmlns:a="http://schemas.openxmlformats.org/drawingml/2006/main" xmlns:r="http://schemas.openxmlformats.org/officeDocument/2006/relationships" xmlns:p="http://schemas.openxmlformats.org/presentationml/2006/main">
-  <p:cSld>
-    <p:spTree>
-      <p:nvGrpSpPr>
-        <p:cNvPr id="1" name=""/>
-        <p:cNvGrpSpPr/>
-        <p:nvPr/>
-      </p:nvGrpSpPr>
-      <p:grpSpPr>
-        <a:xfrm>
-          <a:off x="0" y="0"/>
-          <a:ext cx="0" cy="0"/>
-          <a:chOff x="0" y="0"/>
-          <a:chExt cx="0" cy="0"/>
-        </a:xfrm>
-      </p:grpSpPr>
-      <p:sp>
-        <p:nvSpPr>
-          <p:cNvPr id="2" name="Title 1">
-            <a:extLst>
-              <a:ext uri="{FF2B5EF4-FFF2-40B4-BE49-F238E27FC236}">
-                <a16:creationId xmlns:a16="http://schemas.microsoft.com/office/drawing/2014/main" id="{90771BF2-7BF5-4BA8-BAAA-01A0BBE3E44C}"/>
-              </a:ext>
-            </a:extLst>
-          </p:cNvPr>
-          <p:cNvSpPr>
-            <a:spLocks noGrp="1"/>
-          </p:cNvSpPr>
-          <p:nvPr>
-            <p:ph type="title"/>
-          </p:nvPr>
-        </p:nvSpPr>
-        <p:spPr/>
-        <p:txBody>
-          <a:bodyPr/>
-          <a:lstStyle/>
-          <a:p>
-            <a:r>
-              <a:rPr lang="en-US" dirty="0"/>
-              <a:t>Consider a 2 x 2 factorial design. </a:t>
-            </a:r>
-          </a:p>
-        </p:txBody>
-      </p:sp>
-      <p:sp>
-        <p:nvSpPr>
-          <p:cNvPr id="3" name="Content Placeholder 2">
-            <a:extLst>
-              <a:ext uri="{FF2B5EF4-FFF2-40B4-BE49-F238E27FC236}">
-                <a16:creationId xmlns:a16="http://schemas.microsoft.com/office/drawing/2014/main" id="{1EF0C10C-3ABD-4382-9DA0-EC7C1EE10F8D}"/>
-              </a:ext>
-            </a:extLst>
-          </p:cNvPr>
-          <p:cNvSpPr>
-            <a:spLocks noGrp="1"/>
-          </p:cNvSpPr>
-          <p:nvPr>
-            <p:ph idx="1"/>
-          </p:nvPr>
-        </p:nvSpPr>
-        <p:spPr>
-          <a:xfrm>
-            <a:off x="838200" y="1825625"/>
-            <a:ext cx="5029200" cy="4351338"/>
-          </a:xfrm>
-        </p:spPr>
-        <p:txBody>
-          <a:bodyPr/>
-          <a:lstStyle/>
-          <a:p>
-            <a:r>
-              <a:rPr lang="en-US" dirty="0"/>
-              <a:t>Participants walked at fast or selected speeds at virtual high or low heights. </a:t>
-            </a:r>
-          </a:p>
-          <a:p>
-            <a:endParaRPr lang="en-US" dirty="0"/>
-          </a:p>
-          <a:p>
-            <a:r>
-              <a:rPr lang="en-US" dirty="0"/>
-              <a:t>Among other things, we collected psychological perceptions of effort across the different trials.  </a:t>
-            </a:r>
-          </a:p>
-        </p:txBody>
-      </p:sp>
-      <p:sp>
-        <p:nvSpPr>
-          <p:cNvPr id="4" name="Date Placeholder 3">
-            <a:extLst>
-              <a:ext uri="{FF2B5EF4-FFF2-40B4-BE49-F238E27FC236}">
-                <a16:creationId xmlns:a16="http://schemas.microsoft.com/office/drawing/2014/main" id="{2E915DD1-5673-4869-8608-C50B22DC25F6}"/>
-              </a:ext>
-            </a:extLst>
-          </p:cNvPr>
-          <p:cNvSpPr>
-            <a:spLocks noGrp="1"/>
-          </p:cNvSpPr>
-          <p:nvPr>
-            <p:ph type="dt" sz="half" idx="10"/>
-          </p:nvPr>
-        </p:nvSpPr>
-        <p:spPr/>
-        <p:txBody>
-          <a:bodyPr/>
-          <a:lstStyle/>
-          <a:p>
-            <a:fld id="{5547C99B-7F2C-4E84-8128-EB3E64FAD082}" type="datetime1">
-              <a:rPr lang="en-US" smtClean="0"/>
-              <a:t>10/7/2019</a:t>
-            </a:fld>
-            <a:endParaRPr lang="en-US"/>
-          </a:p>
-        </p:txBody>
-      </p:sp>
-      <p:sp>
-        <p:nvSpPr>
-          <p:cNvPr id="5" name="Slide Number Placeholder 4">
-            <a:extLst>
-              <a:ext uri="{FF2B5EF4-FFF2-40B4-BE49-F238E27FC236}">
-                <a16:creationId xmlns:a16="http://schemas.microsoft.com/office/drawing/2014/main" id="{A17A7D78-CFBF-415B-9512-FE687C52417A}"/>
-              </a:ext>
-            </a:extLst>
-          </p:cNvPr>
-          <p:cNvSpPr>
-            <a:spLocks noGrp="1"/>
-          </p:cNvSpPr>
-          <p:nvPr>
-            <p:ph type="sldNum" sz="quarter" idx="12"/>
-          </p:nvPr>
-        </p:nvSpPr>
-        <p:spPr/>
-        <p:txBody>
-          <a:bodyPr/>
-          <a:lstStyle/>
-          <a:p>
-            <a:fld id="{211FFFE4-4E4B-40A7-A942-4F1B7E93AB5C}" type="slidenum">
-              <a:rPr lang="en-US" smtClean="0"/>
-              <a:t>13</a:t>
-            </a:fld>
-            <a:endParaRPr lang="en-US"/>
-          </a:p>
-        </p:txBody>
-      </p:sp>
-      <p:pic>
-        <p:nvPicPr>
-          <p:cNvPr id="15" name="Picture 14" descr="A screenshot of a cell phone&#10;&#10;Description automatically generated">
-            <a:extLst>
-              <a:ext uri="{FF2B5EF4-FFF2-40B4-BE49-F238E27FC236}">
-                <a16:creationId xmlns:a16="http://schemas.microsoft.com/office/drawing/2014/main" id="{BAE952E6-8FBB-41A0-ACF1-A1BDDBA1723A}"/>
-              </a:ext>
-            </a:extLst>
-          </p:cNvPr>
-          <p:cNvPicPr>
-            <a:picLocks noChangeAspect="1"/>
-          </p:cNvPicPr>
-          <p:nvPr/>
-        </p:nvPicPr>
-        <p:blipFill>
-          <a:blip r:embed="rId2">
-            <a:extLst>
-              <a:ext uri="{28A0092B-C50C-407E-A947-70E740481C1C}">
-                <a14:useLocalDpi xmlns:a14="http://schemas.microsoft.com/office/drawing/2010/main" val="0"/>
-              </a:ext>
-            </a:extLst>
-          </a:blip>
-          <a:stretch>
-            <a:fillRect/>
-          </a:stretch>
-        </p:blipFill>
-        <p:spPr>
-          <a:xfrm>
-            <a:off x="6096000" y="1690688"/>
-            <a:ext cx="5715798" cy="2857899"/>
-          </a:xfrm>
-          <a:prstGeom prst="rect">
-            <a:avLst/>
-          </a:prstGeom>
-        </p:spPr>
-      </p:pic>
-      <p:sp>
-        <p:nvSpPr>
-          <p:cNvPr id="16" name="TextBox 15">
-            <a:extLst>
-              <a:ext uri="{FF2B5EF4-FFF2-40B4-BE49-F238E27FC236}">
-                <a16:creationId xmlns:a16="http://schemas.microsoft.com/office/drawing/2014/main" id="{D02EAE40-6B5F-4A40-AE0C-88D9C85D53A9}"/>
-              </a:ext>
-            </a:extLst>
-          </p:cNvPr>
-          <p:cNvSpPr txBox="1"/>
-          <p:nvPr/>
-        </p:nvSpPr>
-        <p:spPr>
-          <a:xfrm>
-            <a:off x="6096000" y="4815287"/>
-            <a:ext cx="5715798" cy="1477328"/>
-          </a:xfrm>
-          <a:prstGeom prst="rect">
-            <a:avLst/>
-          </a:prstGeom>
-          <a:noFill/>
-          <a:ln>
-            <a:noFill/>
-          </a:ln>
-        </p:spPr>
-        <p:txBody>
-          <a:bodyPr wrap="square" rtlCol="0">
-            <a:spAutoFit/>
-          </a:bodyPr>
-          <a:lstStyle/>
-          <a:p>
-            <a:pPr marL="342900" indent="-342900">
-              <a:buFont typeface="+mj-lt"/>
-              <a:buAutoNum type="arabicPeriod"/>
-            </a:pPr>
-            <a:r>
-              <a:rPr lang="en-US" strike="sngStrike" dirty="0">
-                <a:solidFill>
-                  <a:srgbClr val="B4484B"/>
-                </a:solidFill>
-              </a:rPr>
-              <a:t>No measure of central tendency.</a:t>
-            </a:r>
-          </a:p>
-          <a:p>
-            <a:pPr marL="342900" indent="-342900">
-              <a:buFont typeface="+mj-lt"/>
-              <a:buAutoNum type="arabicPeriod"/>
-            </a:pPr>
-            <a:r>
-              <a:rPr lang="en-US" dirty="0">
-                <a:solidFill>
-                  <a:srgbClr val="B4484B"/>
-                </a:solidFill>
-              </a:rPr>
-              <a:t>No measures of spread.</a:t>
-            </a:r>
-          </a:p>
-          <a:p>
-            <a:pPr marL="342900" indent="-342900">
-              <a:buFont typeface="+mj-lt"/>
-              <a:buAutoNum type="arabicPeriod"/>
-            </a:pPr>
-            <a:r>
-              <a:rPr lang="en-US" dirty="0">
-                <a:solidFill>
-                  <a:srgbClr val="B4484B"/>
-                </a:solidFill>
-              </a:rPr>
-              <a:t>No information about sample size.  </a:t>
-            </a:r>
-          </a:p>
-          <a:p>
-            <a:pPr marL="342900" indent="-342900">
-              <a:buFont typeface="+mj-lt"/>
-              <a:buAutoNum type="arabicPeriod"/>
-            </a:pPr>
-            <a:r>
-              <a:rPr lang="en-US" dirty="0">
-                <a:solidFill>
-                  <a:srgbClr val="B4484B"/>
-                </a:solidFill>
-              </a:rPr>
-              <a:t>No  information about the correlation between measures.</a:t>
-            </a:r>
-          </a:p>
-        </p:txBody>
-      </p:sp>
-      <p:sp>
-        <p:nvSpPr>
-          <p:cNvPr id="17" name="Rectangle 16">
-            <a:extLst>
-              <a:ext uri="{FF2B5EF4-FFF2-40B4-BE49-F238E27FC236}">
-                <a16:creationId xmlns:a16="http://schemas.microsoft.com/office/drawing/2014/main" id="{3A4F7B78-5663-435B-9F97-34666B55DFC1}"/>
-              </a:ext>
-            </a:extLst>
-          </p:cNvPr>
-          <p:cNvSpPr/>
-          <p:nvPr/>
-        </p:nvSpPr>
-        <p:spPr>
-          <a:xfrm>
-            <a:off x="6096000" y="1690688"/>
-            <a:ext cx="5715798" cy="4601927"/>
-          </a:xfrm>
-          <a:prstGeom prst="rect">
-            <a:avLst/>
-          </a:prstGeom>
-          <a:noFill/>
-          <a:ln w="28575">
-            <a:solidFill>
-              <a:srgbClr val="BF5356"/>
-            </a:solidFill>
-          </a:ln>
-        </p:spPr>
-        <p:style>
-          <a:lnRef idx="2">
-            <a:schemeClr val="accent1">
-              <a:shade val="50000"/>
-            </a:schemeClr>
-          </a:lnRef>
-          <a:fillRef idx="1">
-            <a:schemeClr val="accent1"/>
-          </a:fillRef>
-          <a:effectRef idx="0">
-            <a:schemeClr val="accent1"/>
-          </a:effectRef>
-          <a:fontRef idx="minor">
-            <a:schemeClr val="lt1"/>
-          </a:fontRef>
-        </p:style>
-        <p:txBody>
-          <a:bodyPr rtlCol="0" anchor="ctr"/>
-          <a:lstStyle/>
-          <a:p>
-            <a:pPr algn="ctr"/>
-            <a:endParaRPr lang="en-US"/>
-          </a:p>
-        </p:txBody>
-      </p:sp>
-      <p:sp>
-        <p:nvSpPr>
-          <p:cNvPr id="18" name="TextBox 17">
-            <a:extLst>
-              <a:ext uri="{FF2B5EF4-FFF2-40B4-BE49-F238E27FC236}">
-                <a16:creationId xmlns:a16="http://schemas.microsoft.com/office/drawing/2014/main" id="{B50FAF1D-4609-48CD-AD3A-94C3B608B46F}"/>
-              </a:ext>
-            </a:extLst>
-          </p:cNvPr>
-          <p:cNvSpPr txBox="1"/>
-          <p:nvPr/>
-        </p:nvSpPr>
-        <p:spPr>
-          <a:xfrm>
-            <a:off x="4494246" y="6488668"/>
-            <a:ext cx="3203506" cy="369332"/>
-          </a:xfrm>
-          <a:prstGeom prst="rect">
-            <a:avLst/>
-          </a:prstGeom>
-          <a:noFill/>
-        </p:spPr>
-        <p:txBody>
-          <a:bodyPr wrap="none" rtlCol="0">
-            <a:spAutoFit/>
-          </a:bodyPr>
-          <a:lstStyle/>
-          <a:p>
-            <a:r>
-              <a:rPr lang="en-US" dirty="0"/>
-              <a:t>[Raffegeau et al., </a:t>
-            </a:r>
-            <a:r>
-              <a:rPr lang="en-US" i="1" dirty="0"/>
-              <a:t>Under Review</a:t>
-            </a:r>
-            <a:r>
-              <a:rPr lang="en-US" dirty="0"/>
-              <a:t>]</a:t>
-            </a:r>
-          </a:p>
-        </p:txBody>
-      </p:sp>
-    </p:spTree>
-    <p:extLst>
-      <p:ext uri="{BB962C8B-B14F-4D97-AF65-F5344CB8AC3E}">
-        <p14:creationId xmlns:p14="http://schemas.microsoft.com/office/powerpoint/2010/main" val="3672096144"/>
-      </p:ext>
-    </p:extLst>
-  </p:cSld>
-  <p:clrMapOvr>
-    <a:masterClrMapping/>
-  </p:clrMapOvr>
-  <p:timing>
-    <p:tnLst>
-      <p:par>
-        <p:cTn id="1" dur="indefinite" restart="never" nodeType="tmRoot"/>
-      </p:par>
-    </p:tnLst>
-  </p:timing>
-</p:sld>
-</file>
-
-<file path=ppt/slides/slide14.xml><?xml version="1.0" encoding="utf-8"?>
-<p:sld xmlns:a="http://schemas.openxmlformats.org/drawingml/2006/main" xmlns:r="http://schemas.openxmlformats.org/officeDocument/2006/relationships" xmlns:p="http://schemas.openxmlformats.org/presentationml/2006/main">
-  <p:cSld>
-    <p:spTree>
-      <p:nvGrpSpPr>
-        <p:cNvPr id="1" name=""/>
-        <p:cNvGrpSpPr/>
-        <p:nvPr/>
-      </p:nvGrpSpPr>
-      <p:grpSpPr>
-        <a:xfrm>
-          <a:off x="0" y="0"/>
-          <a:ext cx="0" cy="0"/>
-          <a:chOff x="0" y="0"/>
-          <a:chExt cx="0" cy="0"/>
-        </a:xfrm>
-      </p:grpSpPr>
       <p:sp>
         <p:nvSpPr>
           <p:cNvPr id="2" name="Title 1">
@@ -5438,7 +4284,7 @@
                 <a:ext cx="5029200" cy="4351338"/>
               </a:xfrm>
               <a:blipFill>
-                <a:blip r:embed="rId2"/>
+                <a:blip r:embed="rId3"/>
                 <a:stretch>
                   <a:fillRect l="-2182" t="-2241"/>
                 </a:stretch>
@@ -5482,7 +4328,7 @@
           <a:p>
             <a:fld id="{5547C99B-7F2C-4E84-8128-EB3E64FAD082}" type="datetime1">
               <a:rPr lang="en-US" smtClean="0"/>
-              <a:t>10/7/2019</a:t>
+              <a:t>10/13/2019</a:t>
             </a:fld>
             <a:endParaRPr lang="en-US"/>
           </a:p>
@@ -5511,7 +4357,7 @@
           <a:p>
             <a:fld id="{211FFFE4-4E4B-40A7-A942-4F1B7E93AB5C}" type="slidenum">
               <a:rPr lang="en-US" smtClean="0"/>
-              <a:t>14</a:t>
+              <a:t>10</a:t>
             </a:fld>
             <a:endParaRPr lang="en-US"/>
           </a:p>
@@ -5605,42 +4451,6 @@
           </a:p>
         </p:txBody>
       </p:sp>
-      <p:pic>
-        <p:nvPicPr>
-          <p:cNvPr id="7" name="Picture 6" descr="A screenshot of a video game&#10;&#10;Description automatically generated">
-            <a:extLst>
-              <a:ext uri="{FF2B5EF4-FFF2-40B4-BE49-F238E27FC236}">
-                <a16:creationId xmlns:a16="http://schemas.microsoft.com/office/drawing/2014/main" id="{4F54C832-A16C-48B5-9C11-8FF9BABE6EC8}"/>
-              </a:ext>
-            </a:extLst>
-          </p:cNvPr>
-          <p:cNvPicPr>
-            <a:picLocks noChangeAspect="1"/>
-          </p:cNvPicPr>
-          <p:nvPr/>
-        </p:nvPicPr>
-        <p:blipFill>
-          <a:blip r:embed="rId3">
-            <a:extLst>
-              <a:ext uri="{28A0092B-C50C-407E-A947-70E740481C1C}">
-                <a14:useLocalDpi xmlns:a14="http://schemas.microsoft.com/office/drawing/2010/main" val="0"/>
-              </a:ext>
-            </a:extLst>
-          </a:blip>
-          <a:stretch>
-            <a:fillRect/>
-          </a:stretch>
-        </p:blipFill>
-        <p:spPr>
-          <a:xfrm>
-            <a:off x="380202" y="1683449"/>
-            <a:ext cx="5715798" cy="2857899"/>
-          </a:xfrm>
-          <a:prstGeom prst="rect">
-            <a:avLst/>
-          </a:prstGeom>
-        </p:spPr>
-      </p:pic>
       <p:sp>
         <p:nvSpPr>
           <p:cNvPr id="10" name="Rectangle 9">
@@ -5746,13 +4556,1508 @@
   <p:clrMapOvr>
     <a:masterClrMapping/>
   </p:clrMapOvr>
-  <p:timing>
-    <p:tnLst>
-      <p:par>
-        <p:cTn id="1" dur="indefinite" restart="never" nodeType="tmRoot"/>
-      </p:par>
-    </p:tnLst>
-  </p:timing>
+</p:sld>
+</file>
+
+<file path=ppt/slides/slide11.xml><?xml version="1.0" encoding="utf-8"?>
+<p:sld xmlns:a="http://schemas.openxmlformats.org/drawingml/2006/main" xmlns:r="http://schemas.openxmlformats.org/officeDocument/2006/relationships" xmlns:p="http://schemas.openxmlformats.org/presentationml/2006/main">
+  <p:cSld>
+    <p:spTree>
+      <p:nvGrpSpPr>
+        <p:cNvPr id="1" name=""/>
+        <p:cNvGrpSpPr/>
+        <p:nvPr/>
+      </p:nvGrpSpPr>
+      <p:grpSpPr>
+        <a:xfrm>
+          <a:off x="0" y="0"/>
+          <a:ext cx="0" cy="0"/>
+          <a:chOff x="0" y="0"/>
+          <a:chExt cx="0" cy="0"/>
+        </a:xfrm>
+      </p:grpSpPr>
+      <p:pic>
+        <p:nvPicPr>
+          <p:cNvPr id="7" name="Picture 6" descr="A screenshot of a cell phone&#10;&#10;Description automatically generated">
+            <a:extLst>
+              <a:ext uri="{FF2B5EF4-FFF2-40B4-BE49-F238E27FC236}">
+                <a16:creationId xmlns:a16="http://schemas.microsoft.com/office/drawing/2014/main" id="{95179A25-AF6E-4B45-A511-A573BDEFC3A8}"/>
+              </a:ext>
+            </a:extLst>
+          </p:cNvPr>
+          <p:cNvPicPr>
+            <a:picLocks noChangeAspect="1"/>
+          </p:cNvPicPr>
+          <p:nvPr/>
+        </p:nvPicPr>
+        <p:blipFill>
+          <a:blip r:embed="rId2">
+            <a:extLst>
+              <a:ext uri="{28A0092B-C50C-407E-A947-70E740481C1C}">
+                <a14:useLocalDpi xmlns:a14="http://schemas.microsoft.com/office/drawing/2010/main" val="0"/>
+              </a:ext>
+            </a:extLst>
+          </a:blip>
+          <a:stretch>
+            <a:fillRect/>
+          </a:stretch>
+        </p:blipFill>
+        <p:spPr>
+          <a:xfrm>
+            <a:off x="5994000" y="1690688"/>
+            <a:ext cx="5715798" cy="2857899"/>
+          </a:xfrm>
+          <a:prstGeom prst="rect">
+            <a:avLst/>
+          </a:prstGeom>
+        </p:spPr>
+      </p:pic>
+      <p:sp>
+        <p:nvSpPr>
+          <p:cNvPr id="2" name="Title 1">
+            <a:extLst>
+              <a:ext uri="{FF2B5EF4-FFF2-40B4-BE49-F238E27FC236}">
+                <a16:creationId xmlns:a16="http://schemas.microsoft.com/office/drawing/2014/main" id="{90771BF2-7BF5-4BA8-BAAA-01A0BBE3E44C}"/>
+              </a:ext>
+            </a:extLst>
+          </p:cNvPr>
+          <p:cNvSpPr>
+            <a:spLocks noGrp="1"/>
+          </p:cNvSpPr>
+          <p:nvPr>
+            <p:ph type="title"/>
+          </p:nvPr>
+        </p:nvSpPr>
+        <p:spPr/>
+        <p:txBody>
+          <a:bodyPr/>
+          <a:lstStyle/>
+          <a:p>
+            <a:r>
+              <a:rPr lang="en-US" dirty="0"/>
+              <a:t>Consider a 2 x 2 factorial design. </a:t>
+            </a:r>
+          </a:p>
+        </p:txBody>
+      </p:sp>
+      <p:sp>
+        <p:nvSpPr>
+          <p:cNvPr id="3" name="Content Placeholder 2">
+            <a:extLst>
+              <a:ext uri="{FF2B5EF4-FFF2-40B4-BE49-F238E27FC236}">
+                <a16:creationId xmlns:a16="http://schemas.microsoft.com/office/drawing/2014/main" id="{1EF0C10C-3ABD-4382-9DA0-EC7C1EE10F8D}"/>
+              </a:ext>
+            </a:extLst>
+          </p:cNvPr>
+          <p:cNvSpPr>
+            <a:spLocks noGrp="1"/>
+          </p:cNvSpPr>
+          <p:nvPr>
+            <p:ph idx="1"/>
+          </p:nvPr>
+        </p:nvSpPr>
+        <p:spPr>
+          <a:xfrm>
+            <a:off x="723500" y="1690688"/>
+            <a:ext cx="5029200" cy="4351338"/>
+          </a:xfrm>
+        </p:spPr>
+        <p:txBody>
+          <a:bodyPr>
+            <a:normAutofit fontScale="92500" lnSpcReduction="20000"/>
+          </a:bodyPr>
+          <a:lstStyle/>
+          <a:p>
+            <a:r>
+              <a:rPr lang="en-US" dirty="0"/>
+              <a:t>What if we just plot all of the data? </a:t>
+            </a:r>
+          </a:p>
+          <a:p>
+            <a:endParaRPr lang="en-US" dirty="0"/>
+          </a:p>
+          <a:p>
+            <a:r>
+              <a:rPr lang="en-US" dirty="0"/>
+              <a:t>To paraphrase Karl Pearson, we have now put our “data on the table”, </a:t>
+            </a:r>
+            <a:r>
+              <a:rPr lang="en-US" b="1" u="sng" dirty="0"/>
+              <a:t>but</a:t>
+            </a:r>
+            <a:r>
+              <a:rPr lang="en-US" dirty="0"/>
+              <a:t> something has also been lost. </a:t>
+            </a:r>
+            <a:r>
+              <a:rPr lang="en-US" sz="1500" dirty="0"/>
+              <a:t>[Stigler, 2002]</a:t>
+            </a:r>
+          </a:p>
+          <a:p>
+            <a:endParaRPr lang="en-US" sz="1500" dirty="0"/>
+          </a:p>
+          <a:p>
+            <a:pPr lvl="1"/>
+            <a:r>
+              <a:rPr lang="en-US" dirty="0"/>
+              <a:t>Measures of central tendency are critical to our </a:t>
+            </a:r>
+            <a:r>
+              <a:rPr lang="en-US" b="1" u="sng" dirty="0"/>
+              <a:t>statistical inference</a:t>
+            </a:r>
+            <a:r>
+              <a:rPr lang="en-US" dirty="0"/>
+              <a:t>.</a:t>
+            </a:r>
+          </a:p>
+          <a:p>
+            <a:pPr lvl="1"/>
+            <a:endParaRPr lang="en-US" dirty="0"/>
+          </a:p>
+          <a:p>
+            <a:pPr lvl="1"/>
+            <a:r>
+              <a:rPr lang="en-US" dirty="0"/>
+              <a:t>We have gained a </a:t>
+            </a:r>
+            <a:r>
+              <a:rPr lang="en-US" b="1" u="sng" dirty="0"/>
+              <a:t>rich description</a:t>
+            </a:r>
+            <a:r>
+              <a:rPr lang="en-US" dirty="0"/>
+              <a:t> of our sample, but lost the correspondence to our analysis.</a:t>
+            </a:r>
+          </a:p>
+        </p:txBody>
+      </p:sp>
+      <p:sp>
+        <p:nvSpPr>
+          <p:cNvPr id="4" name="Date Placeholder 3">
+            <a:extLst>
+              <a:ext uri="{FF2B5EF4-FFF2-40B4-BE49-F238E27FC236}">
+                <a16:creationId xmlns:a16="http://schemas.microsoft.com/office/drawing/2014/main" id="{2E915DD1-5673-4869-8608-C50B22DC25F6}"/>
+              </a:ext>
+            </a:extLst>
+          </p:cNvPr>
+          <p:cNvSpPr>
+            <a:spLocks noGrp="1"/>
+          </p:cNvSpPr>
+          <p:nvPr>
+            <p:ph type="dt" sz="half" idx="10"/>
+          </p:nvPr>
+        </p:nvSpPr>
+        <p:spPr/>
+        <p:txBody>
+          <a:bodyPr/>
+          <a:lstStyle/>
+          <a:p>
+            <a:fld id="{5547C99B-7F2C-4E84-8128-EB3E64FAD082}" type="datetime1">
+              <a:rPr lang="en-US" smtClean="0"/>
+              <a:t>10/13/2019</a:t>
+            </a:fld>
+            <a:endParaRPr lang="en-US"/>
+          </a:p>
+        </p:txBody>
+      </p:sp>
+      <p:sp>
+        <p:nvSpPr>
+          <p:cNvPr id="5" name="Slide Number Placeholder 4">
+            <a:extLst>
+              <a:ext uri="{FF2B5EF4-FFF2-40B4-BE49-F238E27FC236}">
+                <a16:creationId xmlns:a16="http://schemas.microsoft.com/office/drawing/2014/main" id="{A17A7D78-CFBF-415B-9512-FE687C52417A}"/>
+              </a:ext>
+            </a:extLst>
+          </p:cNvPr>
+          <p:cNvSpPr>
+            <a:spLocks noGrp="1"/>
+          </p:cNvSpPr>
+          <p:nvPr>
+            <p:ph type="sldNum" sz="quarter" idx="12"/>
+          </p:nvPr>
+        </p:nvSpPr>
+        <p:spPr/>
+        <p:txBody>
+          <a:bodyPr/>
+          <a:lstStyle/>
+          <a:p>
+            <a:fld id="{211FFFE4-4E4B-40A7-A942-4F1B7E93AB5C}" type="slidenum">
+              <a:rPr lang="en-US" smtClean="0"/>
+              <a:t>11</a:t>
+            </a:fld>
+            <a:endParaRPr lang="en-US"/>
+          </a:p>
+        </p:txBody>
+      </p:sp>
+      <p:sp>
+        <p:nvSpPr>
+          <p:cNvPr id="16" name="TextBox 15">
+            <a:extLst>
+              <a:ext uri="{FF2B5EF4-FFF2-40B4-BE49-F238E27FC236}">
+                <a16:creationId xmlns:a16="http://schemas.microsoft.com/office/drawing/2014/main" id="{D02EAE40-6B5F-4A40-AE0C-88D9C85D53A9}"/>
+              </a:ext>
+            </a:extLst>
+          </p:cNvPr>
+          <p:cNvSpPr txBox="1"/>
+          <p:nvPr/>
+        </p:nvSpPr>
+        <p:spPr>
+          <a:xfrm>
+            <a:off x="5994000" y="4815287"/>
+            <a:ext cx="5715798" cy="1477328"/>
+          </a:xfrm>
+          <a:prstGeom prst="rect">
+            <a:avLst/>
+          </a:prstGeom>
+          <a:noFill/>
+          <a:ln>
+            <a:noFill/>
+          </a:ln>
+        </p:spPr>
+        <p:txBody>
+          <a:bodyPr wrap="square" rtlCol="0">
+            <a:spAutoFit/>
+          </a:bodyPr>
+          <a:lstStyle/>
+          <a:p>
+            <a:pPr marL="342900" indent="-342900">
+              <a:buFont typeface="+mj-lt"/>
+              <a:buAutoNum type="arabicPeriod"/>
+            </a:pPr>
+            <a:r>
+              <a:rPr lang="en-US" dirty="0">
+                <a:solidFill>
+                  <a:srgbClr val="B4484B"/>
+                </a:solidFill>
+              </a:rPr>
+              <a:t>No measure of central tendency. </a:t>
+            </a:r>
+          </a:p>
+          <a:p>
+            <a:pPr marL="342900" indent="-342900">
+              <a:buFont typeface="+mj-lt"/>
+              <a:buAutoNum type="arabicPeriod"/>
+            </a:pPr>
+            <a:r>
+              <a:rPr lang="en-US" strike="sngStrike" dirty="0">
+                <a:solidFill>
+                  <a:srgbClr val="B4484B"/>
+                </a:solidFill>
+              </a:rPr>
+              <a:t>No measures of spread.</a:t>
+            </a:r>
+          </a:p>
+          <a:p>
+            <a:pPr marL="342900" indent="-342900">
+              <a:buFont typeface="+mj-lt"/>
+              <a:buAutoNum type="arabicPeriod"/>
+            </a:pPr>
+            <a:r>
+              <a:rPr lang="en-US" strike="sngStrike" dirty="0">
+                <a:solidFill>
+                  <a:srgbClr val="B4484B"/>
+                </a:solidFill>
+              </a:rPr>
+              <a:t>No information about sample size.  </a:t>
+            </a:r>
+          </a:p>
+          <a:p>
+            <a:pPr marL="342900" indent="-342900">
+              <a:buFont typeface="+mj-lt"/>
+              <a:buAutoNum type="arabicPeriod"/>
+            </a:pPr>
+            <a:r>
+              <a:rPr lang="en-US" dirty="0">
+                <a:solidFill>
+                  <a:srgbClr val="B4484B"/>
+                </a:solidFill>
+              </a:rPr>
+              <a:t>No  information about the correlation between measures.</a:t>
+            </a:r>
+          </a:p>
+        </p:txBody>
+      </p:sp>
+      <p:sp>
+        <p:nvSpPr>
+          <p:cNvPr id="10" name="Rectangle 9">
+            <a:extLst>
+              <a:ext uri="{FF2B5EF4-FFF2-40B4-BE49-F238E27FC236}">
+                <a16:creationId xmlns:a16="http://schemas.microsoft.com/office/drawing/2014/main" id="{3B4F42BF-6812-40FB-A8F8-04AB378C6368}"/>
+              </a:ext>
+            </a:extLst>
+          </p:cNvPr>
+          <p:cNvSpPr/>
+          <p:nvPr/>
+        </p:nvSpPr>
+        <p:spPr>
+          <a:xfrm>
+            <a:off x="5994000" y="1651488"/>
+            <a:ext cx="5715798" cy="4641127"/>
+          </a:xfrm>
+          <a:prstGeom prst="rect">
+            <a:avLst/>
+          </a:prstGeom>
+          <a:noFill/>
+          <a:ln w="28575">
+            <a:solidFill>
+              <a:srgbClr val="BF5356"/>
+            </a:solidFill>
+          </a:ln>
+        </p:spPr>
+        <p:style>
+          <a:lnRef idx="2">
+            <a:schemeClr val="accent1">
+              <a:shade val="50000"/>
+            </a:schemeClr>
+          </a:lnRef>
+          <a:fillRef idx="1">
+            <a:schemeClr val="accent1"/>
+          </a:fillRef>
+          <a:effectRef idx="0">
+            <a:schemeClr val="accent1"/>
+          </a:effectRef>
+          <a:fontRef idx="minor">
+            <a:schemeClr val="lt1"/>
+          </a:fontRef>
+        </p:style>
+        <p:txBody>
+          <a:bodyPr rtlCol="0" anchor="ctr"/>
+          <a:lstStyle/>
+          <a:p>
+            <a:pPr algn="ctr"/>
+            <a:endParaRPr lang="en-US"/>
+          </a:p>
+        </p:txBody>
+      </p:sp>
+      <p:sp>
+        <p:nvSpPr>
+          <p:cNvPr id="11" name="TextBox 10">
+            <a:extLst>
+              <a:ext uri="{FF2B5EF4-FFF2-40B4-BE49-F238E27FC236}">
+                <a16:creationId xmlns:a16="http://schemas.microsoft.com/office/drawing/2014/main" id="{82DA4DFF-ED93-4585-B005-293DEA636604}"/>
+              </a:ext>
+            </a:extLst>
+          </p:cNvPr>
+          <p:cNvSpPr txBox="1"/>
+          <p:nvPr/>
+        </p:nvSpPr>
+        <p:spPr>
+          <a:xfrm>
+            <a:off x="4494246" y="6488668"/>
+            <a:ext cx="3203506" cy="369332"/>
+          </a:xfrm>
+          <a:prstGeom prst="rect">
+            <a:avLst/>
+          </a:prstGeom>
+          <a:noFill/>
+        </p:spPr>
+        <p:txBody>
+          <a:bodyPr wrap="none" rtlCol="0">
+            <a:spAutoFit/>
+          </a:bodyPr>
+          <a:lstStyle/>
+          <a:p>
+            <a:r>
+              <a:rPr lang="en-US" dirty="0"/>
+              <a:t>[Raffegeau et al., </a:t>
+            </a:r>
+            <a:r>
+              <a:rPr lang="en-US" i="1" dirty="0"/>
+              <a:t>Under Review</a:t>
+            </a:r>
+            <a:r>
+              <a:rPr lang="en-US" dirty="0"/>
+              <a:t>]</a:t>
+            </a:r>
+          </a:p>
+        </p:txBody>
+      </p:sp>
+    </p:spTree>
+    <p:extLst>
+      <p:ext uri="{BB962C8B-B14F-4D97-AF65-F5344CB8AC3E}">
+        <p14:creationId xmlns:p14="http://schemas.microsoft.com/office/powerpoint/2010/main" val="2349895214"/>
+      </p:ext>
+    </p:extLst>
+  </p:cSld>
+  <p:clrMapOvr>
+    <a:masterClrMapping/>
+  </p:clrMapOvr>
+</p:sld>
+</file>
+
+<file path=ppt/slides/slide12.xml><?xml version="1.0" encoding="utf-8"?>
+<p:sld xmlns:a="http://schemas.openxmlformats.org/drawingml/2006/main" xmlns:r="http://schemas.openxmlformats.org/officeDocument/2006/relationships" xmlns:p="http://schemas.openxmlformats.org/presentationml/2006/main">
+  <p:cSld>
+    <p:spTree>
+      <p:nvGrpSpPr>
+        <p:cNvPr id="1" name=""/>
+        <p:cNvGrpSpPr/>
+        <p:nvPr/>
+      </p:nvGrpSpPr>
+      <p:grpSpPr>
+        <a:xfrm>
+          <a:off x="0" y="0"/>
+          <a:ext cx="0" cy="0"/>
+          <a:chOff x="0" y="0"/>
+          <a:chExt cx="0" cy="0"/>
+        </a:xfrm>
+      </p:grpSpPr>
+      <p:pic>
+        <p:nvPicPr>
+          <p:cNvPr id="8" name="Picture 7">
+            <a:extLst>
+              <a:ext uri="{FF2B5EF4-FFF2-40B4-BE49-F238E27FC236}">
+                <a16:creationId xmlns:a16="http://schemas.microsoft.com/office/drawing/2014/main" id="{A5CE1594-9B0E-406A-B4FF-53B53E13CB6D}"/>
+              </a:ext>
+            </a:extLst>
+          </p:cNvPr>
+          <p:cNvPicPr>
+            <a:picLocks noChangeAspect="1"/>
+          </p:cNvPicPr>
+          <p:nvPr/>
+        </p:nvPicPr>
+        <p:blipFill>
+          <a:blip r:embed="rId2">
+            <a:extLst>
+              <a:ext uri="{28A0092B-C50C-407E-A947-70E740481C1C}">
+                <a14:useLocalDpi xmlns:a14="http://schemas.microsoft.com/office/drawing/2010/main" val="0"/>
+              </a:ext>
+            </a:extLst>
+          </a:blip>
+          <a:stretch>
+            <a:fillRect/>
+          </a:stretch>
+        </p:blipFill>
+        <p:spPr>
+          <a:xfrm>
+            <a:off x="838200" y="1440587"/>
+            <a:ext cx="5715798" cy="2857899"/>
+          </a:xfrm>
+          <a:prstGeom prst="rect">
+            <a:avLst/>
+          </a:prstGeom>
+        </p:spPr>
+      </p:pic>
+      <p:sp>
+        <p:nvSpPr>
+          <p:cNvPr id="2" name="Title 1">
+            <a:extLst>
+              <a:ext uri="{FF2B5EF4-FFF2-40B4-BE49-F238E27FC236}">
+                <a16:creationId xmlns:a16="http://schemas.microsoft.com/office/drawing/2014/main" id="{90771BF2-7BF5-4BA8-BAAA-01A0BBE3E44C}"/>
+              </a:ext>
+            </a:extLst>
+          </p:cNvPr>
+          <p:cNvSpPr>
+            <a:spLocks noGrp="1"/>
+          </p:cNvSpPr>
+          <p:nvPr>
+            <p:ph type="title"/>
+          </p:nvPr>
+        </p:nvSpPr>
+        <p:spPr/>
+        <p:txBody>
+          <a:bodyPr/>
+          <a:lstStyle/>
+          <a:p>
+            <a:r>
+              <a:rPr lang="en-US" dirty="0"/>
+              <a:t>Consider a 2 x 2 factorial design. </a:t>
+            </a:r>
+          </a:p>
+        </p:txBody>
+      </p:sp>
+      <p:sp>
+        <p:nvSpPr>
+          <p:cNvPr id="3" name="Content Placeholder 2">
+            <a:extLst>
+              <a:ext uri="{FF2B5EF4-FFF2-40B4-BE49-F238E27FC236}">
+                <a16:creationId xmlns:a16="http://schemas.microsoft.com/office/drawing/2014/main" id="{1EF0C10C-3ABD-4382-9DA0-EC7C1EE10F8D}"/>
+              </a:ext>
+            </a:extLst>
+          </p:cNvPr>
+          <p:cNvSpPr>
+            <a:spLocks noGrp="1"/>
+          </p:cNvSpPr>
+          <p:nvPr>
+            <p:ph idx="1"/>
+          </p:nvPr>
+        </p:nvSpPr>
+        <p:spPr>
+          <a:xfrm>
+            <a:off x="6806800" y="1440588"/>
+            <a:ext cx="5029200" cy="4641126"/>
+          </a:xfrm>
+        </p:spPr>
+        <p:txBody>
+          <a:bodyPr>
+            <a:normAutofit fontScale="70000" lnSpcReduction="20000"/>
+          </a:bodyPr>
+          <a:lstStyle/>
+          <a:p>
+            <a:r>
+              <a:rPr lang="en-US" dirty="0"/>
+              <a:t>Now this is good! By playing with overlay and transparency, </a:t>
+            </a:r>
+            <a:r>
+              <a:rPr lang="en-US" b="1" u="sng" dirty="0"/>
+              <a:t>group-level</a:t>
+            </a:r>
+            <a:r>
+              <a:rPr lang="en-US" dirty="0"/>
+              <a:t> statistics are emphasized (for inference). </a:t>
+            </a:r>
+          </a:p>
+          <a:p>
+            <a:endParaRPr lang="en-US" dirty="0"/>
+          </a:p>
+          <a:p>
+            <a:r>
+              <a:rPr lang="en-US" dirty="0"/>
+              <a:t>But all of the </a:t>
+            </a:r>
+            <a:r>
+              <a:rPr lang="en-US" b="1" u="sng" dirty="0"/>
+              <a:t>participant-level</a:t>
+            </a:r>
+            <a:r>
+              <a:rPr lang="en-US" dirty="0"/>
+              <a:t> data are also visible (for description/assumptions). </a:t>
+            </a:r>
+          </a:p>
+          <a:p>
+            <a:endParaRPr lang="en-US" dirty="0"/>
+          </a:p>
+          <a:p>
+            <a:pPr lvl="1"/>
+            <a:r>
+              <a:rPr lang="en-US" dirty="0"/>
+              <a:t>One issue is that boxplots show medians, but most of our inferential statistics are based on means. </a:t>
+            </a:r>
+          </a:p>
+          <a:p>
+            <a:pPr lvl="1"/>
+            <a:endParaRPr lang="en-US" dirty="0"/>
+          </a:p>
+          <a:p>
+            <a:pPr lvl="1"/>
+            <a:r>
+              <a:rPr lang="en-US" dirty="0"/>
+              <a:t>This isn’t bad, but potentially lacks correspondence between visualization and analysis.</a:t>
+            </a:r>
+          </a:p>
+          <a:p>
+            <a:pPr lvl="1"/>
+            <a:endParaRPr lang="en-US" dirty="0"/>
+          </a:p>
+          <a:p>
+            <a:r>
+              <a:rPr lang="en-US" dirty="0"/>
+              <a:t>In a within-subject design, we might want to know which points belong to whom. </a:t>
+            </a:r>
+          </a:p>
+        </p:txBody>
+      </p:sp>
+      <p:sp>
+        <p:nvSpPr>
+          <p:cNvPr id="4" name="Date Placeholder 3">
+            <a:extLst>
+              <a:ext uri="{FF2B5EF4-FFF2-40B4-BE49-F238E27FC236}">
+                <a16:creationId xmlns:a16="http://schemas.microsoft.com/office/drawing/2014/main" id="{2E915DD1-5673-4869-8608-C50B22DC25F6}"/>
+              </a:ext>
+            </a:extLst>
+          </p:cNvPr>
+          <p:cNvSpPr>
+            <a:spLocks noGrp="1"/>
+          </p:cNvSpPr>
+          <p:nvPr>
+            <p:ph type="dt" sz="half" idx="10"/>
+          </p:nvPr>
+        </p:nvSpPr>
+        <p:spPr/>
+        <p:txBody>
+          <a:bodyPr/>
+          <a:lstStyle/>
+          <a:p>
+            <a:fld id="{5547C99B-7F2C-4E84-8128-EB3E64FAD082}" type="datetime1">
+              <a:rPr lang="en-US" smtClean="0"/>
+              <a:t>10/13/2019</a:t>
+            </a:fld>
+            <a:endParaRPr lang="en-US"/>
+          </a:p>
+        </p:txBody>
+      </p:sp>
+      <p:sp>
+        <p:nvSpPr>
+          <p:cNvPr id="5" name="Slide Number Placeholder 4">
+            <a:extLst>
+              <a:ext uri="{FF2B5EF4-FFF2-40B4-BE49-F238E27FC236}">
+                <a16:creationId xmlns:a16="http://schemas.microsoft.com/office/drawing/2014/main" id="{A17A7D78-CFBF-415B-9512-FE687C52417A}"/>
+              </a:ext>
+            </a:extLst>
+          </p:cNvPr>
+          <p:cNvSpPr>
+            <a:spLocks noGrp="1"/>
+          </p:cNvSpPr>
+          <p:nvPr>
+            <p:ph type="sldNum" sz="quarter" idx="12"/>
+          </p:nvPr>
+        </p:nvSpPr>
+        <p:spPr/>
+        <p:txBody>
+          <a:bodyPr/>
+          <a:lstStyle/>
+          <a:p>
+            <a:fld id="{211FFFE4-4E4B-40A7-A942-4F1B7E93AB5C}" type="slidenum">
+              <a:rPr lang="en-US" smtClean="0"/>
+              <a:t>12</a:t>
+            </a:fld>
+            <a:endParaRPr lang="en-US"/>
+          </a:p>
+        </p:txBody>
+      </p:sp>
+      <p:sp>
+        <p:nvSpPr>
+          <p:cNvPr id="16" name="TextBox 15">
+            <a:extLst>
+              <a:ext uri="{FF2B5EF4-FFF2-40B4-BE49-F238E27FC236}">
+                <a16:creationId xmlns:a16="http://schemas.microsoft.com/office/drawing/2014/main" id="{D02EAE40-6B5F-4A40-AE0C-88D9C85D53A9}"/>
+              </a:ext>
+            </a:extLst>
+          </p:cNvPr>
+          <p:cNvSpPr txBox="1"/>
+          <p:nvPr/>
+        </p:nvSpPr>
+        <p:spPr>
+          <a:xfrm>
+            <a:off x="838200" y="4604386"/>
+            <a:ext cx="5715798" cy="1477328"/>
+          </a:xfrm>
+          <a:prstGeom prst="rect">
+            <a:avLst/>
+          </a:prstGeom>
+          <a:noFill/>
+          <a:ln>
+            <a:noFill/>
+          </a:ln>
+        </p:spPr>
+        <p:txBody>
+          <a:bodyPr wrap="square" rtlCol="0">
+            <a:spAutoFit/>
+          </a:bodyPr>
+          <a:lstStyle/>
+          <a:p>
+            <a:pPr marL="342900" indent="-342900">
+              <a:buFont typeface="+mj-lt"/>
+              <a:buAutoNum type="arabicPeriod"/>
+            </a:pPr>
+            <a:r>
+              <a:rPr lang="en-US" strike="sngStrike" dirty="0">
+                <a:solidFill>
+                  <a:srgbClr val="B4484B"/>
+                </a:solidFill>
+              </a:rPr>
+              <a:t>No measure of central tendency. </a:t>
+            </a:r>
+          </a:p>
+          <a:p>
+            <a:pPr marL="342900" indent="-342900">
+              <a:buFont typeface="+mj-lt"/>
+              <a:buAutoNum type="arabicPeriod"/>
+            </a:pPr>
+            <a:r>
+              <a:rPr lang="en-US" strike="sngStrike" dirty="0">
+                <a:solidFill>
+                  <a:srgbClr val="B4484B"/>
+                </a:solidFill>
+              </a:rPr>
+              <a:t>No measures of spread.</a:t>
+            </a:r>
+          </a:p>
+          <a:p>
+            <a:pPr marL="342900" indent="-342900">
+              <a:buFont typeface="+mj-lt"/>
+              <a:buAutoNum type="arabicPeriod"/>
+            </a:pPr>
+            <a:r>
+              <a:rPr lang="en-US" strike="sngStrike" dirty="0">
+                <a:solidFill>
+                  <a:srgbClr val="B4484B"/>
+                </a:solidFill>
+              </a:rPr>
+              <a:t>No information about sample size.  </a:t>
+            </a:r>
+          </a:p>
+          <a:p>
+            <a:pPr marL="342900" indent="-342900">
+              <a:buFont typeface="+mj-lt"/>
+              <a:buAutoNum type="arabicPeriod"/>
+            </a:pPr>
+            <a:r>
+              <a:rPr lang="en-US" dirty="0">
+                <a:solidFill>
+                  <a:srgbClr val="B4484B"/>
+                </a:solidFill>
+              </a:rPr>
+              <a:t>No  information about the correlation between measures.</a:t>
+            </a:r>
+          </a:p>
+        </p:txBody>
+      </p:sp>
+      <p:sp>
+        <p:nvSpPr>
+          <p:cNvPr id="10" name="Rectangle 9">
+            <a:extLst>
+              <a:ext uri="{FF2B5EF4-FFF2-40B4-BE49-F238E27FC236}">
+                <a16:creationId xmlns:a16="http://schemas.microsoft.com/office/drawing/2014/main" id="{3B4F42BF-6812-40FB-A8F8-04AB378C6368}"/>
+              </a:ext>
+            </a:extLst>
+          </p:cNvPr>
+          <p:cNvSpPr/>
+          <p:nvPr/>
+        </p:nvSpPr>
+        <p:spPr>
+          <a:xfrm>
+            <a:off x="838200" y="1440587"/>
+            <a:ext cx="5715798" cy="4641127"/>
+          </a:xfrm>
+          <a:prstGeom prst="rect">
+            <a:avLst/>
+          </a:prstGeom>
+          <a:noFill/>
+          <a:ln w="28575">
+            <a:solidFill>
+              <a:srgbClr val="BF5356"/>
+            </a:solidFill>
+          </a:ln>
+        </p:spPr>
+        <p:style>
+          <a:lnRef idx="2">
+            <a:schemeClr val="accent1">
+              <a:shade val="50000"/>
+            </a:schemeClr>
+          </a:lnRef>
+          <a:fillRef idx="1">
+            <a:schemeClr val="accent1"/>
+          </a:fillRef>
+          <a:effectRef idx="0">
+            <a:schemeClr val="accent1"/>
+          </a:effectRef>
+          <a:fontRef idx="minor">
+            <a:schemeClr val="lt1"/>
+          </a:fontRef>
+        </p:style>
+        <p:txBody>
+          <a:bodyPr rtlCol="0" anchor="ctr"/>
+          <a:lstStyle/>
+          <a:p>
+            <a:pPr algn="ctr"/>
+            <a:endParaRPr lang="en-US"/>
+          </a:p>
+        </p:txBody>
+      </p:sp>
+      <p:sp>
+        <p:nvSpPr>
+          <p:cNvPr id="11" name="TextBox 10">
+            <a:extLst>
+              <a:ext uri="{FF2B5EF4-FFF2-40B4-BE49-F238E27FC236}">
+                <a16:creationId xmlns:a16="http://schemas.microsoft.com/office/drawing/2014/main" id="{A39530E9-6ADD-4AB6-B156-8225E73A3EB7}"/>
+              </a:ext>
+            </a:extLst>
+          </p:cNvPr>
+          <p:cNvSpPr txBox="1"/>
+          <p:nvPr/>
+        </p:nvSpPr>
+        <p:spPr>
+          <a:xfrm>
+            <a:off x="4494246" y="6488668"/>
+            <a:ext cx="3203506" cy="369332"/>
+          </a:xfrm>
+          <a:prstGeom prst="rect">
+            <a:avLst/>
+          </a:prstGeom>
+          <a:noFill/>
+        </p:spPr>
+        <p:txBody>
+          <a:bodyPr wrap="none" rtlCol="0">
+            <a:spAutoFit/>
+          </a:bodyPr>
+          <a:lstStyle/>
+          <a:p>
+            <a:r>
+              <a:rPr lang="en-US" dirty="0"/>
+              <a:t>[Raffegeau et al., </a:t>
+            </a:r>
+            <a:r>
+              <a:rPr lang="en-US" i="1" dirty="0"/>
+              <a:t>Under Review</a:t>
+            </a:r>
+            <a:r>
+              <a:rPr lang="en-US" dirty="0"/>
+              <a:t>]</a:t>
+            </a:r>
+          </a:p>
+        </p:txBody>
+      </p:sp>
+    </p:spTree>
+    <p:extLst>
+      <p:ext uri="{BB962C8B-B14F-4D97-AF65-F5344CB8AC3E}">
+        <p14:creationId xmlns:p14="http://schemas.microsoft.com/office/powerpoint/2010/main" val="429783905"/>
+      </p:ext>
+    </p:extLst>
+  </p:cSld>
+  <p:clrMapOvr>
+    <a:masterClrMapping/>
+  </p:clrMapOvr>
+</p:sld>
+</file>
+
+<file path=ppt/slides/slide13.xml><?xml version="1.0" encoding="utf-8"?>
+<p:sld xmlns:a="http://schemas.openxmlformats.org/drawingml/2006/main" xmlns:r="http://schemas.openxmlformats.org/officeDocument/2006/relationships" xmlns:p="http://schemas.openxmlformats.org/presentationml/2006/main">
+  <p:cSld>
+    <p:spTree>
+      <p:nvGrpSpPr>
+        <p:cNvPr id="1" name=""/>
+        <p:cNvGrpSpPr/>
+        <p:nvPr/>
+      </p:nvGrpSpPr>
+      <p:grpSpPr>
+        <a:xfrm>
+          <a:off x="0" y="0"/>
+          <a:ext cx="0" cy="0"/>
+          <a:chOff x="0" y="0"/>
+          <a:chExt cx="0" cy="0"/>
+        </a:xfrm>
+      </p:grpSpPr>
+      <p:pic>
+        <p:nvPicPr>
+          <p:cNvPr id="7" name="Picture 6" descr="A close up of a map&#10;&#10;Description automatically generated">
+            <a:extLst>
+              <a:ext uri="{FF2B5EF4-FFF2-40B4-BE49-F238E27FC236}">
+                <a16:creationId xmlns:a16="http://schemas.microsoft.com/office/drawing/2014/main" id="{58D83B5B-1E40-4DF2-942F-C3092CEBA27D}"/>
+              </a:ext>
+            </a:extLst>
+          </p:cNvPr>
+          <p:cNvPicPr>
+            <a:picLocks noChangeAspect="1"/>
+          </p:cNvPicPr>
+          <p:nvPr/>
+        </p:nvPicPr>
+        <p:blipFill>
+          <a:blip r:embed="rId2">
+            <a:extLst>
+              <a:ext uri="{28A0092B-C50C-407E-A947-70E740481C1C}">
+                <a14:useLocalDpi xmlns:a14="http://schemas.microsoft.com/office/drawing/2010/main" val="0"/>
+              </a:ext>
+            </a:extLst>
+          </a:blip>
+          <a:stretch>
+            <a:fillRect/>
+          </a:stretch>
+        </p:blipFill>
+        <p:spPr>
+          <a:xfrm>
+            <a:off x="5752701" y="1529699"/>
+            <a:ext cx="5715798" cy="2857899"/>
+          </a:xfrm>
+          <a:prstGeom prst="rect">
+            <a:avLst/>
+          </a:prstGeom>
+        </p:spPr>
+      </p:pic>
+      <p:sp>
+        <p:nvSpPr>
+          <p:cNvPr id="2" name="Title 1">
+            <a:extLst>
+              <a:ext uri="{FF2B5EF4-FFF2-40B4-BE49-F238E27FC236}">
+                <a16:creationId xmlns:a16="http://schemas.microsoft.com/office/drawing/2014/main" id="{90771BF2-7BF5-4BA8-BAAA-01A0BBE3E44C}"/>
+              </a:ext>
+            </a:extLst>
+          </p:cNvPr>
+          <p:cNvSpPr>
+            <a:spLocks noGrp="1"/>
+          </p:cNvSpPr>
+          <p:nvPr>
+            <p:ph type="title"/>
+          </p:nvPr>
+        </p:nvSpPr>
+        <p:spPr/>
+        <p:txBody>
+          <a:bodyPr/>
+          <a:lstStyle/>
+          <a:p>
+            <a:r>
+              <a:rPr lang="en-US" dirty="0"/>
+              <a:t>Consider a 2 x 2 factorial design. </a:t>
+            </a:r>
+          </a:p>
+        </p:txBody>
+      </p:sp>
+      <p:sp>
+        <p:nvSpPr>
+          <p:cNvPr id="3" name="Content Placeholder 2">
+            <a:extLst>
+              <a:ext uri="{FF2B5EF4-FFF2-40B4-BE49-F238E27FC236}">
+                <a16:creationId xmlns:a16="http://schemas.microsoft.com/office/drawing/2014/main" id="{1EF0C10C-3ABD-4382-9DA0-EC7C1EE10F8D}"/>
+              </a:ext>
+            </a:extLst>
+          </p:cNvPr>
+          <p:cNvSpPr>
+            <a:spLocks noGrp="1"/>
+          </p:cNvSpPr>
+          <p:nvPr>
+            <p:ph idx="1"/>
+          </p:nvPr>
+        </p:nvSpPr>
+        <p:spPr>
+          <a:xfrm>
+            <a:off x="380201" y="1516787"/>
+            <a:ext cx="5029200" cy="4351338"/>
+          </a:xfrm>
+        </p:spPr>
+        <p:txBody>
+          <a:bodyPr>
+            <a:normAutofit/>
+          </a:bodyPr>
+          <a:lstStyle/>
+          <a:p>
+            <a:r>
+              <a:rPr lang="en-US" dirty="0"/>
+              <a:t>We can overlay the means for each condition on top of the data for each condition.</a:t>
+            </a:r>
+          </a:p>
+          <a:p>
+            <a:endParaRPr lang="en-US" dirty="0"/>
+          </a:p>
+          <a:p>
+            <a:r>
+              <a:rPr lang="en-US" dirty="0"/>
+              <a:t>By connecting the dots, we can also provide information about the correlation between conditions</a:t>
+            </a:r>
+            <a:r>
+              <a:rPr lang="en-US"/>
+              <a:t>. </a:t>
+            </a:r>
+            <a:endParaRPr lang="en-US" dirty="0"/>
+          </a:p>
+          <a:p>
+            <a:endParaRPr lang="en-US" dirty="0"/>
+          </a:p>
+        </p:txBody>
+      </p:sp>
+      <p:sp>
+        <p:nvSpPr>
+          <p:cNvPr id="4" name="Date Placeholder 3">
+            <a:extLst>
+              <a:ext uri="{FF2B5EF4-FFF2-40B4-BE49-F238E27FC236}">
+                <a16:creationId xmlns:a16="http://schemas.microsoft.com/office/drawing/2014/main" id="{2E915DD1-5673-4869-8608-C50B22DC25F6}"/>
+              </a:ext>
+            </a:extLst>
+          </p:cNvPr>
+          <p:cNvSpPr>
+            <a:spLocks noGrp="1"/>
+          </p:cNvSpPr>
+          <p:nvPr>
+            <p:ph type="dt" sz="half" idx="10"/>
+          </p:nvPr>
+        </p:nvSpPr>
+        <p:spPr/>
+        <p:txBody>
+          <a:bodyPr/>
+          <a:lstStyle/>
+          <a:p>
+            <a:fld id="{5547C99B-7F2C-4E84-8128-EB3E64FAD082}" type="datetime1">
+              <a:rPr lang="en-US" smtClean="0"/>
+              <a:t>10/13/2019</a:t>
+            </a:fld>
+            <a:endParaRPr lang="en-US"/>
+          </a:p>
+        </p:txBody>
+      </p:sp>
+      <p:sp>
+        <p:nvSpPr>
+          <p:cNvPr id="5" name="Slide Number Placeholder 4">
+            <a:extLst>
+              <a:ext uri="{FF2B5EF4-FFF2-40B4-BE49-F238E27FC236}">
+                <a16:creationId xmlns:a16="http://schemas.microsoft.com/office/drawing/2014/main" id="{A17A7D78-CFBF-415B-9512-FE687C52417A}"/>
+              </a:ext>
+            </a:extLst>
+          </p:cNvPr>
+          <p:cNvSpPr>
+            <a:spLocks noGrp="1"/>
+          </p:cNvSpPr>
+          <p:nvPr>
+            <p:ph type="sldNum" sz="quarter" idx="12"/>
+          </p:nvPr>
+        </p:nvSpPr>
+        <p:spPr/>
+        <p:txBody>
+          <a:bodyPr/>
+          <a:lstStyle/>
+          <a:p>
+            <a:fld id="{211FFFE4-4E4B-40A7-A942-4F1B7E93AB5C}" type="slidenum">
+              <a:rPr lang="en-US" smtClean="0"/>
+              <a:t>13</a:t>
+            </a:fld>
+            <a:endParaRPr lang="en-US"/>
+          </a:p>
+        </p:txBody>
+      </p:sp>
+      <p:sp>
+        <p:nvSpPr>
+          <p:cNvPr id="16" name="TextBox 15">
+            <a:extLst>
+              <a:ext uri="{FF2B5EF4-FFF2-40B4-BE49-F238E27FC236}">
+                <a16:creationId xmlns:a16="http://schemas.microsoft.com/office/drawing/2014/main" id="{D02EAE40-6B5F-4A40-AE0C-88D9C85D53A9}"/>
+              </a:ext>
+            </a:extLst>
+          </p:cNvPr>
+          <p:cNvSpPr txBox="1"/>
+          <p:nvPr/>
+        </p:nvSpPr>
+        <p:spPr>
+          <a:xfrm>
+            <a:off x="5752701" y="4680586"/>
+            <a:ext cx="5715798" cy="1477328"/>
+          </a:xfrm>
+          <a:prstGeom prst="rect">
+            <a:avLst/>
+          </a:prstGeom>
+          <a:noFill/>
+          <a:ln>
+            <a:noFill/>
+          </a:ln>
+        </p:spPr>
+        <p:txBody>
+          <a:bodyPr wrap="square" rtlCol="0">
+            <a:spAutoFit/>
+          </a:bodyPr>
+          <a:lstStyle/>
+          <a:p>
+            <a:pPr marL="342900" indent="-342900">
+              <a:buFont typeface="+mj-lt"/>
+              <a:buAutoNum type="arabicPeriod"/>
+            </a:pPr>
+            <a:r>
+              <a:rPr lang="en-US" strike="sngStrike" dirty="0">
+                <a:solidFill>
+                  <a:srgbClr val="B4484B"/>
+                </a:solidFill>
+              </a:rPr>
+              <a:t>No measure of central tendency. </a:t>
+            </a:r>
+          </a:p>
+          <a:p>
+            <a:pPr marL="342900" indent="-342900">
+              <a:buFont typeface="+mj-lt"/>
+              <a:buAutoNum type="arabicPeriod"/>
+            </a:pPr>
+            <a:r>
+              <a:rPr lang="en-US" strike="sngStrike" dirty="0">
+                <a:solidFill>
+                  <a:srgbClr val="B4484B"/>
+                </a:solidFill>
+              </a:rPr>
+              <a:t>No measures of spread.</a:t>
+            </a:r>
+          </a:p>
+          <a:p>
+            <a:pPr marL="342900" indent="-342900">
+              <a:buFont typeface="+mj-lt"/>
+              <a:buAutoNum type="arabicPeriod"/>
+            </a:pPr>
+            <a:r>
+              <a:rPr lang="en-US" strike="sngStrike" dirty="0">
+                <a:solidFill>
+                  <a:srgbClr val="B4484B"/>
+                </a:solidFill>
+              </a:rPr>
+              <a:t>No information about sample size.  </a:t>
+            </a:r>
+          </a:p>
+          <a:p>
+            <a:pPr marL="342900" indent="-342900">
+              <a:buFont typeface="+mj-lt"/>
+              <a:buAutoNum type="arabicPeriod"/>
+            </a:pPr>
+            <a:r>
+              <a:rPr lang="en-US" strike="sngStrike" dirty="0">
+                <a:solidFill>
+                  <a:srgbClr val="B4484B"/>
+                </a:solidFill>
+              </a:rPr>
+              <a:t>No  information about the correlation between measures.</a:t>
+            </a:r>
+          </a:p>
+        </p:txBody>
+      </p:sp>
+      <p:sp>
+        <p:nvSpPr>
+          <p:cNvPr id="10" name="Rectangle 9">
+            <a:extLst>
+              <a:ext uri="{FF2B5EF4-FFF2-40B4-BE49-F238E27FC236}">
+                <a16:creationId xmlns:a16="http://schemas.microsoft.com/office/drawing/2014/main" id="{3B4F42BF-6812-40FB-A8F8-04AB378C6368}"/>
+              </a:ext>
+            </a:extLst>
+          </p:cNvPr>
+          <p:cNvSpPr/>
+          <p:nvPr/>
+        </p:nvSpPr>
+        <p:spPr>
+          <a:xfrm>
+            <a:off x="5752701" y="1516787"/>
+            <a:ext cx="5715798" cy="4641127"/>
+          </a:xfrm>
+          <a:prstGeom prst="rect">
+            <a:avLst/>
+          </a:prstGeom>
+          <a:noFill/>
+          <a:ln w="28575">
+            <a:solidFill>
+              <a:srgbClr val="BF5356"/>
+            </a:solidFill>
+          </a:ln>
+        </p:spPr>
+        <p:style>
+          <a:lnRef idx="2">
+            <a:schemeClr val="accent1">
+              <a:shade val="50000"/>
+            </a:schemeClr>
+          </a:lnRef>
+          <a:fillRef idx="1">
+            <a:schemeClr val="accent1"/>
+          </a:fillRef>
+          <a:effectRef idx="0">
+            <a:schemeClr val="accent1"/>
+          </a:effectRef>
+          <a:fontRef idx="minor">
+            <a:schemeClr val="lt1"/>
+          </a:fontRef>
+        </p:style>
+        <p:txBody>
+          <a:bodyPr rtlCol="0" anchor="ctr"/>
+          <a:lstStyle/>
+          <a:p>
+            <a:pPr algn="ctr"/>
+            <a:endParaRPr lang="en-US"/>
+          </a:p>
+        </p:txBody>
+      </p:sp>
+      <p:sp>
+        <p:nvSpPr>
+          <p:cNvPr id="11" name="TextBox 10">
+            <a:extLst>
+              <a:ext uri="{FF2B5EF4-FFF2-40B4-BE49-F238E27FC236}">
+                <a16:creationId xmlns:a16="http://schemas.microsoft.com/office/drawing/2014/main" id="{A5AB67BF-2D0F-4FAF-A632-99AA8CFF225D}"/>
+              </a:ext>
+            </a:extLst>
+          </p:cNvPr>
+          <p:cNvSpPr txBox="1"/>
+          <p:nvPr/>
+        </p:nvSpPr>
+        <p:spPr>
+          <a:xfrm>
+            <a:off x="4494246" y="6488668"/>
+            <a:ext cx="3203506" cy="369332"/>
+          </a:xfrm>
+          <a:prstGeom prst="rect">
+            <a:avLst/>
+          </a:prstGeom>
+          <a:noFill/>
+        </p:spPr>
+        <p:txBody>
+          <a:bodyPr wrap="none" rtlCol="0">
+            <a:spAutoFit/>
+          </a:bodyPr>
+          <a:lstStyle/>
+          <a:p>
+            <a:r>
+              <a:rPr lang="en-US" dirty="0"/>
+              <a:t>[Raffegeau et al., </a:t>
+            </a:r>
+            <a:r>
+              <a:rPr lang="en-US" i="1" dirty="0"/>
+              <a:t>Under Review</a:t>
+            </a:r>
+            <a:r>
+              <a:rPr lang="en-US" dirty="0"/>
+              <a:t>]</a:t>
+            </a:r>
+          </a:p>
+        </p:txBody>
+      </p:sp>
+    </p:spTree>
+    <p:extLst>
+      <p:ext uri="{BB962C8B-B14F-4D97-AF65-F5344CB8AC3E}">
+        <p14:creationId xmlns:p14="http://schemas.microsoft.com/office/powerpoint/2010/main" val="1923956018"/>
+      </p:ext>
+    </p:extLst>
+  </p:cSld>
+  <p:clrMapOvr>
+    <a:masterClrMapping/>
+  </p:clrMapOvr>
+</p:sld>
+</file>
+
+<file path=ppt/slides/slide14.xml><?xml version="1.0" encoding="utf-8"?>
+<p:sld xmlns:a="http://schemas.openxmlformats.org/drawingml/2006/main" xmlns:r="http://schemas.openxmlformats.org/officeDocument/2006/relationships" xmlns:p="http://schemas.openxmlformats.org/presentationml/2006/main">
+  <p:cSld>
+    <p:spTree>
+      <p:nvGrpSpPr>
+        <p:cNvPr id="1" name=""/>
+        <p:cNvGrpSpPr/>
+        <p:nvPr/>
+      </p:nvGrpSpPr>
+      <p:grpSpPr>
+        <a:xfrm>
+          <a:off x="0" y="0"/>
+          <a:ext cx="0" cy="0"/>
+          <a:chOff x="0" y="0"/>
+          <a:chExt cx="0" cy="0"/>
+        </a:xfrm>
+      </p:grpSpPr>
+      <p:sp>
+        <p:nvSpPr>
+          <p:cNvPr id="2" name="Date Placeholder 1">
+            <a:extLst>
+              <a:ext uri="{FF2B5EF4-FFF2-40B4-BE49-F238E27FC236}">
+                <a16:creationId xmlns:a16="http://schemas.microsoft.com/office/drawing/2014/main" id="{1CDECBA7-9CB8-4838-990C-4ACD0C6ACFC8}"/>
+              </a:ext>
+            </a:extLst>
+          </p:cNvPr>
+          <p:cNvSpPr>
+            <a:spLocks noGrp="1"/>
+          </p:cNvSpPr>
+          <p:nvPr>
+            <p:ph type="dt" sz="half" idx="10"/>
+          </p:nvPr>
+        </p:nvSpPr>
+        <p:spPr/>
+        <p:txBody>
+          <a:bodyPr/>
+          <a:lstStyle/>
+          <a:p>
+            <a:fld id="{28CDC5B5-E9BF-4312-938F-57F5458B9411}" type="datetime1">
+              <a:rPr lang="en-US" smtClean="0"/>
+              <a:t>10/13/2019</a:t>
+            </a:fld>
+            <a:endParaRPr lang="en-US"/>
+          </a:p>
+        </p:txBody>
+      </p:sp>
+      <p:sp>
+        <p:nvSpPr>
+          <p:cNvPr id="3" name="Slide Number Placeholder 2">
+            <a:extLst>
+              <a:ext uri="{FF2B5EF4-FFF2-40B4-BE49-F238E27FC236}">
+                <a16:creationId xmlns:a16="http://schemas.microsoft.com/office/drawing/2014/main" id="{E847287D-9B0A-4964-BD06-8B705ED3ADCD}"/>
+              </a:ext>
+            </a:extLst>
+          </p:cNvPr>
+          <p:cNvSpPr>
+            <a:spLocks noGrp="1"/>
+          </p:cNvSpPr>
+          <p:nvPr>
+            <p:ph type="sldNum" sz="quarter" idx="12"/>
+          </p:nvPr>
+        </p:nvSpPr>
+        <p:spPr/>
+        <p:txBody>
+          <a:bodyPr/>
+          <a:lstStyle/>
+          <a:p>
+            <a:fld id="{211FFFE4-4E4B-40A7-A942-4F1B7E93AB5C}" type="slidenum">
+              <a:rPr lang="en-US" smtClean="0"/>
+              <a:t>14</a:t>
+            </a:fld>
+            <a:endParaRPr lang="en-US"/>
+          </a:p>
+        </p:txBody>
+      </p:sp>
+      <p:sp>
+        <p:nvSpPr>
+          <p:cNvPr id="4" name="Rectangle 3">
+            <a:extLst>
+              <a:ext uri="{FF2B5EF4-FFF2-40B4-BE49-F238E27FC236}">
+                <a16:creationId xmlns:a16="http://schemas.microsoft.com/office/drawing/2014/main" id="{37069D5E-55B2-4E49-87D4-DA49FCD28F2D}"/>
+              </a:ext>
+            </a:extLst>
+          </p:cNvPr>
+          <p:cNvSpPr/>
+          <p:nvPr/>
+        </p:nvSpPr>
+        <p:spPr>
+          <a:xfrm>
+            <a:off x="0" y="0"/>
+            <a:ext cx="12192000" cy="6858000"/>
+          </a:xfrm>
+          <a:prstGeom prst="rect">
+            <a:avLst/>
+          </a:prstGeom>
+          <a:solidFill>
+            <a:srgbClr val="B4484B"/>
+          </a:solidFill>
+          <a:ln>
+            <a:solidFill>
+              <a:srgbClr val="BF5356"/>
+            </a:solidFill>
+          </a:ln>
+        </p:spPr>
+        <p:style>
+          <a:lnRef idx="2">
+            <a:schemeClr val="accent1">
+              <a:shade val="50000"/>
+            </a:schemeClr>
+          </a:lnRef>
+          <a:fillRef idx="1">
+            <a:schemeClr val="accent1"/>
+          </a:fillRef>
+          <a:effectRef idx="0">
+            <a:schemeClr val="accent1"/>
+          </a:effectRef>
+          <a:fontRef idx="minor">
+            <a:schemeClr val="lt1"/>
+          </a:fontRef>
+        </p:style>
+        <p:txBody>
+          <a:bodyPr rtlCol="0" anchor="ctr"/>
+          <a:lstStyle/>
+          <a:p>
+            <a:pPr algn="ctr"/>
+            <a:endParaRPr lang="en-US" dirty="0"/>
+          </a:p>
+        </p:txBody>
+      </p:sp>
+      <p:sp>
+        <p:nvSpPr>
+          <p:cNvPr id="5" name="TextBox 4">
+            <a:extLst>
+              <a:ext uri="{FF2B5EF4-FFF2-40B4-BE49-F238E27FC236}">
+                <a16:creationId xmlns:a16="http://schemas.microsoft.com/office/drawing/2014/main" id="{B230FB65-7683-482A-9BA6-BA748F6A230A}"/>
+              </a:ext>
+            </a:extLst>
+          </p:cNvPr>
+          <p:cNvSpPr txBox="1"/>
+          <p:nvPr/>
+        </p:nvSpPr>
+        <p:spPr>
+          <a:xfrm>
+            <a:off x="690000" y="1803400"/>
+            <a:ext cx="10828900" cy="769441"/>
+          </a:xfrm>
+          <a:prstGeom prst="rect">
+            <a:avLst/>
+          </a:prstGeom>
+          <a:noFill/>
+        </p:spPr>
+        <p:txBody>
+          <a:bodyPr wrap="square" rtlCol="0">
+            <a:spAutoFit/>
+          </a:bodyPr>
+          <a:lstStyle/>
+          <a:p>
+            <a:pPr algn="ctr"/>
+            <a:r>
+              <a:rPr lang="en-US" sz="4400" b="1" dirty="0">
+                <a:solidFill>
+                  <a:schemeClr val="bg1"/>
+                </a:solidFill>
+                <a:latin typeface="Arial" panose="020B0604020202020204" pitchFamily="34" charset="0"/>
+                <a:cs typeface="Arial" panose="020B0604020202020204" pitchFamily="34" charset="0"/>
+              </a:rPr>
+              <a:t>Visualizing Continuous Data</a:t>
+            </a:r>
+          </a:p>
+        </p:txBody>
+      </p:sp>
+      <p:cxnSp>
+        <p:nvCxnSpPr>
+          <p:cNvPr id="7" name="Straight Connector 6">
+            <a:extLst>
+              <a:ext uri="{FF2B5EF4-FFF2-40B4-BE49-F238E27FC236}">
+                <a16:creationId xmlns:a16="http://schemas.microsoft.com/office/drawing/2014/main" id="{0FE0E20F-7D5D-49DB-B60F-2018E15E48FE}"/>
+              </a:ext>
+            </a:extLst>
+          </p:cNvPr>
+          <p:cNvCxnSpPr/>
+          <p:nvPr/>
+        </p:nvCxnSpPr>
+        <p:spPr>
+          <a:xfrm>
+            <a:off x="647700" y="2565400"/>
+            <a:ext cx="10871200" cy="0"/>
+          </a:xfrm>
+          <a:prstGeom prst="line">
+            <a:avLst/>
+          </a:prstGeom>
+          <a:ln w="12700">
+            <a:solidFill>
+              <a:schemeClr val="bg1"/>
+            </a:solidFill>
+          </a:ln>
+        </p:spPr>
+        <p:style>
+          <a:lnRef idx="1">
+            <a:schemeClr val="accent1"/>
+          </a:lnRef>
+          <a:fillRef idx="0">
+            <a:schemeClr val="accent1"/>
+          </a:fillRef>
+          <a:effectRef idx="0">
+            <a:schemeClr val="accent1"/>
+          </a:effectRef>
+          <a:fontRef idx="minor">
+            <a:schemeClr val="tx1"/>
+          </a:fontRef>
+        </p:style>
+      </p:cxnSp>
+      <p:pic>
+        <p:nvPicPr>
+          <p:cNvPr id="9" name="Picture 8" descr="A picture containing bird&#10;&#10;Description automatically generated">
+            <a:extLst>
+              <a:ext uri="{FF2B5EF4-FFF2-40B4-BE49-F238E27FC236}">
+                <a16:creationId xmlns:a16="http://schemas.microsoft.com/office/drawing/2014/main" id="{E414CE3C-3DF8-4D83-81A9-D703EA15C68A}"/>
+              </a:ext>
+            </a:extLst>
+          </p:cNvPr>
+          <p:cNvPicPr>
+            <a:picLocks noChangeAspect="1"/>
+          </p:cNvPicPr>
+          <p:nvPr/>
+        </p:nvPicPr>
+        <p:blipFill>
+          <a:blip r:embed="rId2">
+            <a:extLst>
+              <a:ext uri="{28A0092B-C50C-407E-A947-70E740481C1C}">
+                <a14:useLocalDpi xmlns:a14="http://schemas.microsoft.com/office/drawing/2010/main" val="0"/>
+              </a:ext>
+            </a:extLst>
+          </a:blip>
+          <a:stretch>
+            <a:fillRect/>
+          </a:stretch>
+        </p:blipFill>
+        <p:spPr>
+          <a:xfrm>
+            <a:off x="4724400" y="2565400"/>
+            <a:ext cx="2743200" cy="914400"/>
+          </a:xfrm>
+          <a:prstGeom prst="rect">
+            <a:avLst/>
+          </a:prstGeom>
+        </p:spPr>
+      </p:pic>
+    </p:spTree>
+    <p:extLst>
+      <p:ext uri="{BB962C8B-B14F-4D97-AF65-F5344CB8AC3E}">
+        <p14:creationId xmlns:p14="http://schemas.microsoft.com/office/powerpoint/2010/main" val="1997988560"/>
+      </p:ext>
+    </p:extLst>
+  </p:cSld>
+  <p:clrMapOvr>
+    <a:masterClrMapping/>
+  </p:clrMapOvr>
 </p:sld>
 </file>
 
@@ -5796,7 +6101,7 @@
           <a:p>
             <a:r>
               <a:rPr lang="en-US" dirty="0"/>
-              <a:t>Consider a 2 x 2 factorial design. </a:t>
+              <a:t>A Two Group Longitudinal Study</a:t>
             </a:r>
           </a:p>
         </p:txBody>
@@ -5819,77 +6124,89 @@
         </p:nvSpPr>
         <p:spPr>
           <a:xfrm>
-            <a:off x="723500" y="1690688"/>
-            <a:ext cx="5029200" cy="4351338"/>
+            <a:off x="393700" y="1690688"/>
+            <a:ext cx="5156200" cy="4351338"/>
           </a:xfrm>
         </p:spPr>
         <p:txBody>
           <a:bodyPr>
-            <a:normAutofit fontScale="92500" lnSpcReduction="20000"/>
+            <a:normAutofit fontScale="92500"/>
           </a:bodyPr>
           <a:lstStyle/>
           <a:p>
             <a:r>
               <a:rPr lang="en-US" dirty="0"/>
-              <a:t>What if we just plot all of the data? </a:t>
-            </a:r>
-          </a:p>
-          <a:p>
+              <a:t>In a variable versus blocked practice experiment, participants learned to estimate different intervals of time in either a </a:t>
+            </a:r>
+            <a:r>
+              <a:rPr lang="en-US" b="1" u="sng" dirty="0"/>
+              <a:t>blocked</a:t>
+            </a:r>
+            <a:r>
+              <a:rPr lang="en-US" dirty="0"/>
+              <a:t> order or a </a:t>
+            </a:r>
+            <a:r>
+              <a:rPr lang="en-US" b="1" u="sng" dirty="0"/>
+              <a:t>random</a:t>
+            </a:r>
+            <a:r>
+              <a:rPr lang="en-US" dirty="0"/>
+              <a:t> order.</a:t>
+            </a:r>
+          </a:p>
+          <a:p>
+            <a:pPr lvl="1"/>
+            <a:r>
+              <a:rPr lang="en-US" dirty="0"/>
+              <a:t>1500 </a:t>
+            </a:r>
+            <a:r>
+              <a:rPr lang="en-US" dirty="0" err="1"/>
+              <a:t>ms</a:t>
+            </a:r>
             <a:endParaRPr lang="en-US" dirty="0"/>
           </a:p>
           <a:p>
+            <a:pPr lvl="1"/>
             <a:r>
               <a:rPr lang="en-US" dirty="0"/>
-              <a:t>To paraphrase Karl Pearson, we have now put our “data on the table”, </a:t>
-            </a:r>
-            <a:r>
-              <a:rPr lang="en-US" b="1" u="sng" dirty="0"/>
-              <a:t>but</a:t>
-            </a:r>
+              <a:t>1700 </a:t>
+            </a:r>
+            <a:r>
+              <a:rPr lang="en-US" dirty="0" err="1"/>
+              <a:t>ms</a:t>
+            </a:r>
+            <a:endParaRPr lang="en-US" dirty="0"/>
+          </a:p>
+          <a:p>
+            <a:pPr lvl="1"/>
             <a:r>
               <a:rPr lang="en-US" dirty="0"/>
-              <a:t> something has also been lost. </a:t>
-            </a:r>
-            <a:r>
-              <a:rPr lang="en-US" sz="1500" dirty="0"/>
-              <a:t>[Stigler, 2002]</a:t>
-            </a:r>
-          </a:p>
-          <a:p>
-            <a:endParaRPr lang="en-US" sz="1500" dirty="0"/>
-          </a:p>
-          <a:p>
-            <a:pPr lvl="1"/>
-            <a:r>
-              <a:rPr lang="en-US" dirty="0"/>
-              <a:t>Measures of central tendency are critical to our </a:t>
-            </a:r>
-            <a:r>
-              <a:rPr lang="en-US" b="1" u="sng" dirty="0"/>
-              <a:t>statistical inference</a:t>
-            </a:r>
-            <a:r>
-              <a:rPr lang="en-US" dirty="0"/>
-              <a:t>.</a:t>
-            </a:r>
+              <a:t>1900 </a:t>
+            </a:r>
+            <a:r>
+              <a:rPr lang="en-US" dirty="0" err="1"/>
+              <a:t>ms</a:t>
+            </a:r>
+            <a:endParaRPr lang="en-US" dirty="0"/>
           </a:p>
           <a:p>
             <a:pPr lvl="1"/>
             <a:endParaRPr lang="en-US" dirty="0"/>
           </a:p>
           <a:p>
-            <a:pPr lvl="1"/>
             <a:r>
               <a:rPr lang="en-US" dirty="0"/>
-              <a:t>We have gained a </a:t>
+              <a:t>Focusing on response distributions to study ‘</a:t>
             </a:r>
             <a:r>
               <a:rPr lang="en-US" b="1" u="sng" dirty="0"/>
-              <a:t>rich description</a:t>
+              <a:t>confusability</a:t>
             </a:r>
             <a:r>
               <a:rPr lang="en-US" dirty="0"/>
-              <a:t> of our sample, but lost the correspondence to our analysis.</a:t>
+              <a:t>’.</a:t>
             </a:r>
           </a:p>
         </p:txBody>
@@ -5917,7 +6234,7 @@
           <a:p>
             <a:fld id="{5547C99B-7F2C-4E84-8128-EB3E64FAD082}" type="datetime1">
               <a:rPr lang="en-US" smtClean="0"/>
-              <a:t>10/7/2019</a:t>
+              <a:t>10/13/2019</a:t>
             </a:fld>
             <a:endParaRPr lang="en-US"/>
           </a:p>
@@ -5954,10 +6271,10 @@
       </p:sp>
       <p:sp>
         <p:nvSpPr>
-          <p:cNvPr id="16" name="TextBox 15">
-            <a:extLst>
-              <a:ext uri="{FF2B5EF4-FFF2-40B4-BE49-F238E27FC236}">
-                <a16:creationId xmlns:a16="http://schemas.microsoft.com/office/drawing/2014/main" id="{D02EAE40-6B5F-4A40-AE0C-88D9C85D53A9}"/>
+          <p:cNvPr id="12" name="TextBox 11">
+            <a:extLst>
+              <a:ext uri="{FF2B5EF4-FFF2-40B4-BE49-F238E27FC236}">
+                <a16:creationId xmlns:a16="http://schemas.microsoft.com/office/drawing/2014/main" id="{406F5064-3860-4004-9B0C-CDCDEF6878DC}"/>
               </a:ext>
             </a:extLst>
           </p:cNvPr>
@@ -5966,86 +6283,77 @@
         </p:nvSpPr>
         <p:spPr>
           <a:xfrm>
-            <a:off x="5994000" y="4815287"/>
-            <a:ext cx="5715798" cy="1477328"/>
+            <a:off x="5867400" y="1688068"/>
+            <a:ext cx="1253869" cy="369332"/>
           </a:xfrm>
           <a:prstGeom prst="rect">
             <a:avLst/>
           </a:prstGeom>
           <a:noFill/>
-          <a:ln>
-            <a:noFill/>
-          </a:ln>
-        </p:spPr>
-        <p:txBody>
-          <a:bodyPr wrap="square" rtlCol="0">
+        </p:spPr>
+        <p:txBody>
+          <a:bodyPr wrap="none" rtlCol="0">
             <a:spAutoFit/>
           </a:bodyPr>
           <a:lstStyle/>
           <a:p>
-            <a:pPr marL="342900" indent="-342900">
-              <a:buFont typeface="+mj-lt"/>
-              <a:buAutoNum type="arabicPeriod"/>
-            </a:pPr>
-            <a:r>
-              <a:rPr lang="en-US" dirty="0">
-                <a:solidFill>
-                  <a:srgbClr val="B4484B"/>
-                </a:solidFill>
-              </a:rPr>
-              <a:t>No measure of central tendency. </a:t>
-            </a:r>
-          </a:p>
-          <a:p>
-            <a:pPr marL="342900" indent="-342900">
-              <a:buFont typeface="+mj-lt"/>
-              <a:buAutoNum type="arabicPeriod"/>
-            </a:pPr>
-            <a:r>
-              <a:rPr lang="en-US" strike="sngStrike" dirty="0">
-                <a:solidFill>
-                  <a:srgbClr val="B4484B"/>
-                </a:solidFill>
-              </a:rPr>
-              <a:t>No measures of spread.</a:t>
-            </a:r>
-          </a:p>
-          <a:p>
-            <a:pPr marL="342900" indent="-342900">
-              <a:buFont typeface="+mj-lt"/>
-              <a:buAutoNum type="arabicPeriod"/>
-            </a:pPr>
-            <a:r>
-              <a:rPr lang="en-US" strike="sngStrike" dirty="0">
-                <a:solidFill>
-                  <a:srgbClr val="B4484B"/>
-                </a:solidFill>
-              </a:rPr>
-              <a:t>No information about sample size.  </a:t>
-            </a:r>
-          </a:p>
-          <a:p>
-            <a:pPr marL="342900" indent="-342900">
-              <a:buFont typeface="+mj-lt"/>
-              <a:buAutoNum type="arabicPeriod"/>
-            </a:pPr>
-            <a:r>
-              <a:rPr lang="en-US" dirty="0">
-                <a:solidFill>
-                  <a:srgbClr val="B4484B"/>
-                </a:solidFill>
-              </a:rPr>
-              <a:t>No  information about the correlation between measures.</a:t>
+            <a:r>
+              <a:rPr lang="en-US" b="1" u="sng" dirty="0"/>
+              <a:t>Acquisition</a:t>
+            </a:r>
+          </a:p>
+        </p:txBody>
+      </p:sp>
+      <p:sp>
+        <p:nvSpPr>
+          <p:cNvPr id="18" name="TextBox 17">
+            <a:extLst>
+              <a:ext uri="{FF2B5EF4-FFF2-40B4-BE49-F238E27FC236}">
+                <a16:creationId xmlns:a16="http://schemas.microsoft.com/office/drawing/2014/main" id="{81C22F70-A8CC-4C15-89CD-A64B61AD3CD7}"/>
+              </a:ext>
+            </a:extLst>
+          </p:cNvPr>
+          <p:cNvSpPr txBox="1"/>
+          <p:nvPr/>
+        </p:nvSpPr>
+        <p:spPr>
+          <a:xfrm>
+            <a:off x="4579210" y="6488668"/>
+            <a:ext cx="3033587" cy="369332"/>
+          </a:xfrm>
+          <a:prstGeom prst="rect">
+            <a:avLst/>
+          </a:prstGeom>
+          <a:noFill/>
+        </p:spPr>
+        <p:txBody>
+          <a:bodyPr wrap="none" rtlCol="0">
+            <a:spAutoFit/>
+          </a:bodyPr>
+          <a:lstStyle/>
+          <a:p>
+            <a:pPr algn="ctr"/>
+            <a:r>
+              <a:rPr lang="en-US" dirty="0"/>
+              <a:t>[Thomas et al., </a:t>
+            </a:r>
+            <a:r>
+              <a:rPr lang="en-US" i="1" dirty="0"/>
+              <a:t>In Preparation</a:t>
+            </a:r>
+            <a:r>
+              <a:rPr lang="en-US" dirty="0"/>
+              <a:t>]</a:t>
             </a:r>
           </a:p>
         </p:txBody>
       </p:sp>
       <p:pic>
         <p:nvPicPr>
-          <p:cNvPr id="8" name="Picture 7">
-            <a:extLst>
-              <a:ext uri="{FF2B5EF4-FFF2-40B4-BE49-F238E27FC236}">
-                <a16:creationId xmlns:a16="http://schemas.microsoft.com/office/drawing/2014/main" id="{40E40363-ACE8-4224-A553-F6C7181584DE}"/>
+          <p:cNvPr id="9" name="Picture 8" descr="A screenshot of a cell phone&#10;&#10;Description automatically generated">
+            <a:extLst>
+              <a:ext uri="{FF2B5EF4-FFF2-40B4-BE49-F238E27FC236}">
+                <a16:creationId xmlns:a16="http://schemas.microsoft.com/office/drawing/2014/main" id="{8ED102AD-5D06-4797-87B7-2C604D098040}"/>
               </a:ext>
             </a:extLst>
           </p:cNvPr>
@@ -6068,7 +6376,7 @@
         </p:blipFill>
         <p:spPr>
           <a:xfrm>
-            <a:off x="5994000" y="1651488"/>
+            <a:off x="5867400" y="2057400"/>
             <a:ext cx="5715798" cy="2857899"/>
           </a:xfrm>
           <a:prstGeom prst="rect">
@@ -6076,118 +6384,16 @@
           </a:prstGeom>
         </p:spPr>
       </p:pic>
-      <p:sp>
-        <p:nvSpPr>
-          <p:cNvPr id="10" name="Rectangle 9">
-            <a:extLst>
-              <a:ext uri="{FF2B5EF4-FFF2-40B4-BE49-F238E27FC236}">
-                <a16:creationId xmlns:a16="http://schemas.microsoft.com/office/drawing/2014/main" id="{3B4F42BF-6812-40FB-A8F8-04AB378C6368}"/>
-              </a:ext>
-            </a:extLst>
-          </p:cNvPr>
-          <p:cNvSpPr/>
-          <p:nvPr/>
-        </p:nvSpPr>
-        <p:spPr>
-          <a:xfrm>
-            <a:off x="5994000" y="1651488"/>
-            <a:ext cx="5715798" cy="4641127"/>
-          </a:xfrm>
-          <a:prstGeom prst="rect">
-            <a:avLst/>
-          </a:prstGeom>
-          <a:noFill/>
-          <a:ln w="28575">
-            <a:solidFill>
-              <a:srgbClr val="BF5356"/>
-            </a:solidFill>
-          </a:ln>
-        </p:spPr>
-        <p:style>
-          <a:lnRef idx="2">
-            <a:schemeClr val="accent1">
-              <a:shade val="50000"/>
-            </a:schemeClr>
-          </a:lnRef>
-          <a:fillRef idx="1">
-            <a:schemeClr val="accent1"/>
-          </a:fillRef>
-          <a:effectRef idx="0">
-            <a:schemeClr val="accent1"/>
-          </a:effectRef>
-          <a:fontRef idx="minor">
-            <a:schemeClr val="lt1"/>
-          </a:fontRef>
-        </p:style>
-        <p:txBody>
-          <a:bodyPr rtlCol="0" anchor="ctr"/>
-          <a:lstStyle/>
-          <a:p>
-            <a:pPr algn="ctr"/>
-            <a:endParaRPr lang="en-US"/>
-          </a:p>
-        </p:txBody>
-      </p:sp>
-      <p:sp>
-        <p:nvSpPr>
-          <p:cNvPr id="11" name="TextBox 10">
-            <a:extLst>
-              <a:ext uri="{FF2B5EF4-FFF2-40B4-BE49-F238E27FC236}">
-                <a16:creationId xmlns:a16="http://schemas.microsoft.com/office/drawing/2014/main" id="{82DA4DFF-ED93-4585-B005-293DEA636604}"/>
-              </a:ext>
-            </a:extLst>
-          </p:cNvPr>
-          <p:cNvSpPr txBox="1"/>
-          <p:nvPr/>
-        </p:nvSpPr>
-        <p:spPr>
-          <a:xfrm>
-            <a:off x="4494246" y="6488668"/>
-            <a:ext cx="3203506" cy="369332"/>
-          </a:xfrm>
-          <a:prstGeom prst="rect">
-            <a:avLst/>
-          </a:prstGeom>
-          <a:noFill/>
-        </p:spPr>
-        <p:txBody>
-          <a:bodyPr wrap="none" rtlCol="0">
-            <a:spAutoFit/>
-          </a:bodyPr>
-          <a:lstStyle/>
-          <a:p>
-            <a:r>
-              <a:rPr lang="en-US" dirty="0"/>
-              <a:t>[Raffegeau et al., </a:t>
-            </a:r>
-            <a:r>
-              <a:rPr lang="en-US" i="1" dirty="0"/>
-              <a:t>Under Review</a:t>
-            </a:r>
-            <a:r>
-              <a:rPr lang="en-US" dirty="0"/>
-              <a:t>]</a:t>
-            </a:r>
-          </a:p>
-        </p:txBody>
-      </p:sp>
     </p:spTree>
     <p:extLst>
       <p:ext uri="{BB962C8B-B14F-4D97-AF65-F5344CB8AC3E}">
-        <p14:creationId xmlns:p14="http://schemas.microsoft.com/office/powerpoint/2010/main" val="2349895214"/>
+        <p14:creationId xmlns:p14="http://schemas.microsoft.com/office/powerpoint/2010/main" val="3381862008"/>
       </p:ext>
     </p:extLst>
   </p:cSld>
   <p:clrMapOvr>
     <a:masterClrMapping/>
   </p:clrMapOvr>
-  <p:timing>
-    <p:tnLst>
-      <p:par>
-        <p:cTn id="1" dur="indefinite" restart="never" nodeType="tmRoot"/>
-      </p:par>
-    </p:tnLst>
-  </p:timing>
 </p:sld>
 </file>
 
@@ -6208,12 +6414,369 @@
           <a:chExt cx="0" cy="0"/>
         </a:xfrm>
       </p:grpSpPr>
+      <p:sp>
+        <p:nvSpPr>
+          <p:cNvPr id="2" name="Title 1">
+            <a:extLst>
+              <a:ext uri="{FF2B5EF4-FFF2-40B4-BE49-F238E27FC236}">
+                <a16:creationId xmlns:a16="http://schemas.microsoft.com/office/drawing/2014/main" id="{90771BF2-7BF5-4BA8-BAAA-01A0BBE3E44C}"/>
+              </a:ext>
+            </a:extLst>
+          </p:cNvPr>
+          <p:cNvSpPr>
+            <a:spLocks noGrp="1"/>
+          </p:cNvSpPr>
+          <p:nvPr>
+            <p:ph type="title"/>
+          </p:nvPr>
+        </p:nvSpPr>
+        <p:spPr/>
+        <p:txBody>
+          <a:bodyPr/>
+          <a:lstStyle/>
+          <a:p>
+            <a:r>
+              <a:rPr lang="en-US" dirty="0"/>
+              <a:t>A Two Group Longitudinal Study</a:t>
+            </a:r>
+          </a:p>
+        </p:txBody>
+      </p:sp>
+      <p:sp>
+        <p:nvSpPr>
+          <p:cNvPr id="4" name="Date Placeholder 3">
+            <a:extLst>
+              <a:ext uri="{FF2B5EF4-FFF2-40B4-BE49-F238E27FC236}">
+                <a16:creationId xmlns:a16="http://schemas.microsoft.com/office/drawing/2014/main" id="{2E915DD1-5673-4869-8608-C50B22DC25F6}"/>
+              </a:ext>
+            </a:extLst>
+          </p:cNvPr>
+          <p:cNvSpPr>
+            <a:spLocks noGrp="1"/>
+          </p:cNvSpPr>
+          <p:nvPr>
+            <p:ph type="dt" sz="half" idx="10"/>
+          </p:nvPr>
+        </p:nvSpPr>
+        <p:spPr/>
+        <p:txBody>
+          <a:bodyPr/>
+          <a:lstStyle/>
+          <a:p>
+            <a:fld id="{5547C99B-7F2C-4E84-8128-EB3E64FAD082}" type="datetime1">
+              <a:rPr lang="en-US" smtClean="0"/>
+              <a:t>10/13/2019</a:t>
+            </a:fld>
+            <a:endParaRPr lang="en-US"/>
+          </a:p>
+        </p:txBody>
+      </p:sp>
+      <p:sp>
+        <p:nvSpPr>
+          <p:cNvPr id="5" name="Slide Number Placeholder 4">
+            <a:extLst>
+              <a:ext uri="{FF2B5EF4-FFF2-40B4-BE49-F238E27FC236}">
+                <a16:creationId xmlns:a16="http://schemas.microsoft.com/office/drawing/2014/main" id="{A17A7D78-CFBF-415B-9512-FE687C52417A}"/>
+              </a:ext>
+            </a:extLst>
+          </p:cNvPr>
+          <p:cNvSpPr>
+            <a:spLocks noGrp="1"/>
+          </p:cNvSpPr>
+          <p:nvPr>
+            <p:ph type="sldNum" sz="quarter" idx="12"/>
+          </p:nvPr>
+        </p:nvSpPr>
+        <p:spPr/>
+        <p:txBody>
+          <a:bodyPr/>
+          <a:lstStyle/>
+          <a:p>
+            <a:fld id="{211FFFE4-4E4B-40A7-A942-4F1B7E93AB5C}" type="slidenum">
+              <a:rPr lang="en-US" smtClean="0"/>
+              <a:t>16</a:t>
+            </a:fld>
+            <a:endParaRPr lang="en-US"/>
+          </a:p>
+        </p:txBody>
+      </p:sp>
+      <p:sp>
+        <p:nvSpPr>
+          <p:cNvPr id="12" name="TextBox 11">
+            <a:extLst>
+              <a:ext uri="{FF2B5EF4-FFF2-40B4-BE49-F238E27FC236}">
+                <a16:creationId xmlns:a16="http://schemas.microsoft.com/office/drawing/2014/main" id="{406F5064-3860-4004-9B0C-CDCDEF6878DC}"/>
+              </a:ext>
+            </a:extLst>
+          </p:cNvPr>
+          <p:cNvSpPr txBox="1"/>
+          <p:nvPr/>
+        </p:nvSpPr>
+        <p:spPr>
+          <a:xfrm>
+            <a:off x="279400" y="1690688"/>
+            <a:ext cx="1253869" cy="369332"/>
+          </a:xfrm>
+          <a:prstGeom prst="rect">
+            <a:avLst/>
+          </a:prstGeom>
+          <a:noFill/>
+        </p:spPr>
+        <p:txBody>
+          <a:bodyPr wrap="none" rtlCol="0">
+            <a:spAutoFit/>
+          </a:bodyPr>
+          <a:lstStyle/>
+          <a:p>
+            <a:r>
+              <a:rPr lang="en-US" b="1" u="sng" dirty="0"/>
+              <a:t>Acquisition</a:t>
+            </a:r>
+          </a:p>
+        </p:txBody>
+      </p:sp>
+      <p:sp>
+        <p:nvSpPr>
+          <p:cNvPr id="14" name="TextBox 13">
+            <a:extLst>
+              <a:ext uri="{FF2B5EF4-FFF2-40B4-BE49-F238E27FC236}">
+                <a16:creationId xmlns:a16="http://schemas.microsoft.com/office/drawing/2014/main" id="{7102DC75-BDBC-4D1A-A3B3-B36C0D499E17}"/>
+              </a:ext>
+            </a:extLst>
+          </p:cNvPr>
+          <p:cNvSpPr txBox="1"/>
+          <p:nvPr/>
+        </p:nvSpPr>
+        <p:spPr>
+          <a:xfrm>
+            <a:off x="6222468" y="1688068"/>
+            <a:ext cx="2378472" cy="369332"/>
+          </a:xfrm>
+          <a:prstGeom prst="rect">
+            <a:avLst/>
+          </a:prstGeom>
+          <a:noFill/>
+        </p:spPr>
+        <p:txBody>
+          <a:bodyPr wrap="none" rtlCol="0">
+            <a:spAutoFit/>
+          </a:bodyPr>
+          <a:lstStyle/>
+          <a:p>
+            <a:r>
+              <a:rPr lang="en-US" b="1" u="sng" dirty="0"/>
+              <a:t>Delayed Retention Test</a:t>
+            </a:r>
+          </a:p>
+        </p:txBody>
+      </p:sp>
+      <p:cxnSp>
+        <p:nvCxnSpPr>
+          <p:cNvPr id="16" name="Straight Connector 15">
+            <a:extLst>
+              <a:ext uri="{FF2B5EF4-FFF2-40B4-BE49-F238E27FC236}">
+                <a16:creationId xmlns:a16="http://schemas.microsoft.com/office/drawing/2014/main" id="{B2FC3B49-1408-4C0F-AFB0-E43F52ECD8DF}"/>
+              </a:ext>
+            </a:extLst>
+          </p:cNvPr>
+          <p:cNvCxnSpPr>
+            <a:cxnSpLocks/>
+          </p:cNvCxnSpPr>
+          <p:nvPr/>
+        </p:nvCxnSpPr>
+        <p:spPr>
+          <a:xfrm>
+            <a:off x="5892800" y="1463120"/>
+            <a:ext cx="0" cy="3657600"/>
+          </a:xfrm>
+          <a:prstGeom prst="line">
+            <a:avLst/>
+          </a:prstGeom>
+          <a:ln w="12700">
+            <a:solidFill>
+              <a:srgbClr val="B4484B"/>
+            </a:solidFill>
+          </a:ln>
+        </p:spPr>
+        <p:style>
+          <a:lnRef idx="1">
+            <a:schemeClr val="accent1"/>
+          </a:lnRef>
+          <a:fillRef idx="0">
+            <a:schemeClr val="accent1"/>
+          </a:fillRef>
+          <a:effectRef idx="0">
+            <a:schemeClr val="accent1"/>
+          </a:effectRef>
+          <a:fontRef idx="minor">
+            <a:schemeClr val="tx1"/>
+          </a:fontRef>
+        </p:style>
+      </p:cxnSp>
       <p:pic>
         <p:nvPicPr>
-          <p:cNvPr id="7" name="Picture 6" descr="A close up of a map&#10;&#10;Description automatically generated">
-            <a:extLst>
-              <a:ext uri="{FF2B5EF4-FFF2-40B4-BE49-F238E27FC236}">
-                <a16:creationId xmlns:a16="http://schemas.microsoft.com/office/drawing/2014/main" id="{5DC78404-0B56-4B14-94B3-81B0BC812F20}"/>
+          <p:cNvPr id="18" name="Picture 17" descr="A picture containing drawing&#10;&#10;Description automatically generated">
+            <a:extLst>
+              <a:ext uri="{FF2B5EF4-FFF2-40B4-BE49-F238E27FC236}">
+                <a16:creationId xmlns:a16="http://schemas.microsoft.com/office/drawing/2014/main" id="{9E0E04F2-BFA4-4826-B379-2A35F0F237F0}"/>
+              </a:ext>
+            </a:extLst>
+          </p:cNvPr>
+          <p:cNvPicPr>
+            <a:picLocks noChangeAspect="1"/>
+          </p:cNvPicPr>
+          <p:nvPr/>
+        </p:nvPicPr>
+        <p:blipFill rotWithShape="1">
+          <a:blip r:embed="rId2" cstate="hqprint">
+            <a:extLst>
+              <a:ext uri="{28A0092B-C50C-407E-A947-70E740481C1C}">
+                <a14:useLocalDpi xmlns:a14="http://schemas.microsoft.com/office/drawing/2010/main" val="0"/>
+              </a:ext>
+            </a:extLst>
+          </a:blip>
+          <a:srcRect l="3957" t="18014" r="7599" b="16208"/>
+          <a:stretch/>
+        </p:blipFill>
+        <p:spPr>
+          <a:xfrm>
+            <a:off x="1742648" y="5198629"/>
+            <a:ext cx="1371600" cy="1020086"/>
+          </a:xfrm>
+          <a:prstGeom prst="rect">
+            <a:avLst/>
+          </a:prstGeom>
+        </p:spPr>
+      </p:pic>
+      <p:sp>
+        <p:nvSpPr>
+          <p:cNvPr id="19" name="Content Placeholder 2">
+            <a:extLst>
+              <a:ext uri="{FF2B5EF4-FFF2-40B4-BE49-F238E27FC236}">
+                <a16:creationId xmlns:a16="http://schemas.microsoft.com/office/drawing/2014/main" id="{691F9F4F-2C18-4963-A7C4-0D7A34BAA445}"/>
+              </a:ext>
+            </a:extLst>
+          </p:cNvPr>
+          <p:cNvSpPr>
+            <a:spLocks noGrp="1"/>
+          </p:cNvSpPr>
+          <p:nvPr>
+            <p:ph idx="1"/>
+          </p:nvPr>
+        </p:nvSpPr>
+        <p:spPr>
+          <a:xfrm>
+            <a:off x="3133269" y="5247499"/>
+            <a:ext cx="8075856" cy="922347"/>
+          </a:xfrm>
+        </p:spPr>
+        <p:txBody>
+          <a:bodyPr/>
+          <a:lstStyle/>
+          <a:p>
+            <a:pPr marL="0" indent="0">
+              <a:buNone/>
+            </a:pPr>
+            <a:r>
+              <a:rPr lang="en-US" dirty="0"/>
+              <a:t>It’s a slightly different way of looking at it, but we replicate the traditional contextual interference effect.</a:t>
+            </a:r>
+          </a:p>
+        </p:txBody>
+      </p:sp>
+      <p:sp>
+        <p:nvSpPr>
+          <p:cNvPr id="20" name="TextBox 19">
+            <a:extLst>
+              <a:ext uri="{FF2B5EF4-FFF2-40B4-BE49-F238E27FC236}">
+                <a16:creationId xmlns:a16="http://schemas.microsoft.com/office/drawing/2014/main" id="{64E694E8-2728-4753-B10A-B999C9F9AD80}"/>
+              </a:ext>
+            </a:extLst>
+          </p:cNvPr>
+          <p:cNvSpPr txBox="1"/>
+          <p:nvPr/>
+        </p:nvSpPr>
+        <p:spPr>
+          <a:xfrm>
+            <a:off x="1830834" y="6186180"/>
+            <a:ext cx="1662378" cy="276999"/>
+          </a:xfrm>
+          <a:prstGeom prst="rect">
+            <a:avLst/>
+          </a:prstGeom>
+          <a:noFill/>
+        </p:spPr>
+        <p:txBody>
+          <a:bodyPr wrap="none" rtlCol="0">
+            <a:spAutoFit/>
+          </a:bodyPr>
+          <a:lstStyle/>
+          <a:p>
+            <a:r>
+              <a:rPr lang="en-US" sz="1200" dirty="0"/>
+              <a:t>[Fall Out, </a:t>
+            </a:r>
+            <a:r>
+              <a:rPr lang="en-US" sz="1200" dirty="0" err="1"/>
+              <a:t>InterPlay</a:t>
+            </a:r>
+            <a:r>
+              <a:rPr lang="en-US" sz="1200" dirty="0"/>
+              <a:t> Ent.]</a:t>
+            </a:r>
+          </a:p>
+        </p:txBody>
+      </p:sp>
+      <p:sp>
+        <p:nvSpPr>
+          <p:cNvPr id="21" name="TextBox 20">
+            <a:extLst>
+              <a:ext uri="{FF2B5EF4-FFF2-40B4-BE49-F238E27FC236}">
+                <a16:creationId xmlns:a16="http://schemas.microsoft.com/office/drawing/2014/main" id="{221F5756-8BBC-4C0E-BD2E-DDEA4D4AA3C9}"/>
+              </a:ext>
+            </a:extLst>
+          </p:cNvPr>
+          <p:cNvSpPr txBox="1"/>
+          <p:nvPr/>
+        </p:nvSpPr>
+        <p:spPr>
+          <a:xfrm>
+            <a:off x="4579208" y="6488668"/>
+            <a:ext cx="3033586" cy="369332"/>
+          </a:xfrm>
+          <a:prstGeom prst="rect">
+            <a:avLst/>
+          </a:prstGeom>
+          <a:noFill/>
+        </p:spPr>
+        <p:txBody>
+          <a:bodyPr wrap="none" rtlCol="0">
+            <a:spAutoFit/>
+          </a:bodyPr>
+          <a:lstStyle/>
+          <a:p>
+            <a:pPr algn="ctr"/>
+            <a:r>
+              <a:rPr lang="en-US" dirty="0"/>
+              <a:t>[Thomas et al., </a:t>
+            </a:r>
+            <a:r>
+              <a:rPr lang="en-US" i="1" dirty="0"/>
+              <a:t>In Preparation</a:t>
+            </a:r>
+            <a:r>
+              <a:rPr lang="en-US" dirty="0"/>
+              <a:t>]</a:t>
+            </a:r>
+          </a:p>
+        </p:txBody>
+      </p:sp>
+      <p:pic>
+        <p:nvPicPr>
+          <p:cNvPr id="11" name="Picture 10" descr="A screenshot of a cell phone&#10;&#10;Description automatically generated">
+            <a:extLst>
+              <a:ext uri="{FF2B5EF4-FFF2-40B4-BE49-F238E27FC236}">
+                <a16:creationId xmlns:a16="http://schemas.microsoft.com/office/drawing/2014/main" id="{AB09014E-4BC5-4BED-AD75-89393F1FBB10}"/>
               </a:ext>
             </a:extLst>
           </p:cNvPr>
@@ -6223,7 +6786,7 @@
           <p:nvPr/>
         </p:nvPicPr>
         <p:blipFill>
-          <a:blip r:embed="rId2">
+          <a:blip r:embed="rId3">
             <a:extLst>
               <a:ext uri="{28A0092B-C50C-407E-A947-70E740481C1C}">
                 <a14:useLocalDpi xmlns:a14="http://schemas.microsoft.com/office/drawing/2010/main" val="0"/>
@@ -6236,391 +6799,60 @@
         </p:blipFill>
         <p:spPr>
           <a:xfrm>
-            <a:off x="838200" y="1479787"/>
-            <a:ext cx="5715798" cy="2857899"/>
+            <a:off x="279400" y="2063213"/>
+            <a:ext cx="5486400" cy="2743200"/>
           </a:xfrm>
           <a:prstGeom prst="rect">
             <a:avLst/>
           </a:prstGeom>
         </p:spPr>
       </p:pic>
-      <p:sp>
-        <p:nvSpPr>
-          <p:cNvPr id="2" name="Title 1">
-            <a:extLst>
-              <a:ext uri="{FF2B5EF4-FFF2-40B4-BE49-F238E27FC236}">
-                <a16:creationId xmlns:a16="http://schemas.microsoft.com/office/drawing/2014/main" id="{90771BF2-7BF5-4BA8-BAAA-01A0BBE3E44C}"/>
-              </a:ext>
-            </a:extLst>
-          </p:cNvPr>
-          <p:cNvSpPr>
-            <a:spLocks noGrp="1"/>
-          </p:cNvSpPr>
-          <p:nvPr>
-            <p:ph type="title"/>
-          </p:nvPr>
-        </p:nvSpPr>
-        <p:spPr/>
-        <p:txBody>
-          <a:bodyPr/>
-          <a:lstStyle/>
-          <a:p>
-            <a:r>
-              <a:rPr lang="en-US" dirty="0"/>
-              <a:t>Consider a 2 x 2 factorial design. </a:t>
-            </a:r>
-          </a:p>
-        </p:txBody>
-      </p:sp>
-      <p:sp>
-        <p:nvSpPr>
-          <p:cNvPr id="3" name="Content Placeholder 2">
-            <a:extLst>
-              <a:ext uri="{FF2B5EF4-FFF2-40B4-BE49-F238E27FC236}">
-                <a16:creationId xmlns:a16="http://schemas.microsoft.com/office/drawing/2014/main" id="{1EF0C10C-3ABD-4382-9DA0-EC7C1EE10F8D}"/>
-              </a:ext>
-            </a:extLst>
-          </p:cNvPr>
-          <p:cNvSpPr>
-            <a:spLocks noGrp="1"/>
-          </p:cNvSpPr>
-          <p:nvPr>
-            <p:ph idx="1"/>
-          </p:nvPr>
-        </p:nvSpPr>
+      <p:pic>
+        <p:nvPicPr>
+          <p:cNvPr id="17" name="Picture 16" descr="A screenshot of a cell phone&#10;&#10;Description automatically generated">
+            <a:extLst>
+              <a:ext uri="{FF2B5EF4-FFF2-40B4-BE49-F238E27FC236}">
+                <a16:creationId xmlns:a16="http://schemas.microsoft.com/office/drawing/2014/main" id="{3E3489EC-2807-48BE-8A24-64827B83B3EB}"/>
+              </a:ext>
+            </a:extLst>
+          </p:cNvPr>
+          <p:cNvPicPr>
+            <a:picLocks noChangeAspect="1"/>
+          </p:cNvPicPr>
+          <p:nvPr/>
+        </p:nvPicPr>
+        <p:blipFill>
+          <a:blip r:embed="rId4">
+            <a:extLst>
+              <a:ext uri="{28A0092B-C50C-407E-A947-70E740481C1C}">
+                <a14:useLocalDpi xmlns:a14="http://schemas.microsoft.com/office/drawing/2010/main" val="0"/>
+              </a:ext>
+            </a:extLst>
+          </a:blip>
+          <a:stretch>
+            <a:fillRect/>
+          </a:stretch>
+        </p:blipFill>
         <p:spPr>
           <a:xfrm>
-            <a:off x="6806800" y="1440588"/>
-            <a:ext cx="5029200" cy="4641126"/>
-          </a:xfrm>
-        </p:spPr>
-        <p:txBody>
-          <a:bodyPr>
-            <a:normAutofit fontScale="70000" lnSpcReduction="20000"/>
-          </a:bodyPr>
-          <a:lstStyle/>
-          <a:p>
-            <a:r>
-              <a:rPr lang="en-US" dirty="0"/>
-              <a:t>Now this is good! By playing with overlay and transparency, </a:t>
-            </a:r>
-            <a:r>
-              <a:rPr lang="en-US" b="1" u="sng" dirty="0"/>
-              <a:t>group-level</a:t>
-            </a:r>
-            <a:r>
-              <a:rPr lang="en-US" dirty="0"/>
-              <a:t> statistics are emphasized (for inference). </a:t>
-            </a:r>
-          </a:p>
-          <a:p>
-            <a:endParaRPr lang="en-US" dirty="0"/>
-          </a:p>
-          <a:p>
-            <a:r>
-              <a:rPr lang="en-US" dirty="0"/>
-              <a:t>But all of the </a:t>
-            </a:r>
-            <a:r>
-              <a:rPr lang="en-US" b="1" u="sng" dirty="0"/>
-              <a:t>participant-level</a:t>
-            </a:r>
-            <a:r>
-              <a:rPr lang="en-US" dirty="0"/>
-              <a:t> data are also visible (for description/assumptions). </a:t>
-            </a:r>
-          </a:p>
-          <a:p>
-            <a:endParaRPr lang="en-US" dirty="0"/>
-          </a:p>
-          <a:p>
-            <a:pPr lvl="1"/>
-            <a:r>
-              <a:rPr lang="en-US" dirty="0"/>
-              <a:t>One issue is that boxplots show medians, but most of our inferential statistics are based on means. </a:t>
-            </a:r>
-          </a:p>
-          <a:p>
-            <a:pPr lvl="1"/>
-            <a:endParaRPr lang="en-US" dirty="0"/>
-          </a:p>
-          <a:p>
-            <a:pPr lvl="1"/>
-            <a:r>
-              <a:rPr lang="en-US" dirty="0"/>
-              <a:t>This isn’t bad, but potentially lacks correspondence between visualization and analysis.</a:t>
-            </a:r>
-          </a:p>
-          <a:p>
-            <a:pPr lvl="1"/>
-            <a:endParaRPr lang="en-US" dirty="0"/>
-          </a:p>
-          <a:p>
-            <a:r>
-              <a:rPr lang="en-US" dirty="0"/>
-              <a:t>In a within-subject design, we might want to know which points belong to whom. </a:t>
-            </a:r>
-          </a:p>
-        </p:txBody>
-      </p:sp>
-      <p:sp>
-        <p:nvSpPr>
-          <p:cNvPr id="4" name="Date Placeholder 3">
-            <a:extLst>
-              <a:ext uri="{FF2B5EF4-FFF2-40B4-BE49-F238E27FC236}">
-                <a16:creationId xmlns:a16="http://schemas.microsoft.com/office/drawing/2014/main" id="{2E915DD1-5673-4869-8608-C50B22DC25F6}"/>
-              </a:ext>
-            </a:extLst>
-          </p:cNvPr>
-          <p:cNvSpPr>
-            <a:spLocks noGrp="1"/>
-          </p:cNvSpPr>
-          <p:nvPr>
-            <p:ph type="dt" sz="half" idx="10"/>
-          </p:nvPr>
-        </p:nvSpPr>
-        <p:spPr/>
-        <p:txBody>
-          <a:bodyPr/>
-          <a:lstStyle/>
-          <a:p>
-            <a:fld id="{5547C99B-7F2C-4E84-8128-EB3E64FAD082}" type="datetime1">
-              <a:rPr lang="en-US" smtClean="0"/>
-              <a:t>10/7/2019</a:t>
-            </a:fld>
-            <a:endParaRPr lang="en-US"/>
-          </a:p>
-        </p:txBody>
-      </p:sp>
-      <p:sp>
-        <p:nvSpPr>
-          <p:cNvPr id="5" name="Slide Number Placeholder 4">
-            <a:extLst>
-              <a:ext uri="{FF2B5EF4-FFF2-40B4-BE49-F238E27FC236}">
-                <a16:creationId xmlns:a16="http://schemas.microsoft.com/office/drawing/2014/main" id="{A17A7D78-CFBF-415B-9512-FE687C52417A}"/>
-              </a:ext>
-            </a:extLst>
-          </p:cNvPr>
-          <p:cNvSpPr>
-            <a:spLocks noGrp="1"/>
-          </p:cNvSpPr>
-          <p:nvPr>
-            <p:ph type="sldNum" sz="quarter" idx="12"/>
-          </p:nvPr>
-        </p:nvSpPr>
-        <p:spPr/>
-        <p:txBody>
-          <a:bodyPr/>
-          <a:lstStyle/>
-          <a:p>
-            <a:fld id="{211FFFE4-4E4B-40A7-A942-4F1B7E93AB5C}" type="slidenum">
-              <a:rPr lang="en-US" smtClean="0"/>
-              <a:t>16</a:t>
-            </a:fld>
-            <a:endParaRPr lang="en-US"/>
-          </a:p>
-        </p:txBody>
-      </p:sp>
-      <p:sp>
-        <p:nvSpPr>
-          <p:cNvPr id="16" name="TextBox 15">
-            <a:extLst>
-              <a:ext uri="{FF2B5EF4-FFF2-40B4-BE49-F238E27FC236}">
-                <a16:creationId xmlns:a16="http://schemas.microsoft.com/office/drawing/2014/main" id="{D02EAE40-6B5F-4A40-AE0C-88D9C85D53A9}"/>
-              </a:ext>
-            </a:extLst>
-          </p:cNvPr>
-          <p:cNvSpPr txBox="1"/>
-          <p:nvPr/>
-        </p:nvSpPr>
-        <p:spPr>
-          <a:xfrm>
-            <a:off x="838200" y="4604386"/>
-            <a:ext cx="5715798" cy="1477328"/>
+            <a:off x="6299201" y="2057401"/>
+            <a:ext cx="5486400" cy="2743200"/>
           </a:xfrm>
           <a:prstGeom prst="rect">
             <a:avLst/>
           </a:prstGeom>
-          <a:noFill/>
-          <a:ln>
-            <a:noFill/>
-          </a:ln>
-        </p:spPr>
-        <p:txBody>
-          <a:bodyPr wrap="square" rtlCol="0">
-            <a:spAutoFit/>
-          </a:bodyPr>
-          <a:lstStyle/>
-          <a:p>
-            <a:pPr marL="342900" indent="-342900">
-              <a:buFont typeface="+mj-lt"/>
-              <a:buAutoNum type="arabicPeriod"/>
-            </a:pPr>
-            <a:r>
-              <a:rPr lang="en-US" strike="sngStrike" dirty="0">
-                <a:solidFill>
-                  <a:srgbClr val="B4484B"/>
-                </a:solidFill>
-              </a:rPr>
-              <a:t>No measure of central tendency. </a:t>
-            </a:r>
-          </a:p>
-          <a:p>
-            <a:pPr marL="342900" indent="-342900">
-              <a:buFont typeface="+mj-lt"/>
-              <a:buAutoNum type="arabicPeriod"/>
-            </a:pPr>
-            <a:r>
-              <a:rPr lang="en-US" strike="sngStrike" dirty="0">
-                <a:solidFill>
-                  <a:srgbClr val="B4484B"/>
-                </a:solidFill>
-              </a:rPr>
-              <a:t>No measures of spread.</a:t>
-            </a:r>
-          </a:p>
-          <a:p>
-            <a:pPr marL="342900" indent="-342900">
-              <a:buFont typeface="+mj-lt"/>
-              <a:buAutoNum type="arabicPeriod"/>
-            </a:pPr>
-            <a:r>
-              <a:rPr lang="en-US" strike="sngStrike" dirty="0">
-                <a:solidFill>
-                  <a:srgbClr val="B4484B"/>
-                </a:solidFill>
-              </a:rPr>
-              <a:t>No information about sample size.  </a:t>
-            </a:r>
-          </a:p>
-          <a:p>
-            <a:pPr marL="342900" indent="-342900">
-              <a:buFont typeface="+mj-lt"/>
-              <a:buAutoNum type="arabicPeriod"/>
-            </a:pPr>
-            <a:r>
-              <a:rPr lang="en-US" dirty="0">
-                <a:solidFill>
-                  <a:srgbClr val="B4484B"/>
-                </a:solidFill>
-              </a:rPr>
-              <a:t>No  information about the correlation between measures.</a:t>
-            </a:r>
-          </a:p>
-        </p:txBody>
-      </p:sp>
-      <p:sp>
-        <p:nvSpPr>
-          <p:cNvPr id="10" name="Rectangle 9">
-            <a:extLst>
-              <a:ext uri="{FF2B5EF4-FFF2-40B4-BE49-F238E27FC236}">
-                <a16:creationId xmlns:a16="http://schemas.microsoft.com/office/drawing/2014/main" id="{3B4F42BF-6812-40FB-A8F8-04AB378C6368}"/>
-              </a:ext>
-            </a:extLst>
-          </p:cNvPr>
-          <p:cNvSpPr/>
-          <p:nvPr/>
-        </p:nvSpPr>
-        <p:spPr>
-          <a:xfrm>
-            <a:off x="838200" y="1440587"/>
-            <a:ext cx="5715798" cy="4641127"/>
-          </a:xfrm>
-          <a:prstGeom prst="rect">
-            <a:avLst/>
-          </a:prstGeom>
-          <a:noFill/>
-          <a:ln w="28575">
-            <a:solidFill>
-              <a:srgbClr val="BF5356"/>
-            </a:solidFill>
-          </a:ln>
-        </p:spPr>
-        <p:style>
-          <a:lnRef idx="2">
-            <a:schemeClr val="accent1">
-              <a:shade val="50000"/>
-            </a:schemeClr>
-          </a:lnRef>
-          <a:fillRef idx="1">
-            <a:schemeClr val="accent1"/>
-          </a:fillRef>
-          <a:effectRef idx="0">
-            <a:schemeClr val="accent1"/>
-          </a:effectRef>
-          <a:fontRef idx="minor">
-            <a:schemeClr val="lt1"/>
-          </a:fontRef>
-        </p:style>
-        <p:txBody>
-          <a:bodyPr rtlCol="0" anchor="ctr"/>
-          <a:lstStyle/>
-          <a:p>
-            <a:pPr algn="ctr"/>
-            <a:endParaRPr lang="en-US"/>
-          </a:p>
-        </p:txBody>
-      </p:sp>
-      <p:sp>
-        <p:nvSpPr>
-          <p:cNvPr id="11" name="TextBox 10">
-            <a:extLst>
-              <a:ext uri="{FF2B5EF4-FFF2-40B4-BE49-F238E27FC236}">
-                <a16:creationId xmlns:a16="http://schemas.microsoft.com/office/drawing/2014/main" id="{A39530E9-6ADD-4AB6-B156-8225E73A3EB7}"/>
-              </a:ext>
-            </a:extLst>
-          </p:cNvPr>
-          <p:cNvSpPr txBox="1"/>
-          <p:nvPr/>
-        </p:nvSpPr>
-        <p:spPr>
-          <a:xfrm>
-            <a:off x="4494246" y="6488668"/>
-            <a:ext cx="3203506" cy="369332"/>
-          </a:xfrm>
-          <a:prstGeom prst="rect">
-            <a:avLst/>
-          </a:prstGeom>
-          <a:noFill/>
-        </p:spPr>
-        <p:txBody>
-          <a:bodyPr wrap="none" rtlCol="0">
-            <a:spAutoFit/>
-          </a:bodyPr>
-          <a:lstStyle/>
-          <a:p>
-            <a:r>
-              <a:rPr lang="en-US" dirty="0"/>
-              <a:t>[Raffegeau et al., </a:t>
-            </a:r>
-            <a:r>
-              <a:rPr lang="en-US" i="1" dirty="0"/>
-              <a:t>Under Review</a:t>
-            </a:r>
-            <a:r>
-              <a:rPr lang="en-US" dirty="0"/>
-              <a:t>]</a:t>
-            </a:r>
-          </a:p>
-        </p:txBody>
-      </p:sp>
+        </p:spPr>
+      </p:pic>
     </p:spTree>
     <p:extLst>
       <p:ext uri="{BB962C8B-B14F-4D97-AF65-F5344CB8AC3E}">
-        <p14:creationId xmlns:p14="http://schemas.microsoft.com/office/powerpoint/2010/main" val="429783905"/>
+        <p14:creationId xmlns:p14="http://schemas.microsoft.com/office/powerpoint/2010/main" val="1434026495"/>
       </p:ext>
     </p:extLst>
   </p:cSld>
   <p:clrMapOvr>
     <a:masterClrMapping/>
   </p:clrMapOvr>
-  <p:timing>
-    <p:tnLst>
-      <p:par>
-        <p:cTn id="1" dur="indefinite" restart="never" nodeType="tmRoot"/>
-      </p:par>
-    </p:tnLst>
-  </p:timing>
 </p:sld>
 </file>
 
@@ -6641,12 +6873,140 @@
           <a:chExt cx="0" cy="0"/>
         </a:xfrm>
       </p:grpSpPr>
+      <p:sp>
+        <p:nvSpPr>
+          <p:cNvPr id="2" name="Title 1">
+            <a:extLst>
+              <a:ext uri="{FF2B5EF4-FFF2-40B4-BE49-F238E27FC236}">
+                <a16:creationId xmlns:a16="http://schemas.microsoft.com/office/drawing/2014/main" id="{AAF9B919-8317-40E7-8E95-F543CC9A586B}"/>
+              </a:ext>
+            </a:extLst>
+          </p:cNvPr>
+          <p:cNvSpPr>
+            <a:spLocks noGrp="1"/>
+          </p:cNvSpPr>
+          <p:nvPr>
+            <p:ph type="title"/>
+          </p:nvPr>
+        </p:nvSpPr>
+        <p:spPr/>
+        <p:txBody>
+          <a:bodyPr/>
+          <a:lstStyle/>
+          <a:p>
+            <a:r>
+              <a:rPr lang="en-US" dirty="0"/>
+              <a:t>A Two Group Longitudinal Study</a:t>
+            </a:r>
+          </a:p>
+        </p:txBody>
+      </p:sp>
+      <p:sp>
+        <p:nvSpPr>
+          <p:cNvPr id="3" name="Content Placeholder 2">
+            <a:extLst>
+              <a:ext uri="{FF2B5EF4-FFF2-40B4-BE49-F238E27FC236}">
+                <a16:creationId xmlns:a16="http://schemas.microsoft.com/office/drawing/2014/main" id="{A3F3BDCC-CEA5-4D8E-8FFB-D3786FA21D99}"/>
+              </a:ext>
+            </a:extLst>
+          </p:cNvPr>
+          <p:cNvSpPr>
+            <a:spLocks noGrp="1"/>
+          </p:cNvSpPr>
+          <p:nvPr>
+            <p:ph idx="1"/>
+          </p:nvPr>
+        </p:nvSpPr>
+        <p:spPr>
+          <a:xfrm>
+            <a:off x="6248400" y="1580357"/>
+            <a:ext cx="5105400" cy="4572000"/>
+          </a:xfrm>
+        </p:spPr>
+        <p:txBody>
+          <a:bodyPr/>
+          <a:lstStyle/>
+          <a:p>
+            <a:r>
+              <a:rPr lang="en-US" dirty="0"/>
+              <a:t>But learning is a continuous process that happens over time.</a:t>
+            </a:r>
+          </a:p>
+          <a:p>
+            <a:endParaRPr lang="en-US" dirty="0"/>
+          </a:p>
+          <a:p>
+            <a:r>
+              <a:rPr lang="en-US" dirty="0"/>
+              <a:t>In a more “classic” plot, we might average across trials and targets to look at average error in each block of practice.  </a:t>
+            </a:r>
+          </a:p>
+        </p:txBody>
+      </p:sp>
+      <p:sp>
+        <p:nvSpPr>
+          <p:cNvPr id="4" name="Date Placeholder 3">
+            <a:extLst>
+              <a:ext uri="{FF2B5EF4-FFF2-40B4-BE49-F238E27FC236}">
+                <a16:creationId xmlns:a16="http://schemas.microsoft.com/office/drawing/2014/main" id="{63740FF1-666B-4FFF-8B73-0D96A8B161D0}"/>
+              </a:ext>
+            </a:extLst>
+          </p:cNvPr>
+          <p:cNvSpPr>
+            <a:spLocks noGrp="1"/>
+          </p:cNvSpPr>
+          <p:nvPr>
+            <p:ph type="dt" sz="half" idx="10"/>
+          </p:nvPr>
+        </p:nvSpPr>
+        <p:spPr/>
+        <p:txBody>
+          <a:bodyPr/>
+          <a:lstStyle/>
+          <a:p>
+            <a:fld id="{5547C99B-7F2C-4E84-8128-EB3E64FAD082}" type="datetime1">
+              <a:rPr lang="en-US" smtClean="0"/>
+              <a:t>10/13/2019</a:t>
+            </a:fld>
+            <a:endParaRPr lang="en-US"/>
+          </a:p>
+        </p:txBody>
+      </p:sp>
+      <p:sp>
+        <p:nvSpPr>
+          <p:cNvPr id="5" name="Slide Number Placeholder 4">
+            <a:extLst>
+              <a:ext uri="{FF2B5EF4-FFF2-40B4-BE49-F238E27FC236}">
+                <a16:creationId xmlns:a16="http://schemas.microsoft.com/office/drawing/2014/main" id="{687F1204-8D35-4479-9290-6A053B0D6A10}"/>
+              </a:ext>
+            </a:extLst>
+          </p:cNvPr>
+          <p:cNvSpPr>
+            <a:spLocks noGrp="1"/>
+          </p:cNvSpPr>
+          <p:nvPr>
+            <p:ph type="sldNum" sz="quarter" idx="12"/>
+          </p:nvPr>
+        </p:nvSpPr>
+        <p:spPr/>
+        <p:txBody>
+          <a:bodyPr/>
+          <a:lstStyle/>
+          <a:p>
+            <a:fld id="{211FFFE4-4E4B-40A7-A942-4F1B7E93AB5C}" type="slidenum">
+              <a:rPr lang="en-US" smtClean="0"/>
+              <a:t>17</a:t>
+            </a:fld>
+            <a:endParaRPr lang="en-US"/>
+          </a:p>
+        </p:txBody>
+      </p:sp>
       <p:pic>
         <p:nvPicPr>
-          <p:cNvPr id="8" name="Picture 7" descr="A close up of a map&#10;&#10;Description automatically generated">
-            <a:extLst>
-              <a:ext uri="{FF2B5EF4-FFF2-40B4-BE49-F238E27FC236}">
-                <a16:creationId xmlns:a16="http://schemas.microsoft.com/office/drawing/2014/main" id="{46B557AF-6FF3-4739-8A35-E6BC51E4A160}"/>
+          <p:cNvPr id="7" name="Picture 6" descr="A close up of a map&#10;&#10;Description automatically generated">
+            <a:extLst>
+              <a:ext uri="{FF2B5EF4-FFF2-40B4-BE49-F238E27FC236}">
+                <a16:creationId xmlns:a16="http://schemas.microsoft.com/office/drawing/2014/main" id="{3D46A36D-5665-47A6-8834-CBA1F7A0296B}"/>
               </a:ext>
             </a:extLst>
           </p:cNvPr>
@@ -6669,356 +7029,24 @@
         </p:blipFill>
         <p:spPr>
           <a:xfrm>
-            <a:off x="5752701" y="1574593"/>
-            <a:ext cx="5715798" cy="2857899"/>
+            <a:off x="838200" y="1580357"/>
+            <a:ext cx="4572000" cy="4572000"/>
           </a:xfrm>
           <a:prstGeom prst="rect">
             <a:avLst/>
           </a:prstGeom>
         </p:spPr>
       </p:pic>
-      <p:sp>
-        <p:nvSpPr>
-          <p:cNvPr id="2" name="Title 1">
-            <a:extLst>
-              <a:ext uri="{FF2B5EF4-FFF2-40B4-BE49-F238E27FC236}">
-                <a16:creationId xmlns:a16="http://schemas.microsoft.com/office/drawing/2014/main" id="{90771BF2-7BF5-4BA8-BAAA-01A0BBE3E44C}"/>
-              </a:ext>
-            </a:extLst>
-          </p:cNvPr>
-          <p:cNvSpPr>
-            <a:spLocks noGrp="1"/>
-          </p:cNvSpPr>
-          <p:nvPr>
-            <p:ph type="title"/>
-          </p:nvPr>
-        </p:nvSpPr>
-        <p:spPr/>
-        <p:txBody>
-          <a:bodyPr/>
-          <a:lstStyle/>
-          <a:p>
-            <a:r>
-              <a:rPr lang="en-US" dirty="0"/>
-              <a:t>Consider a 2 x 2 factorial design. </a:t>
-            </a:r>
-          </a:p>
-        </p:txBody>
-      </p:sp>
-      <p:sp>
-        <p:nvSpPr>
-          <p:cNvPr id="3" name="Content Placeholder 2">
-            <a:extLst>
-              <a:ext uri="{FF2B5EF4-FFF2-40B4-BE49-F238E27FC236}">
-                <a16:creationId xmlns:a16="http://schemas.microsoft.com/office/drawing/2014/main" id="{1EF0C10C-3ABD-4382-9DA0-EC7C1EE10F8D}"/>
-              </a:ext>
-            </a:extLst>
-          </p:cNvPr>
-          <p:cNvSpPr>
-            <a:spLocks noGrp="1"/>
-          </p:cNvSpPr>
-          <p:nvPr>
-            <p:ph idx="1"/>
-          </p:nvPr>
-        </p:nvSpPr>
-        <p:spPr>
-          <a:xfrm>
-            <a:off x="380201" y="1516787"/>
-            <a:ext cx="5029200" cy="4351338"/>
-          </a:xfrm>
-        </p:spPr>
-        <p:txBody>
-          <a:bodyPr>
-            <a:normAutofit/>
-          </a:bodyPr>
-          <a:lstStyle/>
-          <a:p>
-            <a:r>
-              <a:rPr lang="en-US" dirty="0" smtClean="0"/>
-              <a:t>We can overlay the means for each condition on top of the data for each condition</a:t>
-            </a:r>
-            <a:r>
-              <a:rPr lang="en-US" dirty="0" smtClean="0"/>
-              <a:t>.</a:t>
-            </a:r>
-          </a:p>
-          <a:p>
-            <a:endParaRPr lang="en-US" dirty="0" smtClean="0"/>
-          </a:p>
-          <a:p>
-            <a:r>
-              <a:rPr lang="en-US" dirty="0" smtClean="0"/>
-              <a:t>By connecting the dots, we can also provide information about the correlation between conditions</a:t>
-            </a:r>
-            <a:r>
-              <a:rPr lang="en-US" smtClean="0"/>
-              <a:t>. </a:t>
-            </a:r>
-            <a:endParaRPr lang="en-US" dirty="0"/>
-          </a:p>
-          <a:p>
-            <a:endParaRPr lang="en-US" dirty="0"/>
-          </a:p>
-        </p:txBody>
-      </p:sp>
-      <p:sp>
-        <p:nvSpPr>
-          <p:cNvPr id="4" name="Date Placeholder 3">
-            <a:extLst>
-              <a:ext uri="{FF2B5EF4-FFF2-40B4-BE49-F238E27FC236}">
-                <a16:creationId xmlns:a16="http://schemas.microsoft.com/office/drawing/2014/main" id="{2E915DD1-5673-4869-8608-C50B22DC25F6}"/>
-              </a:ext>
-            </a:extLst>
-          </p:cNvPr>
-          <p:cNvSpPr>
-            <a:spLocks noGrp="1"/>
-          </p:cNvSpPr>
-          <p:nvPr>
-            <p:ph type="dt" sz="half" idx="10"/>
-          </p:nvPr>
-        </p:nvSpPr>
-        <p:spPr/>
-        <p:txBody>
-          <a:bodyPr/>
-          <a:lstStyle/>
-          <a:p>
-            <a:fld id="{5547C99B-7F2C-4E84-8128-EB3E64FAD082}" type="datetime1">
-              <a:rPr lang="en-US" smtClean="0"/>
-              <a:t>10/7/2019</a:t>
-            </a:fld>
-            <a:endParaRPr lang="en-US"/>
-          </a:p>
-        </p:txBody>
-      </p:sp>
-      <p:sp>
-        <p:nvSpPr>
-          <p:cNvPr id="5" name="Slide Number Placeholder 4">
-            <a:extLst>
-              <a:ext uri="{FF2B5EF4-FFF2-40B4-BE49-F238E27FC236}">
-                <a16:creationId xmlns:a16="http://schemas.microsoft.com/office/drawing/2014/main" id="{A17A7D78-CFBF-415B-9512-FE687C52417A}"/>
-              </a:ext>
-            </a:extLst>
-          </p:cNvPr>
-          <p:cNvSpPr>
-            <a:spLocks noGrp="1"/>
-          </p:cNvSpPr>
-          <p:nvPr>
-            <p:ph type="sldNum" sz="quarter" idx="12"/>
-          </p:nvPr>
-        </p:nvSpPr>
-        <p:spPr/>
-        <p:txBody>
-          <a:bodyPr/>
-          <a:lstStyle/>
-          <a:p>
-            <a:fld id="{211FFFE4-4E4B-40A7-A942-4F1B7E93AB5C}" type="slidenum">
-              <a:rPr lang="en-US" smtClean="0"/>
-              <a:t>17</a:t>
-            </a:fld>
-            <a:endParaRPr lang="en-US"/>
-          </a:p>
-        </p:txBody>
-      </p:sp>
-      <p:sp>
-        <p:nvSpPr>
-          <p:cNvPr id="16" name="TextBox 15">
-            <a:extLst>
-              <a:ext uri="{FF2B5EF4-FFF2-40B4-BE49-F238E27FC236}">
-                <a16:creationId xmlns:a16="http://schemas.microsoft.com/office/drawing/2014/main" id="{D02EAE40-6B5F-4A40-AE0C-88D9C85D53A9}"/>
-              </a:ext>
-            </a:extLst>
-          </p:cNvPr>
-          <p:cNvSpPr txBox="1"/>
-          <p:nvPr/>
-        </p:nvSpPr>
-        <p:spPr>
-          <a:xfrm>
-            <a:off x="5752701" y="4680586"/>
-            <a:ext cx="5715798" cy="1477328"/>
-          </a:xfrm>
-          <a:prstGeom prst="rect">
-            <a:avLst/>
-          </a:prstGeom>
-          <a:noFill/>
-          <a:ln>
-            <a:noFill/>
-          </a:ln>
-        </p:spPr>
-        <p:txBody>
-          <a:bodyPr wrap="square" rtlCol="0">
-            <a:spAutoFit/>
-          </a:bodyPr>
-          <a:lstStyle/>
-          <a:p>
-            <a:pPr marL="342900" indent="-342900">
-              <a:buFont typeface="+mj-lt"/>
-              <a:buAutoNum type="arabicPeriod"/>
-            </a:pPr>
-            <a:r>
-              <a:rPr lang="en-US" strike="sngStrike" dirty="0">
-                <a:solidFill>
-                  <a:srgbClr val="B4484B"/>
-                </a:solidFill>
-              </a:rPr>
-              <a:t>No measure of central tendency. </a:t>
-            </a:r>
-          </a:p>
-          <a:p>
-            <a:pPr marL="342900" indent="-342900">
-              <a:buFont typeface="+mj-lt"/>
-              <a:buAutoNum type="arabicPeriod"/>
-            </a:pPr>
-            <a:r>
-              <a:rPr lang="en-US" strike="sngStrike" dirty="0">
-                <a:solidFill>
-                  <a:srgbClr val="B4484B"/>
-                </a:solidFill>
-              </a:rPr>
-              <a:t>No measures of spread.</a:t>
-            </a:r>
-          </a:p>
-          <a:p>
-            <a:pPr marL="342900" indent="-342900">
-              <a:buFont typeface="+mj-lt"/>
-              <a:buAutoNum type="arabicPeriod"/>
-            </a:pPr>
-            <a:r>
-              <a:rPr lang="en-US" strike="sngStrike" dirty="0">
-                <a:solidFill>
-                  <a:srgbClr val="B4484B"/>
-                </a:solidFill>
-              </a:rPr>
-              <a:t>No information about sample size.  </a:t>
-            </a:r>
-          </a:p>
-          <a:p>
-            <a:pPr marL="342900" indent="-342900">
-              <a:buFont typeface="+mj-lt"/>
-              <a:buAutoNum type="arabicPeriod"/>
-            </a:pPr>
-            <a:r>
-              <a:rPr lang="en-US" strike="sngStrike" dirty="0">
-                <a:solidFill>
-                  <a:srgbClr val="B4484B"/>
-                </a:solidFill>
-              </a:rPr>
-              <a:t>No  information about the correlation between measures.</a:t>
-            </a:r>
-          </a:p>
-        </p:txBody>
-      </p:sp>
-      <p:sp>
-        <p:nvSpPr>
-          <p:cNvPr id="10" name="Rectangle 9">
-            <a:extLst>
-              <a:ext uri="{FF2B5EF4-FFF2-40B4-BE49-F238E27FC236}">
-                <a16:creationId xmlns:a16="http://schemas.microsoft.com/office/drawing/2014/main" id="{3B4F42BF-6812-40FB-A8F8-04AB378C6368}"/>
-              </a:ext>
-            </a:extLst>
-          </p:cNvPr>
-          <p:cNvSpPr/>
-          <p:nvPr/>
-        </p:nvSpPr>
-        <p:spPr>
-          <a:xfrm>
-            <a:off x="5752701" y="1516787"/>
-            <a:ext cx="5715798" cy="4641127"/>
-          </a:xfrm>
-          <a:prstGeom prst="rect">
-            <a:avLst/>
-          </a:prstGeom>
-          <a:noFill/>
-          <a:ln w="28575">
-            <a:solidFill>
-              <a:srgbClr val="BF5356"/>
-            </a:solidFill>
-          </a:ln>
-        </p:spPr>
-        <p:style>
-          <a:lnRef idx="2">
-            <a:schemeClr val="accent1">
-              <a:shade val="50000"/>
-            </a:schemeClr>
-          </a:lnRef>
-          <a:fillRef idx="1">
-            <a:schemeClr val="accent1"/>
-          </a:fillRef>
-          <a:effectRef idx="0">
-            <a:schemeClr val="accent1"/>
-          </a:effectRef>
-          <a:fontRef idx="minor">
-            <a:schemeClr val="lt1"/>
-          </a:fontRef>
-        </p:style>
-        <p:txBody>
-          <a:bodyPr rtlCol="0" anchor="ctr"/>
-          <a:lstStyle/>
-          <a:p>
-            <a:pPr algn="ctr"/>
-            <a:endParaRPr lang="en-US"/>
-          </a:p>
-        </p:txBody>
-      </p:sp>
-      <p:sp>
-        <p:nvSpPr>
-          <p:cNvPr id="11" name="TextBox 10">
-            <a:extLst>
-              <a:ext uri="{FF2B5EF4-FFF2-40B4-BE49-F238E27FC236}">
-                <a16:creationId xmlns:a16="http://schemas.microsoft.com/office/drawing/2014/main" id="{A5AB67BF-2D0F-4FAF-A632-99AA8CFF225D}"/>
-              </a:ext>
-            </a:extLst>
-          </p:cNvPr>
-          <p:cNvSpPr txBox="1"/>
-          <p:nvPr/>
-        </p:nvSpPr>
-        <p:spPr>
-          <a:xfrm>
-            <a:off x="4494246" y="6488668"/>
-            <a:ext cx="3203506" cy="369332"/>
-          </a:xfrm>
-          <a:prstGeom prst="rect">
-            <a:avLst/>
-          </a:prstGeom>
-          <a:noFill/>
-        </p:spPr>
-        <p:txBody>
-          <a:bodyPr wrap="none" rtlCol="0">
-            <a:spAutoFit/>
-          </a:bodyPr>
-          <a:lstStyle/>
-          <a:p>
-            <a:r>
-              <a:rPr lang="en-US" dirty="0"/>
-              <a:t>[Raffegeau et al., </a:t>
-            </a:r>
-            <a:r>
-              <a:rPr lang="en-US" i="1" dirty="0"/>
-              <a:t>Under Review</a:t>
-            </a:r>
-            <a:r>
-              <a:rPr lang="en-US" dirty="0"/>
-              <a:t>]</a:t>
-            </a:r>
-          </a:p>
-        </p:txBody>
-      </p:sp>
     </p:spTree>
     <p:extLst>
       <p:ext uri="{BB962C8B-B14F-4D97-AF65-F5344CB8AC3E}">
-        <p14:creationId xmlns:p14="http://schemas.microsoft.com/office/powerpoint/2010/main" val="1923956018"/>
+        <p14:creationId xmlns:p14="http://schemas.microsoft.com/office/powerpoint/2010/main" val="1458454119"/>
       </p:ext>
     </p:extLst>
   </p:cSld>
   <p:clrMapOvr>
     <a:masterClrMapping/>
   </p:clrMapOvr>
-  <p:timing>
-    <p:tnLst>
-      <p:par>
-        <p:cTn id="1" dur="indefinite" restart="never" nodeType="tmRoot"/>
-      </p:par>
-    </p:tnLst>
-  </p:timing>
 </p:sld>
 </file>
 
@@ -7041,10 +7069,97 @@
       </p:grpSpPr>
       <p:sp>
         <p:nvSpPr>
-          <p:cNvPr id="2" name="Date Placeholder 1">
-            <a:extLst>
-              <a:ext uri="{FF2B5EF4-FFF2-40B4-BE49-F238E27FC236}">
-                <a16:creationId xmlns:a16="http://schemas.microsoft.com/office/drawing/2014/main" id="{1CDECBA7-9CB8-4838-990C-4ACD0C6ACFC8}"/>
+          <p:cNvPr id="2" name="Title 1">
+            <a:extLst>
+              <a:ext uri="{FF2B5EF4-FFF2-40B4-BE49-F238E27FC236}">
+                <a16:creationId xmlns:a16="http://schemas.microsoft.com/office/drawing/2014/main" id="{AAF9B919-8317-40E7-8E95-F543CC9A586B}"/>
+              </a:ext>
+            </a:extLst>
+          </p:cNvPr>
+          <p:cNvSpPr>
+            <a:spLocks noGrp="1"/>
+          </p:cNvSpPr>
+          <p:nvPr>
+            <p:ph type="title"/>
+          </p:nvPr>
+        </p:nvSpPr>
+        <p:spPr/>
+        <p:txBody>
+          <a:bodyPr/>
+          <a:lstStyle/>
+          <a:p>
+            <a:r>
+              <a:rPr lang="en-US" dirty="0"/>
+              <a:t>A Two Group Longitudinal Study</a:t>
+            </a:r>
+          </a:p>
+        </p:txBody>
+      </p:sp>
+      <p:sp>
+        <p:nvSpPr>
+          <p:cNvPr id="3" name="Content Placeholder 2">
+            <a:extLst>
+              <a:ext uri="{FF2B5EF4-FFF2-40B4-BE49-F238E27FC236}">
+                <a16:creationId xmlns:a16="http://schemas.microsoft.com/office/drawing/2014/main" id="{A3F3BDCC-CEA5-4D8E-8FFB-D3786FA21D99}"/>
+              </a:ext>
+            </a:extLst>
+          </p:cNvPr>
+          <p:cNvSpPr>
+            <a:spLocks noGrp="1"/>
+          </p:cNvSpPr>
+          <p:nvPr>
+            <p:ph idx="1"/>
+          </p:nvPr>
+        </p:nvSpPr>
+        <p:spPr>
+          <a:xfrm>
+            <a:off x="838200" y="1690688"/>
+            <a:ext cx="5105400" cy="4351338"/>
+          </a:xfrm>
+        </p:spPr>
+        <p:txBody>
+          <a:bodyPr/>
+          <a:lstStyle/>
+          <a:p>
+            <a:r>
+              <a:rPr lang="en-US" dirty="0"/>
+              <a:t>What if I want to </a:t>
+            </a:r>
+            <a:r>
+              <a:rPr lang="en-US" b="1" u="sng" dirty="0"/>
+              <a:t>see all of the data</a:t>
+            </a:r>
+            <a:r>
+              <a:rPr lang="en-US" dirty="0"/>
+              <a:t>?</a:t>
+            </a:r>
+          </a:p>
+          <a:p>
+            <a:endParaRPr lang="en-US" dirty="0"/>
+          </a:p>
+          <a:p>
+            <a:r>
+              <a:rPr lang="en-US" dirty="0"/>
+              <a:t>It’s too much!</a:t>
+            </a:r>
+          </a:p>
+          <a:p>
+            <a:endParaRPr lang="en-US" dirty="0"/>
+          </a:p>
+          <a:p>
+            <a:r>
+              <a:rPr lang="en-US" dirty="0"/>
+              <a:t>We have so many acquisition trials that it makes identifying performance curves almost impossible.</a:t>
+            </a:r>
+          </a:p>
+        </p:txBody>
+      </p:sp>
+      <p:sp>
+        <p:nvSpPr>
+          <p:cNvPr id="4" name="Date Placeholder 3">
+            <a:extLst>
+              <a:ext uri="{FF2B5EF4-FFF2-40B4-BE49-F238E27FC236}">
+                <a16:creationId xmlns:a16="http://schemas.microsoft.com/office/drawing/2014/main" id="{63740FF1-666B-4FFF-8B73-0D96A8B161D0}"/>
               </a:ext>
             </a:extLst>
           </p:cNvPr>
@@ -7060,9 +7175,9 @@
           <a:bodyPr/>
           <a:lstStyle/>
           <a:p>
-            <a:fld id="{28CDC5B5-E9BF-4312-938F-57F5458B9411}" type="datetime1">
+            <a:fld id="{5547C99B-7F2C-4E84-8128-EB3E64FAD082}" type="datetime1">
               <a:rPr lang="en-US" smtClean="0"/>
-              <a:t>10/7/2019</a:t>
+              <a:t>10/13/2019</a:t>
             </a:fld>
             <a:endParaRPr lang="en-US"/>
           </a:p>
@@ -7070,10 +7185,10 @@
       </p:sp>
       <p:sp>
         <p:nvSpPr>
-          <p:cNvPr id="3" name="Slide Number Placeholder 2">
-            <a:extLst>
-              <a:ext uri="{FF2B5EF4-FFF2-40B4-BE49-F238E27FC236}">
-                <a16:creationId xmlns:a16="http://schemas.microsoft.com/office/drawing/2014/main" id="{E847287D-9B0A-4964-BD06-8B705ED3ADCD}"/>
+          <p:cNvPr id="5" name="Slide Number Placeholder 4">
+            <a:extLst>
+              <a:ext uri="{FF2B5EF4-FFF2-40B4-BE49-F238E27FC236}">
+                <a16:creationId xmlns:a16="http://schemas.microsoft.com/office/drawing/2014/main" id="{687F1204-8D35-4479-9290-6A053B0D6A10}"/>
               </a:ext>
             </a:extLst>
           </p:cNvPr>
@@ -7097,149 +7212,12 @@
           </a:p>
         </p:txBody>
       </p:sp>
-      <p:sp>
-        <p:nvSpPr>
-          <p:cNvPr id="4" name="Rectangle 3">
-            <a:extLst>
-              <a:ext uri="{FF2B5EF4-FFF2-40B4-BE49-F238E27FC236}">
-                <a16:creationId xmlns:a16="http://schemas.microsoft.com/office/drawing/2014/main" id="{37069D5E-55B2-4E49-87D4-DA49FCD28F2D}"/>
-              </a:ext>
-            </a:extLst>
-          </p:cNvPr>
-          <p:cNvSpPr/>
-          <p:nvPr/>
-        </p:nvSpPr>
-        <p:spPr>
-          <a:xfrm>
-            <a:off x="0" y="0"/>
-            <a:ext cx="12192000" cy="6858000"/>
-          </a:xfrm>
-          <a:prstGeom prst="rect">
-            <a:avLst/>
-          </a:prstGeom>
-          <a:solidFill>
-            <a:srgbClr val="B4484B"/>
-          </a:solidFill>
-          <a:ln>
-            <a:solidFill>
-              <a:srgbClr val="BF5356"/>
-            </a:solidFill>
-          </a:ln>
-        </p:spPr>
-        <p:style>
-          <a:lnRef idx="2">
-            <a:schemeClr val="accent1">
-              <a:shade val="50000"/>
-            </a:schemeClr>
-          </a:lnRef>
-          <a:fillRef idx="1">
-            <a:schemeClr val="accent1"/>
-          </a:fillRef>
-          <a:effectRef idx="0">
-            <a:schemeClr val="accent1"/>
-          </a:effectRef>
-          <a:fontRef idx="minor">
-            <a:schemeClr val="lt1"/>
-          </a:fontRef>
-        </p:style>
-        <p:txBody>
-          <a:bodyPr rtlCol="0" anchor="ctr"/>
-          <a:lstStyle/>
-          <a:p>
-            <a:pPr algn="ctr"/>
-            <a:endParaRPr lang="en-US" dirty="0"/>
-          </a:p>
-        </p:txBody>
-      </p:sp>
-      <p:sp>
-        <p:nvSpPr>
-          <p:cNvPr id="5" name="TextBox 4">
-            <a:extLst>
-              <a:ext uri="{FF2B5EF4-FFF2-40B4-BE49-F238E27FC236}">
-                <a16:creationId xmlns:a16="http://schemas.microsoft.com/office/drawing/2014/main" id="{B230FB65-7683-482A-9BA6-BA748F6A230A}"/>
-              </a:ext>
-            </a:extLst>
-          </p:cNvPr>
-          <p:cNvSpPr txBox="1"/>
-          <p:nvPr/>
-        </p:nvSpPr>
-        <p:spPr>
-          <a:xfrm>
-            <a:off x="690000" y="1803400"/>
-            <a:ext cx="10828900" cy="769441"/>
-          </a:xfrm>
-          <a:prstGeom prst="rect">
-            <a:avLst/>
-          </a:prstGeom>
-          <a:noFill/>
-        </p:spPr>
-        <p:txBody>
-          <a:bodyPr wrap="square" rtlCol="0">
-            <a:spAutoFit/>
-          </a:bodyPr>
-          <a:lstStyle/>
-          <a:p>
-            <a:pPr algn="ctr"/>
-            <a:r>
-              <a:rPr lang="en-US" sz="4400" b="1" dirty="0">
-                <a:solidFill>
-                  <a:schemeClr val="bg1"/>
-                </a:solidFill>
-                <a:latin typeface="Arial" panose="020B0604020202020204" pitchFamily="34" charset="0"/>
-                <a:cs typeface="Arial" panose="020B0604020202020204" pitchFamily="34" charset="0"/>
-              </a:rPr>
-              <a:t>Visualizing Continuous Data</a:t>
-            </a:r>
-          </a:p>
-        </p:txBody>
-      </p:sp>
-      <p:cxnSp>
-        <p:nvCxnSpPr>
-          <p:cNvPr id="7" name="Straight Connector 6">
-            <a:extLst>
-              <a:ext uri="{FF2B5EF4-FFF2-40B4-BE49-F238E27FC236}">
-                <a16:creationId xmlns:a16="http://schemas.microsoft.com/office/drawing/2014/main" id="{0FE0E20F-7D5D-49DB-B60F-2018E15E48FE}"/>
-              </a:ext>
-            </a:extLst>
-          </p:cNvPr>
-          <p:cNvCxnSpPr/>
-          <p:nvPr/>
-        </p:nvCxnSpPr>
-        <p:spPr>
-          <a:xfrm>
-            <a:off x="647700" y="2565400"/>
-            <a:ext cx="10871200" cy="0"/>
-          </a:xfrm>
-          <a:prstGeom prst="line">
-            <a:avLst/>
-          </a:prstGeom>
-          <a:ln w="12700">
-            <a:solidFill>
-              <a:schemeClr val="bg1"/>
-            </a:solidFill>
-          </a:ln>
-        </p:spPr>
-        <p:style>
-          <a:lnRef idx="1">
-            <a:schemeClr val="accent1"/>
-          </a:lnRef>
-          <a:fillRef idx="0">
-            <a:schemeClr val="accent1"/>
-          </a:fillRef>
-          <a:effectRef idx="0">
-            <a:schemeClr val="accent1"/>
-          </a:effectRef>
-          <a:fontRef idx="minor">
-            <a:schemeClr val="tx1"/>
-          </a:fontRef>
-        </p:style>
-      </p:cxnSp>
       <p:pic>
         <p:nvPicPr>
-          <p:cNvPr id="9" name="Picture 8" descr="A picture containing bird&#10;&#10;Description automatically generated">
-            <a:extLst>
-              <a:ext uri="{FF2B5EF4-FFF2-40B4-BE49-F238E27FC236}">
-                <a16:creationId xmlns:a16="http://schemas.microsoft.com/office/drawing/2014/main" id="{E414CE3C-3DF8-4D83-81A9-D703EA15C68A}"/>
+          <p:cNvPr id="12" name="Picture 11" descr="A screenshot of a cell phone&#10;&#10;Description automatically generated">
+            <a:extLst>
+              <a:ext uri="{FF2B5EF4-FFF2-40B4-BE49-F238E27FC236}">
+                <a16:creationId xmlns:a16="http://schemas.microsoft.com/office/drawing/2014/main" id="{31EDAC31-E5A0-47A2-84B6-8BAEF9527789}"/>
               </a:ext>
             </a:extLst>
           </p:cNvPr>
@@ -7262,8 +7240,8 @@
         </p:blipFill>
         <p:spPr>
           <a:xfrm>
-            <a:off x="4724400" y="2565400"/>
-            <a:ext cx="2743200" cy="914400"/>
+            <a:off x="6673596" y="1397477"/>
+            <a:ext cx="3950208" cy="4937760"/>
           </a:xfrm>
           <a:prstGeom prst="rect">
             <a:avLst/>
@@ -7273,20 +7251,13 @@
     </p:spTree>
     <p:extLst>
       <p:ext uri="{BB962C8B-B14F-4D97-AF65-F5344CB8AC3E}">
-        <p14:creationId xmlns:p14="http://schemas.microsoft.com/office/powerpoint/2010/main" val="1997988560"/>
+        <p14:creationId xmlns:p14="http://schemas.microsoft.com/office/powerpoint/2010/main" val="2789599039"/>
       </p:ext>
     </p:extLst>
   </p:cSld>
   <p:clrMapOvr>
     <a:masterClrMapping/>
   </p:clrMapOvr>
-  <p:timing>
-    <p:tnLst>
-      <p:par>
-        <p:cTn id="1" dur="indefinite" restart="never" nodeType="tmRoot"/>
-      </p:par>
-    </p:tnLst>
-  </p:timing>
 </p:sld>
 </file>
 
@@ -7312,7 +7283,7 @@
           <p:cNvPr id="2" name="Title 1">
             <a:extLst>
               <a:ext uri="{FF2B5EF4-FFF2-40B4-BE49-F238E27FC236}">
-                <a16:creationId xmlns:a16="http://schemas.microsoft.com/office/drawing/2014/main" id="{90771BF2-7BF5-4BA8-BAAA-01A0BBE3E44C}"/>
+                <a16:creationId xmlns:a16="http://schemas.microsoft.com/office/drawing/2014/main" id="{AAF9B919-8317-40E7-8E95-F543CC9A586B}"/>
               </a:ext>
             </a:extLst>
           </p:cNvPr>
@@ -7340,7 +7311,7 @@
           <p:cNvPr id="3" name="Content Placeholder 2">
             <a:extLst>
               <a:ext uri="{FF2B5EF4-FFF2-40B4-BE49-F238E27FC236}">
-                <a16:creationId xmlns:a16="http://schemas.microsoft.com/office/drawing/2014/main" id="{1EF0C10C-3ABD-4382-9DA0-EC7C1EE10F8D}"/>
+                <a16:creationId xmlns:a16="http://schemas.microsoft.com/office/drawing/2014/main" id="{A3F3BDCC-CEA5-4D8E-8FFB-D3786FA21D99}"/>
               </a:ext>
             </a:extLst>
           </p:cNvPr>
@@ -7353,89 +7324,19 @@
         </p:nvSpPr>
         <p:spPr>
           <a:xfrm>
-            <a:off x="393700" y="1690688"/>
-            <a:ext cx="5156200" cy="4351338"/>
+            <a:off x="288374" y="1692276"/>
+            <a:ext cx="3293025" cy="4351338"/>
           </a:xfrm>
         </p:spPr>
         <p:txBody>
           <a:bodyPr>
-            <a:normAutofit fontScale="92500"/>
+            <a:normAutofit/>
           </a:bodyPr>
           <a:lstStyle/>
           <a:p>
             <a:r>
-              <a:rPr lang="en-US" dirty="0"/>
-              <a:t>In a variable versus blocked practice experiment, participants learned to estimate different intervals of time in either a </a:t>
-            </a:r>
-            <a:r>
-              <a:rPr lang="en-US" b="1" u="sng" dirty="0"/>
-              <a:t>blocked</a:t>
-            </a:r>
-            <a:r>
-              <a:rPr lang="en-US" dirty="0"/>
-              <a:t> order or a </a:t>
-            </a:r>
-            <a:r>
-              <a:rPr lang="en-US" b="1" u="sng" dirty="0"/>
-              <a:t>random</a:t>
-            </a:r>
-            <a:r>
-              <a:rPr lang="en-US" dirty="0"/>
-              <a:t> order.</a:t>
-            </a:r>
-          </a:p>
-          <a:p>
-            <a:pPr lvl="1"/>
-            <a:r>
-              <a:rPr lang="en-US" dirty="0"/>
-              <a:t>1500 </a:t>
-            </a:r>
-            <a:r>
-              <a:rPr lang="en-US" dirty="0" err="1"/>
-              <a:t>ms</a:t>
-            </a:r>
-            <a:endParaRPr lang="en-US" dirty="0"/>
-          </a:p>
-          <a:p>
-            <a:pPr lvl="1"/>
-            <a:r>
-              <a:rPr lang="en-US" dirty="0"/>
-              <a:t>1700 </a:t>
-            </a:r>
-            <a:r>
-              <a:rPr lang="en-US" dirty="0" err="1"/>
-              <a:t>ms</a:t>
-            </a:r>
-            <a:endParaRPr lang="en-US" dirty="0"/>
-          </a:p>
-          <a:p>
-            <a:pPr lvl="1"/>
-            <a:r>
-              <a:rPr lang="en-US" dirty="0"/>
-              <a:t>1900 </a:t>
-            </a:r>
-            <a:r>
-              <a:rPr lang="en-US" dirty="0" err="1"/>
-              <a:t>ms</a:t>
-            </a:r>
-            <a:endParaRPr lang="en-US" dirty="0"/>
-          </a:p>
-          <a:p>
-            <a:pPr lvl="1"/>
-            <a:endParaRPr lang="en-US" dirty="0"/>
-          </a:p>
-          <a:p>
-            <a:r>
-              <a:rPr lang="en-US" dirty="0"/>
-              <a:t>Focusing on response distributions to study ‘</a:t>
-            </a:r>
-            <a:r>
-              <a:rPr lang="en-US" b="1" u="sng" dirty="0"/>
-              <a:t>confusability</a:t>
-            </a:r>
-            <a:r>
-              <a:rPr lang="en-US" dirty="0"/>
-              <a:t>’.</a:t>
+              <a:rPr lang="en-US" sz="2400" dirty="0"/>
+              <a:t>However, by playing with aesthetic features such as spacing, transparency, and line type, we can make the overall pattern much more interpretable.</a:t>
             </a:r>
           </a:p>
         </p:txBody>
@@ -7445,7 +7346,7 @@
           <p:cNvPr id="4" name="Date Placeholder 3">
             <a:extLst>
               <a:ext uri="{FF2B5EF4-FFF2-40B4-BE49-F238E27FC236}">
-                <a16:creationId xmlns:a16="http://schemas.microsoft.com/office/drawing/2014/main" id="{2E915DD1-5673-4869-8608-C50B22DC25F6}"/>
+                <a16:creationId xmlns:a16="http://schemas.microsoft.com/office/drawing/2014/main" id="{63740FF1-666B-4FFF-8B73-0D96A8B161D0}"/>
               </a:ext>
             </a:extLst>
           </p:cNvPr>
@@ -7463,7 +7364,7 @@
           <a:p>
             <a:fld id="{5547C99B-7F2C-4E84-8128-EB3E64FAD082}" type="datetime1">
               <a:rPr lang="en-US" smtClean="0"/>
-              <a:t>10/7/2019</a:t>
+              <a:t>10/13/2019</a:t>
             </a:fld>
             <a:endParaRPr lang="en-US"/>
           </a:p>
@@ -7474,7 +7375,7 @@
           <p:cNvPr id="5" name="Slide Number Placeholder 4">
             <a:extLst>
               <a:ext uri="{FF2B5EF4-FFF2-40B4-BE49-F238E27FC236}">
-                <a16:creationId xmlns:a16="http://schemas.microsoft.com/office/drawing/2014/main" id="{A17A7D78-CFBF-415B-9512-FE687C52417A}"/>
+                <a16:creationId xmlns:a16="http://schemas.microsoft.com/office/drawing/2014/main" id="{687F1204-8D35-4479-9290-6A053B0D6A10}"/>
               </a:ext>
             </a:extLst>
           </p:cNvPr>
@@ -7498,47 +7399,12 @@
           </a:p>
         </p:txBody>
       </p:sp>
-      <p:sp>
-        <p:nvSpPr>
-          <p:cNvPr id="12" name="TextBox 11">
-            <a:extLst>
-              <a:ext uri="{FF2B5EF4-FFF2-40B4-BE49-F238E27FC236}">
-                <a16:creationId xmlns:a16="http://schemas.microsoft.com/office/drawing/2014/main" id="{406F5064-3860-4004-9B0C-CDCDEF6878DC}"/>
-              </a:ext>
-            </a:extLst>
-          </p:cNvPr>
-          <p:cNvSpPr txBox="1"/>
-          <p:nvPr/>
-        </p:nvSpPr>
-        <p:spPr>
-          <a:xfrm>
-            <a:off x="5867400" y="1688068"/>
-            <a:ext cx="1253869" cy="369332"/>
-          </a:xfrm>
-          <a:prstGeom prst="rect">
-            <a:avLst/>
-          </a:prstGeom>
-          <a:noFill/>
-        </p:spPr>
-        <p:txBody>
-          <a:bodyPr wrap="none" rtlCol="0">
-            <a:spAutoFit/>
-          </a:bodyPr>
-          <a:lstStyle/>
-          <a:p>
-            <a:r>
-              <a:rPr lang="en-US" b="1" u="sng" dirty="0"/>
-              <a:t>Acquisition</a:t>
-            </a:r>
-          </a:p>
-        </p:txBody>
-      </p:sp>
       <p:pic>
         <p:nvPicPr>
-          <p:cNvPr id="14" name="Picture 13" descr="A close up of a map&#10;&#10;Description automatically generated">
-            <a:extLst>
-              <a:ext uri="{FF2B5EF4-FFF2-40B4-BE49-F238E27FC236}">
-                <a16:creationId xmlns:a16="http://schemas.microsoft.com/office/drawing/2014/main" id="{1843F859-13F7-4805-93B7-26CEA00D49BA}"/>
+          <p:cNvPr id="7" name="Picture 6" descr="A picture containing white, man, room, standing&#10;&#10;Description automatically generated">
+            <a:extLst>
+              <a:ext uri="{FF2B5EF4-FFF2-40B4-BE49-F238E27FC236}">
+                <a16:creationId xmlns:a16="http://schemas.microsoft.com/office/drawing/2014/main" id="{DF515185-C424-48B4-8F25-93D485871277}"/>
               </a:ext>
             </a:extLst>
           </p:cNvPr>
@@ -7561,75 +7427,24 @@
         </p:blipFill>
         <p:spPr>
           <a:xfrm>
-            <a:off x="5867400" y="2057401"/>
-            <a:ext cx="5486400" cy="2743200"/>
+            <a:off x="3674026" y="1690688"/>
+            <a:ext cx="8229600" cy="4114800"/>
           </a:xfrm>
           <a:prstGeom prst="rect">
             <a:avLst/>
           </a:prstGeom>
         </p:spPr>
       </p:pic>
-      <p:sp>
-        <p:nvSpPr>
-          <p:cNvPr id="18" name="TextBox 17">
-            <a:extLst>
-              <a:ext uri="{FF2B5EF4-FFF2-40B4-BE49-F238E27FC236}">
-                <a16:creationId xmlns:a16="http://schemas.microsoft.com/office/drawing/2014/main" id="{81C22F70-A8CC-4C15-89CD-A64B61AD3CD7}"/>
-              </a:ext>
-            </a:extLst>
-          </p:cNvPr>
-          <p:cNvSpPr txBox="1"/>
-          <p:nvPr/>
-        </p:nvSpPr>
-        <p:spPr>
-          <a:xfrm>
-            <a:off x="4579210" y="6488668"/>
-            <a:ext cx="3033587" cy="369332"/>
-          </a:xfrm>
-          <a:prstGeom prst="rect">
-            <a:avLst/>
-          </a:prstGeom>
-          <a:noFill/>
-        </p:spPr>
-        <p:txBody>
-          <a:bodyPr wrap="none" rtlCol="0">
-            <a:spAutoFit/>
-          </a:bodyPr>
-          <a:lstStyle/>
-          <a:p>
-            <a:pPr algn="ctr"/>
-            <a:r>
-              <a:rPr lang="en-US" dirty="0"/>
-              <a:t>[Thomas et al., </a:t>
-            </a:r>
-            <a:r>
-              <a:rPr lang="en-US" i="1" dirty="0"/>
-              <a:t>In Preparation</a:t>
-            </a:r>
-            <a:r>
-              <a:rPr lang="en-US" dirty="0"/>
-              <a:t>]</a:t>
-            </a:r>
-          </a:p>
-        </p:txBody>
-      </p:sp>
     </p:spTree>
     <p:extLst>
       <p:ext uri="{BB962C8B-B14F-4D97-AF65-F5344CB8AC3E}">
-        <p14:creationId xmlns:p14="http://schemas.microsoft.com/office/powerpoint/2010/main" val="3381862008"/>
+        <p14:creationId xmlns:p14="http://schemas.microsoft.com/office/powerpoint/2010/main" val="190327361"/>
       </p:ext>
     </p:extLst>
   </p:cSld>
   <p:clrMapOvr>
     <a:masterClrMapping/>
   </p:clrMapOvr>
-  <p:timing>
-    <p:tnLst>
-      <p:par>
-        <p:cTn id="1" dur="indefinite" restart="never" nodeType="tmRoot"/>
-      </p:par>
-    </p:tnLst>
-  </p:timing>
 </p:sld>
 </file>
 
@@ -7708,15 +7523,7 @@
             <a:pPr lvl="1"/>
             <a:r>
               <a:rPr lang="en-US" dirty="0"/>
-              <a:t>Save yourself a lot of time with </a:t>
-            </a:r>
-            <a:r>
-              <a:rPr lang="en-US" dirty="0" smtClean="0"/>
-              <a:t>reproducible, </a:t>
-            </a:r>
-            <a:r>
-              <a:rPr lang="en-US" dirty="0"/>
-              <a:t>code based graphics. </a:t>
+              <a:t>Save yourself a lot of time with reproducible, code based graphics. </a:t>
             </a:r>
           </a:p>
           <a:p>
@@ -7777,7 +7584,7 @@
           <a:p>
             <a:fld id="{5547C99B-7F2C-4E84-8128-EB3E64FAD082}" type="datetime1">
               <a:rPr lang="en-US" smtClean="0"/>
-              <a:t>10/7/2019</a:t>
+              <a:t>10/13/2019</a:t>
             </a:fld>
             <a:endParaRPr lang="en-US"/>
           </a:p>
@@ -7822,13 +7629,6 @@
   <p:clrMapOvr>
     <a:masterClrMapping/>
   </p:clrMapOvr>
-  <p:timing>
-    <p:tnLst>
-      <p:par>
-        <p:cTn id="1" dur="indefinite" restart="never" nodeType="tmRoot"/>
-      </p:par>
-    </p:tnLst>
-  </p:timing>
 </p:sld>
 </file>
 
@@ -7854,7 +7654,7 @@
           <p:cNvPr id="2" name="Title 1">
             <a:extLst>
               <a:ext uri="{FF2B5EF4-FFF2-40B4-BE49-F238E27FC236}">
-                <a16:creationId xmlns:a16="http://schemas.microsoft.com/office/drawing/2014/main" id="{90771BF2-7BF5-4BA8-BAAA-01A0BBE3E44C}"/>
+                <a16:creationId xmlns:a16="http://schemas.microsoft.com/office/drawing/2014/main" id="{AAF9B919-8317-40E7-8E95-F543CC9A586B}"/>
               </a:ext>
             </a:extLst>
           </p:cNvPr>
@@ -7879,10 +7679,43 @@
       </p:sp>
       <p:sp>
         <p:nvSpPr>
+          <p:cNvPr id="3" name="Content Placeholder 2">
+            <a:extLst>
+              <a:ext uri="{FF2B5EF4-FFF2-40B4-BE49-F238E27FC236}">
+                <a16:creationId xmlns:a16="http://schemas.microsoft.com/office/drawing/2014/main" id="{A3F3BDCC-CEA5-4D8E-8FFB-D3786FA21D99}"/>
+              </a:ext>
+            </a:extLst>
+          </p:cNvPr>
+          <p:cNvSpPr>
+            <a:spLocks noGrp="1"/>
+          </p:cNvSpPr>
+          <p:nvPr>
+            <p:ph idx="1"/>
+          </p:nvPr>
+        </p:nvSpPr>
+        <p:spPr>
+          <a:xfrm>
+            <a:off x="288374" y="1692276"/>
+            <a:ext cx="3610525" cy="4351338"/>
+          </a:xfrm>
+        </p:spPr>
+        <p:txBody>
+          <a:bodyPr/>
+          <a:lstStyle/>
+          <a:p>
+            <a:r>
+              <a:rPr lang="en-US" dirty="0"/>
+              <a:t>With a little bit of aggregating, we might be able to find a happier “middle ground”. </a:t>
+            </a:r>
+          </a:p>
+        </p:txBody>
+      </p:sp>
+      <p:sp>
+        <p:nvSpPr>
           <p:cNvPr id="4" name="Date Placeholder 3">
             <a:extLst>
               <a:ext uri="{FF2B5EF4-FFF2-40B4-BE49-F238E27FC236}">
-                <a16:creationId xmlns:a16="http://schemas.microsoft.com/office/drawing/2014/main" id="{2E915DD1-5673-4869-8608-C50B22DC25F6}"/>
+                <a16:creationId xmlns:a16="http://schemas.microsoft.com/office/drawing/2014/main" id="{63740FF1-666B-4FFF-8B73-0D96A8B161D0}"/>
               </a:ext>
             </a:extLst>
           </p:cNvPr>
@@ -7900,7 +7733,7 @@
           <a:p>
             <a:fld id="{5547C99B-7F2C-4E84-8128-EB3E64FAD082}" type="datetime1">
               <a:rPr lang="en-US" smtClean="0"/>
-              <a:t>10/7/2019</a:t>
+              <a:t>10/13/2019</a:t>
             </a:fld>
             <a:endParaRPr lang="en-US"/>
           </a:p>
@@ -7911,7 +7744,7 @@
           <p:cNvPr id="5" name="Slide Number Placeholder 4">
             <a:extLst>
               <a:ext uri="{FF2B5EF4-FFF2-40B4-BE49-F238E27FC236}">
-                <a16:creationId xmlns:a16="http://schemas.microsoft.com/office/drawing/2014/main" id="{A17A7D78-CFBF-415B-9512-FE687C52417A}"/>
+                <a16:creationId xmlns:a16="http://schemas.microsoft.com/office/drawing/2014/main" id="{687F1204-8D35-4479-9290-6A053B0D6A10}"/>
               </a:ext>
             </a:extLst>
           </p:cNvPr>
@@ -7935,47 +7768,12 @@
           </a:p>
         </p:txBody>
       </p:sp>
-      <p:sp>
-        <p:nvSpPr>
-          <p:cNvPr id="12" name="TextBox 11">
-            <a:extLst>
-              <a:ext uri="{FF2B5EF4-FFF2-40B4-BE49-F238E27FC236}">
-                <a16:creationId xmlns:a16="http://schemas.microsoft.com/office/drawing/2014/main" id="{406F5064-3860-4004-9B0C-CDCDEF6878DC}"/>
-              </a:ext>
-            </a:extLst>
-          </p:cNvPr>
-          <p:cNvSpPr txBox="1"/>
-          <p:nvPr/>
-        </p:nvSpPr>
-        <p:spPr>
-          <a:xfrm>
-            <a:off x="279400" y="1690688"/>
-            <a:ext cx="1253869" cy="369332"/>
-          </a:xfrm>
-          <a:prstGeom prst="rect">
-            <a:avLst/>
-          </a:prstGeom>
-          <a:noFill/>
-        </p:spPr>
-        <p:txBody>
-          <a:bodyPr wrap="none" rtlCol="0">
-            <a:spAutoFit/>
-          </a:bodyPr>
-          <a:lstStyle/>
-          <a:p>
-            <a:r>
-              <a:rPr lang="en-US" b="1" u="sng" dirty="0"/>
-              <a:t>Acquisition</a:t>
-            </a:r>
-          </a:p>
-        </p:txBody>
-      </p:sp>
       <p:pic>
         <p:nvPicPr>
-          <p:cNvPr id="9" name="Picture 8" descr="A close up of a map&#10;&#10;Description automatically generated">
-            <a:extLst>
-              <a:ext uri="{FF2B5EF4-FFF2-40B4-BE49-F238E27FC236}">
-                <a16:creationId xmlns:a16="http://schemas.microsoft.com/office/drawing/2014/main" id="{970EE2A7-F886-4B6D-A275-C1787A4709D6}"/>
+          <p:cNvPr id="7" name="Picture 6" descr="A close up of a map&#10;&#10;Description automatically generated">
+            <a:extLst>
+              <a:ext uri="{FF2B5EF4-FFF2-40B4-BE49-F238E27FC236}">
+                <a16:creationId xmlns:a16="http://schemas.microsoft.com/office/drawing/2014/main" id="{83603D9E-C8E7-4A84-B993-0EA27F84AC76}"/>
               </a:ext>
             </a:extLst>
           </p:cNvPr>
@@ -7998,303 +7796,24 @@
         </p:blipFill>
         <p:spPr>
           <a:xfrm>
-            <a:off x="279400" y="2060020"/>
-            <a:ext cx="5486400" cy="2743200"/>
+            <a:off x="4219843" y="1429544"/>
+            <a:ext cx="7315200" cy="4876801"/>
           </a:xfrm>
           <a:prstGeom prst="rect">
             <a:avLst/>
           </a:prstGeom>
         </p:spPr>
       </p:pic>
-      <p:pic>
-        <p:nvPicPr>
-          <p:cNvPr id="13" name="Picture 12">
-            <a:extLst>
-              <a:ext uri="{FF2B5EF4-FFF2-40B4-BE49-F238E27FC236}">
-                <a16:creationId xmlns:a16="http://schemas.microsoft.com/office/drawing/2014/main" id="{263FEA35-F0FD-44F9-920B-E15FA9FBCABA}"/>
-              </a:ext>
-            </a:extLst>
-          </p:cNvPr>
-          <p:cNvPicPr>
-            <a:picLocks noChangeAspect="1"/>
-          </p:cNvPicPr>
-          <p:nvPr/>
-        </p:nvPicPr>
-        <p:blipFill>
-          <a:blip r:embed="rId3">
-            <a:extLst>
-              <a:ext uri="{28A0092B-C50C-407E-A947-70E740481C1C}">
-                <a14:useLocalDpi xmlns:a14="http://schemas.microsoft.com/office/drawing/2010/main" val="0"/>
-              </a:ext>
-            </a:extLst>
-          </a:blip>
-          <a:stretch>
-            <a:fillRect/>
-          </a:stretch>
-        </p:blipFill>
-        <p:spPr>
-          <a:xfrm>
-            <a:off x="6222468" y="2057400"/>
-            <a:ext cx="5486400" cy="2743200"/>
-          </a:xfrm>
-          <a:prstGeom prst="rect">
-            <a:avLst/>
-          </a:prstGeom>
-        </p:spPr>
-      </p:pic>
-      <p:sp>
-        <p:nvSpPr>
-          <p:cNvPr id="14" name="TextBox 13">
-            <a:extLst>
-              <a:ext uri="{FF2B5EF4-FFF2-40B4-BE49-F238E27FC236}">
-                <a16:creationId xmlns:a16="http://schemas.microsoft.com/office/drawing/2014/main" id="{7102DC75-BDBC-4D1A-A3B3-B36C0D499E17}"/>
-              </a:ext>
-            </a:extLst>
-          </p:cNvPr>
-          <p:cNvSpPr txBox="1"/>
-          <p:nvPr/>
-        </p:nvSpPr>
-        <p:spPr>
-          <a:xfrm>
-            <a:off x="6222468" y="1688068"/>
-            <a:ext cx="2378472" cy="369332"/>
-          </a:xfrm>
-          <a:prstGeom prst="rect">
-            <a:avLst/>
-          </a:prstGeom>
-          <a:noFill/>
-        </p:spPr>
-        <p:txBody>
-          <a:bodyPr wrap="none" rtlCol="0">
-            <a:spAutoFit/>
-          </a:bodyPr>
-          <a:lstStyle/>
-          <a:p>
-            <a:r>
-              <a:rPr lang="en-US" b="1" u="sng" dirty="0"/>
-              <a:t>Delayed Retention Test</a:t>
-            </a:r>
-          </a:p>
-        </p:txBody>
-      </p:sp>
-      <p:cxnSp>
-        <p:nvCxnSpPr>
-          <p:cNvPr id="16" name="Straight Connector 15">
-            <a:extLst>
-              <a:ext uri="{FF2B5EF4-FFF2-40B4-BE49-F238E27FC236}">
-                <a16:creationId xmlns:a16="http://schemas.microsoft.com/office/drawing/2014/main" id="{B2FC3B49-1408-4C0F-AFB0-E43F52ECD8DF}"/>
-              </a:ext>
-            </a:extLst>
-          </p:cNvPr>
-          <p:cNvCxnSpPr>
-            <a:cxnSpLocks/>
-          </p:cNvCxnSpPr>
-          <p:nvPr/>
-        </p:nvCxnSpPr>
-        <p:spPr>
-          <a:xfrm>
-            <a:off x="5892800" y="1463120"/>
-            <a:ext cx="0" cy="3657600"/>
-          </a:xfrm>
-          <a:prstGeom prst="line">
-            <a:avLst/>
-          </a:prstGeom>
-          <a:ln w="12700">
-            <a:solidFill>
-              <a:srgbClr val="B4484B"/>
-            </a:solidFill>
-          </a:ln>
-        </p:spPr>
-        <p:style>
-          <a:lnRef idx="1">
-            <a:schemeClr val="accent1"/>
-          </a:lnRef>
-          <a:fillRef idx="0">
-            <a:schemeClr val="accent1"/>
-          </a:fillRef>
-          <a:effectRef idx="0">
-            <a:schemeClr val="accent1"/>
-          </a:effectRef>
-          <a:fontRef idx="minor">
-            <a:schemeClr val="tx1"/>
-          </a:fontRef>
-        </p:style>
-      </p:cxnSp>
-      <p:pic>
-        <p:nvPicPr>
-          <p:cNvPr id="18" name="Picture 17" descr="A picture containing drawing&#10;&#10;Description automatically generated">
-            <a:extLst>
-              <a:ext uri="{FF2B5EF4-FFF2-40B4-BE49-F238E27FC236}">
-                <a16:creationId xmlns:a16="http://schemas.microsoft.com/office/drawing/2014/main" id="{9E0E04F2-BFA4-4826-B379-2A35F0F237F0}"/>
-              </a:ext>
-            </a:extLst>
-          </p:cNvPr>
-          <p:cNvPicPr>
-            <a:picLocks noChangeAspect="1"/>
-          </p:cNvPicPr>
-          <p:nvPr/>
-        </p:nvPicPr>
-        <p:blipFill rotWithShape="1">
-          <a:blip r:embed="rId4" cstate="hqprint">
-            <a:extLst>
-              <a:ext uri="{28A0092B-C50C-407E-A947-70E740481C1C}">
-                <a14:useLocalDpi xmlns:a14="http://schemas.microsoft.com/office/drawing/2010/main" val="0"/>
-              </a:ext>
-            </a:extLst>
-          </a:blip>
-          <a:srcRect l="3957" t="18014" r="7599" b="16208"/>
-          <a:stretch/>
-        </p:blipFill>
-        <p:spPr>
-          <a:xfrm>
-            <a:off x="1742648" y="5198629"/>
-            <a:ext cx="1371600" cy="1020086"/>
-          </a:xfrm>
-          <a:prstGeom prst="rect">
-            <a:avLst/>
-          </a:prstGeom>
-        </p:spPr>
-      </p:pic>
-      <p:sp>
-        <p:nvSpPr>
-          <p:cNvPr id="19" name="Content Placeholder 2">
-            <a:extLst>
-              <a:ext uri="{FF2B5EF4-FFF2-40B4-BE49-F238E27FC236}">
-                <a16:creationId xmlns:a16="http://schemas.microsoft.com/office/drawing/2014/main" id="{691F9F4F-2C18-4963-A7C4-0D7A34BAA445}"/>
-              </a:ext>
-            </a:extLst>
-          </p:cNvPr>
-          <p:cNvSpPr>
-            <a:spLocks noGrp="1"/>
-          </p:cNvSpPr>
-          <p:nvPr>
-            <p:ph idx="1"/>
-          </p:nvPr>
-        </p:nvSpPr>
-        <p:spPr>
-          <a:xfrm>
-            <a:off x="3133269" y="5247499"/>
-            <a:ext cx="8075856" cy="922347"/>
-          </a:xfrm>
-        </p:spPr>
-        <p:txBody>
-          <a:bodyPr/>
-          <a:lstStyle/>
-          <a:p>
-            <a:pPr marL="0" indent="0">
-              <a:buNone/>
-            </a:pPr>
-            <a:r>
-              <a:rPr lang="en-US" dirty="0"/>
-              <a:t>It’s a slightly different way of looking at it, but we replicate the traditional contextual interference effect.</a:t>
-            </a:r>
-          </a:p>
-        </p:txBody>
-      </p:sp>
-      <p:sp>
-        <p:nvSpPr>
-          <p:cNvPr id="20" name="TextBox 19">
-            <a:extLst>
-              <a:ext uri="{FF2B5EF4-FFF2-40B4-BE49-F238E27FC236}">
-                <a16:creationId xmlns:a16="http://schemas.microsoft.com/office/drawing/2014/main" id="{64E694E8-2728-4753-B10A-B999C9F9AD80}"/>
-              </a:ext>
-            </a:extLst>
-          </p:cNvPr>
-          <p:cNvSpPr txBox="1"/>
-          <p:nvPr/>
-        </p:nvSpPr>
-        <p:spPr>
-          <a:xfrm>
-            <a:off x="1830834" y="6186180"/>
-            <a:ext cx="1662378" cy="276999"/>
-          </a:xfrm>
-          <a:prstGeom prst="rect">
-            <a:avLst/>
-          </a:prstGeom>
-          <a:noFill/>
-        </p:spPr>
-        <p:txBody>
-          <a:bodyPr wrap="none" rtlCol="0">
-            <a:spAutoFit/>
-          </a:bodyPr>
-          <a:lstStyle/>
-          <a:p>
-            <a:r>
-              <a:rPr lang="en-US" sz="1200" dirty="0"/>
-              <a:t>[Fall Out, </a:t>
-            </a:r>
-            <a:r>
-              <a:rPr lang="en-US" sz="1200" dirty="0" err="1"/>
-              <a:t>InterPlay</a:t>
-            </a:r>
-            <a:r>
-              <a:rPr lang="en-US" sz="1200" dirty="0"/>
-              <a:t> Ent.]</a:t>
-            </a:r>
-          </a:p>
-        </p:txBody>
-      </p:sp>
-      <p:sp>
-        <p:nvSpPr>
-          <p:cNvPr id="21" name="TextBox 20">
-            <a:extLst>
-              <a:ext uri="{FF2B5EF4-FFF2-40B4-BE49-F238E27FC236}">
-                <a16:creationId xmlns:a16="http://schemas.microsoft.com/office/drawing/2014/main" id="{221F5756-8BBC-4C0E-BD2E-DDEA4D4AA3C9}"/>
-              </a:ext>
-            </a:extLst>
-          </p:cNvPr>
-          <p:cNvSpPr txBox="1"/>
-          <p:nvPr/>
-        </p:nvSpPr>
-        <p:spPr>
-          <a:xfrm>
-            <a:off x="4579208" y="6488668"/>
-            <a:ext cx="3033586" cy="369332"/>
-          </a:xfrm>
-          <a:prstGeom prst="rect">
-            <a:avLst/>
-          </a:prstGeom>
-          <a:noFill/>
-        </p:spPr>
-        <p:txBody>
-          <a:bodyPr wrap="none" rtlCol="0">
-            <a:spAutoFit/>
-          </a:bodyPr>
-          <a:lstStyle/>
-          <a:p>
-            <a:pPr algn="ctr"/>
-            <a:r>
-              <a:rPr lang="en-US" dirty="0"/>
-              <a:t>[Thomas et al., </a:t>
-            </a:r>
-            <a:r>
-              <a:rPr lang="en-US" i="1" dirty="0"/>
-              <a:t>In Preparation</a:t>
-            </a:r>
-            <a:r>
-              <a:rPr lang="en-US" dirty="0"/>
-              <a:t>]</a:t>
-            </a:r>
-          </a:p>
-        </p:txBody>
-      </p:sp>
     </p:spTree>
     <p:extLst>
       <p:ext uri="{BB962C8B-B14F-4D97-AF65-F5344CB8AC3E}">
-        <p14:creationId xmlns:p14="http://schemas.microsoft.com/office/powerpoint/2010/main" val="1434026495"/>
+        <p14:creationId xmlns:p14="http://schemas.microsoft.com/office/powerpoint/2010/main" val="2058610584"/>
       </p:ext>
     </p:extLst>
   </p:cSld>
   <p:clrMapOvr>
     <a:masterClrMapping/>
   </p:clrMapOvr>
-  <p:timing>
-    <p:tnLst>
-      <p:par>
-        <p:cTn id="1" dur="indefinite" restart="never" nodeType="tmRoot"/>
-      </p:par>
-    </p:tnLst>
-  </p:timing>
 </p:sld>
 </file>
 
@@ -8317,18 +7836,18 @@
       </p:grpSpPr>
       <p:sp>
         <p:nvSpPr>
-          <p:cNvPr id="2" name="Title 1">
-            <a:extLst>
-              <a:ext uri="{FF2B5EF4-FFF2-40B4-BE49-F238E27FC236}">
-                <a16:creationId xmlns:a16="http://schemas.microsoft.com/office/drawing/2014/main" id="{AAF9B919-8317-40E7-8E95-F543CC9A586B}"/>
-              </a:ext>
-            </a:extLst>
-          </p:cNvPr>
-          <p:cNvSpPr>
-            <a:spLocks noGrp="1"/>
-          </p:cNvSpPr>
-          <p:nvPr>
-            <p:ph type="title"/>
+          <p:cNvPr id="2" name="Date Placeholder 1">
+            <a:extLst>
+              <a:ext uri="{FF2B5EF4-FFF2-40B4-BE49-F238E27FC236}">
+                <a16:creationId xmlns:a16="http://schemas.microsoft.com/office/drawing/2014/main" id="{1CDECBA7-9CB8-4838-990C-4ACD0C6ACFC8}"/>
+              </a:ext>
+            </a:extLst>
+          </p:cNvPr>
+          <p:cNvSpPr>
+            <a:spLocks noGrp="1"/>
+          </p:cNvSpPr>
+          <p:nvPr>
+            <p:ph type="dt" sz="half" idx="10"/>
           </p:nvPr>
         </p:nvSpPr>
         <p:spPr/>
@@ -8336,87 +7855,9 @@
           <a:bodyPr/>
           <a:lstStyle/>
           <a:p>
-            <a:r>
-              <a:rPr lang="en-US" dirty="0"/>
-              <a:t>A Two Group Longitudinal Study</a:t>
-            </a:r>
-          </a:p>
-        </p:txBody>
-      </p:sp>
-      <p:sp>
-        <p:nvSpPr>
-          <p:cNvPr id="3" name="Content Placeholder 2">
-            <a:extLst>
-              <a:ext uri="{FF2B5EF4-FFF2-40B4-BE49-F238E27FC236}">
-                <a16:creationId xmlns:a16="http://schemas.microsoft.com/office/drawing/2014/main" id="{A3F3BDCC-CEA5-4D8E-8FFB-D3786FA21D99}"/>
-              </a:ext>
-            </a:extLst>
-          </p:cNvPr>
-          <p:cNvSpPr>
-            <a:spLocks noGrp="1"/>
-          </p:cNvSpPr>
-          <p:nvPr>
-            <p:ph idx="1"/>
-          </p:nvPr>
-        </p:nvSpPr>
-        <p:spPr>
-          <a:xfrm>
-            <a:off x="6248400" y="1690688"/>
-            <a:ext cx="5105400" cy="4351338"/>
-          </a:xfrm>
-        </p:spPr>
-        <p:txBody>
-          <a:bodyPr/>
-          <a:lstStyle/>
-          <a:p>
-            <a:r>
-              <a:rPr lang="en-US" dirty="0"/>
-              <a:t>But learning </a:t>
-            </a:r>
-            <a:r>
-              <a:rPr lang="en-US"/>
-              <a:t>is a continuous </a:t>
-            </a:r>
-            <a:r>
-              <a:rPr lang="en-US" dirty="0"/>
-              <a:t>process that happens over time.</a:t>
-            </a:r>
-          </a:p>
-          <a:p>
-            <a:endParaRPr lang="en-US" dirty="0"/>
-          </a:p>
-          <a:p>
-            <a:r>
-              <a:rPr lang="en-US" dirty="0"/>
-              <a:t>In a more “classic” plot, we might average across trials and targets to look at average error in each block of practice.  </a:t>
-            </a:r>
-          </a:p>
-        </p:txBody>
-      </p:sp>
-      <p:sp>
-        <p:nvSpPr>
-          <p:cNvPr id="4" name="Date Placeholder 3">
-            <a:extLst>
-              <a:ext uri="{FF2B5EF4-FFF2-40B4-BE49-F238E27FC236}">
-                <a16:creationId xmlns:a16="http://schemas.microsoft.com/office/drawing/2014/main" id="{63740FF1-666B-4FFF-8B73-0D96A8B161D0}"/>
-              </a:ext>
-            </a:extLst>
-          </p:cNvPr>
-          <p:cNvSpPr>
-            <a:spLocks noGrp="1"/>
-          </p:cNvSpPr>
-          <p:nvPr>
-            <p:ph type="dt" sz="half" idx="10"/>
-          </p:nvPr>
-        </p:nvSpPr>
-        <p:spPr/>
-        <p:txBody>
-          <a:bodyPr/>
-          <a:lstStyle/>
-          <a:p>
-            <a:fld id="{5547C99B-7F2C-4E84-8128-EB3E64FAD082}" type="datetime1">
+            <a:fld id="{28CDC5B5-E9BF-4312-938F-57F5458B9411}" type="datetime1">
               <a:rPr lang="en-US" smtClean="0"/>
-              <a:t>10/7/2019</a:t>
+              <a:t>10/13/2019</a:t>
             </a:fld>
             <a:endParaRPr lang="en-US"/>
           </a:p>
@@ -8424,10 +7865,10 @@
       </p:sp>
       <p:sp>
         <p:nvSpPr>
-          <p:cNvPr id="5" name="Slide Number Placeholder 4">
-            <a:extLst>
-              <a:ext uri="{FF2B5EF4-FFF2-40B4-BE49-F238E27FC236}">
-                <a16:creationId xmlns:a16="http://schemas.microsoft.com/office/drawing/2014/main" id="{687F1204-8D35-4479-9290-6A053B0D6A10}"/>
+          <p:cNvPr id="3" name="Slide Number Placeholder 2">
+            <a:extLst>
+              <a:ext uri="{FF2B5EF4-FFF2-40B4-BE49-F238E27FC236}">
+                <a16:creationId xmlns:a16="http://schemas.microsoft.com/office/drawing/2014/main" id="{E847287D-9B0A-4964-BD06-8B705ED3ADCD}"/>
               </a:ext>
             </a:extLst>
           </p:cNvPr>
@@ -8446,1168 +7887,6 @@
             <a:fld id="{211FFFE4-4E4B-40A7-A942-4F1B7E93AB5C}" type="slidenum">
               <a:rPr lang="en-US" smtClean="0"/>
               <a:t>21</a:t>
-            </a:fld>
-            <a:endParaRPr lang="en-US"/>
-          </a:p>
-        </p:txBody>
-      </p:sp>
-      <p:pic>
-        <p:nvPicPr>
-          <p:cNvPr id="13" name="Picture 12" descr="A close up of a map&#10;&#10;Description automatically generated">
-            <a:extLst>
-              <a:ext uri="{FF2B5EF4-FFF2-40B4-BE49-F238E27FC236}">
-                <a16:creationId xmlns:a16="http://schemas.microsoft.com/office/drawing/2014/main" id="{E026FA50-3161-43A9-BB57-3CD14A281255}"/>
-              </a:ext>
-            </a:extLst>
-          </p:cNvPr>
-          <p:cNvPicPr>
-            <a:picLocks noChangeAspect="1"/>
-          </p:cNvPicPr>
-          <p:nvPr/>
-        </p:nvPicPr>
-        <p:blipFill>
-          <a:blip r:embed="rId2">
-            <a:extLst>
-              <a:ext uri="{28A0092B-C50C-407E-A947-70E740481C1C}">
-                <a14:useLocalDpi xmlns:a14="http://schemas.microsoft.com/office/drawing/2010/main" val="0"/>
-              </a:ext>
-            </a:extLst>
-          </a:blip>
-          <a:stretch>
-            <a:fillRect/>
-          </a:stretch>
-        </p:blipFill>
-        <p:spPr>
-          <a:xfrm>
-            <a:off x="838200" y="1413798"/>
-            <a:ext cx="4763165" cy="4763165"/>
-          </a:xfrm>
-          <a:prstGeom prst="rect">
-            <a:avLst/>
-          </a:prstGeom>
-        </p:spPr>
-      </p:pic>
-    </p:spTree>
-    <p:extLst>
-      <p:ext uri="{BB962C8B-B14F-4D97-AF65-F5344CB8AC3E}">
-        <p14:creationId xmlns:p14="http://schemas.microsoft.com/office/powerpoint/2010/main" val="1458454119"/>
-      </p:ext>
-    </p:extLst>
-  </p:cSld>
-  <p:clrMapOvr>
-    <a:masterClrMapping/>
-  </p:clrMapOvr>
-  <p:timing>
-    <p:tnLst>
-      <p:par>
-        <p:cTn id="1" dur="indefinite" restart="never" nodeType="tmRoot"/>
-      </p:par>
-    </p:tnLst>
-  </p:timing>
-</p:sld>
-</file>
-
-<file path=ppt/slides/slide22.xml><?xml version="1.0" encoding="utf-8"?>
-<p:sld xmlns:a="http://schemas.openxmlformats.org/drawingml/2006/main" xmlns:r="http://schemas.openxmlformats.org/officeDocument/2006/relationships" xmlns:p="http://schemas.openxmlformats.org/presentationml/2006/main">
-  <p:cSld>
-    <p:spTree>
-      <p:nvGrpSpPr>
-        <p:cNvPr id="1" name=""/>
-        <p:cNvGrpSpPr/>
-        <p:nvPr/>
-      </p:nvGrpSpPr>
-      <p:grpSpPr>
-        <a:xfrm>
-          <a:off x="0" y="0"/>
-          <a:ext cx="0" cy="0"/>
-          <a:chOff x="0" y="0"/>
-          <a:chExt cx="0" cy="0"/>
-        </a:xfrm>
-      </p:grpSpPr>
-      <p:sp>
-        <p:nvSpPr>
-          <p:cNvPr id="2" name="Title 1">
-            <a:extLst>
-              <a:ext uri="{FF2B5EF4-FFF2-40B4-BE49-F238E27FC236}">
-                <a16:creationId xmlns:a16="http://schemas.microsoft.com/office/drawing/2014/main" id="{AAF9B919-8317-40E7-8E95-F543CC9A586B}"/>
-              </a:ext>
-            </a:extLst>
-          </p:cNvPr>
-          <p:cNvSpPr>
-            <a:spLocks noGrp="1"/>
-          </p:cNvSpPr>
-          <p:nvPr>
-            <p:ph type="title"/>
-          </p:nvPr>
-        </p:nvSpPr>
-        <p:spPr/>
-        <p:txBody>
-          <a:bodyPr/>
-          <a:lstStyle/>
-          <a:p>
-            <a:r>
-              <a:rPr lang="en-US" dirty="0"/>
-              <a:t>A Two Group Longitudinal Study</a:t>
-            </a:r>
-          </a:p>
-        </p:txBody>
-      </p:sp>
-      <p:sp>
-        <p:nvSpPr>
-          <p:cNvPr id="3" name="Content Placeholder 2">
-            <a:extLst>
-              <a:ext uri="{FF2B5EF4-FFF2-40B4-BE49-F238E27FC236}">
-                <a16:creationId xmlns:a16="http://schemas.microsoft.com/office/drawing/2014/main" id="{A3F3BDCC-CEA5-4D8E-8FFB-D3786FA21D99}"/>
-              </a:ext>
-            </a:extLst>
-          </p:cNvPr>
-          <p:cNvSpPr>
-            <a:spLocks noGrp="1"/>
-          </p:cNvSpPr>
-          <p:nvPr>
-            <p:ph idx="1"/>
-          </p:nvPr>
-        </p:nvSpPr>
-        <p:spPr>
-          <a:xfrm>
-            <a:off x="838200" y="1690688"/>
-            <a:ext cx="5105400" cy="4351338"/>
-          </a:xfrm>
-        </p:spPr>
-        <p:txBody>
-          <a:bodyPr/>
-          <a:lstStyle/>
-          <a:p>
-            <a:r>
-              <a:rPr lang="en-US" dirty="0"/>
-              <a:t>What if I want to </a:t>
-            </a:r>
-            <a:r>
-              <a:rPr lang="en-US" b="1" u="sng" dirty="0"/>
-              <a:t>see all of the data</a:t>
-            </a:r>
-            <a:r>
-              <a:rPr lang="en-US" dirty="0"/>
-              <a:t>?</a:t>
-            </a:r>
-          </a:p>
-          <a:p>
-            <a:endParaRPr lang="en-US" dirty="0"/>
-          </a:p>
-          <a:p>
-            <a:r>
-              <a:rPr lang="en-US" dirty="0"/>
-              <a:t>It’s too much!</a:t>
-            </a:r>
-          </a:p>
-          <a:p>
-            <a:endParaRPr lang="en-US" dirty="0"/>
-          </a:p>
-          <a:p>
-            <a:r>
-              <a:rPr lang="en-US" dirty="0"/>
-              <a:t>We have so many acquisition trials that it makes identifying performance curves almost impossible.</a:t>
-            </a:r>
-          </a:p>
-        </p:txBody>
-      </p:sp>
-      <p:sp>
-        <p:nvSpPr>
-          <p:cNvPr id="4" name="Date Placeholder 3">
-            <a:extLst>
-              <a:ext uri="{FF2B5EF4-FFF2-40B4-BE49-F238E27FC236}">
-                <a16:creationId xmlns:a16="http://schemas.microsoft.com/office/drawing/2014/main" id="{63740FF1-666B-4FFF-8B73-0D96A8B161D0}"/>
-              </a:ext>
-            </a:extLst>
-          </p:cNvPr>
-          <p:cNvSpPr>
-            <a:spLocks noGrp="1"/>
-          </p:cNvSpPr>
-          <p:nvPr>
-            <p:ph type="dt" sz="half" idx="10"/>
-          </p:nvPr>
-        </p:nvSpPr>
-        <p:spPr/>
-        <p:txBody>
-          <a:bodyPr/>
-          <a:lstStyle/>
-          <a:p>
-            <a:fld id="{5547C99B-7F2C-4E84-8128-EB3E64FAD082}" type="datetime1">
-              <a:rPr lang="en-US" smtClean="0"/>
-              <a:t>10/7/2019</a:t>
-            </a:fld>
-            <a:endParaRPr lang="en-US"/>
-          </a:p>
-        </p:txBody>
-      </p:sp>
-      <p:sp>
-        <p:nvSpPr>
-          <p:cNvPr id="5" name="Slide Number Placeholder 4">
-            <a:extLst>
-              <a:ext uri="{FF2B5EF4-FFF2-40B4-BE49-F238E27FC236}">
-                <a16:creationId xmlns:a16="http://schemas.microsoft.com/office/drawing/2014/main" id="{687F1204-8D35-4479-9290-6A053B0D6A10}"/>
-              </a:ext>
-            </a:extLst>
-          </p:cNvPr>
-          <p:cNvSpPr>
-            <a:spLocks noGrp="1"/>
-          </p:cNvSpPr>
-          <p:nvPr>
-            <p:ph type="sldNum" sz="quarter" idx="12"/>
-          </p:nvPr>
-        </p:nvSpPr>
-        <p:spPr/>
-        <p:txBody>
-          <a:bodyPr/>
-          <a:lstStyle/>
-          <a:p>
-            <a:fld id="{211FFFE4-4E4B-40A7-A942-4F1B7E93AB5C}" type="slidenum">
-              <a:rPr lang="en-US" smtClean="0"/>
-              <a:t>22</a:t>
-            </a:fld>
-            <a:endParaRPr lang="en-US"/>
-          </a:p>
-        </p:txBody>
-      </p:sp>
-      <p:pic>
-        <p:nvPicPr>
-          <p:cNvPr id="11" name="Picture 10" descr="A screenshot of a cell phone&#10;&#10;Description automatically generated">
-            <a:extLst>
-              <a:ext uri="{FF2B5EF4-FFF2-40B4-BE49-F238E27FC236}">
-                <a16:creationId xmlns:a16="http://schemas.microsoft.com/office/drawing/2014/main" id="{81418B3C-6B18-4EF3-B0DC-6018F879931E}"/>
-              </a:ext>
-            </a:extLst>
-          </p:cNvPr>
-          <p:cNvPicPr>
-            <a:picLocks noChangeAspect="1"/>
-          </p:cNvPicPr>
-          <p:nvPr/>
-        </p:nvPicPr>
-        <p:blipFill>
-          <a:blip r:embed="rId2">
-            <a:extLst>
-              <a:ext uri="{28A0092B-C50C-407E-A947-70E740481C1C}">
-                <a14:useLocalDpi xmlns:a14="http://schemas.microsoft.com/office/drawing/2010/main" val="0"/>
-              </a:ext>
-            </a:extLst>
-          </a:blip>
-          <a:stretch>
-            <a:fillRect/>
-          </a:stretch>
-        </p:blipFill>
-        <p:spPr>
-          <a:xfrm>
-            <a:off x="6540500" y="1372784"/>
-            <a:ext cx="4937760" cy="4987145"/>
-          </a:xfrm>
-          <a:prstGeom prst="rect">
-            <a:avLst/>
-          </a:prstGeom>
-        </p:spPr>
-      </p:pic>
-    </p:spTree>
-    <p:extLst>
-      <p:ext uri="{BB962C8B-B14F-4D97-AF65-F5344CB8AC3E}">
-        <p14:creationId xmlns:p14="http://schemas.microsoft.com/office/powerpoint/2010/main" val="2789599039"/>
-      </p:ext>
-    </p:extLst>
-  </p:cSld>
-  <p:clrMapOvr>
-    <a:masterClrMapping/>
-  </p:clrMapOvr>
-  <p:timing>
-    <p:tnLst>
-      <p:par>
-        <p:cTn id="1" dur="indefinite" restart="never" nodeType="tmRoot"/>
-      </p:par>
-    </p:tnLst>
-  </p:timing>
-</p:sld>
-</file>
-
-<file path=ppt/slides/slide23.xml><?xml version="1.0" encoding="utf-8"?>
-<p:sld xmlns:a="http://schemas.openxmlformats.org/drawingml/2006/main" xmlns:r="http://schemas.openxmlformats.org/officeDocument/2006/relationships" xmlns:p="http://schemas.openxmlformats.org/presentationml/2006/main">
-  <p:cSld>
-    <p:spTree>
-      <p:nvGrpSpPr>
-        <p:cNvPr id="1" name=""/>
-        <p:cNvGrpSpPr/>
-        <p:nvPr/>
-      </p:nvGrpSpPr>
-      <p:grpSpPr>
-        <a:xfrm>
-          <a:off x="0" y="0"/>
-          <a:ext cx="0" cy="0"/>
-          <a:chOff x="0" y="0"/>
-          <a:chExt cx="0" cy="0"/>
-        </a:xfrm>
-      </p:grpSpPr>
-      <p:sp>
-        <p:nvSpPr>
-          <p:cNvPr id="2" name="Title 1">
-            <a:extLst>
-              <a:ext uri="{FF2B5EF4-FFF2-40B4-BE49-F238E27FC236}">
-                <a16:creationId xmlns:a16="http://schemas.microsoft.com/office/drawing/2014/main" id="{AAF9B919-8317-40E7-8E95-F543CC9A586B}"/>
-              </a:ext>
-            </a:extLst>
-          </p:cNvPr>
-          <p:cNvSpPr>
-            <a:spLocks noGrp="1"/>
-          </p:cNvSpPr>
-          <p:nvPr>
-            <p:ph type="title"/>
-          </p:nvPr>
-        </p:nvSpPr>
-        <p:spPr/>
-        <p:txBody>
-          <a:bodyPr/>
-          <a:lstStyle/>
-          <a:p>
-            <a:r>
-              <a:rPr lang="en-US" dirty="0"/>
-              <a:t>A Two Group Longitudinal Study</a:t>
-            </a:r>
-          </a:p>
-        </p:txBody>
-      </p:sp>
-      <p:sp>
-        <p:nvSpPr>
-          <p:cNvPr id="3" name="Content Placeholder 2">
-            <a:extLst>
-              <a:ext uri="{FF2B5EF4-FFF2-40B4-BE49-F238E27FC236}">
-                <a16:creationId xmlns:a16="http://schemas.microsoft.com/office/drawing/2014/main" id="{A3F3BDCC-CEA5-4D8E-8FFB-D3786FA21D99}"/>
-              </a:ext>
-            </a:extLst>
-          </p:cNvPr>
-          <p:cNvSpPr>
-            <a:spLocks noGrp="1"/>
-          </p:cNvSpPr>
-          <p:nvPr>
-            <p:ph idx="1"/>
-          </p:nvPr>
-        </p:nvSpPr>
-        <p:spPr>
-          <a:xfrm>
-            <a:off x="288374" y="1692276"/>
-            <a:ext cx="3610525" cy="4351338"/>
-          </a:xfrm>
-        </p:spPr>
-        <p:txBody>
-          <a:bodyPr>
-            <a:normAutofit/>
-          </a:bodyPr>
-          <a:lstStyle/>
-          <a:p>
-            <a:r>
-              <a:rPr lang="en-US" sz="2400" dirty="0"/>
-              <a:t>Again though, by playing with aesthetic features such as spacing, transparency, and line type, we can make the overall pattern much more interpretable.</a:t>
-            </a:r>
-          </a:p>
-        </p:txBody>
-      </p:sp>
-      <p:sp>
-        <p:nvSpPr>
-          <p:cNvPr id="4" name="Date Placeholder 3">
-            <a:extLst>
-              <a:ext uri="{FF2B5EF4-FFF2-40B4-BE49-F238E27FC236}">
-                <a16:creationId xmlns:a16="http://schemas.microsoft.com/office/drawing/2014/main" id="{63740FF1-666B-4FFF-8B73-0D96A8B161D0}"/>
-              </a:ext>
-            </a:extLst>
-          </p:cNvPr>
-          <p:cNvSpPr>
-            <a:spLocks noGrp="1"/>
-          </p:cNvSpPr>
-          <p:nvPr>
-            <p:ph type="dt" sz="half" idx="10"/>
-          </p:nvPr>
-        </p:nvSpPr>
-        <p:spPr/>
-        <p:txBody>
-          <a:bodyPr/>
-          <a:lstStyle/>
-          <a:p>
-            <a:fld id="{5547C99B-7F2C-4E84-8128-EB3E64FAD082}" type="datetime1">
-              <a:rPr lang="en-US" smtClean="0"/>
-              <a:t>10/7/2019</a:t>
-            </a:fld>
-            <a:endParaRPr lang="en-US"/>
-          </a:p>
-        </p:txBody>
-      </p:sp>
-      <p:sp>
-        <p:nvSpPr>
-          <p:cNvPr id="5" name="Slide Number Placeholder 4">
-            <a:extLst>
-              <a:ext uri="{FF2B5EF4-FFF2-40B4-BE49-F238E27FC236}">
-                <a16:creationId xmlns:a16="http://schemas.microsoft.com/office/drawing/2014/main" id="{687F1204-8D35-4479-9290-6A053B0D6A10}"/>
-              </a:ext>
-            </a:extLst>
-          </p:cNvPr>
-          <p:cNvSpPr>
-            <a:spLocks noGrp="1"/>
-          </p:cNvSpPr>
-          <p:nvPr>
-            <p:ph type="sldNum" sz="quarter" idx="12"/>
-          </p:nvPr>
-        </p:nvSpPr>
-        <p:spPr/>
-        <p:txBody>
-          <a:bodyPr/>
-          <a:lstStyle/>
-          <a:p>
-            <a:fld id="{211FFFE4-4E4B-40A7-A942-4F1B7E93AB5C}" type="slidenum">
-              <a:rPr lang="en-US" smtClean="0"/>
-              <a:t>23</a:t>
-            </a:fld>
-            <a:endParaRPr lang="en-US"/>
-          </a:p>
-        </p:txBody>
-      </p:sp>
-      <p:pic>
-        <p:nvPicPr>
-          <p:cNvPr id="9" name="Picture 8" descr="A picture containing white, room, standing&#10;&#10;Description automatically generated">
-            <a:extLst>
-              <a:ext uri="{FF2B5EF4-FFF2-40B4-BE49-F238E27FC236}">
-                <a16:creationId xmlns:a16="http://schemas.microsoft.com/office/drawing/2014/main" id="{A07BA934-D514-42D1-8BD7-40951CA2E8C1}"/>
-              </a:ext>
-            </a:extLst>
-          </p:cNvPr>
-          <p:cNvPicPr>
-            <a:picLocks noChangeAspect="1"/>
-          </p:cNvPicPr>
-          <p:nvPr/>
-        </p:nvPicPr>
-        <p:blipFill>
-          <a:blip r:embed="rId2">
-            <a:extLst>
-              <a:ext uri="{28A0092B-C50C-407E-A947-70E740481C1C}">
-                <a14:useLocalDpi xmlns:a14="http://schemas.microsoft.com/office/drawing/2010/main" val="0"/>
-              </a:ext>
-            </a:extLst>
-          </a:blip>
-          <a:stretch>
-            <a:fillRect/>
-          </a:stretch>
-        </p:blipFill>
-        <p:spPr>
-          <a:xfrm>
-            <a:off x="3996773" y="1687737"/>
-            <a:ext cx="7906853" cy="4763165"/>
-          </a:xfrm>
-          <a:prstGeom prst="rect">
-            <a:avLst/>
-          </a:prstGeom>
-        </p:spPr>
-      </p:pic>
-    </p:spTree>
-    <p:extLst>
-      <p:ext uri="{BB962C8B-B14F-4D97-AF65-F5344CB8AC3E}">
-        <p14:creationId xmlns:p14="http://schemas.microsoft.com/office/powerpoint/2010/main" val="190327361"/>
-      </p:ext>
-    </p:extLst>
-  </p:cSld>
-  <p:clrMapOvr>
-    <a:masterClrMapping/>
-  </p:clrMapOvr>
-  <p:timing>
-    <p:tnLst>
-      <p:par>
-        <p:cTn id="1" dur="indefinite" restart="never" nodeType="tmRoot"/>
-      </p:par>
-    </p:tnLst>
-  </p:timing>
-</p:sld>
-</file>
-
-<file path=ppt/slides/slide24.xml><?xml version="1.0" encoding="utf-8"?>
-<p:sld xmlns:a="http://schemas.openxmlformats.org/drawingml/2006/main" xmlns:r="http://schemas.openxmlformats.org/officeDocument/2006/relationships" xmlns:p="http://schemas.openxmlformats.org/presentationml/2006/main">
-  <p:cSld>
-    <p:spTree>
-      <p:nvGrpSpPr>
-        <p:cNvPr id="1" name=""/>
-        <p:cNvGrpSpPr/>
-        <p:nvPr/>
-      </p:nvGrpSpPr>
-      <p:grpSpPr>
-        <a:xfrm>
-          <a:off x="0" y="0"/>
-          <a:ext cx="0" cy="0"/>
-          <a:chOff x="0" y="0"/>
-          <a:chExt cx="0" cy="0"/>
-        </a:xfrm>
-      </p:grpSpPr>
-      <p:sp>
-        <p:nvSpPr>
-          <p:cNvPr id="2" name="Title 1">
-            <a:extLst>
-              <a:ext uri="{FF2B5EF4-FFF2-40B4-BE49-F238E27FC236}">
-                <a16:creationId xmlns:a16="http://schemas.microsoft.com/office/drawing/2014/main" id="{AAF9B919-8317-40E7-8E95-F543CC9A586B}"/>
-              </a:ext>
-            </a:extLst>
-          </p:cNvPr>
-          <p:cNvSpPr>
-            <a:spLocks noGrp="1"/>
-          </p:cNvSpPr>
-          <p:nvPr>
-            <p:ph type="title"/>
-          </p:nvPr>
-        </p:nvSpPr>
-        <p:spPr/>
-        <p:txBody>
-          <a:bodyPr/>
-          <a:lstStyle/>
-          <a:p>
-            <a:r>
-              <a:rPr lang="en-US" dirty="0"/>
-              <a:t>A Two Group Longitudinal Study</a:t>
-            </a:r>
-          </a:p>
-        </p:txBody>
-      </p:sp>
-      <p:sp>
-        <p:nvSpPr>
-          <p:cNvPr id="3" name="Content Placeholder 2">
-            <a:extLst>
-              <a:ext uri="{FF2B5EF4-FFF2-40B4-BE49-F238E27FC236}">
-                <a16:creationId xmlns:a16="http://schemas.microsoft.com/office/drawing/2014/main" id="{A3F3BDCC-CEA5-4D8E-8FFB-D3786FA21D99}"/>
-              </a:ext>
-            </a:extLst>
-          </p:cNvPr>
-          <p:cNvSpPr>
-            <a:spLocks noGrp="1"/>
-          </p:cNvSpPr>
-          <p:nvPr>
-            <p:ph idx="1"/>
-          </p:nvPr>
-        </p:nvSpPr>
-        <p:spPr>
-          <a:xfrm>
-            <a:off x="288374" y="1692276"/>
-            <a:ext cx="3610525" cy="4351338"/>
-          </a:xfrm>
-        </p:spPr>
-        <p:txBody>
-          <a:bodyPr/>
-          <a:lstStyle/>
-          <a:p>
-            <a:r>
-              <a:rPr lang="en-US" dirty="0"/>
-              <a:t>Alternatively, with a little bit of aggregating, we might be able to find a happier “middle ground”. </a:t>
-            </a:r>
-          </a:p>
-        </p:txBody>
-      </p:sp>
-      <p:sp>
-        <p:nvSpPr>
-          <p:cNvPr id="4" name="Date Placeholder 3">
-            <a:extLst>
-              <a:ext uri="{FF2B5EF4-FFF2-40B4-BE49-F238E27FC236}">
-                <a16:creationId xmlns:a16="http://schemas.microsoft.com/office/drawing/2014/main" id="{63740FF1-666B-4FFF-8B73-0D96A8B161D0}"/>
-              </a:ext>
-            </a:extLst>
-          </p:cNvPr>
-          <p:cNvSpPr>
-            <a:spLocks noGrp="1"/>
-          </p:cNvSpPr>
-          <p:nvPr>
-            <p:ph type="dt" sz="half" idx="10"/>
-          </p:nvPr>
-        </p:nvSpPr>
-        <p:spPr/>
-        <p:txBody>
-          <a:bodyPr/>
-          <a:lstStyle/>
-          <a:p>
-            <a:fld id="{5547C99B-7F2C-4E84-8128-EB3E64FAD082}" type="datetime1">
-              <a:rPr lang="en-US" smtClean="0"/>
-              <a:t>10/7/2019</a:t>
-            </a:fld>
-            <a:endParaRPr lang="en-US"/>
-          </a:p>
-        </p:txBody>
-      </p:sp>
-      <p:sp>
-        <p:nvSpPr>
-          <p:cNvPr id="5" name="Slide Number Placeholder 4">
-            <a:extLst>
-              <a:ext uri="{FF2B5EF4-FFF2-40B4-BE49-F238E27FC236}">
-                <a16:creationId xmlns:a16="http://schemas.microsoft.com/office/drawing/2014/main" id="{687F1204-8D35-4479-9290-6A053B0D6A10}"/>
-              </a:ext>
-            </a:extLst>
-          </p:cNvPr>
-          <p:cNvSpPr>
-            <a:spLocks noGrp="1"/>
-          </p:cNvSpPr>
-          <p:nvPr>
-            <p:ph type="sldNum" sz="quarter" idx="12"/>
-          </p:nvPr>
-        </p:nvSpPr>
-        <p:spPr/>
-        <p:txBody>
-          <a:bodyPr/>
-          <a:lstStyle/>
-          <a:p>
-            <a:fld id="{211FFFE4-4E4B-40A7-A942-4F1B7E93AB5C}" type="slidenum">
-              <a:rPr lang="en-US" smtClean="0"/>
-              <a:t>24</a:t>
-            </a:fld>
-            <a:endParaRPr lang="en-US"/>
-          </a:p>
-        </p:txBody>
-      </p:sp>
-      <p:pic>
-        <p:nvPicPr>
-          <p:cNvPr id="8" name="Picture 7" descr="A picture containing desk, table, white, computer&#10;&#10;Description automatically generated">
-            <a:extLst>
-              <a:ext uri="{FF2B5EF4-FFF2-40B4-BE49-F238E27FC236}">
-                <a16:creationId xmlns:a16="http://schemas.microsoft.com/office/drawing/2014/main" id="{920AB5EA-2DC1-4CA0-8DE5-491F6FF8F9FC}"/>
-              </a:ext>
-            </a:extLst>
-          </p:cNvPr>
-          <p:cNvPicPr>
-            <a:picLocks noChangeAspect="1"/>
-          </p:cNvPicPr>
-          <p:nvPr/>
-        </p:nvPicPr>
-        <p:blipFill>
-          <a:blip r:embed="rId2">
-            <a:extLst>
-              <a:ext uri="{28A0092B-C50C-407E-A947-70E740481C1C}">
-                <a14:useLocalDpi xmlns:a14="http://schemas.microsoft.com/office/drawing/2010/main" val="0"/>
-              </a:ext>
-            </a:extLst>
-          </a:blip>
-          <a:stretch>
-            <a:fillRect/>
-          </a:stretch>
-        </p:blipFill>
-        <p:spPr>
-          <a:xfrm>
-            <a:off x="3898899" y="1486362"/>
-            <a:ext cx="7906853" cy="4763165"/>
-          </a:xfrm>
-          <a:prstGeom prst="rect">
-            <a:avLst/>
-          </a:prstGeom>
-        </p:spPr>
-      </p:pic>
-    </p:spTree>
-    <p:extLst>
-      <p:ext uri="{BB962C8B-B14F-4D97-AF65-F5344CB8AC3E}">
-        <p14:creationId xmlns:p14="http://schemas.microsoft.com/office/powerpoint/2010/main" val="2058610584"/>
-      </p:ext>
-    </p:extLst>
-  </p:cSld>
-  <p:clrMapOvr>
-    <a:masterClrMapping/>
-  </p:clrMapOvr>
-  <p:timing>
-    <p:tnLst>
-      <p:par>
-        <p:cTn id="1" dur="indefinite" restart="never" nodeType="tmRoot"/>
-      </p:par>
-    </p:tnLst>
-  </p:timing>
-</p:sld>
-</file>
-
-<file path=ppt/slides/slide25.xml><?xml version="1.0" encoding="utf-8"?>
-<p:sld xmlns:a="http://schemas.openxmlformats.org/drawingml/2006/main" xmlns:r="http://schemas.openxmlformats.org/officeDocument/2006/relationships" xmlns:p="http://schemas.openxmlformats.org/presentationml/2006/main">
-  <p:cSld>
-    <p:spTree>
-      <p:nvGrpSpPr>
-        <p:cNvPr id="1" name=""/>
-        <p:cNvGrpSpPr/>
-        <p:nvPr/>
-      </p:nvGrpSpPr>
-      <p:grpSpPr>
-        <a:xfrm>
-          <a:off x="0" y="0"/>
-          <a:ext cx="0" cy="0"/>
-          <a:chOff x="0" y="0"/>
-          <a:chExt cx="0" cy="0"/>
-        </a:xfrm>
-      </p:grpSpPr>
-      <p:sp>
-        <p:nvSpPr>
-          <p:cNvPr id="2" name="Date Placeholder 1">
-            <a:extLst>
-              <a:ext uri="{FF2B5EF4-FFF2-40B4-BE49-F238E27FC236}">
-                <a16:creationId xmlns:a16="http://schemas.microsoft.com/office/drawing/2014/main" id="{1CDECBA7-9CB8-4838-990C-4ACD0C6ACFC8}"/>
-              </a:ext>
-            </a:extLst>
-          </p:cNvPr>
-          <p:cNvSpPr>
-            <a:spLocks noGrp="1"/>
-          </p:cNvSpPr>
-          <p:nvPr>
-            <p:ph type="dt" sz="half" idx="10"/>
-          </p:nvPr>
-        </p:nvSpPr>
-        <p:spPr/>
-        <p:txBody>
-          <a:bodyPr/>
-          <a:lstStyle/>
-          <a:p>
-            <a:fld id="{28CDC5B5-E9BF-4312-938F-57F5458B9411}" type="datetime1">
-              <a:rPr lang="en-US" smtClean="0"/>
-              <a:t>10/7/2019</a:t>
-            </a:fld>
-            <a:endParaRPr lang="en-US"/>
-          </a:p>
-        </p:txBody>
-      </p:sp>
-      <p:sp>
-        <p:nvSpPr>
-          <p:cNvPr id="3" name="Slide Number Placeholder 2">
-            <a:extLst>
-              <a:ext uri="{FF2B5EF4-FFF2-40B4-BE49-F238E27FC236}">
-                <a16:creationId xmlns:a16="http://schemas.microsoft.com/office/drawing/2014/main" id="{E847287D-9B0A-4964-BD06-8B705ED3ADCD}"/>
-              </a:ext>
-            </a:extLst>
-          </p:cNvPr>
-          <p:cNvSpPr>
-            <a:spLocks noGrp="1"/>
-          </p:cNvSpPr>
-          <p:nvPr>
-            <p:ph type="sldNum" sz="quarter" idx="12"/>
-          </p:nvPr>
-        </p:nvSpPr>
-        <p:spPr/>
-        <p:txBody>
-          <a:bodyPr/>
-          <a:lstStyle/>
-          <a:p>
-            <a:fld id="{211FFFE4-4E4B-40A7-A942-4F1B7E93AB5C}" type="slidenum">
-              <a:rPr lang="en-US" smtClean="0"/>
-              <a:t>25</a:t>
-            </a:fld>
-            <a:endParaRPr lang="en-US"/>
-          </a:p>
-        </p:txBody>
-      </p:sp>
-      <p:sp>
-        <p:nvSpPr>
-          <p:cNvPr id="4" name="Rectangle 3">
-            <a:extLst>
-              <a:ext uri="{FF2B5EF4-FFF2-40B4-BE49-F238E27FC236}">
-                <a16:creationId xmlns:a16="http://schemas.microsoft.com/office/drawing/2014/main" id="{37069D5E-55B2-4E49-87D4-DA49FCD28F2D}"/>
-              </a:ext>
-            </a:extLst>
-          </p:cNvPr>
-          <p:cNvSpPr/>
-          <p:nvPr/>
-        </p:nvSpPr>
-        <p:spPr>
-          <a:xfrm>
-            <a:off x="0" y="0"/>
-            <a:ext cx="12192000" cy="6858000"/>
-          </a:xfrm>
-          <a:prstGeom prst="rect">
-            <a:avLst/>
-          </a:prstGeom>
-          <a:solidFill>
-            <a:srgbClr val="B4484B"/>
-          </a:solidFill>
-          <a:ln>
-            <a:solidFill>
-              <a:srgbClr val="BF5356"/>
-            </a:solidFill>
-          </a:ln>
-        </p:spPr>
-        <p:style>
-          <a:lnRef idx="2">
-            <a:schemeClr val="accent1">
-              <a:shade val="50000"/>
-            </a:schemeClr>
-          </a:lnRef>
-          <a:fillRef idx="1">
-            <a:schemeClr val="accent1"/>
-          </a:fillRef>
-          <a:effectRef idx="0">
-            <a:schemeClr val="accent1"/>
-          </a:effectRef>
-          <a:fontRef idx="minor">
-            <a:schemeClr val="lt1"/>
-          </a:fontRef>
-        </p:style>
-        <p:txBody>
-          <a:bodyPr rtlCol="0" anchor="ctr"/>
-          <a:lstStyle/>
-          <a:p>
-            <a:pPr algn="ctr"/>
-            <a:endParaRPr lang="en-US" dirty="0"/>
-          </a:p>
-        </p:txBody>
-      </p:sp>
-      <p:sp>
-        <p:nvSpPr>
-          <p:cNvPr id="5" name="TextBox 4">
-            <a:extLst>
-              <a:ext uri="{FF2B5EF4-FFF2-40B4-BE49-F238E27FC236}">
-                <a16:creationId xmlns:a16="http://schemas.microsoft.com/office/drawing/2014/main" id="{B230FB65-7683-482A-9BA6-BA748F6A230A}"/>
-              </a:ext>
-            </a:extLst>
-          </p:cNvPr>
-          <p:cNvSpPr txBox="1"/>
-          <p:nvPr/>
-        </p:nvSpPr>
-        <p:spPr>
-          <a:xfrm>
-            <a:off x="690000" y="1803400"/>
-            <a:ext cx="10828900" cy="769441"/>
-          </a:xfrm>
-          <a:prstGeom prst="rect">
-            <a:avLst/>
-          </a:prstGeom>
-          <a:noFill/>
-        </p:spPr>
-        <p:txBody>
-          <a:bodyPr wrap="square" rtlCol="0">
-            <a:spAutoFit/>
-          </a:bodyPr>
-          <a:lstStyle/>
-          <a:p>
-            <a:pPr algn="ctr"/>
-            <a:r>
-              <a:rPr lang="en-US" sz="4400" b="1" dirty="0">
-                <a:solidFill>
-                  <a:schemeClr val="bg1"/>
-                </a:solidFill>
-                <a:latin typeface="Arial" panose="020B0604020202020204" pitchFamily="34" charset="0"/>
-                <a:cs typeface="Arial" panose="020B0604020202020204" pitchFamily="34" charset="0"/>
-              </a:rPr>
-              <a:t>Conclusions</a:t>
-            </a:r>
-          </a:p>
-        </p:txBody>
-      </p:sp>
-      <p:cxnSp>
-        <p:nvCxnSpPr>
-          <p:cNvPr id="7" name="Straight Connector 6">
-            <a:extLst>
-              <a:ext uri="{FF2B5EF4-FFF2-40B4-BE49-F238E27FC236}">
-                <a16:creationId xmlns:a16="http://schemas.microsoft.com/office/drawing/2014/main" id="{0FE0E20F-7D5D-49DB-B60F-2018E15E48FE}"/>
-              </a:ext>
-            </a:extLst>
-          </p:cNvPr>
-          <p:cNvCxnSpPr/>
-          <p:nvPr/>
-        </p:nvCxnSpPr>
-        <p:spPr>
-          <a:xfrm>
-            <a:off x="647700" y="2565400"/>
-            <a:ext cx="10871200" cy="0"/>
-          </a:xfrm>
-          <a:prstGeom prst="line">
-            <a:avLst/>
-          </a:prstGeom>
-          <a:ln w="12700">
-            <a:solidFill>
-              <a:schemeClr val="bg1"/>
-            </a:solidFill>
-          </a:ln>
-        </p:spPr>
-        <p:style>
-          <a:lnRef idx="1">
-            <a:schemeClr val="accent1"/>
-          </a:lnRef>
-          <a:fillRef idx="0">
-            <a:schemeClr val="accent1"/>
-          </a:fillRef>
-          <a:effectRef idx="0">
-            <a:schemeClr val="accent1"/>
-          </a:effectRef>
-          <a:fontRef idx="minor">
-            <a:schemeClr val="tx1"/>
-          </a:fontRef>
-        </p:style>
-      </p:cxnSp>
-      <p:pic>
-        <p:nvPicPr>
-          <p:cNvPr id="9" name="Picture 8" descr="A picture containing bird&#10;&#10;Description automatically generated">
-            <a:extLst>
-              <a:ext uri="{FF2B5EF4-FFF2-40B4-BE49-F238E27FC236}">
-                <a16:creationId xmlns:a16="http://schemas.microsoft.com/office/drawing/2014/main" id="{778AB890-92BB-4F53-98D0-FFF038D0DAF0}"/>
-              </a:ext>
-            </a:extLst>
-          </p:cNvPr>
-          <p:cNvPicPr>
-            <a:picLocks noChangeAspect="1"/>
-          </p:cNvPicPr>
-          <p:nvPr/>
-        </p:nvPicPr>
-        <p:blipFill>
-          <a:blip r:embed="rId2">
-            <a:extLst>
-              <a:ext uri="{28A0092B-C50C-407E-A947-70E740481C1C}">
-                <a14:useLocalDpi xmlns:a14="http://schemas.microsoft.com/office/drawing/2010/main" val="0"/>
-              </a:ext>
-            </a:extLst>
-          </a:blip>
-          <a:stretch>
-            <a:fillRect/>
-          </a:stretch>
-        </p:blipFill>
-        <p:spPr>
-          <a:xfrm>
-            <a:off x="4724400" y="2565400"/>
-            <a:ext cx="2743200" cy="914400"/>
-          </a:xfrm>
-          <a:prstGeom prst="rect">
-            <a:avLst/>
-          </a:prstGeom>
-        </p:spPr>
-      </p:pic>
-    </p:spTree>
-    <p:extLst>
-      <p:ext uri="{BB962C8B-B14F-4D97-AF65-F5344CB8AC3E}">
-        <p14:creationId xmlns:p14="http://schemas.microsoft.com/office/powerpoint/2010/main" val="3630244464"/>
-      </p:ext>
-    </p:extLst>
-  </p:cSld>
-  <p:clrMapOvr>
-    <a:masterClrMapping/>
-  </p:clrMapOvr>
-  <p:timing>
-    <p:tnLst>
-      <p:par>
-        <p:cTn id="1" dur="indefinite" restart="never" nodeType="tmRoot"/>
-      </p:par>
-    </p:tnLst>
-  </p:timing>
-</p:sld>
-</file>
-
-<file path=ppt/slides/slide26.xml><?xml version="1.0" encoding="utf-8"?>
-<p:sld xmlns:a="http://schemas.openxmlformats.org/drawingml/2006/main" xmlns:r="http://schemas.openxmlformats.org/officeDocument/2006/relationships" xmlns:p="http://schemas.openxmlformats.org/presentationml/2006/main">
-  <p:cSld>
-    <p:spTree>
-      <p:nvGrpSpPr>
-        <p:cNvPr id="1" name=""/>
-        <p:cNvGrpSpPr/>
-        <p:nvPr/>
-      </p:nvGrpSpPr>
-      <p:grpSpPr>
-        <a:xfrm>
-          <a:off x="0" y="0"/>
-          <a:ext cx="0" cy="0"/>
-          <a:chOff x="0" y="0"/>
-          <a:chExt cx="0" cy="0"/>
-        </a:xfrm>
-      </p:grpSpPr>
-      <p:sp>
-        <p:nvSpPr>
-          <p:cNvPr id="2" name="Title 1">
-            <a:extLst>
-              <a:ext uri="{FF2B5EF4-FFF2-40B4-BE49-F238E27FC236}">
-                <a16:creationId xmlns:a16="http://schemas.microsoft.com/office/drawing/2014/main" id="{A9DEA2F6-3243-4CA3-902E-FBA07C1B3705}"/>
-              </a:ext>
-            </a:extLst>
-          </p:cNvPr>
-          <p:cNvSpPr>
-            <a:spLocks noGrp="1"/>
-          </p:cNvSpPr>
-          <p:nvPr>
-            <p:ph type="title"/>
-          </p:nvPr>
-        </p:nvSpPr>
-        <p:spPr/>
-        <p:txBody>
-          <a:bodyPr/>
-          <a:lstStyle/>
-          <a:p>
-            <a:r>
-              <a:rPr lang="en-US" dirty="0"/>
-              <a:t>Conclusions</a:t>
-            </a:r>
-          </a:p>
-        </p:txBody>
-      </p:sp>
-      <p:sp>
-        <p:nvSpPr>
-          <p:cNvPr id="3" name="Content Placeholder 2">
-            <a:extLst>
-              <a:ext uri="{FF2B5EF4-FFF2-40B4-BE49-F238E27FC236}">
-                <a16:creationId xmlns:a16="http://schemas.microsoft.com/office/drawing/2014/main" id="{329D3068-055A-43F3-AB93-A0016F868F17}"/>
-              </a:ext>
-            </a:extLst>
-          </p:cNvPr>
-          <p:cNvSpPr>
-            <a:spLocks noGrp="1"/>
-          </p:cNvSpPr>
-          <p:nvPr>
-            <p:ph idx="1"/>
-          </p:nvPr>
-        </p:nvSpPr>
-        <p:spPr/>
-        <p:txBody>
-          <a:bodyPr>
-            <a:normAutofit/>
-          </a:bodyPr>
-          <a:lstStyle/>
-          <a:p>
-            <a:r>
-              <a:rPr lang="en-US" dirty="0"/>
-              <a:t>Something </a:t>
-            </a:r>
-            <a:r>
-              <a:rPr lang="en-US" dirty="0" err="1"/>
-              <a:t>something</a:t>
-            </a:r>
-            <a:r>
-              <a:rPr lang="en-US" dirty="0"/>
-              <a:t> </a:t>
-            </a:r>
-            <a:r>
-              <a:rPr lang="en-US" dirty="0" err="1"/>
-              <a:t>something</a:t>
-            </a:r>
-            <a:endParaRPr lang="en-US" dirty="0"/>
-          </a:p>
-        </p:txBody>
-      </p:sp>
-      <p:sp>
-        <p:nvSpPr>
-          <p:cNvPr id="4" name="Date Placeholder 3">
-            <a:extLst>
-              <a:ext uri="{FF2B5EF4-FFF2-40B4-BE49-F238E27FC236}">
-                <a16:creationId xmlns:a16="http://schemas.microsoft.com/office/drawing/2014/main" id="{42127CF6-65E9-45F3-ABE1-E2CDE3FDA012}"/>
-              </a:ext>
-            </a:extLst>
-          </p:cNvPr>
-          <p:cNvSpPr>
-            <a:spLocks noGrp="1"/>
-          </p:cNvSpPr>
-          <p:nvPr>
-            <p:ph type="dt" sz="half" idx="10"/>
-          </p:nvPr>
-        </p:nvSpPr>
-        <p:spPr/>
-        <p:txBody>
-          <a:bodyPr/>
-          <a:lstStyle/>
-          <a:p>
-            <a:fld id="{5547C99B-7F2C-4E84-8128-EB3E64FAD082}" type="datetime1">
-              <a:rPr lang="en-US" smtClean="0"/>
-              <a:t>10/7/2019</a:t>
-            </a:fld>
-            <a:endParaRPr lang="en-US"/>
-          </a:p>
-        </p:txBody>
-      </p:sp>
-      <p:sp>
-        <p:nvSpPr>
-          <p:cNvPr id="5" name="Slide Number Placeholder 4">
-            <a:extLst>
-              <a:ext uri="{FF2B5EF4-FFF2-40B4-BE49-F238E27FC236}">
-                <a16:creationId xmlns:a16="http://schemas.microsoft.com/office/drawing/2014/main" id="{DD42EB19-3835-48D9-8C76-C249FDAECE91}"/>
-              </a:ext>
-            </a:extLst>
-          </p:cNvPr>
-          <p:cNvSpPr>
-            <a:spLocks noGrp="1"/>
-          </p:cNvSpPr>
-          <p:nvPr>
-            <p:ph type="sldNum" sz="quarter" idx="12"/>
-          </p:nvPr>
-        </p:nvSpPr>
-        <p:spPr/>
-        <p:txBody>
-          <a:bodyPr/>
-          <a:lstStyle/>
-          <a:p>
-            <a:fld id="{211FFFE4-4E4B-40A7-A942-4F1B7E93AB5C}" type="slidenum">
-              <a:rPr lang="en-US" smtClean="0"/>
-              <a:t>26</a:t>
-            </a:fld>
-            <a:endParaRPr lang="en-US"/>
-          </a:p>
-        </p:txBody>
-      </p:sp>
-    </p:spTree>
-    <p:extLst>
-      <p:ext uri="{BB962C8B-B14F-4D97-AF65-F5344CB8AC3E}">
-        <p14:creationId xmlns:p14="http://schemas.microsoft.com/office/powerpoint/2010/main" val="3125102834"/>
-      </p:ext>
-    </p:extLst>
-  </p:cSld>
-  <p:clrMapOvr>
-    <a:masterClrMapping/>
-  </p:clrMapOvr>
-</p:sld>
-</file>
-
-<file path=ppt/slides/slide27.xml><?xml version="1.0" encoding="utf-8"?>
-<p:sld xmlns:a="http://schemas.openxmlformats.org/drawingml/2006/main" xmlns:r="http://schemas.openxmlformats.org/officeDocument/2006/relationships" xmlns:p="http://schemas.openxmlformats.org/presentationml/2006/main">
-  <p:cSld>
-    <p:spTree>
-      <p:nvGrpSpPr>
-        <p:cNvPr id="1" name=""/>
-        <p:cNvGrpSpPr/>
-        <p:nvPr/>
-      </p:nvGrpSpPr>
-      <p:grpSpPr>
-        <a:xfrm>
-          <a:off x="0" y="0"/>
-          <a:ext cx="0" cy="0"/>
-          <a:chOff x="0" y="0"/>
-          <a:chExt cx="0" cy="0"/>
-        </a:xfrm>
-      </p:grpSpPr>
-      <p:sp>
-        <p:nvSpPr>
-          <p:cNvPr id="2" name="Date Placeholder 1">
-            <a:extLst>
-              <a:ext uri="{FF2B5EF4-FFF2-40B4-BE49-F238E27FC236}">
-                <a16:creationId xmlns:a16="http://schemas.microsoft.com/office/drawing/2014/main" id="{1CDECBA7-9CB8-4838-990C-4ACD0C6ACFC8}"/>
-              </a:ext>
-            </a:extLst>
-          </p:cNvPr>
-          <p:cNvSpPr>
-            <a:spLocks noGrp="1"/>
-          </p:cNvSpPr>
-          <p:nvPr>
-            <p:ph type="dt" sz="half" idx="10"/>
-          </p:nvPr>
-        </p:nvSpPr>
-        <p:spPr/>
-        <p:txBody>
-          <a:bodyPr/>
-          <a:lstStyle/>
-          <a:p>
-            <a:fld id="{28CDC5B5-E9BF-4312-938F-57F5458B9411}" type="datetime1">
-              <a:rPr lang="en-US" smtClean="0"/>
-              <a:t>10/7/2019</a:t>
-            </a:fld>
-            <a:endParaRPr lang="en-US"/>
-          </a:p>
-        </p:txBody>
-      </p:sp>
-      <p:sp>
-        <p:nvSpPr>
-          <p:cNvPr id="3" name="Slide Number Placeholder 2">
-            <a:extLst>
-              <a:ext uri="{FF2B5EF4-FFF2-40B4-BE49-F238E27FC236}">
-                <a16:creationId xmlns:a16="http://schemas.microsoft.com/office/drawing/2014/main" id="{E847287D-9B0A-4964-BD06-8B705ED3ADCD}"/>
-              </a:ext>
-            </a:extLst>
-          </p:cNvPr>
-          <p:cNvSpPr>
-            <a:spLocks noGrp="1"/>
-          </p:cNvSpPr>
-          <p:nvPr>
-            <p:ph type="sldNum" sz="quarter" idx="12"/>
-          </p:nvPr>
-        </p:nvSpPr>
-        <p:spPr/>
-        <p:txBody>
-          <a:bodyPr/>
-          <a:lstStyle/>
-          <a:p>
-            <a:fld id="{211FFFE4-4E4B-40A7-A942-4F1B7E93AB5C}" type="slidenum">
-              <a:rPr lang="en-US" smtClean="0"/>
-              <a:t>27</a:t>
             </a:fld>
             <a:endParaRPr lang="en-US"/>
           </a:p>
@@ -10221,7 +8500,7 @@
                   <a14:useLocalDpi xmlns:a14="http://schemas.microsoft.com/office/drawing/2010/main" val="0"/>
                 </a:ext>
                 <a:ext uri="{96DAC541-7B7A-43D3-8B79-37D633B846F1}">
-                  <asvg:svgBlip xmlns:asvg="http://schemas.microsoft.com/office/drawing/2016/SVG/main" xmlns="" r:embed="rId6"/>
+                  <asvg:svgBlip xmlns:asvg="http://schemas.microsoft.com/office/drawing/2016/SVG/main" r:embed="rId5"/>
                 </a:ext>
               </a:extLst>
             </a:blip>
@@ -10494,7 +8773,7 @@
           <p:nvPr/>
         </p:nvPicPr>
         <p:blipFill>
-          <a:blip r:embed="rId7">
+          <a:blip r:embed="rId6">
             <a:extLst>
               <a:ext uri="{28A0092B-C50C-407E-A947-70E740481C1C}">
                 <a14:useLocalDpi xmlns:a14="http://schemas.microsoft.com/office/drawing/2010/main" val="0"/>
@@ -10525,13 +8804,6 @@
   <p:clrMapOvr>
     <a:masterClrMapping/>
   </p:clrMapOvr>
-  <p:timing>
-    <p:tnLst>
-      <p:par>
-        <p:cTn id="1" dur="indefinite" restart="never" nodeType="tmRoot"/>
-      </p:par>
-    </p:tnLst>
-  </p:timing>
 </p:sld>
 </file>
 
@@ -10575,7 +8847,7 @@
           <a:p>
             <a:fld id="{28CDC5B5-E9BF-4312-938F-57F5458B9411}" type="datetime1">
               <a:rPr lang="en-US" smtClean="0"/>
-              <a:t>10/7/2019</a:t>
+              <a:t>10/13/2019</a:t>
             </a:fld>
             <a:endParaRPr lang="en-US"/>
           </a:p>
@@ -10793,13 +9065,6 @@
   <p:clrMapOvr>
     <a:masterClrMapping/>
   </p:clrMapOvr>
-  <p:timing>
-    <p:tnLst>
-      <p:par>
-        <p:cTn id="1" dur="indefinite" restart="never" nodeType="tmRoot"/>
-      </p:par>
-    </p:tnLst>
-  </p:timing>
 </p:sld>
 </file>
 
@@ -10943,7 +9208,7 @@
           <a:p>
             <a:fld id="{5547C99B-7F2C-4E84-8128-EB3E64FAD082}" type="datetime1">
               <a:rPr lang="en-US" smtClean="0"/>
-              <a:t>10/7/2019</a:t>
+              <a:t>10/13/2019</a:t>
             </a:fld>
             <a:endParaRPr lang="en-US"/>
           </a:p>
@@ -10988,13 +9253,6 @@
   <p:clrMapOvr>
     <a:masterClrMapping/>
   </p:clrMapOvr>
-  <p:timing>
-    <p:tnLst>
-      <p:par>
-        <p:cTn id="1" dur="indefinite" restart="never" nodeType="tmRoot"/>
-      </p:par>
-    </p:tnLst>
-  </p:timing>
 </p:sld>
 </file>
 
@@ -11066,7 +9324,7 @@
           <a:p>
             <a:fld id="{5547C99B-7F2C-4E84-8128-EB3E64FAD082}" type="datetime1">
               <a:rPr lang="en-US" smtClean="0"/>
-              <a:t>10/7/2019</a:t>
+              <a:t>10/13/2019</a:t>
             </a:fld>
             <a:endParaRPr lang="en-US"/>
           </a:p>
@@ -11256,13 +9514,6 @@
   <p:clrMapOvr>
     <a:masterClrMapping/>
   </p:clrMapOvr>
-  <p:timing>
-    <p:tnLst>
-      <p:par>
-        <p:cTn id="1" dur="indefinite" restart="never" nodeType="tmRoot"/>
-      </p:par>
-    </p:tnLst>
-  </p:timing>
 </p:sld>
 </file>
 
@@ -11288,7 +9539,7 @@
           <p:cNvPr id="2" name="Title 1">
             <a:extLst>
               <a:ext uri="{FF2B5EF4-FFF2-40B4-BE49-F238E27FC236}">
-                <a16:creationId xmlns:a16="http://schemas.microsoft.com/office/drawing/2014/main" id="{7B2327E0-2802-46AA-A0CC-882039255C05}"/>
+                <a16:creationId xmlns:a16="http://schemas.microsoft.com/office/drawing/2014/main" id="{6F494744-60F2-4E7B-8B85-71001F5CAF66}"/>
               </a:ext>
             </a:extLst>
           </p:cNvPr>
@@ -11306,17 +9557,123 @@
           <a:p>
             <a:r>
               <a:rPr lang="en-US" dirty="0"/>
-              <a:t>How do I make a good data visualization?</a:t>
-            </a:r>
-          </a:p>
-        </p:txBody>
-      </p:sp>
-      <p:sp>
-        <p:nvSpPr>
-          <p:cNvPr id="3" name="Date Placeholder 2">
-            <a:extLst>
-              <a:ext uri="{FF2B5EF4-FFF2-40B4-BE49-F238E27FC236}">
-                <a16:creationId xmlns:a16="http://schemas.microsoft.com/office/drawing/2014/main" id="{E641AE35-5F60-448E-A2AF-5D0C29710663}"/>
+              <a:t>IMO, Good Visualizations Should…</a:t>
+            </a:r>
+          </a:p>
+        </p:txBody>
+      </p:sp>
+      <p:sp>
+        <p:nvSpPr>
+          <p:cNvPr id="3" name="Content Placeholder 2">
+            <a:extLst>
+              <a:ext uri="{FF2B5EF4-FFF2-40B4-BE49-F238E27FC236}">
+                <a16:creationId xmlns:a16="http://schemas.microsoft.com/office/drawing/2014/main" id="{E5417E30-A833-47AD-A367-9E8AADAFF458}"/>
+              </a:ext>
+            </a:extLst>
+          </p:cNvPr>
+          <p:cNvSpPr>
+            <a:spLocks noGrp="1"/>
+          </p:cNvSpPr>
+          <p:nvPr>
+            <p:ph idx="1"/>
+          </p:nvPr>
+        </p:nvSpPr>
+        <p:spPr>
+          <a:xfrm>
+            <a:off x="838200" y="1825625"/>
+            <a:ext cx="10515600" cy="4077399"/>
+          </a:xfrm>
+        </p:spPr>
+        <p:txBody>
+          <a:bodyPr>
+            <a:normAutofit fontScale="85000" lnSpcReduction="20000"/>
+          </a:bodyPr>
+          <a:lstStyle/>
+          <a:p>
+            <a:pPr marL="514350" indent="-514350">
+              <a:buFont typeface="+mj-lt"/>
+              <a:buAutoNum type="arabicPeriod"/>
+            </a:pPr>
+            <a:r>
+              <a:rPr lang="en-US" b="1" dirty="0"/>
+              <a:t>Put your data on the table.</a:t>
+            </a:r>
+            <a:r>
+              <a:rPr lang="en-US" dirty="0"/>
+              <a:t> Show “person-level” data and “group-level” statistics to paint the complete picture. </a:t>
+            </a:r>
+          </a:p>
+          <a:p>
+            <a:pPr marL="514350" indent="-514350">
+              <a:buFont typeface="+mj-lt"/>
+              <a:buAutoNum type="arabicPeriod"/>
+            </a:pPr>
+            <a:endParaRPr lang="en-US" dirty="0"/>
+          </a:p>
+          <a:p>
+            <a:pPr marL="514350" indent="-514350">
+              <a:buFont typeface="+mj-lt"/>
+              <a:buAutoNum type="arabicPeriod"/>
+            </a:pPr>
+            <a:r>
+              <a:rPr lang="en-US" b="1" dirty="0"/>
+              <a:t>Reduce unnecessary complexity</a:t>
+            </a:r>
+            <a:r>
+              <a:rPr lang="en-US" dirty="0"/>
+              <a:t>. The question motivating a visualization should be clear, as should the answer. </a:t>
+            </a:r>
+          </a:p>
+          <a:p>
+            <a:pPr marL="514350" indent="-514350">
+              <a:buFont typeface="+mj-lt"/>
+              <a:buAutoNum type="arabicPeriod"/>
+            </a:pPr>
+            <a:endParaRPr lang="en-US" dirty="0"/>
+          </a:p>
+          <a:p>
+            <a:pPr marL="514350" indent="-514350">
+              <a:buFont typeface="+mj-lt"/>
+              <a:buAutoNum type="arabicPeriod"/>
+            </a:pPr>
+            <a:r>
+              <a:rPr lang="en-US" b="1" dirty="0"/>
+              <a:t>Have correspondence to your analysis</a:t>
+            </a:r>
+            <a:r>
+              <a:rPr lang="en-US" dirty="0"/>
+              <a:t>. I can “see” your result without understanding the finer points of your analysis. The inferential statistics are just there to “back it up”.  </a:t>
+            </a:r>
+          </a:p>
+          <a:p>
+            <a:pPr marL="514350" indent="-514350">
+              <a:buFont typeface="+mj-lt"/>
+              <a:buAutoNum type="arabicPeriod"/>
+            </a:pPr>
+            <a:endParaRPr lang="en-US" dirty="0"/>
+          </a:p>
+          <a:p>
+            <a:pPr marL="514350" indent="-514350">
+              <a:buFont typeface="+mj-lt"/>
+              <a:buAutoNum type="arabicPeriod"/>
+            </a:pPr>
+            <a:r>
+              <a:rPr lang="en-US" b="1" dirty="0"/>
+              <a:t>Accept uncertainty.</a:t>
+            </a:r>
+            <a:r>
+              <a:rPr lang="en-US" dirty="0"/>
+              <a:t> The data should speak for itself and visualizations should accurately reflect the data above all else.</a:t>
+            </a:r>
+          </a:p>
+        </p:txBody>
+      </p:sp>
+      <p:sp>
+        <p:nvSpPr>
+          <p:cNvPr id="4" name="Date Placeholder 3">
+            <a:extLst>
+              <a:ext uri="{FF2B5EF4-FFF2-40B4-BE49-F238E27FC236}">
+                <a16:creationId xmlns:a16="http://schemas.microsoft.com/office/drawing/2014/main" id="{B1966366-988B-47B1-A2D8-3A0204126FC6}"/>
               </a:ext>
             </a:extLst>
           </p:cNvPr>
@@ -11332,9 +9689,9 @@
           <a:bodyPr/>
           <a:lstStyle/>
           <a:p>
-            <a:fld id="{D3920365-48B9-4CE9-9604-727AE8FB1773}" type="datetime1">
+            <a:fld id="{5547C99B-7F2C-4E84-8128-EB3E64FAD082}" type="datetime1">
               <a:rPr lang="en-US" smtClean="0"/>
-              <a:t>10/7/2019</a:t>
+              <a:t>10/13/2019</a:t>
             </a:fld>
             <a:endParaRPr lang="en-US"/>
           </a:p>
@@ -11342,10 +9699,10 @@
       </p:sp>
       <p:sp>
         <p:nvSpPr>
-          <p:cNvPr id="4" name="Slide Number Placeholder 3">
-            <a:extLst>
-              <a:ext uri="{FF2B5EF4-FFF2-40B4-BE49-F238E27FC236}">
-                <a16:creationId xmlns:a16="http://schemas.microsoft.com/office/drawing/2014/main" id="{1F3A9444-4535-4E16-A13D-2D7769F93E14}"/>
+          <p:cNvPr id="5" name="Slide Number Placeholder 4">
+            <a:extLst>
+              <a:ext uri="{FF2B5EF4-FFF2-40B4-BE49-F238E27FC236}">
+                <a16:creationId xmlns:a16="http://schemas.microsoft.com/office/drawing/2014/main" id="{4CE3FF2B-0B98-4BDF-BD99-7F646130EE2A}"/>
               </a:ext>
             </a:extLst>
           </p:cNvPr>
@@ -11369,278 +9726,46 @@
           </a:p>
         </p:txBody>
       </p:sp>
-      <p:pic>
-        <p:nvPicPr>
-          <p:cNvPr id="6" name="Picture 5" descr="A close up of a map&#10;&#10;Description automatically generated">
-            <a:extLst>
-              <a:ext uri="{FF2B5EF4-FFF2-40B4-BE49-F238E27FC236}">
-                <a16:creationId xmlns:a16="http://schemas.microsoft.com/office/drawing/2014/main" id="{EC324F75-B193-400F-B748-8A62EDCF530A}"/>
-              </a:ext>
-            </a:extLst>
-          </p:cNvPr>
-          <p:cNvPicPr>
-            <a:picLocks noChangeAspect="1"/>
-          </p:cNvPicPr>
+      <p:sp>
+        <p:nvSpPr>
+          <p:cNvPr id="6" name="TextBox 5">
+            <a:extLst>
+              <a:ext uri="{FF2B5EF4-FFF2-40B4-BE49-F238E27FC236}">
+                <a16:creationId xmlns:a16="http://schemas.microsoft.com/office/drawing/2014/main" id="{EC813999-7E51-46FD-A359-8C63411C2D7C}"/>
+              </a:ext>
+            </a:extLst>
+          </p:cNvPr>
+          <p:cNvSpPr txBox="1"/>
           <p:nvPr/>
-        </p:nvPicPr>
-        <p:blipFill>
-          <a:blip r:embed="rId2">
-            <a:extLst>
-              <a:ext uri="{28A0092B-C50C-407E-A947-70E740481C1C}">
-                <a14:useLocalDpi xmlns:a14="http://schemas.microsoft.com/office/drawing/2010/main" val="0"/>
-              </a:ext>
-            </a:extLst>
-          </a:blip>
-          <a:stretch>
-            <a:fillRect/>
-          </a:stretch>
-        </p:blipFill>
+        </p:nvSpPr>
         <p:spPr>
           <a:xfrm>
-            <a:off x="365030" y="1429609"/>
-            <a:ext cx="5748923" cy="3474720"/>
+            <a:off x="3905671" y="5992297"/>
+            <a:ext cx="7448129" cy="369332"/>
           </a:xfrm>
           <a:prstGeom prst="rect">
             <a:avLst/>
           </a:prstGeom>
-        </p:spPr>
-      </p:pic>
-      <p:pic>
-        <p:nvPicPr>
-          <p:cNvPr id="8" name="Picture 7" descr="A close up of a map&#10;&#10;Description automatically generated">
-            <a:extLst>
-              <a:ext uri="{FF2B5EF4-FFF2-40B4-BE49-F238E27FC236}">
-                <a16:creationId xmlns:a16="http://schemas.microsoft.com/office/drawing/2014/main" id="{E7914EF9-8F19-4D5D-B513-FBA488751512}"/>
-              </a:ext>
-            </a:extLst>
-          </p:cNvPr>
-          <p:cNvPicPr>
-            <a:picLocks noChangeAspect="1"/>
-          </p:cNvPicPr>
-          <p:nvPr/>
-        </p:nvPicPr>
-        <p:blipFill>
-          <a:blip r:embed="rId3" cstate="hqprint">
-            <a:extLst>
-              <a:ext uri="{28A0092B-C50C-407E-A947-70E740481C1C}">
-                <a14:useLocalDpi xmlns:a14="http://schemas.microsoft.com/office/drawing/2010/main" val="0"/>
-              </a:ext>
-            </a:extLst>
-          </a:blip>
-          <a:stretch>
-            <a:fillRect/>
-          </a:stretch>
-        </p:blipFill>
-        <p:spPr>
-          <a:xfrm>
-            <a:off x="6311029" y="1429610"/>
-            <a:ext cx="5529840" cy="3474720"/>
-          </a:xfrm>
-          <a:prstGeom prst="rect">
-            <a:avLst/>
-          </a:prstGeom>
-        </p:spPr>
-      </p:pic>
-      <p:sp>
-        <p:nvSpPr>
-          <p:cNvPr id="9" name="Content Placeholder 2">
-            <a:extLst>
-              <a:ext uri="{FF2B5EF4-FFF2-40B4-BE49-F238E27FC236}">
-                <a16:creationId xmlns:a16="http://schemas.microsoft.com/office/drawing/2014/main" id="{9F33D638-F4C1-4903-8BB0-19AE295B6CB5}"/>
-              </a:ext>
-            </a:extLst>
-          </p:cNvPr>
-          <p:cNvSpPr txBox="1">
-            <a:spLocks/>
-          </p:cNvSpPr>
-          <p:nvPr/>
-        </p:nvSpPr>
-        <p:spPr>
-          <a:xfrm>
-            <a:off x="365029" y="5098190"/>
-            <a:ext cx="11475839" cy="959710"/>
-          </a:xfrm>
-          <a:prstGeom prst="rect">
-            <a:avLst/>
-          </a:prstGeom>
-        </p:spPr>
-        <p:txBody>
-          <a:bodyPr/>
-          <a:lstStyle>
-            <a:lvl1pPr marL="228600" indent="-228600" algn="l" defTabSz="914400" rtl="0" eaLnBrk="1" latinLnBrk="0" hangingPunct="1">
-              <a:lnSpc>
-                <a:spcPct val="90000"/>
-              </a:lnSpc>
-              <a:spcBef>
-                <a:spcPts val="1000"/>
-              </a:spcBef>
-              <a:buFont typeface="Arial" panose="020B0604020202020204" pitchFamily="34" charset="0"/>
-              <a:buChar char="•"/>
-              <a:defRPr sz="2800" kern="1200">
-                <a:solidFill>
-                  <a:schemeClr val="tx1"/>
-                </a:solidFill>
-                <a:latin typeface="+mn-lt"/>
-                <a:ea typeface="+mn-ea"/>
-                <a:cs typeface="+mn-cs"/>
-              </a:defRPr>
-            </a:lvl1pPr>
-            <a:lvl2pPr marL="685800" indent="-228600" algn="l" defTabSz="914400" rtl="0" eaLnBrk="1" latinLnBrk="0" hangingPunct="1">
-              <a:lnSpc>
-                <a:spcPct val="90000"/>
-              </a:lnSpc>
-              <a:spcBef>
-                <a:spcPts val="500"/>
-              </a:spcBef>
-              <a:buFont typeface="Arial" panose="020B0604020202020204" pitchFamily="34" charset="0"/>
-              <a:buChar char="•"/>
-              <a:defRPr sz="2400" kern="1200">
-                <a:solidFill>
-                  <a:schemeClr val="tx1"/>
-                </a:solidFill>
-                <a:latin typeface="+mn-lt"/>
-                <a:ea typeface="+mn-ea"/>
-                <a:cs typeface="+mn-cs"/>
-              </a:defRPr>
-            </a:lvl2pPr>
-            <a:lvl3pPr marL="1143000" indent="-228600" algn="l" defTabSz="914400" rtl="0" eaLnBrk="1" latinLnBrk="0" hangingPunct="1">
-              <a:lnSpc>
-                <a:spcPct val="90000"/>
-              </a:lnSpc>
-              <a:spcBef>
-                <a:spcPts val="500"/>
-              </a:spcBef>
-              <a:buFont typeface="Arial" panose="020B0604020202020204" pitchFamily="34" charset="0"/>
-              <a:buChar char="•"/>
-              <a:defRPr sz="2000" kern="1200">
-                <a:solidFill>
-                  <a:schemeClr val="tx1"/>
-                </a:solidFill>
-                <a:latin typeface="+mn-lt"/>
-                <a:ea typeface="+mn-ea"/>
-                <a:cs typeface="+mn-cs"/>
-              </a:defRPr>
-            </a:lvl3pPr>
-            <a:lvl4pPr marL="1600200" indent="-228600" algn="l" defTabSz="914400" rtl="0" eaLnBrk="1" latinLnBrk="0" hangingPunct="1">
-              <a:lnSpc>
-                <a:spcPct val="90000"/>
-              </a:lnSpc>
-              <a:spcBef>
-                <a:spcPts val="500"/>
-              </a:spcBef>
-              <a:buFont typeface="Arial" panose="020B0604020202020204" pitchFamily="34" charset="0"/>
-              <a:buChar char="•"/>
-              <a:defRPr sz="1800" kern="1200">
-                <a:solidFill>
-                  <a:schemeClr val="tx1"/>
-                </a:solidFill>
-                <a:latin typeface="+mn-lt"/>
-                <a:ea typeface="+mn-ea"/>
-                <a:cs typeface="+mn-cs"/>
-              </a:defRPr>
-            </a:lvl4pPr>
-            <a:lvl5pPr marL="2057400" indent="-228600" algn="l" defTabSz="914400" rtl="0" eaLnBrk="1" latinLnBrk="0" hangingPunct="1">
-              <a:lnSpc>
-                <a:spcPct val="90000"/>
-              </a:lnSpc>
-              <a:spcBef>
-                <a:spcPts val="500"/>
-              </a:spcBef>
-              <a:buFont typeface="Arial" panose="020B0604020202020204" pitchFamily="34" charset="0"/>
-              <a:buChar char="•"/>
-              <a:defRPr sz="1800" kern="1200">
-                <a:solidFill>
-                  <a:schemeClr val="tx1"/>
-                </a:solidFill>
-                <a:latin typeface="+mn-lt"/>
-                <a:ea typeface="+mn-ea"/>
-                <a:cs typeface="+mn-cs"/>
-              </a:defRPr>
-            </a:lvl5pPr>
-            <a:lvl6pPr marL="2514600" indent="-228600" algn="l" defTabSz="914400" rtl="0" eaLnBrk="1" latinLnBrk="0" hangingPunct="1">
-              <a:lnSpc>
-                <a:spcPct val="90000"/>
-              </a:lnSpc>
-              <a:spcBef>
-                <a:spcPts val="500"/>
-              </a:spcBef>
-              <a:buFont typeface="Arial" panose="020B0604020202020204" pitchFamily="34" charset="0"/>
-              <a:buChar char="•"/>
-              <a:defRPr sz="1800" kern="1200">
-                <a:solidFill>
-                  <a:schemeClr val="tx1"/>
-                </a:solidFill>
-                <a:latin typeface="+mn-lt"/>
-                <a:ea typeface="+mn-ea"/>
-                <a:cs typeface="+mn-cs"/>
-              </a:defRPr>
-            </a:lvl6pPr>
-            <a:lvl7pPr marL="2971800" indent="-228600" algn="l" defTabSz="914400" rtl="0" eaLnBrk="1" latinLnBrk="0" hangingPunct="1">
-              <a:lnSpc>
-                <a:spcPct val="90000"/>
-              </a:lnSpc>
-              <a:spcBef>
-                <a:spcPts val="500"/>
-              </a:spcBef>
-              <a:buFont typeface="Arial" panose="020B0604020202020204" pitchFamily="34" charset="0"/>
-              <a:buChar char="•"/>
-              <a:defRPr sz="1800" kern="1200">
-                <a:solidFill>
-                  <a:schemeClr val="tx1"/>
-                </a:solidFill>
-                <a:latin typeface="+mn-lt"/>
-                <a:ea typeface="+mn-ea"/>
-                <a:cs typeface="+mn-cs"/>
-              </a:defRPr>
-            </a:lvl7pPr>
-            <a:lvl8pPr marL="3429000" indent="-228600" algn="l" defTabSz="914400" rtl="0" eaLnBrk="1" latinLnBrk="0" hangingPunct="1">
-              <a:lnSpc>
-                <a:spcPct val="90000"/>
-              </a:lnSpc>
-              <a:spcBef>
-                <a:spcPts val="500"/>
-              </a:spcBef>
-              <a:buFont typeface="Arial" panose="020B0604020202020204" pitchFamily="34" charset="0"/>
-              <a:buChar char="•"/>
-              <a:defRPr sz="1800" kern="1200">
-                <a:solidFill>
-                  <a:schemeClr val="tx1"/>
-                </a:solidFill>
-                <a:latin typeface="+mn-lt"/>
-                <a:ea typeface="+mn-ea"/>
-                <a:cs typeface="+mn-cs"/>
-              </a:defRPr>
-            </a:lvl8pPr>
-            <a:lvl9pPr marL="3886200" indent="-228600" algn="l" defTabSz="914400" rtl="0" eaLnBrk="1" latinLnBrk="0" hangingPunct="1">
-              <a:lnSpc>
-                <a:spcPct val="90000"/>
-              </a:lnSpc>
-              <a:spcBef>
-                <a:spcPts val="500"/>
-              </a:spcBef>
-              <a:buFont typeface="Arial" panose="020B0604020202020204" pitchFamily="34" charset="0"/>
-              <a:buChar char="•"/>
-              <a:defRPr sz="1800" kern="1200">
-                <a:solidFill>
-                  <a:schemeClr val="tx1"/>
-                </a:solidFill>
-                <a:latin typeface="+mn-lt"/>
-                <a:ea typeface="+mn-ea"/>
-                <a:cs typeface="+mn-cs"/>
-              </a:defRPr>
-            </a:lvl9pPr>
-          </a:lstStyle>
-          <a:p>
+          <a:noFill/>
+        </p:spPr>
+        <p:txBody>
+          <a:bodyPr wrap="none" rtlCol="0">
+            <a:spAutoFit/>
+          </a:bodyPr>
+          <a:lstStyle/>
+          <a:p>
+            <a:pPr algn="r"/>
             <a:r>
               <a:rPr lang="en-US" dirty="0"/>
-              <a:t>Could these famous data visualizations get published today?</a:t>
-            </a:r>
-          </a:p>
-          <a:p>
-            <a:pPr lvl="1"/>
+              <a:t>[But see Healy, 2018; Tufte, 2001; Tukey, 1980; Wickham &amp; </a:t>
+            </a:r>
+            <a:r>
+              <a:rPr lang="en-US" dirty="0" err="1"/>
+              <a:t>Grolemund</a:t>
+            </a:r>
             <a:r>
               <a:rPr lang="en-US" dirty="0"/>
-              <a:t>Conventions exist for a reason, but conventions aren’t all that’s out there. </a:t>
+              <a:t>, 2017]</a:t>
             </a:r>
           </a:p>
         </p:txBody>
@@ -11648,20 +9773,13 @@
     </p:spTree>
     <p:extLst>
       <p:ext uri="{BB962C8B-B14F-4D97-AF65-F5344CB8AC3E}">
-        <p14:creationId xmlns:p14="http://schemas.microsoft.com/office/powerpoint/2010/main" val="4067046063"/>
+        <p14:creationId xmlns:p14="http://schemas.microsoft.com/office/powerpoint/2010/main" val="105788018"/>
       </p:ext>
     </p:extLst>
   </p:cSld>
   <p:clrMapOvr>
     <a:masterClrMapping/>
   </p:clrMapOvr>
-  <p:timing>
-    <p:tnLst>
-      <p:par>
-        <p:cTn id="1" dur="indefinite" restart="never" nodeType="tmRoot"/>
-      </p:par>
-    </p:tnLst>
-  </p:timing>
 </p:sld>
 </file>
 
@@ -11682,138 +9800,12 @@
           <a:chExt cx="0" cy="0"/>
         </a:xfrm>
       </p:grpSpPr>
-      <p:grpSp>
-        <p:nvGrpSpPr>
-          <p:cNvPr id="12" name="Group 11">
-            <a:extLst>
-              <a:ext uri="{FF2B5EF4-FFF2-40B4-BE49-F238E27FC236}">
-                <a16:creationId xmlns:a16="http://schemas.microsoft.com/office/drawing/2014/main" id="{906D3280-1361-43C9-AAFF-4C50C2238052}"/>
-              </a:ext>
-            </a:extLst>
-          </p:cNvPr>
-          <p:cNvGrpSpPr/>
-          <p:nvPr/>
-        </p:nvGrpSpPr>
-        <p:grpSpPr>
-          <a:xfrm>
-            <a:off x="2927349" y="3191786"/>
-            <a:ext cx="1892300" cy="2963863"/>
-            <a:chOff x="1981200" y="3213100"/>
-            <a:chExt cx="1892300" cy="2963863"/>
-          </a:xfrm>
-        </p:grpSpPr>
-        <p:sp>
-          <p:nvSpPr>
-            <p:cNvPr id="10" name="Rectangle 9">
-              <a:extLst>
-                <a:ext uri="{FF2B5EF4-FFF2-40B4-BE49-F238E27FC236}">
-                  <a16:creationId xmlns:a16="http://schemas.microsoft.com/office/drawing/2014/main" id="{465E1431-FDDA-4754-9D96-2905AA1EA2E8}"/>
-                </a:ext>
-              </a:extLst>
-            </p:cNvPr>
-            <p:cNvSpPr/>
-            <p:nvPr/>
-          </p:nvSpPr>
-          <p:spPr>
-            <a:xfrm>
-              <a:off x="1981200" y="3213100"/>
-              <a:ext cx="1892300" cy="2963863"/>
-            </a:xfrm>
-            <a:prstGeom prst="rect">
-              <a:avLst/>
-            </a:prstGeom>
-            <a:solidFill>
-              <a:srgbClr val="B78651"/>
-            </a:solidFill>
-            <a:ln>
-              <a:solidFill>
-                <a:schemeClr val="tx1"/>
-              </a:solidFill>
-            </a:ln>
-          </p:spPr>
-          <p:style>
-            <a:lnRef idx="2">
-              <a:schemeClr val="accent1">
-                <a:shade val="50000"/>
-              </a:schemeClr>
-            </a:lnRef>
-            <a:fillRef idx="1">
-              <a:schemeClr val="accent1"/>
-            </a:fillRef>
-            <a:effectRef idx="0">
-              <a:schemeClr val="accent1"/>
-            </a:effectRef>
-            <a:fontRef idx="minor">
-              <a:schemeClr val="lt1"/>
-            </a:fontRef>
-          </p:style>
-          <p:txBody>
-            <a:bodyPr rtlCol="0" anchor="ctr"/>
-            <a:lstStyle/>
-            <a:p>
-              <a:pPr algn="ctr"/>
-              <a:endParaRPr lang="en-US"/>
-            </a:p>
-          </p:txBody>
-        </p:sp>
-        <p:sp>
-          <p:nvSpPr>
-            <p:cNvPr id="11" name="Oval 10">
-              <a:extLst>
-                <a:ext uri="{FF2B5EF4-FFF2-40B4-BE49-F238E27FC236}">
-                  <a16:creationId xmlns:a16="http://schemas.microsoft.com/office/drawing/2014/main" id="{7B45BF9E-2D42-4F5A-B13F-881D44A628F3}"/>
-                </a:ext>
-              </a:extLst>
-            </p:cNvPr>
-            <p:cNvSpPr/>
-            <p:nvPr/>
-          </p:nvSpPr>
-          <p:spPr>
-            <a:xfrm>
-              <a:off x="3581398" y="4684375"/>
-              <a:ext cx="182880" cy="182880"/>
-            </a:xfrm>
-            <a:prstGeom prst="ellipse">
-              <a:avLst/>
-            </a:prstGeom>
-            <a:ln>
-              <a:solidFill>
-                <a:schemeClr val="tx1"/>
-              </a:solidFill>
-            </a:ln>
-          </p:spPr>
-          <p:style>
-            <a:lnRef idx="2">
-              <a:schemeClr val="accent4">
-                <a:shade val="50000"/>
-              </a:schemeClr>
-            </a:lnRef>
-            <a:fillRef idx="1">
-              <a:schemeClr val="accent4"/>
-            </a:fillRef>
-            <a:effectRef idx="0">
-              <a:schemeClr val="accent4"/>
-            </a:effectRef>
-            <a:fontRef idx="minor">
-              <a:schemeClr val="lt1"/>
-            </a:fontRef>
-          </p:style>
-          <p:txBody>
-            <a:bodyPr rtlCol="0" anchor="ctr"/>
-            <a:lstStyle/>
-            <a:p>
-              <a:pPr algn="ctr"/>
-              <a:endParaRPr lang="en-US"/>
-            </a:p>
-          </p:txBody>
-        </p:sp>
-      </p:grpSp>
       <p:sp>
         <p:nvSpPr>
           <p:cNvPr id="2" name="Title 1">
             <a:extLst>
               <a:ext uri="{FF2B5EF4-FFF2-40B4-BE49-F238E27FC236}">
-                <a16:creationId xmlns:a16="http://schemas.microsoft.com/office/drawing/2014/main" id="{72247E59-2328-4222-B513-E2BEE644B64C}"/>
+                <a16:creationId xmlns:a16="http://schemas.microsoft.com/office/drawing/2014/main" id="{D6539CB7-F154-40FD-963D-0C3DB63AD2CF}"/>
               </a:ext>
             </a:extLst>
           </p:cNvPr>
@@ -11831,7 +9823,7 @@
           <a:p>
             <a:r>
               <a:rPr lang="en-US" dirty="0"/>
-              <a:t>Why do I keep saying data visualization?</a:t>
+              <a:t>Reproducible, code based graphics.</a:t>
             </a:r>
           </a:p>
         </p:txBody>
@@ -11841,7 +9833,7 @@
           <p:cNvPr id="3" name="Content Placeholder 2">
             <a:extLst>
               <a:ext uri="{FF2B5EF4-FFF2-40B4-BE49-F238E27FC236}">
-                <a16:creationId xmlns:a16="http://schemas.microsoft.com/office/drawing/2014/main" id="{5038734D-7BA1-4213-BC9F-433DD8FC7923}"/>
+                <a16:creationId xmlns:a16="http://schemas.microsoft.com/office/drawing/2014/main" id="{F6BA0B30-B6C3-4A7A-B3D2-DC4AEC78CA1F}"/>
               </a:ext>
             </a:extLst>
           </p:cNvPr>
@@ -11852,28 +9844,42 @@
             <p:ph idx="1"/>
           </p:nvPr>
         </p:nvSpPr>
-        <p:spPr/>
-        <p:txBody>
-          <a:bodyPr/>
+        <p:spPr>
+          <a:xfrm>
+            <a:off x="7772400" y="1576389"/>
+            <a:ext cx="4025900" cy="4036892"/>
+          </a:xfrm>
+        </p:spPr>
+        <p:txBody>
+          <a:bodyPr>
+            <a:normAutofit fontScale="92500"/>
+          </a:bodyPr>
           <a:lstStyle/>
           <a:p>
             <a:r>
               <a:rPr lang="en-US" dirty="0"/>
-              <a:t>What’s the difference between a ‘graphic’ and a ‘data visualization’?</a:t>
-            </a:r>
-          </a:p>
-          <a:p>
+              <a:t>Ultimately, any way you create your visuals is fine as long as your visuals are accurate and informative.</a:t>
+            </a:r>
+          </a:p>
+          <a:p>
+            <a:endParaRPr lang="en-US" dirty="0"/>
+          </a:p>
+          <a:p>
+            <a:r>
+              <a:rPr lang="en-US" b="1" u="sng" dirty="0"/>
+              <a:t>But</a:t>
+            </a:r>
             <a:r>
               <a:rPr lang="en-US" dirty="0"/>
-              <a:t>[</a:t>
-            </a:r>
-            <a:r>
-              <a:rPr lang="en-US" i="1" dirty="0"/>
-              <a:t>An analogy</a:t>
+              <a:t>, code-based approaches have a lot of advantages in terms of efficiency </a:t>
+            </a:r>
+            <a:r>
+              <a:rPr lang="en-US" b="1" u="sng" dirty="0"/>
+              <a:t>and</a:t>
             </a:r>
             <a:r>
               <a:rPr lang="en-US" dirty="0"/>
-              <a:t>] You come upon a door…</a:t>
+              <a:t> reproducibility.   </a:t>
             </a:r>
           </a:p>
         </p:txBody>
@@ -11883,7 +9889,7 @@
           <p:cNvPr id="4" name="Date Placeholder 3">
             <a:extLst>
               <a:ext uri="{FF2B5EF4-FFF2-40B4-BE49-F238E27FC236}">
-                <a16:creationId xmlns:a16="http://schemas.microsoft.com/office/drawing/2014/main" id="{2903C32C-8EBC-47F6-B6EA-768C188DFC07}"/>
+                <a16:creationId xmlns:a16="http://schemas.microsoft.com/office/drawing/2014/main" id="{56030F0E-7D70-4305-A501-E2387D45BEE2}"/>
               </a:ext>
             </a:extLst>
           </p:cNvPr>
@@ -11901,7 +9907,7 @@
           <a:p>
             <a:fld id="{5547C99B-7F2C-4E84-8128-EB3E64FAD082}" type="datetime1">
               <a:rPr lang="en-US" smtClean="0"/>
-              <a:t>10/7/2019</a:t>
+              <a:t>10/13/2019</a:t>
             </a:fld>
             <a:endParaRPr lang="en-US"/>
           </a:p>
@@ -11912,7 +9918,7 @@
           <p:cNvPr id="5" name="Slide Number Placeholder 4">
             <a:extLst>
               <a:ext uri="{FF2B5EF4-FFF2-40B4-BE49-F238E27FC236}">
-                <a16:creationId xmlns:a16="http://schemas.microsoft.com/office/drawing/2014/main" id="{E20D7276-F845-4717-860E-0A7D49BBF7D4}"/>
+                <a16:creationId xmlns:a16="http://schemas.microsoft.com/office/drawing/2014/main" id="{DB9751B1-D58C-4126-B51F-C40DBCA4D4CC}"/>
               </a:ext>
             </a:extLst>
           </p:cNvPr>
@@ -11938,10 +9944,10 @@
       </p:sp>
       <p:pic>
         <p:nvPicPr>
-          <p:cNvPr id="9" name="Picture 8" descr="A picture containing drawing&#10;&#10;Description automatically generated">
-            <a:extLst>
-              <a:ext uri="{FF2B5EF4-FFF2-40B4-BE49-F238E27FC236}">
-                <a16:creationId xmlns:a16="http://schemas.microsoft.com/office/drawing/2014/main" id="{25210AF9-8B82-40D6-8AA2-B91154E847D4}"/>
+          <p:cNvPr id="6" name="Picture 5">
+            <a:extLst>
+              <a:ext uri="{FF2B5EF4-FFF2-40B4-BE49-F238E27FC236}">
+                <a16:creationId xmlns:a16="http://schemas.microsoft.com/office/drawing/2014/main" id="{349A2C4E-FA85-41AC-8EE4-12A4BCB9E9F1}"/>
               </a:ext>
             </a:extLst>
           </p:cNvPr>
@@ -11951,44 +9957,66 @@
           <p:nvPr/>
         </p:nvPicPr>
         <p:blipFill>
-          <a:blip r:embed="rId2">
-            <a:extLst>
-              <a:ext uri="{28A0092B-C50C-407E-A947-70E740481C1C}">
-                <a14:useLocalDpi xmlns:a14="http://schemas.microsoft.com/office/drawing/2010/main" val="0"/>
-              </a:ext>
-            </a:extLst>
-          </a:blip>
+          <a:blip r:embed="rId2"/>
           <a:stretch>
             <a:fillRect/>
           </a:stretch>
         </p:blipFill>
         <p:spPr>
           <a:xfrm>
-            <a:off x="3416299" y="3407686"/>
-            <a:ext cx="914400" cy="914400"/>
+            <a:off x="292100" y="1576388"/>
+            <a:ext cx="7315200" cy="4036892"/>
           </a:xfrm>
           <a:prstGeom prst="rect">
             <a:avLst/>
           </a:prstGeom>
         </p:spPr>
       </p:pic>
+      <p:sp>
+        <p:nvSpPr>
+          <p:cNvPr id="7" name="TextBox 6">
+            <a:extLst>
+              <a:ext uri="{FF2B5EF4-FFF2-40B4-BE49-F238E27FC236}">
+                <a16:creationId xmlns:a16="http://schemas.microsoft.com/office/drawing/2014/main" id="{C11DEECF-ECF4-4FEC-92B1-DE5207B83CCB}"/>
+              </a:ext>
+            </a:extLst>
+          </p:cNvPr>
+          <p:cNvSpPr txBox="1"/>
+          <p:nvPr/>
+        </p:nvSpPr>
+        <p:spPr>
+          <a:xfrm>
+            <a:off x="292101" y="5613280"/>
+            <a:ext cx="7315200" cy="646331"/>
+          </a:xfrm>
+          <a:prstGeom prst="rect">
+            <a:avLst/>
+          </a:prstGeom>
+          <a:noFill/>
+        </p:spPr>
+        <p:txBody>
+          <a:bodyPr wrap="square" rtlCol="0">
+            <a:spAutoFit/>
+          </a:bodyPr>
+          <a:lstStyle/>
+          <a:p>
+            <a:r>
+              <a:rPr lang="en-US" dirty="0"/>
+              <a:t>[I create most of my graphics in ‘ggplot2’ using R. Any post-processing I do in the Gnu Image Manipulation Program.]</a:t>
+            </a:r>
+          </a:p>
+        </p:txBody>
+      </p:sp>
     </p:spTree>
     <p:extLst>
       <p:ext uri="{BB962C8B-B14F-4D97-AF65-F5344CB8AC3E}">
-        <p14:creationId xmlns:p14="http://schemas.microsoft.com/office/powerpoint/2010/main" val="1883469555"/>
+        <p14:creationId xmlns:p14="http://schemas.microsoft.com/office/powerpoint/2010/main" val="916044171"/>
       </p:ext>
     </p:extLst>
   </p:cSld>
   <p:clrMapOvr>
     <a:masterClrMapping/>
   </p:clrMapOvr>
-  <p:timing>
-    <p:tnLst>
-      <p:par>
-        <p:cTn id="1" dur="indefinite" restart="never" nodeType="tmRoot"/>
-      </p:par>
-    </p:tnLst>
-  </p:timing>
 </p:sld>
 </file>
 
@@ -12009,146 +10037,20 @@
           <a:chExt cx="0" cy="0"/>
         </a:xfrm>
       </p:grpSpPr>
-      <p:grpSp>
-        <p:nvGrpSpPr>
-          <p:cNvPr id="12" name="Group 11">
-            <a:extLst>
-              <a:ext uri="{FF2B5EF4-FFF2-40B4-BE49-F238E27FC236}">
-                <a16:creationId xmlns:a16="http://schemas.microsoft.com/office/drawing/2014/main" id="{906D3280-1361-43C9-AAFF-4C50C2238052}"/>
-              </a:ext>
-            </a:extLst>
-          </p:cNvPr>
-          <p:cNvGrpSpPr/>
-          <p:nvPr/>
-        </p:nvGrpSpPr>
-        <p:grpSpPr>
-          <a:xfrm>
-            <a:off x="2927349" y="3191786"/>
-            <a:ext cx="1892300" cy="2963863"/>
-            <a:chOff x="1981200" y="3213100"/>
-            <a:chExt cx="1892300" cy="2963863"/>
-          </a:xfrm>
-        </p:grpSpPr>
-        <p:sp>
-          <p:nvSpPr>
-            <p:cNvPr id="10" name="Rectangle 9">
-              <a:extLst>
-                <a:ext uri="{FF2B5EF4-FFF2-40B4-BE49-F238E27FC236}">
-                  <a16:creationId xmlns:a16="http://schemas.microsoft.com/office/drawing/2014/main" id="{465E1431-FDDA-4754-9D96-2905AA1EA2E8}"/>
-                </a:ext>
-              </a:extLst>
-            </p:cNvPr>
-            <p:cNvSpPr/>
-            <p:nvPr/>
-          </p:nvSpPr>
-          <p:spPr>
-            <a:xfrm>
-              <a:off x="1981200" y="3213100"/>
-              <a:ext cx="1892300" cy="2963863"/>
-            </a:xfrm>
-            <a:prstGeom prst="rect">
-              <a:avLst/>
-            </a:prstGeom>
-            <a:solidFill>
-              <a:srgbClr val="B78651"/>
-            </a:solidFill>
-            <a:ln>
-              <a:solidFill>
-                <a:schemeClr val="tx1"/>
-              </a:solidFill>
-            </a:ln>
-          </p:spPr>
-          <p:style>
-            <a:lnRef idx="2">
-              <a:schemeClr val="accent1">
-                <a:shade val="50000"/>
-              </a:schemeClr>
-            </a:lnRef>
-            <a:fillRef idx="1">
-              <a:schemeClr val="accent1"/>
-            </a:fillRef>
-            <a:effectRef idx="0">
-              <a:schemeClr val="accent1"/>
-            </a:effectRef>
-            <a:fontRef idx="minor">
-              <a:schemeClr val="lt1"/>
-            </a:fontRef>
-          </p:style>
-          <p:txBody>
-            <a:bodyPr rtlCol="0" anchor="ctr"/>
-            <a:lstStyle/>
-            <a:p>
-              <a:pPr algn="ctr"/>
-              <a:endParaRPr lang="en-US"/>
-            </a:p>
-          </p:txBody>
-        </p:sp>
-        <p:sp>
-          <p:nvSpPr>
-            <p:cNvPr id="11" name="Oval 10">
-              <a:extLst>
-                <a:ext uri="{FF2B5EF4-FFF2-40B4-BE49-F238E27FC236}">
-                  <a16:creationId xmlns:a16="http://schemas.microsoft.com/office/drawing/2014/main" id="{7B45BF9E-2D42-4F5A-B13F-881D44A628F3}"/>
-                </a:ext>
-              </a:extLst>
-            </p:cNvPr>
-            <p:cNvSpPr/>
-            <p:nvPr/>
-          </p:nvSpPr>
-          <p:spPr>
-            <a:xfrm>
-              <a:off x="3581398" y="4684375"/>
-              <a:ext cx="182880" cy="182880"/>
-            </a:xfrm>
-            <a:prstGeom prst="ellipse">
-              <a:avLst/>
-            </a:prstGeom>
-            <a:ln>
-              <a:solidFill>
-                <a:schemeClr val="tx1"/>
-              </a:solidFill>
-            </a:ln>
-          </p:spPr>
-          <p:style>
-            <a:lnRef idx="2">
-              <a:schemeClr val="accent4">
-                <a:shade val="50000"/>
-              </a:schemeClr>
-            </a:lnRef>
-            <a:fillRef idx="1">
-              <a:schemeClr val="accent4"/>
-            </a:fillRef>
-            <a:effectRef idx="0">
-              <a:schemeClr val="accent4"/>
-            </a:effectRef>
-            <a:fontRef idx="minor">
-              <a:schemeClr val="lt1"/>
-            </a:fontRef>
-          </p:style>
-          <p:txBody>
-            <a:bodyPr rtlCol="0" anchor="ctr"/>
-            <a:lstStyle/>
-            <a:p>
-              <a:pPr algn="ctr"/>
-              <a:endParaRPr lang="en-US"/>
-            </a:p>
-          </p:txBody>
-        </p:sp>
-      </p:grpSp>
-      <p:sp>
-        <p:nvSpPr>
-          <p:cNvPr id="2" name="Title 1">
-            <a:extLst>
-              <a:ext uri="{FF2B5EF4-FFF2-40B4-BE49-F238E27FC236}">
-                <a16:creationId xmlns:a16="http://schemas.microsoft.com/office/drawing/2014/main" id="{72247E59-2328-4222-B513-E2BEE644B64C}"/>
-              </a:ext>
-            </a:extLst>
-          </p:cNvPr>
-          <p:cNvSpPr>
-            <a:spLocks noGrp="1"/>
-          </p:cNvSpPr>
-          <p:nvPr>
-            <p:ph type="title"/>
+      <p:sp>
+        <p:nvSpPr>
+          <p:cNvPr id="2" name="Date Placeholder 1">
+            <a:extLst>
+              <a:ext uri="{FF2B5EF4-FFF2-40B4-BE49-F238E27FC236}">
+                <a16:creationId xmlns:a16="http://schemas.microsoft.com/office/drawing/2014/main" id="{1CDECBA7-9CB8-4838-990C-4ACD0C6ACFC8}"/>
+              </a:ext>
+            </a:extLst>
+          </p:cNvPr>
+          <p:cNvSpPr>
+            <a:spLocks noGrp="1"/>
+          </p:cNvSpPr>
+          <p:nvPr>
+            <p:ph type="dt" sz="half" idx="10"/>
           </p:nvPr>
         </p:nvSpPr>
         <p:spPr/>
@@ -12156,79 +10058,9 @@
           <a:bodyPr/>
           <a:lstStyle/>
           <a:p>
-            <a:r>
-              <a:rPr lang="en-US" dirty="0"/>
-              <a:t>Why do I keep saying data visualization?</a:t>
-            </a:r>
-          </a:p>
-        </p:txBody>
-      </p:sp>
-      <p:sp>
-        <p:nvSpPr>
-          <p:cNvPr id="3" name="Content Placeholder 2">
-            <a:extLst>
-              <a:ext uri="{FF2B5EF4-FFF2-40B4-BE49-F238E27FC236}">
-                <a16:creationId xmlns:a16="http://schemas.microsoft.com/office/drawing/2014/main" id="{5038734D-7BA1-4213-BC9F-433DD8FC7923}"/>
-              </a:ext>
-            </a:extLst>
-          </p:cNvPr>
-          <p:cNvSpPr>
-            <a:spLocks noGrp="1"/>
-          </p:cNvSpPr>
-          <p:nvPr>
-            <p:ph idx="1"/>
-          </p:nvPr>
-        </p:nvSpPr>
-        <p:spPr/>
-        <p:txBody>
-          <a:bodyPr/>
-          <a:lstStyle/>
-          <a:p>
-            <a:r>
-              <a:rPr lang="en-US" dirty="0"/>
-              <a:t>What’s the difference between a ‘graphic’ and a ‘data visualization’?</a:t>
-            </a:r>
-          </a:p>
-          <a:p>
-            <a:r>
-              <a:rPr lang="en-US" dirty="0"/>
-              <a:t>[</a:t>
-            </a:r>
-            <a:r>
-              <a:rPr lang="en-US" i="1" dirty="0"/>
-              <a:t>An analogy</a:t>
-            </a:r>
-            <a:r>
-              <a:rPr lang="en-US" dirty="0"/>
-              <a:t>] You come upon a door… </a:t>
-            </a:r>
-          </a:p>
-        </p:txBody>
-      </p:sp>
-      <p:sp>
-        <p:nvSpPr>
-          <p:cNvPr id="4" name="Date Placeholder 3">
-            <a:extLst>
-              <a:ext uri="{FF2B5EF4-FFF2-40B4-BE49-F238E27FC236}">
-                <a16:creationId xmlns:a16="http://schemas.microsoft.com/office/drawing/2014/main" id="{2903C32C-8EBC-47F6-B6EA-768C188DFC07}"/>
-              </a:ext>
-            </a:extLst>
-          </p:cNvPr>
-          <p:cNvSpPr>
-            <a:spLocks noGrp="1"/>
-          </p:cNvSpPr>
-          <p:nvPr>
-            <p:ph type="dt" sz="half" idx="10"/>
-          </p:nvPr>
-        </p:nvSpPr>
-        <p:spPr/>
-        <p:txBody>
-          <a:bodyPr/>
-          <a:lstStyle/>
-          <a:p>
-            <a:fld id="{5547C99B-7F2C-4E84-8128-EB3E64FAD082}" type="datetime1">
+            <a:fld id="{28CDC5B5-E9BF-4312-938F-57F5458B9411}" type="datetime1">
               <a:rPr lang="en-US" smtClean="0"/>
-              <a:t>10/7/2019</a:t>
+              <a:t>10/13/2019</a:t>
             </a:fld>
             <a:endParaRPr lang="en-US"/>
           </a:p>
@@ -12236,10 +10068,10 @@
       </p:sp>
       <p:sp>
         <p:nvSpPr>
-          <p:cNvPr id="5" name="Slide Number Placeholder 4">
-            <a:extLst>
-              <a:ext uri="{FF2B5EF4-FFF2-40B4-BE49-F238E27FC236}">
-                <a16:creationId xmlns:a16="http://schemas.microsoft.com/office/drawing/2014/main" id="{E20D7276-F845-4717-860E-0A7D49BBF7D4}"/>
+          <p:cNvPr id="3" name="Slide Number Placeholder 2">
+            <a:extLst>
+              <a:ext uri="{FF2B5EF4-FFF2-40B4-BE49-F238E27FC236}">
+                <a16:creationId xmlns:a16="http://schemas.microsoft.com/office/drawing/2014/main" id="{E847287D-9B0A-4964-BD06-8B705ED3ADCD}"/>
               </a:ext>
             </a:extLst>
           </p:cNvPr>
@@ -12263,12 +10095,149 @@
           </a:p>
         </p:txBody>
       </p:sp>
+      <p:sp>
+        <p:nvSpPr>
+          <p:cNvPr id="4" name="Rectangle 3">
+            <a:extLst>
+              <a:ext uri="{FF2B5EF4-FFF2-40B4-BE49-F238E27FC236}">
+                <a16:creationId xmlns:a16="http://schemas.microsoft.com/office/drawing/2014/main" id="{37069D5E-55B2-4E49-87D4-DA49FCD28F2D}"/>
+              </a:ext>
+            </a:extLst>
+          </p:cNvPr>
+          <p:cNvSpPr/>
+          <p:nvPr/>
+        </p:nvSpPr>
+        <p:spPr>
+          <a:xfrm>
+            <a:off x="0" y="0"/>
+            <a:ext cx="12192000" cy="6858000"/>
+          </a:xfrm>
+          <a:prstGeom prst="rect">
+            <a:avLst/>
+          </a:prstGeom>
+          <a:solidFill>
+            <a:srgbClr val="B4484B"/>
+          </a:solidFill>
+          <a:ln>
+            <a:solidFill>
+              <a:srgbClr val="BF5356"/>
+            </a:solidFill>
+          </a:ln>
+        </p:spPr>
+        <p:style>
+          <a:lnRef idx="2">
+            <a:schemeClr val="accent1">
+              <a:shade val="50000"/>
+            </a:schemeClr>
+          </a:lnRef>
+          <a:fillRef idx="1">
+            <a:schemeClr val="accent1"/>
+          </a:fillRef>
+          <a:effectRef idx="0">
+            <a:schemeClr val="accent1"/>
+          </a:effectRef>
+          <a:fontRef idx="minor">
+            <a:schemeClr val="lt1"/>
+          </a:fontRef>
+        </p:style>
+        <p:txBody>
+          <a:bodyPr rtlCol="0" anchor="ctr"/>
+          <a:lstStyle/>
+          <a:p>
+            <a:pPr algn="ctr"/>
+            <a:endParaRPr lang="en-US" dirty="0"/>
+          </a:p>
+        </p:txBody>
+      </p:sp>
+      <p:sp>
+        <p:nvSpPr>
+          <p:cNvPr id="5" name="TextBox 4">
+            <a:extLst>
+              <a:ext uri="{FF2B5EF4-FFF2-40B4-BE49-F238E27FC236}">
+                <a16:creationId xmlns:a16="http://schemas.microsoft.com/office/drawing/2014/main" id="{B230FB65-7683-482A-9BA6-BA748F6A230A}"/>
+              </a:ext>
+            </a:extLst>
+          </p:cNvPr>
+          <p:cNvSpPr txBox="1"/>
+          <p:nvPr/>
+        </p:nvSpPr>
+        <p:spPr>
+          <a:xfrm>
+            <a:off x="690000" y="1803400"/>
+            <a:ext cx="10828900" cy="769441"/>
+          </a:xfrm>
+          <a:prstGeom prst="rect">
+            <a:avLst/>
+          </a:prstGeom>
+          <a:noFill/>
+        </p:spPr>
+        <p:txBody>
+          <a:bodyPr wrap="square" rtlCol="0">
+            <a:spAutoFit/>
+          </a:bodyPr>
+          <a:lstStyle/>
+          <a:p>
+            <a:pPr algn="ctr"/>
+            <a:r>
+              <a:rPr lang="en-US" sz="4400" b="1" dirty="0">
+                <a:solidFill>
+                  <a:schemeClr val="bg1"/>
+                </a:solidFill>
+                <a:latin typeface="Arial" panose="020B0604020202020204" pitchFamily="34" charset="0"/>
+                <a:cs typeface="Arial" panose="020B0604020202020204" pitchFamily="34" charset="0"/>
+              </a:rPr>
+              <a:t>Visualizing Discrete Data</a:t>
+            </a:r>
+          </a:p>
+        </p:txBody>
+      </p:sp>
+      <p:cxnSp>
+        <p:nvCxnSpPr>
+          <p:cNvPr id="7" name="Straight Connector 6">
+            <a:extLst>
+              <a:ext uri="{FF2B5EF4-FFF2-40B4-BE49-F238E27FC236}">
+                <a16:creationId xmlns:a16="http://schemas.microsoft.com/office/drawing/2014/main" id="{0FE0E20F-7D5D-49DB-B60F-2018E15E48FE}"/>
+              </a:ext>
+            </a:extLst>
+          </p:cNvPr>
+          <p:cNvCxnSpPr/>
+          <p:nvPr/>
+        </p:nvCxnSpPr>
+        <p:spPr>
+          <a:xfrm>
+            <a:off x="647700" y="2565400"/>
+            <a:ext cx="10871200" cy="0"/>
+          </a:xfrm>
+          <a:prstGeom prst="line">
+            <a:avLst/>
+          </a:prstGeom>
+          <a:ln w="12700">
+            <a:solidFill>
+              <a:schemeClr val="bg1"/>
+            </a:solidFill>
+          </a:ln>
+        </p:spPr>
+        <p:style>
+          <a:lnRef idx="1">
+            <a:schemeClr val="accent1"/>
+          </a:lnRef>
+          <a:fillRef idx="0">
+            <a:schemeClr val="accent1"/>
+          </a:fillRef>
+          <a:effectRef idx="0">
+            <a:schemeClr val="accent1"/>
+          </a:effectRef>
+          <a:fontRef idx="minor">
+            <a:schemeClr val="tx1"/>
+          </a:fontRef>
+        </p:style>
+      </p:cxnSp>
       <p:pic>
         <p:nvPicPr>
-          <p:cNvPr id="9" name="Picture 8" descr="A picture containing drawing&#10;&#10;Description automatically generated">
-            <a:extLst>
-              <a:ext uri="{FF2B5EF4-FFF2-40B4-BE49-F238E27FC236}">
-                <a16:creationId xmlns:a16="http://schemas.microsoft.com/office/drawing/2014/main" id="{25210AF9-8B82-40D6-8AA2-B91154E847D4}"/>
+          <p:cNvPr id="8" name="Picture 7" descr="A picture containing bird&#10;&#10;Description automatically generated">
+            <a:extLst>
+              <a:ext uri="{FF2B5EF4-FFF2-40B4-BE49-F238E27FC236}">
+                <a16:creationId xmlns:a16="http://schemas.microsoft.com/office/drawing/2014/main" id="{1053FA8F-05C0-4D27-8D10-AAE65FC365BB}"/>
               </a:ext>
             </a:extLst>
           </p:cNvPr>
@@ -12291,204 +10260,8 @@
         </p:blipFill>
         <p:spPr>
           <a:xfrm>
-            <a:off x="3416299" y="3407686"/>
-            <a:ext cx="914400" cy="914400"/>
-          </a:xfrm>
-          <a:prstGeom prst="rect">
-            <a:avLst/>
-          </a:prstGeom>
-        </p:spPr>
-      </p:pic>
-      <p:grpSp>
-        <p:nvGrpSpPr>
-          <p:cNvPr id="13" name="Group 12">
-            <a:extLst>
-              <a:ext uri="{FF2B5EF4-FFF2-40B4-BE49-F238E27FC236}">
-                <a16:creationId xmlns:a16="http://schemas.microsoft.com/office/drawing/2014/main" id="{F7ABB222-0246-47CC-9E2A-99C4F6BE12DB}"/>
-              </a:ext>
-            </a:extLst>
-          </p:cNvPr>
-          <p:cNvGrpSpPr/>
-          <p:nvPr/>
-        </p:nvGrpSpPr>
-        <p:grpSpPr>
-          <a:xfrm>
-            <a:off x="7372352" y="3202443"/>
-            <a:ext cx="1892300" cy="2963863"/>
-            <a:chOff x="1981200" y="3213100"/>
-            <a:chExt cx="1892300" cy="2963863"/>
-          </a:xfrm>
-        </p:grpSpPr>
-        <p:sp>
-          <p:nvSpPr>
-            <p:cNvPr id="14" name="Rectangle 13">
-              <a:extLst>
-                <a:ext uri="{FF2B5EF4-FFF2-40B4-BE49-F238E27FC236}">
-                  <a16:creationId xmlns:a16="http://schemas.microsoft.com/office/drawing/2014/main" id="{CABA799D-E421-4FF4-A020-01CAAB79BAEF}"/>
-                </a:ext>
-              </a:extLst>
-            </p:cNvPr>
-            <p:cNvSpPr/>
-            <p:nvPr/>
-          </p:nvSpPr>
-          <p:spPr>
-            <a:xfrm>
-              <a:off x="1981200" y="3213100"/>
-              <a:ext cx="1892300" cy="2963863"/>
-            </a:xfrm>
-            <a:prstGeom prst="rect">
-              <a:avLst/>
-            </a:prstGeom>
-            <a:solidFill>
-              <a:srgbClr val="B78651"/>
-            </a:solidFill>
-            <a:ln>
-              <a:solidFill>
-                <a:schemeClr val="tx1"/>
-              </a:solidFill>
-            </a:ln>
-          </p:spPr>
-          <p:style>
-            <a:lnRef idx="2">
-              <a:schemeClr val="accent1">
-                <a:shade val="50000"/>
-              </a:schemeClr>
-            </a:lnRef>
-            <a:fillRef idx="1">
-              <a:schemeClr val="accent1"/>
-            </a:fillRef>
-            <a:effectRef idx="0">
-              <a:schemeClr val="accent1"/>
-            </a:effectRef>
-            <a:fontRef idx="minor">
-              <a:schemeClr val="lt1"/>
-            </a:fontRef>
-          </p:style>
-          <p:txBody>
-            <a:bodyPr rtlCol="0" anchor="ctr"/>
-            <a:lstStyle/>
-            <a:p>
-              <a:pPr algn="ctr"/>
-              <a:endParaRPr lang="en-US"/>
-            </a:p>
-          </p:txBody>
-        </p:sp>
-        <p:sp>
-          <p:nvSpPr>
-            <p:cNvPr id="15" name="Oval 14">
-              <a:extLst>
-                <a:ext uri="{FF2B5EF4-FFF2-40B4-BE49-F238E27FC236}">
-                  <a16:creationId xmlns:a16="http://schemas.microsoft.com/office/drawing/2014/main" id="{888AFFBC-6C64-468F-8C27-E811C9EC8028}"/>
-                </a:ext>
-              </a:extLst>
-            </p:cNvPr>
-            <p:cNvSpPr/>
-            <p:nvPr/>
-          </p:nvSpPr>
-          <p:spPr>
-            <a:xfrm>
-              <a:off x="3581398" y="4684375"/>
-              <a:ext cx="182880" cy="182880"/>
-            </a:xfrm>
-            <a:prstGeom prst="ellipse">
-              <a:avLst/>
-            </a:prstGeom>
-            <a:ln>
-              <a:solidFill>
-                <a:schemeClr val="tx1"/>
-              </a:solidFill>
-            </a:ln>
-          </p:spPr>
-          <p:style>
-            <a:lnRef idx="2">
-              <a:schemeClr val="accent4">
-                <a:shade val="50000"/>
-              </a:schemeClr>
-            </a:lnRef>
-            <a:fillRef idx="1">
-              <a:schemeClr val="accent4"/>
-            </a:fillRef>
-            <a:effectRef idx="0">
-              <a:schemeClr val="accent4"/>
-            </a:effectRef>
-            <a:fontRef idx="minor">
-              <a:schemeClr val="lt1"/>
-            </a:fontRef>
-          </p:style>
-          <p:txBody>
-            <a:bodyPr rtlCol="0" anchor="ctr"/>
-            <a:lstStyle/>
-            <a:p>
-              <a:pPr algn="ctr"/>
-              <a:endParaRPr lang="en-US"/>
-            </a:p>
-          </p:txBody>
-        </p:sp>
-      </p:grpSp>
-      <p:sp>
-        <p:nvSpPr>
-          <p:cNvPr id="16" name="TextBox 15">
-            <a:extLst>
-              <a:ext uri="{FF2B5EF4-FFF2-40B4-BE49-F238E27FC236}">
-                <a16:creationId xmlns:a16="http://schemas.microsoft.com/office/drawing/2014/main" id="{65D5640B-8C1C-42DA-B5A9-3CDBF2B47A64}"/>
-              </a:ext>
-            </a:extLst>
-          </p:cNvPr>
-          <p:cNvSpPr txBox="1"/>
-          <p:nvPr/>
-        </p:nvSpPr>
-        <p:spPr>
-          <a:xfrm>
-            <a:off x="5741448" y="4361208"/>
-            <a:ext cx="709105" cy="646331"/>
-          </a:xfrm>
-          <a:prstGeom prst="rect">
-            <a:avLst/>
-          </a:prstGeom>
-          <a:noFill/>
-        </p:spPr>
-        <p:txBody>
-          <a:bodyPr wrap="none" rtlCol="0">
-            <a:spAutoFit/>
-          </a:bodyPr>
-          <a:lstStyle/>
-          <a:p>
-            <a:r>
-              <a:rPr lang="en-US" sz="3600" b="1" dirty="0"/>
-              <a:t>vs.</a:t>
-            </a:r>
-          </a:p>
-        </p:txBody>
-      </p:sp>
-      <p:pic>
-        <p:nvPicPr>
-          <p:cNvPr id="18" name="Picture 17" descr="A person sitting in front of a window&#10;&#10;Description automatically generated">
-            <a:extLst>
-              <a:ext uri="{FF2B5EF4-FFF2-40B4-BE49-F238E27FC236}">
-                <a16:creationId xmlns:a16="http://schemas.microsoft.com/office/drawing/2014/main" id="{5712E170-DEEC-4253-BF37-79283F442A0E}"/>
-              </a:ext>
-            </a:extLst>
-          </p:cNvPr>
-          <p:cNvPicPr>
-            <a:picLocks noChangeAspect="1"/>
-          </p:cNvPicPr>
-          <p:nvPr/>
-        </p:nvPicPr>
-        <p:blipFill rotWithShape="1">
-          <a:blip r:embed="rId3">
-            <a:extLst>
-              <a:ext uri="{28A0092B-C50C-407E-A947-70E740481C1C}">
-                <a14:useLocalDpi xmlns:a14="http://schemas.microsoft.com/office/drawing/2010/main" val="0"/>
-              </a:ext>
-            </a:extLst>
-          </a:blip>
-          <a:srcRect l="20758" t="10316" r="28942" b="34826"/>
-          <a:stretch/>
-        </p:blipFill>
-        <p:spPr>
-          <a:xfrm>
-            <a:off x="7689687" y="3315494"/>
-            <a:ext cx="1257629" cy="1371600"/>
+            <a:off x="4724400" y="2565400"/>
+            <a:ext cx="2743200" cy="914400"/>
           </a:xfrm>
           <a:prstGeom prst="rect">
             <a:avLst/>
@@ -12498,20 +10271,13 @@
     </p:spTree>
     <p:extLst>
       <p:ext uri="{BB962C8B-B14F-4D97-AF65-F5344CB8AC3E}">
-        <p14:creationId xmlns:p14="http://schemas.microsoft.com/office/powerpoint/2010/main" val="3467772161"/>
+        <p14:creationId xmlns:p14="http://schemas.microsoft.com/office/powerpoint/2010/main" val="3361127043"/>
       </p:ext>
     </p:extLst>
   </p:cSld>
   <p:clrMapOvr>
     <a:masterClrMapping/>
   </p:clrMapOvr>
-  <p:timing>
-    <p:tnLst>
-      <p:par>
-        <p:cTn id="1" dur="indefinite" restart="never" nodeType="tmRoot"/>
-      </p:par>
-    </p:tnLst>
-  </p:timing>
 </p:sld>
 </file>
 
@@ -12532,259 +10298,12 @@
           <a:chExt cx="0" cy="0"/>
         </a:xfrm>
       </p:grpSpPr>
-      <p:grpSp>
-        <p:nvGrpSpPr>
-          <p:cNvPr id="12" name="Group 11">
-            <a:extLst>
-              <a:ext uri="{FF2B5EF4-FFF2-40B4-BE49-F238E27FC236}">
-                <a16:creationId xmlns:a16="http://schemas.microsoft.com/office/drawing/2014/main" id="{906D3280-1361-43C9-AAFF-4C50C2238052}"/>
-              </a:ext>
-            </a:extLst>
-          </p:cNvPr>
-          <p:cNvGrpSpPr/>
-          <p:nvPr/>
-        </p:nvGrpSpPr>
-        <p:grpSpPr>
-          <a:xfrm>
-            <a:off x="2990849" y="1906588"/>
-            <a:ext cx="1892300" cy="2963863"/>
-            <a:chOff x="1981200" y="3213100"/>
-            <a:chExt cx="1892300" cy="2963863"/>
-          </a:xfrm>
-        </p:grpSpPr>
-        <p:sp>
-          <p:nvSpPr>
-            <p:cNvPr id="10" name="Rectangle 9">
-              <a:extLst>
-                <a:ext uri="{FF2B5EF4-FFF2-40B4-BE49-F238E27FC236}">
-                  <a16:creationId xmlns:a16="http://schemas.microsoft.com/office/drawing/2014/main" id="{465E1431-FDDA-4754-9D96-2905AA1EA2E8}"/>
-                </a:ext>
-              </a:extLst>
-            </p:cNvPr>
-            <p:cNvSpPr/>
-            <p:nvPr/>
-          </p:nvSpPr>
-          <p:spPr>
-            <a:xfrm>
-              <a:off x="1981200" y="3213100"/>
-              <a:ext cx="1892300" cy="2963863"/>
-            </a:xfrm>
-            <a:prstGeom prst="rect">
-              <a:avLst/>
-            </a:prstGeom>
-            <a:solidFill>
-              <a:srgbClr val="B78651"/>
-            </a:solidFill>
-            <a:ln>
-              <a:solidFill>
-                <a:schemeClr val="tx1"/>
-              </a:solidFill>
-            </a:ln>
-          </p:spPr>
-          <p:style>
-            <a:lnRef idx="2">
-              <a:schemeClr val="accent1">
-                <a:shade val="50000"/>
-              </a:schemeClr>
-            </a:lnRef>
-            <a:fillRef idx="1">
-              <a:schemeClr val="accent1"/>
-            </a:fillRef>
-            <a:effectRef idx="0">
-              <a:schemeClr val="accent1"/>
-            </a:effectRef>
-            <a:fontRef idx="minor">
-              <a:schemeClr val="lt1"/>
-            </a:fontRef>
-          </p:style>
-          <p:txBody>
-            <a:bodyPr rtlCol="0" anchor="ctr"/>
-            <a:lstStyle/>
-            <a:p>
-              <a:pPr algn="ctr"/>
-              <a:endParaRPr lang="en-US"/>
-            </a:p>
-          </p:txBody>
-        </p:sp>
-        <p:sp>
-          <p:nvSpPr>
-            <p:cNvPr id="11" name="Oval 10">
-              <a:extLst>
-                <a:ext uri="{FF2B5EF4-FFF2-40B4-BE49-F238E27FC236}">
-                  <a16:creationId xmlns:a16="http://schemas.microsoft.com/office/drawing/2014/main" id="{7B45BF9E-2D42-4F5A-B13F-881D44A628F3}"/>
-                </a:ext>
-              </a:extLst>
-            </p:cNvPr>
-            <p:cNvSpPr/>
-            <p:nvPr/>
-          </p:nvSpPr>
-          <p:spPr>
-            <a:xfrm>
-              <a:off x="3581398" y="4684375"/>
-              <a:ext cx="182880" cy="182880"/>
-            </a:xfrm>
-            <a:prstGeom prst="ellipse">
-              <a:avLst/>
-            </a:prstGeom>
-            <a:ln>
-              <a:solidFill>
-                <a:schemeClr val="tx1"/>
-              </a:solidFill>
-            </a:ln>
-          </p:spPr>
-          <p:style>
-            <a:lnRef idx="2">
-              <a:schemeClr val="accent4">
-                <a:shade val="50000"/>
-              </a:schemeClr>
-            </a:lnRef>
-            <a:fillRef idx="1">
-              <a:schemeClr val="accent4"/>
-            </a:fillRef>
-            <a:effectRef idx="0">
-              <a:schemeClr val="accent4"/>
-            </a:effectRef>
-            <a:fontRef idx="minor">
-              <a:schemeClr val="lt1"/>
-            </a:fontRef>
-          </p:style>
-          <p:txBody>
-            <a:bodyPr rtlCol="0" anchor="ctr"/>
-            <a:lstStyle/>
-            <a:p>
-              <a:pPr algn="ctr"/>
-              <a:endParaRPr lang="en-US"/>
-            </a:p>
-          </p:txBody>
-        </p:sp>
-      </p:grpSp>
-      <p:sp>
-        <p:nvSpPr>
-          <p:cNvPr id="2" name="Title 1">
-            <a:extLst>
-              <a:ext uri="{FF2B5EF4-FFF2-40B4-BE49-F238E27FC236}">
-                <a16:creationId xmlns:a16="http://schemas.microsoft.com/office/drawing/2014/main" id="{72247E59-2328-4222-B513-E2BEE644B64C}"/>
-              </a:ext>
-            </a:extLst>
-          </p:cNvPr>
-          <p:cNvSpPr>
-            <a:spLocks noGrp="1"/>
-          </p:cNvSpPr>
-          <p:nvPr>
-            <p:ph type="title"/>
-          </p:nvPr>
-        </p:nvSpPr>
-        <p:spPr/>
-        <p:txBody>
-          <a:bodyPr/>
-          <a:lstStyle/>
-          <a:p>
-            <a:r>
-              <a:rPr lang="en-US" dirty="0"/>
-              <a:t>Why do I keep saying data visualization?</a:t>
-            </a:r>
-          </a:p>
-        </p:txBody>
-      </p:sp>
-      <p:sp>
-        <p:nvSpPr>
-          <p:cNvPr id="3" name="Content Placeholder 2">
-            <a:extLst>
-              <a:ext uri="{FF2B5EF4-FFF2-40B4-BE49-F238E27FC236}">
-                <a16:creationId xmlns:a16="http://schemas.microsoft.com/office/drawing/2014/main" id="{5038734D-7BA1-4213-BC9F-433DD8FC7923}"/>
-              </a:ext>
-            </a:extLst>
-          </p:cNvPr>
-          <p:cNvSpPr>
-            <a:spLocks noGrp="1"/>
-          </p:cNvSpPr>
-          <p:nvPr>
-            <p:ph idx="1"/>
-          </p:nvPr>
-        </p:nvSpPr>
-        <p:spPr>
-          <a:xfrm>
-            <a:off x="838200" y="5112185"/>
-            <a:ext cx="10515600" cy="948850"/>
-          </a:xfrm>
-        </p:spPr>
-        <p:txBody>
-          <a:bodyPr>
-            <a:normAutofit fontScale="92500" lnSpcReduction="20000"/>
-          </a:bodyPr>
-          <a:lstStyle/>
-          <a:p>
-            <a:r>
-              <a:rPr lang="en-US" dirty="0"/>
-              <a:t>The rules of effective communication in one domain do not necessarily generalize to the other domain (e.g., science communication versus communication between scientists).</a:t>
-            </a:r>
-          </a:p>
-        </p:txBody>
-      </p:sp>
-      <p:sp>
-        <p:nvSpPr>
-          <p:cNvPr id="4" name="Date Placeholder 3">
-            <a:extLst>
-              <a:ext uri="{FF2B5EF4-FFF2-40B4-BE49-F238E27FC236}">
-                <a16:creationId xmlns:a16="http://schemas.microsoft.com/office/drawing/2014/main" id="{2903C32C-8EBC-47F6-B6EA-768C188DFC07}"/>
-              </a:ext>
-            </a:extLst>
-          </p:cNvPr>
-          <p:cNvSpPr>
-            <a:spLocks noGrp="1"/>
-          </p:cNvSpPr>
-          <p:nvPr>
-            <p:ph type="dt" sz="half" idx="10"/>
-          </p:nvPr>
-        </p:nvSpPr>
-        <p:spPr/>
-        <p:txBody>
-          <a:bodyPr/>
-          <a:lstStyle/>
-          <a:p>
-            <a:fld id="{5547C99B-7F2C-4E84-8128-EB3E64FAD082}" type="datetime1">
-              <a:rPr lang="en-US" smtClean="0"/>
-              <a:t>10/7/2019</a:t>
-            </a:fld>
-            <a:endParaRPr lang="en-US"/>
-          </a:p>
-        </p:txBody>
-      </p:sp>
-      <p:sp>
-        <p:nvSpPr>
-          <p:cNvPr id="5" name="Slide Number Placeholder 4">
-            <a:extLst>
-              <a:ext uri="{FF2B5EF4-FFF2-40B4-BE49-F238E27FC236}">
-                <a16:creationId xmlns:a16="http://schemas.microsoft.com/office/drawing/2014/main" id="{E20D7276-F845-4717-860E-0A7D49BBF7D4}"/>
-              </a:ext>
-            </a:extLst>
-          </p:cNvPr>
-          <p:cNvSpPr>
-            <a:spLocks noGrp="1"/>
-          </p:cNvSpPr>
-          <p:nvPr>
-            <p:ph type="sldNum" sz="quarter" idx="12"/>
-          </p:nvPr>
-        </p:nvSpPr>
-        <p:spPr/>
-        <p:txBody>
-          <a:bodyPr/>
-          <a:lstStyle/>
-          <a:p>
-            <a:fld id="{211FFFE4-4E4B-40A7-A942-4F1B7E93AB5C}" type="slidenum">
-              <a:rPr lang="en-US" smtClean="0"/>
-              <a:t>9</a:t>
-            </a:fld>
-            <a:endParaRPr lang="en-US"/>
-          </a:p>
-        </p:txBody>
-      </p:sp>
       <p:pic>
         <p:nvPicPr>
-          <p:cNvPr id="9" name="Picture 8" descr="A picture containing drawing&#10;&#10;Description automatically generated">
-            <a:extLst>
-              <a:ext uri="{FF2B5EF4-FFF2-40B4-BE49-F238E27FC236}">
-                <a16:creationId xmlns:a16="http://schemas.microsoft.com/office/drawing/2014/main" id="{25210AF9-8B82-40D6-8AA2-B91154E847D4}"/>
+          <p:cNvPr id="7" name="Picture 6" descr="A screenshot of a cell phone&#10;&#10;Description automatically generated">
+            <a:extLst>
+              <a:ext uri="{FF2B5EF4-FFF2-40B4-BE49-F238E27FC236}">
+                <a16:creationId xmlns:a16="http://schemas.microsoft.com/office/drawing/2014/main" id="{EC40DEC7-369D-462A-B2B6-FECF1F420D1D}"/>
               </a:ext>
             </a:extLst>
           </p:cNvPr>
@@ -12807,146 +10326,148 @@
         </p:blipFill>
         <p:spPr>
           <a:xfrm>
-            <a:off x="3479799" y="2122488"/>
-            <a:ext cx="914400" cy="914400"/>
+            <a:off x="6095999" y="1730162"/>
+            <a:ext cx="5715798" cy="2857899"/>
           </a:xfrm>
           <a:prstGeom prst="rect">
             <a:avLst/>
           </a:prstGeom>
         </p:spPr>
       </p:pic>
-      <p:grpSp>
-        <p:nvGrpSpPr>
-          <p:cNvPr id="13" name="Group 12">
-            <a:extLst>
-              <a:ext uri="{FF2B5EF4-FFF2-40B4-BE49-F238E27FC236}">
-                <a16:creationId xmlns:a16="http://schemas.microsoft.com/office/drawing/2014/main" id="{F7ABB222-0246-47CC-9E2A-99C4F6BE12DB}"/>
-              </a:ext>
-            </a:extLst>
-          </p:cNvPr>
-          <p:cNvGrpSpPr/>
-          <p:nvPr/>
-        </p:nvGrpSpPr>
-        <p:grpSpPr>
-          <a:xfrm>
-            <a:off x="7435852" y="1917245"/>
-            <a:ext cx="1892300" cy="2963863"/>
-            <a:chOff x="1981200" y="3213100"/>
-            <a:chExt cx="1892300" cy="2963863"/>
-          </a:xfrm>
-        </p:grpSpPr>
-        <p:sp>
-          <p:nvSpPr>
-            <p:cNvPr id="14" name="Rectangle 13">
-              <a:extLst>
-                <a:ext uri="{FF2B5EF4-FFF2-40B4-BE49-F238E27FC236}">
-                  <a16:creationId xmlns:a16="http://schemas.microsoft.com/office/drawing/2014/main" id="{CABA799D-E421-4FF4-A020-01CAAB79BAEF}"/>
-                </a:ext>
-              </a:extLst>
-            </p:cNvPr>
-            <p:cNvSpPr/>
-            <p:nvPr/>
-          </p:nvSpPr>
-          <p:spPr>
-            <a:xfrm>
-              <a:off x="1981200" y="3213100"/>
-              <a:ext cx="1892300" cy="2963863"/>
-            </a:xfrm>
-            <a:prstGeom prst="rect">
-              <a:avLst/>
-            </a:prstGeom>
-            <a:solidFill>
-              <a:srgbClr val="B78651"/>
-            </a:solidFill>
-            <a:ln>
-              <a:solidFill>
-                <a:schemeClr val="tx1"/>
-              </a:solidFill>
-            </a:ln>
-          </p:spPr>
-          <p:style>
-            <a:lnRef idx="2">
-              <a:schemeClr val="accent1">
-                <a:shade val="50000"/>
-              </a:schemeClr>
-            </a:lnRef>
-            <a:fillRef idx="1">
-              <a:schemeClr val="accent1"/>
-            </a:fillRef>
-            <a:effectRef idx="0">
-              <a:schemeClr val="accent1"/>
-            </a:effectRef>
-            <a:fontRef idx="minor">
-              <a:schemeClr val="lt1"/>
-            </a:fontRef>
-          </p:style>
-          <p:txBody>
-            <a:bodyPr rtlCol="0" anchor="ctr"/>
-            <a:lstStyle/>
-            <a:p>
-              <a:pPr algn="ctr"/>
-              <a:endParaRPr lang="en-US"/>
-            </a:p>
-          </p:txBody>
-        </p:sp>
-        <p:sp>
-          <p:nvSpPr>
-            <p:cNvPr id="15" name="Oval 14">
-              <a:extLst>
-                <a:ext uri="{FF2B5EF4-FFF2-40B4-BE49-F238E27FC236}">
-                  <a16:creationId xmlns:a16="http://schemas.microsoft.com/office/drawing/2014/main" id="{888AFFBC-6C64-468F-8C27-E811C9EC8028}"/>
-                </a:ext>
-              </a:extLst>
-            </p:cNvPr>
-            <p:cNvSpPr/>
-            <p:nvPr/>
-          </p:nvSpPr>
-          <p:spPr>
-            <a:xfrm>
-              <a:off x="3581398" y="4684375"/>
-              <a:ext cx="182880" cy="182880"/>
-            </a:xfrm>
-            <a:prstGeom prst="ellipse">
-              <a:avLst/>
-            </a:prstGeom>
-            <a:ln>
-              <a:solidFill>
-                <a:schemeClr val="tx1"/>
-              </a:solidFill>
-            </a:ln>
-          </p:spPr>
-          <p:style>
-            <a:lnRef idx="2">
-              <a:schemeClr val="accent4">
-                <a:shade val="50000"/>
-              </a:schemeClr>
-            </a:lnRef>
-            <a:fillRef idx="1">
-              <a:schemeClr val="accent4"/>
-            </a:fillRef>
-            <a:effectRef idx="0">
-              <a:schemeClr val="accent4"/>
-            </a:effectRef>
-            <a:fontRef idx="minor">
-              <a:schemeClr val="lt1"/>
-            </a:fontRef>
-          </p:style>
-          <p:txBody>
-            <a:bodyPr rtlCol="0" anchor="ctr"/>
-            <a:lstStyle/>
-            <a:p>
-              <a:pPr algn="ctr"/>
-              <a:endParaRPr lang="en-US"/>
-            </a:p>
-          </p:txBody>
-        </p:sp>
-      </p:grpSp>
+      <p:sp>
+        <p:nvSpPr>
+          <p:cNvPr id="2" name="Title 1">
+            <a:extLst>
+              <a:ext uri="{FF2B5EF4-FFF2-40B4-BE49-F238E27FC236}">
+                <a16:creationId xmlns:a16="http://schemas.microsoft.com/office/drawing/2014/main" id="{90771BF2-7BF5-4BA8-BAAA-01A0BBE3E44C}"/>
+              </a:ext>
+            </a:extLst>
+          </p:cNvPr>
+          <p:cNvSpPr>
+            <a:spLocks noGrp="1"/>
+          </p:cNvSpPr>
+          <p:nvPr>
+            <p:ph type="title"/>
+          </p:nvPr>
+        </p:nvSpPr>
+        <p:spPr/>
+        <p:txBody>
+          <a:bodyPr/>
+          <a:lstStyle/>
+          <a:p>
+            <a:r>
+              <a:rPr lang="en-US" dirty="0"/>
+              <a:t>Consider a 2 x 2 factorial design. </a:t>
+            </a:r>
+          </a:p>
+        </p:txBody>
+      </p:sp>
+      <p:sp>
+        <p:nvSpPr>
+          <p:cNvPr id="3" name="Content Placeholder 2">
+            <a:extLst>
+              <a:ext uri="{FF2B5EF4-FFF2-40B4-BE49-F238E27FC236}">
+                <a16:creationId xmlns:a16="http://schemas.microsoft.com/office/drawing/2014/main" id="{1EF0C10C-3ABD-4382-9DA0-EC7C1EE10F8D}"/>
+              </a:ext>
+            </a:extLst>
+          </p:cNvPr>
+          <p:cNvSpPr>
+            <a:spLocks noGrp="1"/>
+          </p:cNvSpPr>
+          <p:nvPr>
+            <p:ph idx="1"/>
+          </p:nvPr>
+        </p:nvSpPr>
+        <p:spPr>
+          <a:xfrm>
+            <a:off x="838200" y="1825625"/>
+            <a:ext cx="5029200" cy="4351338"/>
+          </a:xfrm>
+        </p:spPr>
+        <p:txBody>
+          <a:bodyPr/>
+          <a:lstStyle/>
+          <a:p>
+            <a:r>
+              <a:rPr lang="en-US" dirty="0"/>
+              <a:t>Participants walked at fast or selected speeds at virtual high or low heights. </a:t>
+            </a:r>
+          </a:p>
+          <a:p>
+            <a:endParaRPr lang="en-US" dirty="0"/>
+          </a:p>
+          <a:p>
+            <a:r>
+              <a:rPr lang="en-US" dirty="0"/>
+              <a:t>Among other things, we collected psychological perceptions of effort across the different trials.  </a:t>
+            </a:r>
+          </a:p>
+        </p:txBody>
+      </p:sp>
+      <p:sp>
+        <p:nvSpPr>
+          <p:cNvPr id="4" name="Date Placeholder 3">
+            <a:extLst>
+              <a:ext uri="{FF2B5EF4-FFF2-40B4-BE49-F238E27FC236}">
+                <a16:creationId xmlns:a16="http://schemas.microsoft.com/office/drawing/2014/main" id="{2E915DD1-5673-4869-8608-C50B22DC25F6}"/>
+              </a:ext>
+            </a:extLst>
+          </p:cNvPr>
+          <p:cNvSpPr>
+            <a:spLocks noGrp="1"/>
+          </p:cNvSpPr>
+          <p:nvPr>
+            <p:ph type="dt" sz="half" idx="10"/>
+          </p:nvPr>
+        </p:nvSpPr>
+        <p:spPr/>
+        <p:txBody>
+          <a:bodyPr/>
+          <a:lstStyle/>
+          <a:p>
+            <a:fld id="{5547C99B-7F2C-4E84-8128-EB3E64FAD082}" type="datetime1">
+              <a:rPr lang="en-US" smtClean="0"/>
+              <a:t>10/13/2019</a:t>
+            </a:fld>
+            <a:endParaRPr lang="en-US"/>
+          </a:p>
+        </p:txBody>
+      </p:sp>
+      <p:sp>
+        <p:nvSpPr>
+          <p:cNvPr id="5" name="Slide Number Placeholder 4">
+            <a:extLst>
+              <a:ext uri="{FF2B5EF4-FFF2-40B4-BE49-F238E27FC236}">
+                <a16:creationId xmlns:a16="http://schemas.microsoft.com/office/drawing/2014/main" id="{A17A7D78-CFBF-415B-9512-FE687C52417A}"/>
+              </a:ext>
+            </a:extLst>
+          </p:cNvPr>
+          <p:cNvSpPr>
+            <a:spLocks noGrp="1"/>
+          </p:cNvSpPr>
+          <p:nvPr>
+            <p:ph type="sldNum" sz="quarter" idx="12"/>
+          </p:nvPr>
+        </p:nvSpPr>
+        <p:spPr/>
+        <p:txBody>
+          <a:bodyPr/>
+          <a:lstStyle/>
+          <a:p>
+            <a:fld id="{211FFFE4-4E4B-40A7-A942-4F1B7E93AB5C}" type="slidenum">
+              <a:rPr lang="en-US" smtClean="0"/>
+              <a:t>9</a:t>
+            </a:fld>
+            <a:endParaRPr lang="en-US"/>
+          </a:p>
+        </p:txBody>
+      </p:sp>
       <p:sp>
         <p:nvSpPr>
           <p:cNvPr id="16" name="TextBox 15">
             <a:extLst>
               <a:ext uri="{FF2B5EF4-FFF2-40B4-BE49-F238E27FC236}">
-                <a16:creationId xmlns:a16="http://schemas.microsoft.com/office/drawing/2014/main" id="{65D5640B-8C1C-42DA-B5A9-3CDBF2B47A64}"/>
+                <a16:creationId xmlns:a16="http://schemas.microsoft.com/office/drawing/2014/main" id="{D02EAE40-6B5F-4A40-AE0C-88D9C85D53A9}"/>
               </a:ext>
             </a:extLst>
           </p:cNvPr>
@@ -12955,89 +10476,15 @@
         </p:nvSpPr>
         <p:spPr>
           <a:xfrm>
-            <a:off x="5804948" y="3076010"/>
-            <a:ext cx="709105" cy="646331"/>
+            <a:off x="6096000" y="4815287"/>
+            <a:ext cx="5715798" cy="1477328"/>
           </a:xfrm>
           <a:prstGeom prst="rect">
             <a:avLst/>
           </a:prstGeom>
           <a:noFill/>
-        </p:spPr>
-        <p:txBody>
-          <a:bodyPr wrap="none" rtlCol="0">
-            <a:spAutoFit/>
-          </a:bodyPr>
-          <a:lstStyle/>
-          <a:p>
-            <a:r>
-              <a:rPr lang="en-US" sz="3600" b="1" dirty="0"/>
-              <a:t>vs.</a:t>
-            </a:r>
-          </a:p>
-        </p:txBody>
-      </p:sp>
-      <p:pic>
-        <p:nvPicPr>
-          <p:cNvPr id="18" name="Picture 17" descr="A person sitting in front of a window&#10;&#10;Description automatically generated">
-            <a:extLst>
-              <a:ext uri="{FF2B5EF4-FFF2-40B4-BE49-F238E27FC236}">
-                <a16:creationId xmlns:a16="http://schemas.microsoft.com/office/drawing/2014/main" id="{5712E170-DEEC-4253-BF37-79283F442A0E}"/>
-              </a:ext>
-            </a:extLst>
-          </p:cNvPr>
-          <p:cNvPicPr>
-            <a:picLocks noChangeAspect="1"/>
-          </p:cNvPicPr>
-          <p:nvPr/>
-        </p:nvPicPr>
-        <p:blipFill rotWithShape="1">
-          <a:blip r:embed="rId3">
-            <a:extLst>
-              <a:ext uri="{28A0092B-C50C-407E-A947-70E740481C1C}">
-                <a14:useLocalDpi xmlns:a14="http://schemas.microsoft.com/office/drawing/2010/main" val="0"/>
-              </a:ext>
-            </a:extLst>
-          </a:blip>
-          <a:srcRect l="20758" t="10316" r="28942" b="34826"/>
-          <a:stretch/>
-        </p:blipFill>
-        <p:spPr>
-          <a:xfrm>
-            <a:off x="7753187" y="2030296"/>
-            <a:ext cx="1257629" cy="1371600"/>
-          </a:xfrm>
-          <a:prstGeom prst="rect">
-            <a:avLst/>
-          </a:prstGeom>
-        </p:spPr>
-      </p:pic>
-      <p:sp>
-        <p:nvSpPr>
-          <p:cNvPr id="19" name="TextBox 18">
-            <a:extLst>
-              <a:ext uri="{FF2B5EF4-FFF2-40B4-BE49-F238E27FC236}">
-                <a16:creationId xmlns:a16="http://schemas.microsoft.com/office/drawing/2014/main" id="{8F29C2EA-8122-4DE5-B3EA-B71E44AE283C}"/>
-              </a:ext>
-            </a:extLst>
-          </p:cNvPr>
-          <p:cNvSpPr txBox="1"/>
-          <p:nvPr/>
-        </p:nvSpPr>
-        <p:spPr>
-          <a:xfrm rot="20556089">
-            <a:off x="1201529" y="2383512"/>
-            <a:ext cx="1770600" cy="2031325"/>
-          </a:xfrm>
-          <a:prstGeom prst="rect">
-            <a:avLst/>
-          </a:prstGeom>
-          <a:solidFill>
-            <a:schemeClr val="bg1"/>
-          </a:solidFill>
           <a:ln>
-            <a:solidFill>
-              <a:schemeClr val="tx1"/>
-            </a:solidFill>
+            <a:noFill/>
           </a:ln>
         </p:spPr>
         <p:txBody>
@@ -13046,132 +10493,121 @@
           </a:bodyPr>
           <a:lstStyle/>
           <a:p>
-            <a:r>
-              <a:rPr lang="en-US" dirty="0"/>
-              <a:t>Abstract…</a:t>
-            </a:r>
-          </a:p>
-          <a:p>
-            <a:endParaRPr lang="en-US" dirty="0"/>
-          </a:p>
-          <a:p>
-            <a:r>
-              <a:rPr lang="en-US" dirty="0"/>
-              <a:t>General…</a:t>
-            </a:r>
-          </a:p>
-          <a:p>
-            <a:endParaRPr lang="en-US" dirty="0"/>
-          </a:p>
-          <a:p>
-            <a:r>
-              <a:rPr lang="en-US" dirty="0"/>
-              <a:t>The impression is what's important.</a:t>
-            </a:r>
-          </a:p>
-        </p:txBody>
-      </p:sp>
-      <p:sp>
-        <p:nvSpPr>
-          <p:cNvPr id="20" name="TextBox 19">
-            <a:extLst>
-              <a:ext uri="{FF2B5EF4-FFF2-40B4-BE49-F238E27FC236}">
-                <a16:creationId xmlns:a16="http://schemas.microsoft.com/office/drawing/2014/main" id="{08AF378B-93E3-4FC7-B08C-6BBAE0420B2E}"/>
-              </a:ext>
-            </a:extLst>
-          </p:cNvPr>
-          <p:cNvSpPr txBox="1"/>
+            <a:pPr marL="342900" indent="-342900">
+              <a:buFont typeface="+mj-lt"/>
+              <a:buAutoNum type="arabicPeriod"/>
+            </a:pPr>
+            <a:r>
+              <a:rPr lang="en-US" strike="sngStrike" dirty="0">
+                <a:solidFill>
+                  <a:srgbClr val="B4484B"/>
+                </a:solidFill>
+              </a:rPr>
+              <a:t>No measure of central tendency.</a:t>
+            </a:r>
+          </a:p>
+          <a:p>
+            <a:pPr marL="342900" indent="-342900">
+              <a:buFont typeface="+mj-lt"/>
+              <a:buAutoNum type="arabicPeriod"/>
+            </a:pPr>
+            <a:r>
+              <a:rPr lang="en-US" dirty="0">
+                <a:solidFill>
+                  <a:srgbClr val="B4484B"/>
+                </a:solidFill>
+              </a:rPr>
+              <a:t>No measures of spread.</a:t>
+            </a:r>
+          </a:p>
+          <a:p>
+            <a:pPr marL="342900" indent="-342900">
+              <a:buFont typeface="+mj-lt"/>
+              <a:buAutoNum type="arabicPeriod"/>
+            </a:pPr>
+            <a:r>
+              <a:rPr lang="en-US" dirty="0">
+                <a:solidFill>
+                  <a:srgbClr val="B4484B"/>
+                </a:solidFill>
+              </a:rPr>
+              <a:t>No information about sample size.  </a:t>
+            </a:r>
+          </a:p>
+          <a:p>
+            <a:pPr marL="342900" indent="-342900">
+              <a:buFont typeface="+mj-lt"/>
+              <a:buAutoNum type="arabicPeriod"/>
+            </a:pPr>
+            <a:r>
+              <a:rPr lang="en-US" dirty="0">
+                <a:solidFill>
+                  <a:srgbClr val="B4484B"/>
+                </a:solidFill>
+              </a:rPr>
+              <a:t>No  information about the correlation between measures.</a:t>
+            </a:r>
+          </a:p>
+        </p:txBody>
+      </p:sp>
+      <p:sp>
+        <p:nvSpPr>
+          <p:cNvPr id="17" name="Rectangle 16">
+            <a:extLst>
+              <a:ext uri="{FF2B5EF4-FFF2-40B4-BE49-F238E27FC236}">
+                <a16:creationId xmlns:a16="http://schemas.microsoft.com/office/drawing/2014/main" id="{3A4F7B78-5663-435B-9F97-34666B55DFC1}"/>
+              </a:ext>
+            </a:extLst>
+          </p:cNvPr>
+          <p:cNvSpPr/>
           <p:nvPr/>
         </p:nvSpPr>
         <p:spPr>
-          <a:xfrm rot="1102415">
-            <a:off x="9436776" y="2349770"/>
-            <a:ext cx="1770600" cy="2031325"/>
-          </a:xfrm>
-          <a:prstGeom prst="rect">
-            <a:avLst/>
-          </a:prstGeom>
-          <a:solidFill>
-            <a:schemeClr val="bg1"/>
-          </a:solidFill>
-          <a:ln>
-            <a:solidFill>
-              <a:schemeClr val="tx1"/>
-            </a:solidFill>
-          </a:ln>
-        </p:spPr>
-        <p:txBody>
-          <a:bodyPr wrap="square" rtlCol="0">
-            <a:spAutoFit/>
-          </a:bodyPr>
-          <a:lstStyle/>
-          <a:p>
-            <a:r>
-              <a:rPr lang="en-US" dirty="0"/>
-              <a:t>Based on something real…</a:t>
-            </a:r>
-          </a:p>
-          <a:p>
-            <a:endParaRPr lang="en-US" dirty="0"/>
-          </a:p>
-          <a:p>
-            <a:r>
-              <a:rPr lang="en-US" dirty="0"/>
-              <a:t>Specific…</a:t>
-            </a:r>
-          </a:p>
-          <a:p>
-            <a:endParaRPr lang="en-US" dirty="0"/>
-          </a:p>
-          <a:p>
-            <a:r>
-              <a:rPr lang="en-US" dirty="0"/>
-              <a:t>The details really are key.</a:t>
-            </a:r>
-          </a:p>
-        </p:txBody>
-      </p:sp>
-      <p:sp>
-        <p:nvSpPr>
-          <p:cNvPr id="6" name="TextBox 5">
-            <a:extLst>
-              <a:ext uri="{FF2B5EF4-FFF2-40B4-BE49-F238E27FC236}">
-                <a16:creationId xmlns:a16="http://schemas.microsoft.com/office/drawing/2014/main" id="{B71B3513-0E1D-4A22-9D38-E26AD52BDE18}"/>
-              </a:ext>
-            </a:extLst>
-          </p:cNvPr>
-          <p:cNvSpPr txBox="1"/>
-          <p:nvPr/>
-        </p:nvSpPr>
-        <p:spPr>
-          <a:xfrm>
-            <a:off x="3235325" y="1537256"/>
-            <a:ext cx="1366849" cy="369332"/>
+          <a:xfrm>
+            <a:off x="6096000" y="1690688"/>
+            <a:ext cx="5715798" cy="4601927"/>
           </a:xfrm>
           <a:prstGeom prst="rect">
             <a:avLst/>
           </a:prstGeom>
           <a:noFill/>
-        </p:spPr>
-        <p:txBody>
-          <a:bodyPr wrap="none" rtlCol="0">
-            <a:spAutoFit/>
-          </a:bodyPr>
-          <a:lstStyle/>
-          <a:p>
-            <a:r>
-              <a:rPr lang="en-US" b="1" u="sng" dirty="0"/>
-              <a:t>Like a Figure</a:t>
-            </a:r>
-          </a:p>
-        </p:txBody>
-      </p:sp>
-      <p:sp>
-        <p:nvSpPr>
-          <p:cNvPr id="21" name="TextBox 20">
-            <a:extLst>
-              <a:ext uri="{FF2B5EF4-FFF2-40B4-BE49-F238E27FC236}">
-                <a16:creationId xmlns:a16="http://schemas.microsoft.com/office/drawing/2014/main" id="{777A693F-1E0E-4B13-B804-79324CC94810}"/>
+          <a:ln w="28575">
+            <a:solidFill>
+              <a:srgbClr val="BF5356"/>
+            </a:solidFill>
+          </a:ln>
+        </p:spPr>
+        <p:style>
+          <a:lnRef idx="2">
+            <a:schemeClr val="accent1">
+              <a:shade val="50000"/>
+            </a:schemeClr>
+          </a:lnRef>
+          <a:fillRef idx="1">
+            <a:schemeClr val="accent1"/>
+          </a:fillRef>
+          <a:effectRef idx="0">
+            <a:schemeClr val="accent1"/>
+          </a:effectRef>
+          <a:fontRef idx="minor">
+            <a:schemeClr val="lt1"/>
+          </a:fontRef>
+        </p:style>
+        <p:txBody>
+          <a:bodyPr rtlCol="0" anchor="ctr"/>
+          <a:lstStyle/>
+          <a:p>
+            <a:pPr algn="ctr"/>
+            <a:endParaRPr lang="en-US"/>
+          </a:p>
+        </p:txBody>
+      </p:sp>
+      <p:sp>
+        <p:nvSpPr>
+          <p:cNvPr id="18" name="TextBox 17">
+            <a:extLst>
+              <a:ext uri="{FF2B5EF4-FFF2-40B4-BE49-F238E27FC236}">
+                <a16:creationId xmlns:a16="http://schemas.microsoft.com/office/drawing/2014/main" id="{B50FAF1D-4609-48CD-AD3A-94C3B608B46F}"/>
               </a:ext>
             </a:extLst>
           </p:cNvPr>
@@ -13180,8 +10616,8 @@
         </p:nvSpPr>
         <p:spPr>
           <a:xfrm>
-            <a:off x="7384836" y="1537256"/>
-            <a:ext cx="1994329" cy="369332"/>
+            <a:off x="4494246" y="6488668"/>
+            <a:ext cx="3203506" cy="369332"/>
           </a:xfrm>
           <a:prstGeom prst="rect">
             <a:avLst/>
@@ -13195,8 +10631,16 @@
           <a:lstStyle/>
           <a:p>
             <a:r>
-              <a:rPr lang="en-US" b="1" u="sng" dirty="0"/>
-              <a:t>Like a Visualization</a:t>
+              <a:rPr lang="en-US" dirty="0"/>
+              <a:t>[Raffegeau et al., </a:t>
+            </a:r>
+            <a:r>
+              <a:rPr lang="en-US" i="1" dirty="0"/>
+              <a:t>Under Review</a:t>
+            </a:r>
+            <a:r>
+              <a:rPr lang="en-US" dirty="0"/>
+              <a:t>]</a:t>
             </a:r>
           </a:p>
         </p:txBody>
@@ -13204,20 +10648,13 @@
     </p:spTree>
     <p:extLst>
       <p:ext uri="{BB962C8B-B14F-4D97-AF65-F5344CB8AC3E}">
-        <p14:creationId xmlns:p14="http://schemas.microsoft.com/office/powerpoint/2010/main" val="2467808894"/>
+        <p14:creationId xmlns:p14="http://schemas.microsoft.com/office/powerpoint/2010/main" val="3672096144"/>
       </p:ext>
     </p:extLst>
   </p:cSld>
   <p:clrMapOvr>
     <a:masterClrMapping/>
   </p:clrMapOvr>
-  <p:timing>
-    <p:tnLst>
-      <p:par>
-        <p:cTn id="1" dur="indefinite" restart="never" nodeType="tmRoot"/>
-      </p:par>
-    </p:tnLst>
-  </p:timing>
 </p:sld>
 </file>
 
